--- a/slides/re4ai/seminar-refun-re4ai.pptx
+++ b/slides/re4ai/seminar-refun-re4ai.pptx
@@ -5,7 +5,7 @@
     <p:sldMasterId id="2147483648" r:id="rId1"/>
   </p:sldMasterIdLst>
   <p:notesMasterIdLst>
-    <p:notesMasterId r:id="rId12"/>
+    <p:notesMasterId r:id="rId11"/>
   </p:notesMasterIdLst>
   <p:sldIdLst>
     <p:sldId id="256" r:id="rId2"/>
@@ -16,8 +16,7 @@
     <p:sldId id="264" r:id="rId7"/>
     <p:sldId id="263" r:id="rId8"/>
     <p:sldId id="260" r:id="rId9"/>
-    <p:sldId id="261" r:id="rId10"/>
-    <p:sldId id="262" r:id="rId11"/>
+    <p:sldId id="262" r:id="rId10"/>
   </p:sldIdLst>
   <p:sldSz cx="12192000" cy="6858000"/>
   <p:notesSz cx="6858000" cy="9144000"/>
@@ -206,7 +205,7 @@
           <a:p>
             <a:fld id="{DDEAE774-A069-4C80-913C-6311167CE991}" type="datetimeFigureOut">
               <a:rPr lang="en-SE" smtClean="0"/>
-              <a:t>2025-06-09</a:t>
+              <a:t>2025-06-10</a:t>
             </a:fld>
             <a:endParaRPr lang="en-SE"/>
           </a:p>
@@ -518,18 +517,30 @@
           <a:bodyPr/>
           <a:lstStyle/>
           <a:p>
+            <a:pPr marL="171450" indent="-171450">
+              <a:buFont typeface="Arial" panose="020B0604020202020204" pitchFamily="34" charset="0"/>
+              <a:buChar char="•"/>
+            </a:pPr>
             <a:r>
               <a:rPr lang="en-GB" dirty="0"/>
               <a:t>Traditional RE emerged with traditional software in mind</a:t>
             </a:r>
           </a:p>
           <a:p>
+            <a:pPr marL="171450" indent="-171450">
+              <a:buFont typeface="Arial" panose="020B0604020202020204" pitchFamily="34" charset="0"/>
+              <a:buChar char="•"/>
+            </a:pPr>
             <a:r>
               <a:rPr lang="en-GB" dirty="0"/>
               <a:t>AI-enabled systems is not traditional software</a:t>
             </a:r>
           </a:p>
           <a:p>
+            <a:pPr marL="171450" indent="-171450">
+              <a:buFont typeface="Arial" panose="020B0604020202020204" pitchFamily="34" charset="0"/>
+              <a:buChar char="•"/>
+            </a:pPr>
             <a:r>
               <a:rPr lang="en-GB" dirty="0"/>
               <a:t>This distinction between AI-enabled systems and traditional software has implications for RE</a:t>
@@ -866,7 +877,7 @@
           <a:p>
             <a:r>
               <a:rPr lang="en-GB" dirty="0"/>
-              <a:t>Additionally,</a:t>
+              <a:t>Additionally:</a:t>
             </a:r>
           </a:p>
           <a:p>
@@ -887,6 +898,23 @@
             <a:r>
               <a:rPr lang="en-GB" dirty="0"/>
               <a:t>The validation and verification of NFRs is vastly different</a:t>
+            </a:r>
+          </a:p>
+          <a:p>
+            <a:pPr marL="171450" indent="-171450">
+              <a:buFont typeface="Arial" panose="020B0604020202020204" pitchFamily="34" charset="0"/>
+              <a:buChar char="•"/>
+            </a:pPr>
+            <a:endParaRPr lang="en-GB" dirty="0"/>
+          </a:p>
+          <a:p>
+            <a:pPr marL="0" indent="0">
+              <a:buFont typeface="Arial" panose="020B0604020202020204" pitchFamily="34" charset="0"/>
+              <a:buNone/>
+            </a:pPr>
+            <a:r>
+              <a:rPr lang="en-GB" dirty="0"/>
+              <a:t>Conclusion: RE for AI systems may shift the focus on the prioritization, definition, and evaluation of non-functional requirements</a:t>
             </a:r>
           </a:p>
         </p:txBody>
@@ -973,24 +1001,17 @@
           <a:p>
             <a:r>
               <a:rPr lang="en-GB" dirty="0"/>
-              <a:t>Requirements remain similar, but</a:t>
+              <a:t>This raises the question: how do we assess non-functional requirements for AI systems?</a:t>
             </a:r>
           </a:p>
           <a:p>
-            <a:pPr lvl="1"/>
+            <a:endParaRPr lang="en-GB" dirty="0"/>
+          </a:p>
+          <a:p>
             <a:r>
               <a:rPr lang="en-GB" dirty="0"/>
-              <a:t>They may be more challenging to implement (i.e., expecting better performance or more advanced use cases)</a:t>
+              <a:t>Conclusion: non-functional requirements must be applied to, specified for, and evaluated on specific entities.</a:t>
             </a:r>
-          </a:p>
-          <a:p>
-            <a:pPr lvl="1"/>
-            <a:r>
-              <a:rPr lang="en-GB" dirty="0"/>
-              <a:t>Previous public incidents may put focus on other NFRs (like transparency and fairness)</a:t>
-            </a:r>
-          </a:p>
-          <a:p>
             <a:endParaRPr lang="en-SE" dirty="0"/>
           </a:p>
         </p:txBody>
@@ -1012,7 +1033,7 @@
           <a:p>
             <a:fld id="{871BD1A4-A35A-42D8-8DC8-6E0FF0A89021}" type="slidenum">
               <a:rPr lang="en-SE" smtClean="0"/>
-              <a:t>8</a:t>
+              <a:t>6</a:t>
             </a:fld>
             <a:endParaRPr lang="en-SE"/>
           </a:p>
@@ -1021,7 +1042,7 @@
     </p:spTree>
     <p:extLst>
       <p:ext uri="{BB962C8B-B14F-4D97-AF65-F5344CB8AC3E}">
-        <p14:creationId xmlns:p14="http://schemas.microsoft.com/office/powerpoint/2010/main" val="2194552892"/>
+        <p14:creationId xmlns:p14="http://schemas.microsoft.com/office/powerpoint/2010/main" val="3862536158"/>
       </p:ext>
     </p:extLst>
   </p:cSld>
@@ -1094,7 +1115,31 @@
             </a:pPr>
             <a:r>
               <a:rPr lang="en-GB" dirty="0"/>
-              <a:t>Working through the levels of abstraction of a requirement shows that only the decomposed components imply new requirements</a:t>
+              <a:t>How the training data was sampled affects the robustness of models on unseen data.</a:t>
+            </a:r>
+            <a:endParaRPr lang="en-SE" dirty="0"/>
+          </a:p>
+          <a:p>
+            <a:pPr marL="0" marR="0" lvl="0" indent="0" algn="l" defTabSz="914400" rtl="0" eaLnBrk="1" fontAlgn="auto" latinLnBrk="0" hangingPunct="1">
+              <a:lnSpc>
+                <a:spcPct val="100000"/>
+              </a:lnSpc>
+              <a:spcBef>
+                <a:spcPts val="0"/>
+              </a:spcBef>
+              <a:spcAft>
+                <a:spcPts val="0"/>
+              </a:spcAft>
+              <a:buClrTx/>
+              <a:buSzTx/>
+              <a:buFontTx/>
+              <a:buNone/>
+              <a:tabLst/>
+              <a:defRPr/>
+            </a:pPr>
+            <a:r>
+              <a:rPr lang="en-GB" dirty="0"/>
+              <a:t>Causal modelling techniques can be used to ensure the representativeness of data.</a:t>
             </a:r>
             <a:endParaRPr lang="en-SE" dirty="0"/>
           </a:p>
@@ -1120,7 +1165,7 @@
           <a:p>
             <a:fld id="{871BD1A4-A35A-42D8-8DC8-6E0FF0A89021}" type="slidenum">
               <a:rPr lang="en-SE" smtClean="0"/>
-              <a:t>9</a:t>
+              <a:t>7</a:t>
             </a:fld>
             <a:endParaRPr lang="en-SE"/>
           </a:p>
@@ -1129,7 +1174,111 @@
     </p:spTree>
     <p:extLst>
       <p:ext uri="{BB962C8B-B14F-4D97-AF65-F5344CB8AC3E}">
-        <p14:creationId xmlns:p14="http://schemas.microsoft.com/office/powerpoint/2010/main" val="1579645821"/>
+        <p14:creationId xmlns:p14="http://schemas.microsoft.com/office/powerpoint/2010/main" val="2151273905"/>
+      </p:ext>
+    </p:extLst>
+  </p:cSld>
+  <p:clrMapOvr>
+    <a:masterClrMapping/>
+  </p:clrMapOvr>
+</p:notes>
+</file>
+
+<file path=ppt/notesSlides/notesSlide7.xml><?xml version="1.0" encoding="utf-8"?>
+<p:notes xmlns:a="http://schemas.openxmlformats.org/drawingml/2006/main" xmlns:r="http://schemas.openxmlformats.org/officeDocument/2006/relationships" xmlns:p="http://schemas.openxmlformats.org/presentationml/2006/main">
+  <p:cSld>
+    <p:spTree>
+      <p:nvGrpSpPr>
+        <p:cNvPr id="1" name=""/>
+        <p:cNvGrpSpPr/>
+        <p:nvPr/>
+      </p:nvGrpSpPr>
+      <p:grpSpPr>
+        <a:xfrm>
+          <a:off x="0" y="0"/>
+          <a:ext cx="0" cy="0"/>
+          <a:chOff x="0" y="0"/>
+          <a:chExt cx="0" cy="0"/>
+        </a:xfrm>
+      </p:grpSpPr>
+      <p:sp>
+        <p:nvSpPr>
+          <p:cNvPr id="2" name="Slide Image Placeholder 1"/>
+          <p:cNvSpPr>
+            <a:spLocks noGrp="1" noRot="1" noChangeAspect="1"/>
+          </p:cNvSpPr>
+          <p:nvPr>
+            <p:ph type="sldImg"/>
+          </p:nvPr>
+        </p:nvSpPr>
+        <p:spPr/>
+      </p:sp>
+      <p:sp>
+        <p:nvSpPr>
+          <p:cNvPr id="3" name="Notes Placeholder 2"/>
+          <p:cNvSpPr>
+            <a:spLocks noGrp="1"/>
+          </p:cNvSpPr>
+          <p:nvPr>
+            <p:ph type="body" idx="1"/>
+          </p:nvPr>
+        </p:nvSpPr>
+        <p:spPr/>
+        <p:txBody>
+          <a:bodyPr/>
+          <a:lstStyle/>
+          <a:p>
+            <a:r>
+              <a:rPr lang="en-GB" dirty="0"/>
+              <a:t>Requirements remain similar, but</a:t>
+            </a:r>
+          </a:p>
+          <a:p>
+            <a:pPr lvl="1"/>
+            <a:r>
+              <a:rPr lang="en-GB" dirty="0"/>
+              <a:t>They may be more challenging to implement (i.e., expecting better performance or more advanced use cases)</a:t>
+            </a:r>
+          </a:p>
+          <a:p>
+            <a:pPr lvl="1"/>
+            <a:r>
+              <a:rPr lang="en-GB" dirty="0"/>
+              <a:t>Previous public incidents may put focus on other NFRs (like transparency and fairness)</a:t>
+            </a:r>
+          </a:p>
+          <a:p>
+            <a:endParaRPr lang="en-SE" dirty="0"/>
+          </a:p>
+        </p:txBody>
+      </p:sp>
+      <p:sp>
+        <p:nvSpPr>
+          <p:cNvPr id="4" name="Slide Number Placeholder 3"/>
+          <p:cNvSpPr>
+            <a:spLocks noGrp="1"/>
+          </p:cNvSpPr>
+          <p:nvPr>
+            <p:ph type="sldNum" sz="quarter" idx="5"/>
+          </p:nvPr>
+        </p:nvSpPr>
+        <p:spPr/>
+        <p:txBody>
+          <a:bodyPr/>
+          <a:lstStyle/>
+          <a:p>
+            <a:fld id="{871BD1A4-A35A-42D8-8DC8-6E0FF0A89021}" type="slidenum">
+              <a:rPr lang="en-SE" smtClean="0"/>
+              <a:t>8</a:t>
+            </a:fld>
+            <a:endParaRPr lang="en-SE"/>
+          </a:p>
+        </p:txBody>
+      </p:sp>
+    </p:spTree>
+    <p:extLst>
+      <p:ext uri="{BB962C8B-B14F-4D97-AF65-F5344CB8AC3E}">
+        <p14:creationId xmlns:p14="http://schemas.microsoft.com/office/powerpoint/2010/main" val="2194552892"/>
       </p:ext>
     </p:extLst>
   </p:cSld>
@@ -1288,7 +1437,7 @@
           <a:p>
             <a:fld id="{B8A2E2F5-1ACA-471C-8F75-D4BCA16AD5E4}" type="datetime1">
               <a:rPr lang="de-DE" smtClean="0"/>
-              <a:t>09.06.2025</a:t>
+              <a:t>10.06.2025</a:t>
             </a:fld>
             <a:endParaRPr lang="en-SE"/>
           </a:p>
@@ -1492,7 +1641,7 @@
           <a:p>
             <a:fld id="{9CE85F0D-3621-49AF-AC39-8AC23685A06D}" type="datetime1">
               <a:rPr lang="de-DE" smtClean="0"/>
-              <a:t>09.06.2025</a:t>
+              <a:t>10.06.2025</a:t>
             </a:fld>
             <a:endParaRPr lang="en-SE"/>
           </a:p>
@@ -1706,7 +1855,7 @@
           <a:p>
             <a:fld id="{160A867D-26C0-4BE6-AD28-8E577999D0AD}" type="datetime1">
               <a:rPr lang="de-DE" smtClean="0"/>
-              <a:t>09.06.2025</a:t>
+              <a:t>10.06.2025</a:t>
             </a:fld>
             <a:endParaRPr lang="en-SE"/>
           </a:p>
@@ -1910,7 +2059,7 @@
           <a:p>
             <a:fld id="{60CB520D-D965-46BA-A3CC-319C6DE058D5}" type="datetime1">
               <a:rPr lang="de-DE" smtClean="0"/>
-              <a:t>09.06.2025</a:t>
+              <a:t>10.06.2025</a:t>
             </a:fld>
             <a:endParaRPr lang="en-SE"/>
           </a:p>
@@ -2226,7 +2375,7 @@
           <a:p>
             <a:fld id="{31641F1E-B483-4EB3-9802-4CF7B641DA50}" type="datetime1">
               <a:rPr lang="de-DE" smtClean="0"/>
-              <a:t>09.06.2025</a:t>
+              <a:t>10.06.2025</a:t>
             </a:fld>
             <a:endParaRPr lang="en-SE"/>
           </a:p>
@@ -2498,7 +2647,7 @@
           <a:p>
             <a:fld id="{A2D09C0C-D3BA-4ECB-A545-CDA3562F5566}" type="datetime1">
               <a:rPr lang="de-DE" smtClean="0"/>
-              <a:t>09.06.2025</a:t>
+              <a:t>10.06.2025</a:t>
             </a:fld>
             <a:endParaRPr lang="en-SE"/>
           </a:p>
@@ -2917,7 +3066,7 @@
           <a:p>
             <a:fld id="{444B75DF-1FF5-4129-9D05-47C75362EC53}" type="datetime1">
               <a:rPr lang="de-DE" smtClean="0"/>
-              <a:t>09.06.2025</a:t>
+              <a:t>10.06.2025</a:t>
             </a:fld>
             <a:endParaRPr lang="en-SE"/>
           </a:p>
@@ -3063,7 +3212,7 @@
           <a:p>
             <a:fld id="{0F6BB554-CBE8-420E-8DB3-328AA6ED9152}" type="datetime1">
               <a:rPr lang="de-DE" smtClean="0"/>
-              <a:t>09.06.2025</a:t>
+              <a:t>10.06.2025</a:t>
             </a:fld>
             <a:endParaRPr lang="en-SE"/>
           </a:p>
@@ -3180,7 +3329,7 @@
           <a:p>
             <a:fld id="{4E741018-AF8E-4242-8324-D95ED1F238A9}" type="datetime1">
               <a:rPr lang="de-DE" smtClean="0"/>
-              <a:t>09.06.2025</a:t>
+              <a:t>10.06.2025</a:t>
             </a:fld>
             <a:endParaRPr lang="en-SE"/>
           </a:p>
@@ -3497,7 +3646,7 @@
           <a:p>
             <a:fld id="{AA1D58F1-E3F8-4B02-943D-561FC8CA65DA}" type="datetime1">
               <a:rPr lang="de-DE" smtClean="0"/>
-              <a:t>09.06.2025</a:t>
+              <a:t>10.06.2025</a:t>
             </a:fld>
             <a:endParaRPr lang="en-SE"/>
           </a:p>
@@ -3790,7 +3939,7 @@
           <a:p>
             <a:fld id="{30B31B0D-1915-42B5-9F14-EA9B347BDDFB}" type="datetime1">
               <a:rPr lang="de-DE" smtClean="0"/>
-              <a:t>09.06.2025</a:t>
+              <a:t>10.06.2025</a:t>
             </a:fld>
             <a:endParaRPr lang="en-SE"/>
           </a:p>
@@ -4037,7 +4186,7 @@
           <a:p>
             <a:fld id="{C201C510-583C-41D6-8FD1-574D99E0A72F}" type="datetime1">
               <a:rPr lang="de-DE" smtClean="0"/>
-              <a:t>09.06.2025</a:t>
+              <a:t>10.06.2025</a:t>
             </a:fld>
             <a:endParaRPr lang="en-SE"/>
           </a:p>
@@ -5004,398 +5153,18 @@
   <p:clrMapOvr>
     <a:masterClrMapping/>
   </p:clrMapOvr>
-</p:sld>
-</file>
-
-<file path=ppt/slides/slide10.xml><?xml version="1.0" encoding="utf-8"?>
-<p:sld xmlns:a="http://schemas.openxmlformats.org/drawingml/2006/main" xmlns:r="http://schemas.openxmlformats.org/officeDocument/2006/relationships" xmlns:p="http://schemas.openxmlformats.org/presentationml/2006/main">
-  <p:cSld>
-    <p:spTree>
-      <p:nvGrpSpPr>
-        <p:cNvPr id="1" name=""/>
-        <p:cNvGrpSpPr/>
-        <p:nvPr/>
-      </p:nvGrpSpPr>
-      <p:grpSpPr>
-        <a:xfrm>
-          <a:off x="0" y="0"/>
-          <a:ext cx="0" cy="0"/>
-          <a:chOff x="0" y="0"/>
-          <a:chExt cx="0" cy="0"/>
-        </a:xfrm>
-      </p:grpSpPr>
-      <p:sp>
-        <p:nvSpPr>
-          <p:cNvPr id="2" name="Title 1">
-            <a:extLst>
-              <a:ext uri="{FF2B5EF4-FFF2-40B4-BE49-F238E27FC236}">
-                <a16:creationId xmlns:a16="http://schemas.microsoft.com/office/drawing/2014/main" id="{F5EAE4EA-71A9-79D6-E7EE-D87640B1F0C0}"/>
-              </a:ext>
-            </a:extLst>
-          </p:cNvPr>
-          <p:cNvSpPr>
-            <a:spLocks noGrp="1"/>
-          </p:cNvSpPr>
-          <p:nvPr>
-            <p:ph type="title"/>
-          </p:nvPr>
-        </p:nvSpPr>
-        <p:spPr/>
-        <p:txBody>
-          <a:bodyPr/>
-          <a:lstStyle/>
-          <a:p>
-            <a:r>
-              <a:rPr lang="en-GB" dirty="0"/>
-              <a:t>Lesson Learned</a:t>
-            </a:r>
-            <a:endParaRPr lang="en-SE" dirty="0"/>
-          </a:p>
-        </p:txBody>
-      </p:sp>
-      <p:sp>
-        <p:nvSpPr>
-          <p:cNvPr id="4" name="Date Placeholder 3">
-            <a:extLst>
-              <a:ext uri="{FF2B5EF4-FFF2-40B4-BE49-F238E27FC236}">
-                <a16:creationId xmlns:a16="http://schemas.microsoft.com/office/drawing/2014/main" id="{B5D462A6-CE4B-DF4C-93F1-27CA9A90F564}"/>
-              </a:ext>
-            </a:extLst>
-          </p:cNvPr>
-          <p:cNvSpPr>
-            <a:spLocks noGrp="1"/>
-          </p:cNvSpPr>
-          <p:nvPr>
-            <p:ph type="dt" sz="half" idx="10"/>
-          </p:nvPr>
-        </p:nvSpPr>
-        <p:spPr/>
-        <p:txBody>
-          <a:bodyPr/>
-          <a:lstStyle/>
-          <a:p>
-            <a:fld id="{7D4C7CFC-0D51-4D10-BD17-755824AADAEC}" type="datetime1">
-              <a:rPr lang="de-DE" smtClean="0"/>
-              <a:t>09.06.2025</a:t>
-            </a:fld>
-            <a:endParaRPr lang="en-SE"/>
-          </a:p>
-        </p:txBody>
-      </p:sp>
-      <p:sp>
-        <p:nvSpPr>
-          <p:cNvPr id="5" name="Footer Placeholder 4">
-            <a:extLst>
-              <a:ext uri="{FF2B5EF4-FFF2-40B4-BE49-F238E27FC236}">
-                <a16:creationId xmlns:a16="http://schemas.microsoft.com/office/drawing/2014/main" id="{77A5FC52-026D-BD41-5310-FE0B8F55E2C7}"/>
-              </a:ext>
-            </a:extLst>
-          </p:cNvPr>
-          <p:cNvSpPr>
-            <a:spLocks noGrp="1"/>
-          </p:cNvSpPr>
-          <p:nvPr>
-            <p:ph type="ftr" sz="quarter" idx="11"/>
-          </p:nvPr>
-        </p:nvSpPr>
-        <p:spPr/>
-        <p:txBody>
-          <a:bodyPr/>
-          <a:lstStyle/>
-          <a:p>
-            <a:r>
-              <a:rPr lang="en-US"/>
-              <a:t>Requirements Engineering Fundamentals: RE4AI</a:t>
-            </a:r>
-            <a:endParaRPr lang="en-SE"/>
-          </a:p>
-        </p:txBody>
-      </p:sp>
-      <p:sp>
-        <p:nvSpPr>
-          <p:cNvPr id="6" name="Slide Number Placeholder 5">
-            <a:extLst>
-              <a:ext uri="{FF2B5EF4-FFF2-40B4-BE49-F238E27FC236}">
-                <a16:creationId xmlns:a16="http://schemas.microsoft.com/office/drawing/2014/main" id="{74E2D998-F249-020D-471F-633B2E21B7A0}"/>
-              </a:ext>
-            </a:extLst>
-          </p:cNvPr>
-          <p:cNvSpPr>
-            <a:spLocks noGrp="1"/>
-          </p:cNvSpPr>
-          <p:nvPr>
-            <p:ph type="sldNum" sz="quarter" idx="12"/>
-          </p:nvPr>
-        </p:nvSpPr>
-        <p:spPr/>
-        <p:txBody>
-          <a:bodyPr/>
-          <a:lstStyle/>
-          <a:p>
-            <a:fld id="{5DE25AE5-FEAD-441B-BB85-3E3BABBF875D}" type="slidenum">
-              <a:rPr lang="en-SE" smtClean="0"/>
-              <a:t>10</a:t>
-            </a:fld>
-            <a:endParaRPr lang="en-SE"/>
-          </a:p>
-        </p:txBody>
-      </p:sp>
-      <p:pic>
-        <p:nvPicPr>
-          <p:cNvPr id="7" name="Graphic 6" descr="Artificial Intelligence with solid fill">
-            <a:extLst>
-              <a:ext uri="{FF2B5EF4-FFF2-40B4-BE49-F238E27FC236}">
-                <a16:creationId xmlns:a16="http://schemas.microsoft.com/office/drawing/2014/main" id="{C70315AC-B06C-1B3A-A380-00CF9D33F7F2}"/>
-              </a:ext>
-            </a:extLst>
-          </p:cNvPr>
-          <p:cNvPicPr>
-            <a:picLocks noChangeAspect="1"/>
-          </p:cNvPicPr>
-          <p:nvPr/>
-        </p:nvPicPr>
-        <p:blipFill>
-          <a:blip r:embed="rId2">
-            <a:extLst>
-              <a:ext uri="{96DAC541-7B7A-43D3-8B79-37D633B846F1}">
-                <asvg:svgBlip xmlns:asvg="http://schemas.microsoft.com/office/drawing/2016/SVG/main" r:embed="rId3"/>
-              </a:ext>
-            </a:extLst>
-          </a:blip>
-          <a:stretch>
-            <a:fillRect/>
-          </a:stretch>
-        </p:blipFill>
-        <p:spPr>
-          <a:xfrm>
-            <a:off x="838200" y="1816100"/>
-            <a:ext cx="914400" cy="914400"/>
-          </a:xfrm>
-          <a:prstGeom prst="rect">
-            <a:avLst/>
-          </a:prstGeom>
-        </p:spPr>
-      </p:pic>
-      <p:sp>
-        <p:nvSpPr>
-          <p:cNvPr id="8" name="TextBox 7">
-            <a:extLst>
-              <a:ext uri="{FF2B5EF4-FFF2-40B4-BE49-F238E27FC236}">
-                <a16:creationId xmlns:a16="http://schemas.microsoft.com/office/drawing/2014/main" id="{E0456560-7EC4-23A0-1D3E-C042EBA19F8C}"/>
-              </a:ext>
-            </a:extLst>
-          </p:cNvPr>
-          <p:cNvSpPr txBox="1"/>
-          <p:nvPr/>
-        </p:nvSpPr>
-        <p:spPr>
-          <a:xfrm>
-            <a:off x="1752600" y="1950134"/>
-            <a:ext cx="9044595" cy="646331"/>
-          </a:xfrm>
-          <a:prstGeom prst="rect">
-            <a:avLst/>
-          </a:prstGeom>
-          <a:noFill/>
-        </p:spPr>
-        <p:txBody>
-          <a:bodyPr wrap="square" rtlCol="0">
-            <a:spAutoFit/>
-          </a:bodyPr>
-          <a:lstStyle/>
-          <a:p>
-            <a:r>
-              <a:rPr lang="en-GB" dirty="0"/>
-              <a:t>Systems including artificial intelligence (AI) </a:t>
-            </a:r>
-            <a:r>
-              <a:rPr lang="en-GB" b="1" dirty="0"/>
-              <a:t>are not traditional software </a:t>
-            </a:r>
-            <a:r>
-              <a:rPr lang="en-GB" dirty="0"/>
-              <a:t>and traditional requirements engineering techniques may not apply to them.</a:t>
-            </a:r>
-            <a:endParaRPr lang="en-SE" dirty="0"/>
-          </a:p>
-        </p:txBody>
-      </p:sp>
-      <p:pic>
-        <p:nvPicPr>
-          <p:cNvPr id="9" name="Graphic 8" descr="Pyramid with levels with solid fill">
-            <a:extLst>
-              <a:ext uri="{FF2B5EF4-FFF2-40B4-BE49-F238E27FC236}">
-                <a16:creationId xmlns:a16="http://schemas.microsoft.com/office/drawing/2014/main" id="{82FB686A-234B-E72E-CD99-5E82AD93DD90}"/>
-              </a:ext>
-            </a:extLst>
-          </p:cNvPr>
-          <p:cNvPicPr>
-            <a:picLocks noChangeAspect="1"/>
-          </p:cNvPicPr>
-          <p:nvPr/>
-        </p:nvPicPr>
-        <p:blipFill>
-          <a:blip r:embed="rId4">
-            <a:extLst>
-              <a:ext uri="{96DAC541-7B7A-43D3-8B79-37D633B846F1}">
-                <asvg:svgBlip xmlns:asvg="http://schemas.microsoft.com/office/drawing/2016/SVG/main" r:embed="rId5"/>
-              </a:ext>
-            </a:extLst>
-          </a:blip>
-          <a:srcRect/>
-          <a:stretch/>
-        </p:blipFill>
-        <p:spPr>
-          <a:xfrm>
-            <a:off x="838200" y="2864534"/>
-            <a:ext cx="914400" cy="914400"/>
-          </a:xfrm>
-          <a:prstGeom prst="rect">
-            <a:avLst/>
-          </a:prstGeom>
-        </p:spPr>
-      </p:pic>
-      <p:sp>
-        <p:nvSpPr>
-          <p:cNvPr id="10" name="TextBox 9">
-            <a:extLst>
-              <a:ext uri="{FF2B5EF4-FFF2-40B4-BE49-F238E27FC236}">
-                <a16:creationId xmlns:a16="http://schemas.microsoft.com/office/drawing/2014/main" id="{5EE740D0-52B1-691A-0066-AE0380B1F6A5}"/>
-              </a:ext>
-            </a:extLst>
-          </p:cNvPr>
-          <p:cNvSpPr txBox="1"/>
-          <p:nvPr/>
-        </p:nvSpPr>
-        <p:spPr>
-          <a:xfrm>
-            <a:off x="1752600" y="2998568"/>
-            <a:ext cx="9283700" cy="646331"/>
-          </a:xfrm>
-          <a:prstGeom prst="rect">
-            <a:avLst/>
-          </a:prstGeom>
-          <a:noFill/>
-        </p:spPr>
-        <p:txBody>
-          <a:bodyPr wrap="square" rtlCol="0">
-            <a:spAutoFit/>
-          </a:bodyPr>
-          <a:lstStyle/>
-          <a:p>
-            <a:r>
-              <a:rPr lang="en-GB" dirty="0"/>
-              <a:t>AI is a solution, so </a:t>
-            </a:r>
-            <a:r>
-              <a:rPr lang="en-GB" b="1" dirty="0"/>
-              <a:t>it does not affect RE directly</a:t>
-            </a:r>
-            <a:r>
-              <a:rPr lang="en-GB" dirty="0"/>
-              <a:t>. However, when integrating AI into a system, this component will imply specific </a:t>
-            </a:r>
-            <a:r>
-              <a:rPr lang="en-GB" b="1" dirty="0"/>
-              <a:t>requirements on its respective level of abstraction</a:t>
-            </a:r>
-            <a:r>
-              <a:rPr lang="en-GB" dirty="0"/>
-              <a:t>.</a:t>
-            </a:r>
-            <a:endParaRPr lang="en-SE" dirty="0"/>
-          </a:p>
-        </p:txBody>
-      </p:sp>
-      <p:pic>
-        <p:nvPicPr>
-          <p:cNvPr id="11" name="Graphic 10" descr="Clipboard Mixed with solid fill">
-            <a:extLst>
-              <a:ext uri="{FF2B5EF4-FFF2-40B4-BE49-F238E27FC236}">
-                <a16:creationId xmlns:a16="http://schemas.microsoft.com/office/drawing/2014/main" id="{75615B70-FD10-74A1-A5E9-56548EF621FB}"/>
-              </a:ext>
-            </a:extLst>
-          </p:cNvPr>
-          <p:cNvPicPr>
-            <a:picLocks noChangeAspect="1"/>
-          </p:cNvPicPr>
-          <p:nvPr/>
-        </p:nvPicPr>
-        <p:blipFill>
-          <a:blip r:embed="rId6">
-            <a:extLst>
-              <a:ext uri="{96DAC541-7B7A-43D3-8B79-37D633B846F1}">
-                <asvg:svgBlip xmlns:asvg="http://schemas.microsoft.com/office/drawing/2016/SVG/main" r:embed="rId7"/>
-              </a:ext>
-            </a:extLst>
-          </a:blip>
-          <a:srcRect/>
-          <a:stretch/>
-        </p:blipFill>
-        <p:spPr>
-          <a:xfrm>
-            <a:off x="838200" y="4047002"/>
-            <a:ext cx="914400" cy="914400"/>
-          </a:xfrm>
-          <a:prstGeom prst="rect">
-            <a:avLst/>
-          </a:prstGeom>
-        </p:spPr>
-      </p:pic>
-      <p:sp>
-        <p:nvSpPr>
-          <p:cNvPr id="12" name="TextBox 11">
-            <a:extLst>
-              <a:ext uri="{FF2B5EF4-FFF2-40B4-BE49-F238E27FC236}">
-                <a16:creationId xmlns:a16="http://schemas.microsoft.com/office/drawing/2014/main" id="{E5145B4A-C5E3-7F3E-79E9-6757C4F21BBE}"/>
-              </a:ext>
-            </a:extLst>
-          </p:cNvPr>
-          <p:cNvSpPr txBox="1"/>
-          <p:nvPr/>
-        </p:nvSpPr>
-        <p:spPr>
-          <a:xfrm>
-            <a:off x="1752600" y="4291742"/>
-            <a:ext cx="9283700" cy="369332"/>
-          </a:xfrm>
-          <a:prstGeom prst="rect">
-            <a:avLst/>
-          </a:prstGeom>
-          <a:noFill/>
-        </p:spPr>
-        <p:txBody>
-          <a:bodyPr wrap="square" rtlCol="0">
-            <a:spAutoFit/>
-          </a:bodyPr>
-          <a:lstStyle/>
-          <a:p>
-            <a:r>
-              <a:rPr lang="en-GB" dirty="0"/>
-              <a:t>System qualities may be both </a:t>
-            </a:r>
-            <a:r>
-              <a:rPr lang="en-GB" b="1" dirty="0"/>
-              <a:t>defined and tested differently</a:t>
-            </a:r>
-            <a:r>
-              <a:rPr lang="en-GB" dirty="0"/>
-              <a:t> for AI systems.</a:t>
-            </a:r>
-            <a:endParaRPr lang="en-SE" dirty="0"/>
-          </a:p>
-        </p:txBody>
-      </p:sp>
-    </p:spTree>
-    <p:extLst>
-      <p:ext uri="{BB962C8B-B14F-4D97-AF65-F5344CB8AC3E}">
-        <p14:creationId xmlns:p14="http://schemas.microsoft.com/office/powerpoint/2010/main" val="751018153"/>
-      </p:ext>
-    </p:extLst>
-  </p:cSld>
-  <p:clrMapOvr>
-    <a:masterClrMapping/>
-  </p:clrMapOvr>
+  <mc:AlternateContent xmlns:mc="http://schemas.openxmlformats.org/markup-compatibility/2006">
+    <mc:Choice xmlns:p159="http://schemas.microsoft.com/office/powerpoint/2015/09/main" Requires="p159">
+      <p:transition xmlns:p14="http://schemas.microsoft.com/office/powerpoint/2010/main" spd="med" p14:dur="700">
+        <p159:morph option="byObject"/>
+      </p:transition>
+    </mc:Choice>
+    <mc:Fallback>
+      <p:transition spd="med">
+        <p:fade/>
+      </p:transition>
+    </mc:Fallback>
+  </mc:AlternateContent>
 </p:sld>
 </file>
 
@@ -5476,7 +5245,7 @@
             </a:pPr>
             <a:r>
               <a:rPr lang="en-GB" dirty="0"/>
-              <a:t>Companies struggle to engineer AI-enabled systems.</a:t>
+              <a:t>Companies struggle to engineer AI (-enabled) systems.</a:t>
             </a:r>
             <a:endParaRPr lang="en-SE" dirty="0"/>
           </a:p>
@@ -5505,7 +5274,7 @@
           <a:p>
             <a:fld id="{D38D8326-7627-4205-9A5F-95F3F1040FEF}" type="datetime1">
               <a:rPr lang="de-DE" smtClean="0"/>
-              <a:t>09.06.2025</a:t>
+              <a:t>10.06.2025</a:t>
             </a:fld>
             <a:endParaRPr lang="en-SE"/>
           </a:p>
@@ -5569,166 +5338,208 @@
           </a:p>
         </p:txBody>
       </p:sp>
-      <p:pic>
-        <p:nvPicPr>
-          <p:cNvPr id="11" name="Graphic 10" descr="Artificial Intelligence with solid fill">
-            <a:extLst>
-              <a:ext uri="{FF2B5EF4-FFF2-40B4-BE49-F238E27FC236}">
-                <a16:creationId xmlns:a16="http://schemas.microsoft.com/office/drawing/2014/main" id="{9C2007CC-6D83-992C-26A4-F93349F85560}"/>
-              </a:ext>
-            </a:extLst>
-          </p:cNvPr>
-          <p:cNvPicPr>
-            <a:picLocks noChangeAspect="1"/>
-          </p:cNvPicPr>
+      <p:grpSp>
+        <p:nvGrpSpPr>
+          <p:cNvPr id="4" name="Group 3">
+            <a:extLst>
+              <a:ext uri="{FF2B5EF4-FFF2-40B4-BE49-F238E27FC236}">
+                <a16:creationId xmlns:a16="http://schemas.microsoft.com/office/drawing/2014/main" id="{8033A1C0-6C08-51AD-7DC4-D1C4A45C6B01}"/>
+              </a:ext>
+            </a:extLst>
+          </p:cNvPr>
+          <p:cNvGrpSpPr/>
           <p:nvPr/>
-        </p:nvPicPr>
-        <p:blipFill>
-          <a:blip r:embed="rId3">
-            <a:extLst>
-              <a:ext uri="{96DAC541-7B7A-43D3-8B79-37D633B846F1}">
-                <asvg:svgBlip xmlns:asvg="http://schemas.microsoft.com/office/drawing/2016/SVG/main" r:embed="rId4"/>
-              </a:ext>
-            </a:extLst>
-          </a:blip>
-          <a:stretch>
-            <a:fillRect/>
-          </a:stretch>
-        </p:blipFill>
-        <p:spPr>
+        </p:nvGrpSpPr>
+        <p:grpSpPr>
+          <a:xfrm>
+            <a:off x="851842" y="1870075"/>
+            <a:ext cx="7948938" cy="914400"/>
+            <a:chOff x="851842" y="1870075"/>
+            <a:chExt cx="7948938" cy="914400"/>
+          </a:xfrm>
+        </p:grpSpPr>
+        <p:pic>
+          <p:nvPicPr>
+            <p:cNvPr id="13" name="Graphic 12" descr="Vlog with solid fill">
+              <a:extLst>
+                <a:ext uri="{FF2B5EF4-FFF2-40B4-BE49-F238E27FC236}">
+                  <a16:creationId xmlns:a16="http://schemas.microsoft.com/office/drawing/2014/main" id="{8C36411A-8DF9-5EE8-2520-AD41BC9EA627}"/>
+                </a:ext>
+              </a:extLst>
+            </p:cNvPr>
+            <p:cNvPicPr>
+              <a:picLocks noChangeAspect="1"/>
+            </p:cNvPicPr>
+            <p:nvPr/>
+          </p:nvPicPr>
+          <p:blipFill>
+            <a:blip r:embed="rId3">
+              <a:extLst>
+                <a:ext uri="{96DAC541-7B7A-43D3-8B79-37D633B846F1}">
+                  <asvg:svgBlip xmlns:asvg="http://schemas.microsoft.com/office/drawing/2016/SVG/main" r:embed="rId4"/>
+                </a:ext>
+              </a:extLst>
+            </a:blip>
+            <a:stretch>
+              <a:fillRect/>
+            </a:stretch>
+          </p:blipFill>
+          <p:spPr>
+            <a:xfrm>
+              <a:off x="851842" y="1870075"/>
+              <a:ext cx="914400" cy="914400"/>
+            </a:xfrm>
+            <a:prstGeom prst="rect">
+              <a:avLst/>
+            </a:prstGeom>
+          </p:spPr>
+        </p:pic>
+        <p:sp>
+          <p:nvSpPr>
+            <p:cNvPr id="14" name="TextBox 13">
+              <a:extLst>
+                <a:ext uri="{FF2B5EF4-FFF2-40B4-BE49-F238E27FC236}">
+                  <a16:creationId xmlns:a16="http://schemas.microsoft.com/office/drawing/2014/main" id="{38471AE6-EA5C-7427-052E-F1FBC589DCD6}"/>
+                </a:ext>
+              </a:extLst>
+            </p:cNvPr>
+            <p:cNvSpPr txBox="1"/>
+            <p:nvPr/>
+          </p:nvSpPr>
+          <p:spPr>
+            <a:xfrm>
+              <a:off x="1954547" y="2142609"/>
+              <a:ext cx="6846233" cy="369332"/>
+            </a:xfrm>
+            <a:prstGeom prst="rect">
+              <a:avLst/>
+            </a:prstGeom>
+            <a:noFill/>
+          </p:spPr>
+          <p:txBody>
+            <a:bodyPr wrap="none" rtlCol="0">
+              <a:spAutoFit/>
+            </a:bodyPr>
+            <a:lstStyle/>
+            <a:p>
+              <a:r>
+                <a:rPr lang="en-GB" dirty="0"/>
+                <a:t>Requirements engineering emerged based on </a:t>
+              </a:r>
+              <a:r>
+                <a:rPr lang="en-GB" b="1" dirty="0"/>
+                <a:t>traditional software</a:t>
+              </a:r>
+              <a:r>
+                <a:rPr lang="en-GB" dirty="0"/>
+                <a:t>.</a:t>
+              </a:r>
+              <a:endParaRPr lang="en-SE" dirty="0"/>
+            </a:p>
+          </p:txBody>
+        </p:sp>
+      </p:grpSp>
+      <p:grpSp>
+        <p:nvGrpSpPr>
+          <p:cNvPr id="8" name="Group 7">
+            <a:extLst>
+              <a:ext uri="{FF2B5EF4-FFF2-40B4-BE49-F238E27FC236}">
+                <a16:creationId xmlns:a16="http://schemas.microsoft.com/office/drawing/2014/main" id="{39F6C54F-D3B0-0137-7C75-7AD276F1F4AD}"/>
+              </a:ext>
+            </a:extLst>
+          </p:cNvPr>
+          <p:cNvGrpSpPr/>
+          <p:nvPr/>
+        </p:nvGrpSpPr>
+        <p:grpSpPr>
           <a:xfrm>
             <a:off x="851842" y="2971800"/>
-            <a:ext cx="914400" cy="914400"/>
+            <a:ext cx="8482226" cy="914400"/>
+            <a:chOff x="851842" y="2971800"/>
+            <a:chExt cx="8482226" cy="914400"/>
           </a:xfrm>
-          <a:prstGeom prst="rect">
-            <a:avLst/>
-          </a:prstGeom>
-        </p:spPr>
-      </p:pic>
-      <p:pic>
-        <p:nvPicPr>
-          <p:cNvPr id="13" name="Graphic 12" descr="Vlog with solid fill">
-            <a:extLst>
-              <a:ext uri="{FF2B5EF4-FFF2-40B4-BE49-F238E27FC236}">
-                <a16:creationId xmlns:a16="http://schemas.microsoft.com/office/drawing/2014/main" id="{8C36411A-8DF9-5EE8-2520-AD41BC9EA627}"/>
-              </a:ext>
-            </a:extLst>
-          </p:cNvPr>
-          <p:cNvPicPr>
-            <a:picLocks noChangeAspect="1"/>
-          </p:cNvPicPr>
-          <p:nvPr/>
-        </p:nvPicPr>
-        <p:blipFill>
-          <a:blip r:embed="rId5">
-            <a:extLst>
-              <a:ext uri="{96DAC541-7B7A-43D3-8B79-37D633B846F1}">
-                <asvg:svgBlip xmlns:asvg="http://schemas.microsoft.com/office/drawing/2016/SVG/main" r:embed="rId6"/>
-              </a:ext>
-            </a:extLst>
-          </a:blip>
-          <a:stretch>
-            <a:fillRect/>
-          </a:stretch>
-        </p:blipFill>
-        <p:spPr>
-          <a:xfrm>
-            <a:off x="851842" y="1870075"/>
-            <a:ext cx="914400" cy="914400"/>
-          </a:xfrm>
-          <a:prstGeom prst="rect">
-            <a:avLst/>
-          </a:prstGeom>
-        </p:spPr>
-      </p:pic>
-      <p:sp>
-        <p:nvSpPr>
-          <p:cNvPr id="14" name="TextBox 13">
-            <a:extLst>
-              <a:ext uri="{FF2B5EF4-FFF2-40B4-BE49-F238E27FC236}">
-                <a16:creationId xmlns:a16="http://schemas.microsoft.com/office/drawing/2014/main" id="{38471AE6-EA5C-7427-052E-F1FBC589DCD6}"/>
-              </a:ext>
-            </a:extLst>
-          </p:cNvPr>
-          <p:cNvSpPr txBox="1"/>
-          <p:nvPr/>
-        </p:nvSpPr>
-        <p:spPr>
-          <a:xfrm>
-            <a:off x="1954547" y="2142609"/>
-            <a:ext cx="6846233" cy="369332"/>
-          </a:xfrm>
-          <a:prstGeom prst="rect">
-            <a:avLst/>
-          </a:prstGeom>
-          <a:noFill/>
-        </p:spPr>
-        <p:txBody>
-          <a:bodyPr wrap="none" rtlCol="0">
-            <a:spAutoFit/>
-          </a:bodyPr>
-          <a:lstStyle/>
-          <a:p>
-            <a:r>
-              <a:rPr lang="en-GB" dirty="0"/>
-              <a:t>Requirements engineering emerged based on </a:t>
-            </a:r>
-            <a:r>
-              <a:rPr lang="en-GB" b="1" dirty="0"/>
-              <a:t>traditional software</a:t>
-            </a:r>
-            <a:r>
-              <a:rPr lang="en-GB" dirty="0"/>
-              <a:t>.</a:t>
-            </a:r>
-            <a:endParaRPr lang="en-SE" dirty="0"/>
-          </a:p>
-        </p:txBody>
-      </p:sp>
-      <p:sp>
-        <p:nvSpPr>
-          <p:cNvPr id="15" name="TextBox 14">
-            <a:extLst>
-              <a:ext uri="{FF2B5EF4-FFF2-40B4-BE49-F238E27FC236}">
-                <a16:creationId xmlns:a16="http://schemas.microsoft.com/office/drawing/2014/main" id="{35D348E1-1111-0C81-8779-798E7DEA12CE}"/>
-              </a:ext>
-            </a:extLst>
-          </p:cNvPr>
-          <p:cNvSpPr txBox="1"/>
-          <p:nvPr/>
-        </p:nvSpPr>
-        <p:spPr>
-          <a:xfrm>
-            <a:off x="1954547" y="3244334"/>
-            <a:ext cx="7379521" cy="369332"/>
-          </a:xfrm>
-          <a:prstGeom prst="rect">
-            <a:avLst/>
-          </a:prstGeom>
-          <a:noFill/>
-        </p:spPr>
-        <p:txBody>
-          <a:bodyPr wrap="none" rtlCol="0">
-            <a:spAutoFit/>
-          </a:bodyPr>
-          <a:lstStyle/>
-          <a:p>
-            <a:r>
-              <a:rPr lang="en-GB" dirty="0"/>
-              <a:t>Systems including artificial intelligence (AI) </a:t>
-            </a:r>
-            <a:r>
-              <a:rPr lang="en-GB" b="1" dirty="0"/>
-              <a:t>are not traditional software</a:t>
-            </a:r>
-            <a:r>
-              <a:rPr lang="en-GB" dirty="0"/>
-              <a:t>.</a:t>
-            </a:r>
-            <a:endParaRPr lang="en-SE" dirty="0"/>
-          </a:p>
-        </p:txBody>
-      </p:sp>
+        </p:grpSpPr>
+        <p:pic>
+          <p:nvPicPr>
+            <p:cNvPr id="11" name="Graphic 10" descr="Artificial Intelligence with solid fill">
+              <a:extLst>
+                <a:ext uri="{FF2B5EF4-FFF2-40B4-BE49-F238E27FC236}">
+                  <a16:creationId xmlns:a16="http://schemas.microsoft.com/office/drawing/2014/main" id="{9C2007CC-6D83-992C-26A4-F93349F85560}"/>
+                </a:ext>
+              </a:extLst>
+            </p:cNvPr>
+            <p:cNvPicPr>
+              <a:picLocks noChangeAspect="1"/>
+            </p:cNvPicPr>
+            <p:nvPr/>
+          </p:nvPicPr>
+          <p:blipFill>
+            <a:blip r:embed="rId5">
+              <a:extLst>
+                <a:ext uri="{96DAC541-7B7A-43D3-8B79-37D633B846F1}">
+                  <asvg:svgBlip xmlns:asvg="http://schemas.microsoft.com/office/drawing/2016/SVG/main" r:embed="rId6"/>
+                </a:ext>
+              </a:extLst>
+            </a:blip>
+            <a:stretch>
+              <a:fillRect/>
+            </a:stretch>
+          </p:blipFill>
+          <p:spPr>
+            <a:xfrm>
+              <a:off x="851842" y="2971800"/>
+              <a:ext cx="914400" cy="914400"/>
+            </a:xfrm>
+            <a:prstGeom prst="rect">
+              <a:avLst/>
+            </a:prstGeom>
+          </p:spPr>
+        </p:pic>
+        <p:sp>
+          <p:nvSpPr>
+            <p:cNvPr id="15" name="TextBox 14">
+              <a:extLst>
+                <a:ext uri="{FF2B5EF4-FFF2-40B4-BE49-F238E27FC236}">
+                  <a16:creationId xmlns:a16="http://schemas.microsoft.com/office/drawing/2014/main" id="{35D348E1-1111-0C81-8779-798E7DEA12CE}"/>
+                </a:ext>
+              </a:extLst>
+            </p:cNvPr>
+            <p:cNvSpPr txBox="1"/>
+            <p:nvPr/>
+          </p:nvSpPr>
+          <p:spPr>
+            <a:xfrm>
+              <a:off x="1954547" y="3244334"/>
+              <a:ext cx="7379521" cy="369332"/>
+            </a:xfrm>
+            <a:prstGeom prst="rect">
+              <a:avLst/>
+            </a:prstGeom>
+            <a:noFill/>
+          </p:spPr>
+          <p:txBody>
+            <a:bodyPr wrap="none" rtlCol="0">
+              <a:spAutoFit/>
+            </a:bodyPr>
+            <a:lstStyle/>
+            <a:p>
+              <a:r>
+                <a:rPr lang="en-GB" dirty="0"/>
+                <a:t>Systems including artificial intelligence (AI) </a:t>
+              </a:r>
+              <a:r>
+                <a:rPr lang="en-GB" b="1" dirty="0"/>
+                <a:t>are not traditional software</a:t>
+              </a:r>
+              <a:r>
+                <a:rPr lang="en-GB" dirty="0"/>
+                <a:t>.</a:t>
+              </a:r>
+              <a:endParaRPr lang="en-SE" dirty="0"/>
+            </a:p>
+          </p:txBody>
+        </p:sp>
+      </p:grpSp>
     </p:spTree>
     <p:extLst>
       <p:ext uri="{BB962C8B-B14F-4D97-AF65-F5344CB8AC3E}">
@@ -5739,6 +5550,190 @@
   <p:clrMapOvr>
     <a:masterClrMapping/>
   </p:clrMapOvr>
+  <mc:AlternateContent xmlns:mc="http://schemas.openxmlformats.org/markup-compatibility/2006">
+    <mc:Choice xmlns:p159="http://schemas.microsoft.com/office/powerpoint/2015/09/main" Requires="p159">
+      <p:transition xmlns:p14="http://schemas.microsoft.com/office/powerpoint/2010/main" spd="med" p14:dur="700">
+        <p159:morph option="byObject"/>
+      </p:transition>
+    </mc:Choice>
+    <mc:Fallback>
+      <p:transition spd="med">
+        <p:fade/>
+      </p:transition>
+    </mc:Fallback>
+  </mc:AlternateContent>
+  <p:timing>
+    <p:tnLst>
+      <p:par>
+        <p:cTn id="1" dur="indefinite" restart="never" nodeType="tmRoot">
+          <p:childTnLst>
+            <p:seq concurrent="1" nextAc="seek">
+              <p:cTn id="2" dur="indefinite" nodeType="mainSeq">
+                <p:childTnLst>
+                  <p:par>
+                    <p:cTn id="3" fill="hold">
+                      <p:stCondLst>
+                        <p:cond delay="indefinite"/>
+                      </p:stCondLst>
+                      <p:childTnLst>
+                        <p:par>
+                          <p:cTn id="4" fill="hold">
+                            <p:stCondLst>
+                              <p:cond delay="0"/>
+                            </p:stCondLst>
+                            <p:childTnLst>
+                              <p:par>
+                                <p:cTn id="5" presetID="1" presetClass="entr" presetSubtype="0" fill="hold" nodeType="clickEffect">
+                                  <p:stCondLst>
+                                    <p:cond delay="0"/>
+                                  </p:stCondLst>
+                                  <p:childTnLst>
+                                    <p:set>
+                                      <p:cBhvr>
+                                        <p:cTn id="6" dur="1" fill="hold">
+                                          <p:stCondLst>
+                                            <p:cond delay="0"/>
+                                          </p:stCondLst>
+                                        </p:cTn>
+                                        <p:tgtEl>
+                                          <p:spTgt spid="4"/>
+                                        </p:tgtEl>
+                                        <p:attrNameLst>
+                                          <p:attrName>style.visibility</p:attrName>
+                                        </p:attrNameLst>
+                                      </p:cBhvr>
+                                      <p:to>
+                                        <p:strVal val="visible"/>
+                                      </p:to>
+                                    </p:set>
+                                  </p:childTnLst>
+                                </p:cTn>
+                              </p:par>
+                            </p:childTnLst>
+                          </p:cTn>
+                        </p:par>
+                      </p:childTnLst>
+                    </p:cTn>
+                  </p:par>
+                  <p:par>
+                    <p:cTn id="7" fill="hold">
+                      <p:stCondLst>
+                        <p:cond delay="indefinite"/>
+                      </p:stCondLst>
+                      <p:childTnLst>
+                        <p:par>
+                          <p:cTn id="8" fill="hold">
+                            <p:stCondLst>
+                              <p:cond delay="0"/>
+                            </p:stCondLst>
+                            <p:childTnLst>
+                              <p:par>
+                                <p:cTn id="9" presetID="1" presetClass="entr" presetSubtype="0" fill="hold" nodeType="clickEffect">
+                                  <p:stCondLst>
+                                    <p:cond delay="0"/>
+                                  </p:stCondLst>
+                                  <p:childTnLst>
+                                    <p:set>
+                                      <p:cBhvr>
+                                        <p:cTn id="10" dur="1" fill="hold">
+                                          <p:stCondLst>
+                                            <p:cond delay="0"/>
+                                          </p:stCondLst>
+                                        </p:cTn>
+                                        <p:tgtEl>
+                                          <p:spTgt spid="8"/>
+                                        </p:tgtEl>
+                                        <p:attrNameLst>
+                                          <p:attrName>style.visibility</p:attrName>
+                                        </p:attrNameLst>
+                                      </p:cBhvr>
+                                      <p:to>
+                                        <p:strVal val="visible"/>
+                                      </p:to>
+                                    </p:set>
+                                  </p:childTnLst>
+                                </p:cTn>
+                              </p:par>
+                            </p:childTnLst>
+                          </p:cTn>
+                        </p:par>
+                      </p:childTnLst>
+                    </p:cTn>
+                  </p:par>
+                  <p:par>
+                    <p:cTn id="11" fill="hold">
+                      <p:stCondLst>
+                        <p:cond delay="indefinite"/>
+                      </p:stCondLst>
+                      <p:childTnLst>
+                        <p:par>
+                          <p:cTn id="12" fill="hold">
+                            <p:stCondLst>
+                              <p:cond delay="0"/>
+                            </p:stCondLst>
+                            <p:childTnLst>
+                              <p:par>
+                                <p:cTn id="13" presetID="1" presetClass="entr" presetSubtype="0" fill="hold" grpId="0" nodeType="clickEffect">
+                                  <p:stCondLst>
+                                    <p:cond delay="0"/>
+                                  </p:stCondLst>
+                                  <p:childTnLst>
+                                    <p:set>
+                                      <p:cBhvr>
+                                        <p:cTn id="14" dur="1" fill="hold">
+                                          <p:stCondLst>
+                                            <p:cond delay="0"/>
+                                          </p:stCondLst>
+                                        </p:cTn>
+                                        <p:tgtEl>
+                                          <p:spTgt spid="3">
+                                            <p:txEl>
+                                              <p:pRg st="0" end="0"/>
+                                            </p:txEl>
+                                          </p:spTgt>
+                                        </p:tgtEl>
+                                        <p:attrNameLst>
+                                          <p:attrName>style.visibility</p:attrName>
+                                        </p:attrNameLst>
+                                      </p:cBhvr>
+                                      <p:to>
+                                        <p:strVal val="visible"/>
+                                      </p:to>
+                                    </p:set>
+                                  </p:childTnLst>
+                                </p:cTn>
+                              </p:par>
+                            </p:childTnLst>
+                          </p:cTn>
+                        </p:par>
+                      </p:childTnLst>
+                    </p:cTn>
+                  </p:par>
+                </p:childTnLst>
+              </p:cTn>
+              <p:prevCondLst>
+                <p:cond evt="onPrev" delay="0">
+                  <p:tgtEl>
+                    <p:sldTgt/>
+                  </p:tgtEl>
+                </p:cond>
+              </p:prevCondLst>
+              <p:nextCondLst>
+                <p:cond evt="onNext" delay="0">
+                  <p:tgtEl>
+                    <p:sldTgt/>
+                  </p:tgtEl>
+                </p:cond>
+              </p:nextCondLst>
+            </p:seq>
+          </p:childTnLst>
+        </p:cTn>
+      </p:par>
+    </p:tnLst>
+    <p:bldLst>
+      <p:bldP spid="3" grpId="0" build="p"/>
+    </p:bldLst>
+  </p:timing>
 </p:sld>
 </file>
 
@@ -5858,7 +5853,7 @@
           <a:p>
             <a:fld id="{321B4E5B-B554-4A4E-9AFC-494CA4AB5039}" type="datetime1">
               <a:rPr lang="de-DE" smtClean="0"/>
-              <a:t>09.06.2025</a:t>
+              <a:t>10.06.2025</a:t>
             </a:fld>
             <a:endParaRPr lang="en-SE"/>
           </a:p>
@@ -6865,6 +6860,381 @@
   <p:clrMapOvr>
     <a:masterClrMapping/>
   </p:clrMapOvr>
+  <mc:AlternateContent xmlns:mc="http://schemas.openxmlformats.org/markup-compatibility/2006">
+    <mc:Choice xmlns:p159="http://schemas.microsoft.com/office/powerpoint/2015/09/main" Requires="p159">
+      <p:transition xmlns:p14="http://schemas.microsoft.com/office/powerpoint/2010/main" spd="med" p14:dur="700">
+        <p159:morph option="byObject"/>
+      </p:transition>
+    </mc:Choice>
+    <mc:Fallback>
+      <p:transition spd="med">
+        <p:fade/>
+      </p:transition>
+    </mc:Fallback>
+  </mc:AlternateContent>
+  <p:timing>
+    <p:tnLst>
+      <p:par>
+        <p:cTn id="1" dur="indefinite" restart="never" nodeType="tmRoot">
+          <p:childTnLst>
+            <p:seq concurrent="1" nextAc="seek">
+              <p:cTn id="2" dur="indefinite" nodeType="mainSeq">
+                <p:childTnLst>
+                  <p:par>
+                    <p:cTn id="3" fill="hold">
+                      <p:stCondLst>
+                        <p:cond delay="indefinite"/>
+                      </p:stCondLst>
+                      <p:childTnLst>
+                        <p:par>
+                          <p:cTn id="4" fill="hold">
+                            <p:stCondLst>
+                              <p:cond delay="0"/>
+                            </p:stCondLst>
+                            <p:childTnLst>
+                              <p:par>
+                                <p:cTn id="5" presetID="1" presetClass="entr" presetSubtype="0" fill="hold" nodeType="clickEffect">
+                                  <p:stCondLst>
+                                    <p:cond delay="0"/>
+                                  </p:stCondLst>
+                                  <p:childTnLst>
+                                    <p:set>
+                                      <p:cBhvr>
+                                        <p:cTn id="6" dur="1" fill="hold">
+                                          <p:stCondLst>
+                                            <p:cond delay="0"/>
+                                          </p:stCondLst>
+                                        </p:cTn>
+                                        <p:tgtEl>
+                                          <p:spTgt spid="43"/>
+                                        </p:tgtEl>
+                                        <p:attrNameLst>
+                                          <p:attrName>style.visibility</p:attrName>
+                                        </p:attrNameLst>
+                                      </p:cBhvr>
+                                      <p:to>
+                                        <p:strVal val="visible"/>
+                                      </p:to>
+                                    </p:set>
+                                  </p:childTnLst>
+                                </p:cTn>
+                              </p:par>
+                            </p:childTnLst>
+                          </p:cTn>
+                        </p:par>
+                      </p:childTnLst>
+                    </p:cTn>
+                  </p:par>
+                  <p:par>
+                    <p:cTn id="7" fill="hold">
+                      <p:stCondLst>
+                        <p:cond delay="indefinite"/>
+                      </p:stCondLst>
+                      <p:childTnLst>
+                        <p:par>
+                          <p:cTn id="8" fill="hold">
+                            <p:stCondLst>
+                              <p:cond delay="0"/>
+                            </p:stCondLst>
+                            <p:childTnLst>
+                              <p:par>
+                                <p:cTn id="9" presetID="1" presetClass="entr" presetSubtype="0" fill="hold" nodeType="clickEffect">
+                                  <p:stCondLst>
+                                    <p:cond delay="0"/>
+                                  </p:stCondLst>
+                                  <p:childTnLst>
+                                    <p:set>
+                                      <p:cBhvr>
+                                        <p:cTn id="10" dur="1" fill="hold">
+                                          <p:stCondLst>
+                                            <p:cond delay="0"/>
+                                          </p:stCondLst>
+                                        </p:cTn>
+                                        <p:tgtEl>
+                                          <p:spTgt spid="16"/>
+                                        </p:tgtEl>
+                                        <p:attrNameLst>
+                                          <p:attrName>style.visibility</p:attrName>
+                                        </p:attrNameLst>
+                                      </p:cBhvr>
+                                      <p:to>
+                                        <p:strVal val="visible"/>
+                                      </p:to>
+                                    </p:set>
+                                  </p:childTnLst>
+                                </p:cTn>
+                              </p:par>
+                              <p:par>
+                                <p:cTn id="11" presetID="1" presetClass="entr" presetSubtype="0" fill="hold" nodeType="withEffect">
+                                  <p:stCondLst>
+                                    <p:cond delay="0"/>
+                                  </p:stCondLst>
+                                  <p:childTnLst>
+                                    <p:set>
+                                      <p:cBhvr>
+                                        <p:cTn id="12" dur="1" fill="hold">
+                                          <p:stCondLst>
+                                            <p:cond delay="0"/>
+                                          </p:stCondLst>
+                                        </p:cTn>
+                                        <p:tgtEl>
+                                          <p:spTgt spid="17"/>
+                                        </p:tgtEl>
+                                        <p:attrNameLst>
+                                          <p:attrName>style.visibility</p:attrName>
+                                        </p:attrNameLst>
+                                      </p:cBhvr>
+                                      <p:to>
+                                        <p:strVal val="visible"/>
+                                      </p:to>
+                                    </p:set>
+                                  </p:childTnLst>
+                                </p:cTn>
+                              </p:par>
+                            </p:childTnLst>
+                          </p:cTn>
+                        </p:par>
+                      </p:childTnLst>
+                    </p:cTn>
+                  </p:par>
+                  <p:par>
+                    <p:cTn id="13" fill="hold">
+                      <p:stCondLst>
+                        <p:cond delay="indefinite"/>
+                      </p:stCondLst>
+                      <p:childTnLst>
+                        <p:par>
+                          <p:cTn id="14" fill="hold">
+                            <p:stCondLst>
+                              <p:cond delay="0"/>
+                            </p:stCondLst>
+                            <p:childTnLst>
+                              <p:par>
+                                <p:cTn id="15" presetID="1" presetClass="entr" presetSubtype="0" fill="hold" nodeType="clickEffect">
+                                  <p:stCondLst>
+                                    <p:cond delay="0"/>
+                                  </p:stCondLst>
+                                  <p:childTnLst>
+                                    <p:set>
+                                      <p:cBhvr>
+                                        <p:cTn id="16" dur="1" fill="hold">
+                                          <p:stCondLst>
+                                            <p:cond delay="0"/>
+                                          </p:stCondLst>
+                                        </p:cTn>
+                                        <p:tgtEl>
+                                          <p:spTgt spid="27"/>
+                                        </p:tgtEl>
+                                        <p:attrNameLst>
+                                          <p:attrName>style.visibility</p:attrName>
+                                        </p:attrNameLst>
+                                      </p:cBhvr>
+                                      <p:to>
+                                        <p:strVal val="visible"/>
+                                      </p:to>
+                                    </p:set>
+                                  </p:childTnLst>
+                                </p:cTn>
+                              </p:par>
+                              <p:par>
+                                <p:cTn id="17" presetID="1" presetClass="entr" presetSubtype="0" fill="hold" nodeType="withEffect">
+                                  <p:stCondLst>
+                                    <p:cond delay="0"/>
+                                  </p:stCondLst>
+                                  <p:childTnLst>
+                                    <p:set>
+                                      <p:cBhvr>
+                                        <p:cTn id="18" dur="1" fill="hold">
+                                          <p:stCondLst>
+                                            <p:cond delay="0"/>
+                                          </p:stCondLst>
+                                        </p:cTn>
+                                        <p:tgtEl>
+                                          <p:spTgt spid="28"/>
+                                        </p:tgtEl>
+                                        <p:attrNameLst>
+                                          <p:attrName>style.visibility</p:attrName>
+                                        </p:attrNameLst>
+                                      </p:cBhvr>
+                                      <p:to>
+                                        <p:strVal val="visible"/>
+                                      </p:to>
+                                    </p:set>
+                                  </p:childTnLst>
+                                </p:cTn>
+                              </p:par>
+                            </p:childTnLst>
+                          </p:cTn>
+                        </p:par>
+                      </p:childTnLst>
+                    </p:cTn>
+                  </p:par>
+                  <p:par>
+                    <p:cTn id="19" fill="hold">
+                      <p:stCondLst>
+                        <p:cond delay="indefinite"/>
+                      </p:stCondLst>
+                      <p:childTnLst>
+                        <p:par>
+                          <p:cTn id="20" fill="hold">
+                            <p:stCondLst>
+                              <p:cond delay="0"/>
+                            </p:stCondLst>
+                            <p:childTnLst>
+                              <p:par>
+                                <p:cTn id="21" presetID="1" presetClass="entr" presetSubtype="0" fill="hold" nodeType="clickEffect">
+                                  <p:stCondLst>
+                                    <p:cond delay="0"/>
+                                  </p:stCondLst>
+                                  <p:childTnLst>
+                                    <p:set>
+                                      <p:cBhvr>
+                                        <p:cTn id="22" dur="1" fill="hold">
+                                          <p:stCondLst>
+                                            <p:cond delay="0"/>
+                                          </p:stCondLst>
+                                        </p:cTn>
+                                        <p:tgtEl>
+                                          <p:spTgt spid="29"/>
+                                        </p:tgtEl>
+                                        <p:attrNameLst>
+                                          <p:attrName>style.visibility</p:attrName>
+                                        </p:attrNameLst>
+                                      </p:cBhvr>
+                                      <p:to>
+                                        <p:strVal val="visible"/>
+                                      </p:to>
+                                    </p:set>
+                                  </p:childTnLst>
+                                </p:cTn>
+                              </p:par>
+                              <p:par>
+                                <p:cTn id="23" presetID="1" presetClass="entr" presetSubtype="0" fill="hold" nodeType="withEffect">
+                                  <p:stCondLst>
+                                    <p:cond delay="0"/>
+                                  </p:stCondLst>
+                                  <p:childTnLst>
+                                    <p:set>
+                                      <p:cBhvr>
+                                        <p:cTn id="24" dur="1" fill="hold">
+                                          <p:stCondLst>
+                                            <p:cond delay="0"/>
+                                          </p:stCondLst>
+                                        </p:cTn>
+                                        <p:tgtEl>
+                                          <p:spTgt spid="35"/>
+                                        </p:tgtEl>
+                                        <p:attrNameLst>
+                                          <p:attrName>style.visibility</p:attrName>
+                                        </p:attrNameLst>
+                                      </p:cBhvr>
+                                      <p:to>
+                                        <p:strVal val="visible"/>
+                                      </p:to>
+                                    </p:set>
+                                  </p:childTnLst>
+                                </p:cTn>
+                              </p:par>
+                            </p:childTnLst>
+                          </p:cTn>
+                        </p:par>
+                      </p:childTnLst>
+                    </p:cTn>
+                  </p:par>
+                  <p:par>
+                    <p:cTn id="25" fill="hold">
+                      <p:stCondLst>
+                        <p:cond delay="indefinite"/>
+                      </p:stCondLst>
+                      <p:childTnLst>
+                        <p:par>
+                          <p:cTn id="26" fill="hold">
+                            <p:stCondLst>
+                              <p:cond delay="0"/>
+                            </p:stCondLst>
+                            <p:childTnLst>
+                              <p:par>
+                                <p:cTn id="27" presetID="1" presetClass="entr" presetSubtype="0" fill="hold" nodeType="clickEffect">
+                                  <p:stCondLst>
+                                    <p:cond delay="0"/>
+                                  </p:stCondLst>
+                                  <p:childTnLst>
+                                    <p:set>
+                                      <p:cBhvr>
+                                        <p:cTn id="28" dur="1" fill="hold">
+                                          <p:stCondLst>
+                                            <p:cond delay="0"/>
+                                          </p:stCondLst>
+                                        </p:cTn>
+                                        <p:tgtEl>
+                                          <p:spTgt spid="32"/>
+                                        </p:tgtEl>
+                                        <p:attrNameLst>
+                                          <p:attrName>style.visibility</p:attrName>
+                                        </p:attrNameLst>
+                                      </p:cBhvr>
+                                      <p:to>
+                                        <p:strVal val="visible"/>
+                                      </p:to>
+                                    </p:set>
+                                  </p:childTnLst>
+                                </p:cTn>
+                              </p:par>
+                              <p:par>
+                                <p:cTn id="29" presetID="1" presetClass="entr" presetSubtype="0" fill="hold" nodeType="withEffect">
+                                  <p:stCondLst>
+                                    <p:cond delay="0"/>
+                                  </p:stCondLst>
+                                  <p:childTnLst>
+                                    <p:set>
+                                      <p:cBhvr>
+                                        <p:cTn id="30" dur="1" fill="hold">
+                                          <p:stCondLst>
+                                            <p:cond delay="0"/>
+                                          </p:stCondLst>
+                                        </p:cTn>
+                                        <p:tgtEl>
+                                          <p:spTgt spid="38"/>
+                                        </p:tgtEl>
+                                        <p:attrNameLst>
+                                          <p:attrName>style.visibility</p:attrName>
+                                        </p:attrNameLst>
+                                      </p:cBhvr>
+                                      <p:to>
+                                        <p:strVal val="visible"/>
+                                      </p:to>
+                                    </p:set>
+                                  </p:childTnLst>
+                                </p:cTn>
+                              </p:par>
+                            </p:childTnLst>
+                          </p:cTn>
+                        </p:par>
+                      </p:childTnLst>
+                    </p:cTn>
+                  </p:par>
+                </p:childTnLst>
+              </p:cTn>
+              <p:prevCondLst>
+                <p:cond evt="onPrev" delay="0">
+                  <p:tgtEl>
+                    <p:sldTgt/>
+                  </p:tgtEl>
+                </p:cond>
+              </p:prevCondLst>
+              <p:nextCondLst>
+                <p:cond evt="onNext" delay="0">
+                  <p:tgtEl>
+                    <p:sldTgt/>
+                  </p:tgtEl>
+                </p:cond>
+              </p:nextCondLst>
+            </p:seq>
+          </p:childTnLst>
+        </p:cTn>
+      </p:par>
+    </p:tnLst>
+  </p:timing>
 </p:sld>
 </file>
 
@@ -6982,7 +7352,7 @@
           <a:p>
             <a:fld id="{98B9F68E-FC76-42D5-B844-A85C731BB18C}" type="datetime1">
               <a:rPr lang="de-DE" smtClean="0"/>
-              <a:t>09.06.2025</a:t>
+              <a:t>10.06.2025</a:t>
             </a:fld>
             <a:endParaRPr lang="en-SE"/>
           </a:p>
@@ -7541,6 +7911,269 @@
   <p:clrMapOvr>
     <a:masterClrMapping/>
   </p:clrMapOvr>
+  <mc:AlternateContent xmlns:mc="http://schemas.openxmlformats.org/markup-compatibility/2006">
+    <mc:Choice xmlns:p159="http://schemas.microsoft.com/office/powerpoint/2015/09/main" Requires="p159">
+      <p:transition xmlns:p14="http://schemas.microsoft.com/office/powerpoint/2010/main" spd="med" p14:dur="700">
+        <p159:morph option="byObject"/>
+      </p:transition>
+    </mc:Choice>
+    <mc:Fallback>
+      <p:transition spd="med">
+        <p:fade/>
+      </p:transition>
+    </mc:Fallback>
+  </mc:AlternateContent>
+  <p:timing>
+    <p:tnLst>
+      <p:par>
+        <p:cTn id="1" dur="indefinite" restart="never" nodeType="tmRoot">
+          <p:childTnLst>
+            <p:seq concurrent="1" nextAc="seek">
+              <p:cTn id="2" dur="indefinite" nodeType="mainSeq">
+                <p:childTnLst>
+                  <p:par>
+                    <p:cTn id="3" fill="hold">
+                      <p:stCondLst>
+                        <p:cond delay="indefinite"/>
+                      </p:stCondLst>
+                      <p:childTnLst>
+                        <p:par>
+                          <p:cTn id="4" fill="hold">
+                            <p:stCondLst>
+                              <p:cond delay="0"/>
+                            </p:stCondLst>
+                            <p:childTnLst>
+                              <p:par>
+                                <p:cTn id="5" presetID="1" presetClass="entr" presetSubtype="0" fill="hold" nodeType="clickEffect">
+                                  <p:stCondLst>
+                                    <p:cond delay="0"/>
+                                  </p:stCondLst>
+                                  <p:childTnLst>
+                                    <p:set>
+                                      <p:cBhvr>
+                                        <p:cTn id="6" dur="1" fill="hold">
+                                          <p:stCondLst>
+                                            <p:cond delay="0"/>
+                                          </p:stCondLst>
+                                        </p:cTn>
+                                        <p:tgtEl>
+                                          <p:spTgt spid="15"/>
+                                        </p:tgtEl>
+                                        <p:attrNameLst>
+                                          <p:attrName>style.visibility</p:attrName>
+                                        </p:attrNameLst>
+                                      </p:cBhvr>
+                                      <p:to>
+                                        <p:strVal val="visible"/>
+                                      </p:to>
+                                    </p:set>
+                                  </p:childTnLst>
+                                </p:cTn>
+                              </p:par>
+                              <p:par>
+                                <p:cTn id="7" presetID="1" presetClass="entr" presetSubtype="0" fill="hold" grpId="0" nodeType="withEffect">
+                                  <p:stCondLst>
+                                    <p:cond delay="0"/>
+                                  </p:stCondLst>
+                                  <p:childTnLst>
+                                    <p:set>
+                                      <p:cBhvr>
+                                        <p:cTn id="8" dur="1" fill="hold">
+                                          <p:stCondLst>
+                                            <p:cond delay="0"/>
+                                          </p:stCondLst>
+                                        </p:cTn>
+                                        <p:tgtEl>
+                                          <p:spTgt spid="20"/>
+                                        </p:tgtEl>
+                                        <p:attrNameLst>
+                                          <p:attrName>style.visibility</p:attrName>
+                                        </p:attrNameLst>
+                                      </p:cBhvr>
+                                      <p:to>
+                                        <p:strVal val="visible"/>
+                                      </p:to>
+                                    </p:set>
+                                  </p:childTnLst>
+                                </p:cTn>
+                              </p:par>
+                            </p:childTnLst>
+                          </p:cTn>
+                        </p:par>
+                      </p:childTnLst>
+                    </p:cTn>
+                  </p:par>
+                  <p:par>
+                    <p:cTn id="9" fill="hold">
+                      <p:stCondLst>
+                        <p:cond delay="indefinite"/>
+                      </p:stCondLst>
+                      <p:childTnLst>
+                        <p:par>
+                          <p:cTn id="10" fill="hold">
+                            <p:stCondLst>
+                              <p:cond delay="0"/>
+                            </p:stCondLst>
+                            <p:childTnLst>
+                              <p:par>
+                                <p:cTn id="11" presetID="1" presetClass="entr" presetSubtype="0" fill="hold" nodeType="clickEffect">
+                                  <p:stCondLst>
+                                    <p:cond delay="0"/>
+                                  </p:stCondLst>
+                                  <p:childTnLst>
+                                    <p:set>
+                                      <p:cBhvr>
+                                        <p:cTn id="12" dur="1" fill="hold">
+                                          <p:stCondLst>
+                                            <p:cond delay="0"/>
+                                          </p:stCondLst>
+                                        </p:cTn>
+                                        <p:tgtEl>
+                                          <p:spTgt spid="16"/>
+                                        </p:tgtEl>
+                                        <p:attrNameLst>
+                                          <p:attrName>style.visibility</p:attrName>
+                                        </p:attrNameLst>
+                                      </p:cBhvr>
+                                      <p:to>
+                                        <p:strVal val="visible"/>
+                                      </p:to>
+                                    </p:set>
+                                  </p:childTnLst>
+                                </p:cTn>
+                              </p:par>
+                              <p:par>
+                                <p:cTn id="13" presetID="1" presetClass="entr" presetSubtype="0" fill="hold" grpId="0" nodeType="withEffect">
+                                  <p:stCondLst>
+                                    <p:cond delay="0"/>
+                                  </p:stCondLst>
+                                  <p:childTnLst>
+                                    <p:set>
+                                      <p:cBhvr>
+                                        <p:cTn id="14" dur="1" fill="hold">
+                                          <p:stCondLst>
+                                            <p:cond delay="0"/>
+                                          </p:stCondLst>
+                                        </p:cTn>
+                                        <p:tgtEl>
+                                          <p:spTgt spid="21"/>
+                                        </p:tgtEl>
+                                        <p:attrNameLst>
+                                          <p:attrName>style.visibility</p:attrName>
+                                        </p:attrNameLst>
+                                      </p:cBhvr>
+                                      <p:to>
+                                        <p:strVal val="visible"/>
+                                      </p:to>
+                                    </p:set>
+                                  </p:childTnLst>
+                                </p:cTn>
+                              </p:par>
+                            </p:childTnLst>
+                          </p:cTn>
+                        </p:par>
+                      </p:childTnLst>
+                    </p:cTn>
+                  </p:par>
+                  <p:par>
+                    <p:cTn id="15" fill="hold">
+                      <p:stCondLst>
+                        <p:cond delay="indefinite"/>
+                      </p:stCondLst>
+                      <p:childTnLst>
+                        <p:par>
+                          <p:cTn id="16" fill="hold">
+                            <p:stCondLst>
+                              <p:cond delay="0"/>
+                            </p:stCondLst>
+                            <p:childTnLst>
+                              <p:par>
+                                <p:cTn id="17" presetID="1" presetClass="entr" presetSubtype="0" fill="hold" nodeType="clickEffect">
+                                  <p:stCondLst>
+                                    <p:cond delay="0"/>
+                                  </p:stCondLst>
+                                  <p:childTnLst>
+                                    <p:set>
+                                      <p:cBhvr>
+                                        <p:cTn id="18" dur="1" fill="hold">
+                                          <p:stCondLst>
+                                            <p:cond delay="0"/>
+                                          </p:stCondLst>
+                                        </p:cTn>
+                                        <p:tgtEl>
+                                          <p:spTgt spid="17"/>
+                                        </p:tgtEl>
+                                        <p:attrNameLst>
+                                          <p:attrName>style.visibility</p:attrName>
+                                        </p:attrNameLst>
+                                      </p:cBhvr>
+                                      <p:to>
+                                        <p:strVal val="visible"/>
+                                      </p:to>
+                                    </p:set>
+                                  </p:childTnLst>
+                                </p:cTn>
+                              </p:par>
+                              <p:par>
+                                <p:cTn id="19" presetID="1" presetClass="entr" presetSubtype="0" fill="hold" grpId="0" nodeType="withEffect">
+                                  <p:stCondLst>
+                                    <p:cond delay="0"/>
+                                  </p:stCondLst>
+                                  <p:childTnLst>
+                                    <p:set>
+                                      <p:cBhvr>
+                                        <p:cTn id="20" dur="1" fill="hold">
+                                          <p:stCondLst>
+                                            <p:cond delay="0"/>
+                                          </p:stCondLst>
+                                        </p:cTn>
+                                        <p:tgtEl>
+                                          <p:spTgt spid="22"/>
+                                        </p:tgtEl>
+                                        <p:attrNameLst>
+                                          <p:attrName>style.visibility</p:attrName>
+                                        </p:attrNameLst>
+                                      </p:cBhvr>
+                                      <p:to>
+                                        <p:strVal val="visible"/>
+                                      </p:to>
+                                    </p:set>
+                                  </p:childTnLst>
+                                </p:cTn>
+                              </p:par>
+                            </p:childTnLst>
+                          </p:cTn>
+                        </p:par>
+                      </p:childTnLst>
+                    </p:cTn>
+                  </p:par>
+                </p:childTnLst>
+              </p:cTn>
+              <p:prevCondLst>
+                <p:cond evt="onPrev" delay="0">
+                  <p:tgtEl>
+                    <p:sldTgt/>
+                  </p:tgtEl>
+                </p:cond>
+              </p:prevCondLst>
+              <p:nextCondLst>
+                <p:cond evt="onNext" delay="0">
+                  <p:tgtEl>
+                    <p:sldTgt/>
+                  </p:tgtEl>
+                </p:cond>
+              </p:nextCondLst>
+            </p:seq>
+          </p:childTnLst>
+        </p:cTn>
+      </p:par>
+    </p:tnLst>
+    <p:bldLst>
+      <p:bldP spid="20" grpId="0"/>
+      <p:bldP spid="21" grpId="0"/>
+      <p:bldP spid="22" grpId="0"/>
+    </p:bldLst>
+  </p:timing>
 </p:sld>
 </file>
 
@@ -7657,7 +8290,7 @@
           <a:p>
             <a:fld id="{60CB520D-D965-46BA-A3CC-319C6DE058D5}" type="datetime1">
               <a:rPr lang="de-DE" smtClean="0"/>
-              <a:t>09.06.2025</a:t>
+              <a:t>10.06.2025</a:t>
             </a:fld>
             <a:endParaRPr lang="en-SE"/>
           </a:p>
@@ -8974,216 +9607,12 @@
           </p:txBody>
         </p:sp>
       </p:grpSp>
-      <p:sp>
-        <p:nvSpPr>
-          <p:cNvPr id="50" name="Content Placeholder 2">
-            <a:extLst>
-              <a:ext uri="{FF2B5EF4-FFF2-40B4-BE49-F238E27FC236}">
-                <a16:creationId xmlns:a16="http://schemas.microsoft.com/office/drawing/2014/main" id="{9AA3C9F6-5B48-F7BF-1AD9-590C69A278B4}"/>
-              </a:ext>
-            </a:extLst>
-          </p:cNvPr>
-          <p:cNvSpPr txBox="1">
-            <a:spLocks/>
-          </p:cNvSpPr>
-          <p:nvPr/>
-        </p:nvSpPr>
-        <p:spPr>
-          <a:xfrm>
-            <a:off x="809730" y="5330967"/>
-            <a:ext cx="10515600" cy="630906"/>
-          </a:xfrm>
-          <a:prstGeom prst="rect">
-            <a:avLst/>
-          </a:prstGeom>
-        </p:spPr>
-        <p:txBody>
-          <a:bodyPr vert="horz" lIns="91440" tIns="45720" rIns="91440" bIns="45720" rtlCol="0">
-            <a:normAutofit/>
-          </a:bodyPr>
-          <a:lstStyle>
-            <a:lvl1pPr marL="228600" indent="-228600" algn="l" defTabSz="914400" rtl="0" eaLnBrk="1" latinLnBrk="0" hangingPunct="1">
-              <a:lnSpc>
-                <a:spcPct val="90000"/>
-              </a:lnSpc>
-              <a:spcBef>
-                <a:spcPts val="1000"/>
-              </a:spcBef>
-              <a:buFont typeface="Arial" panose="020B0604020202020204" pitchFamily="34" charset="0"/>
-              <a:buChar char="•"/>
-              <a:defRPr sz="2800" kern="1200">
-                <a:solidFill>
-                  <a:schemeClr val="tx1"/>
-                </a:solidFill>
-                <a:latin typeface="+mn-lt"/>
-                <a:ea typeface="+mn-ea"/>
-                <a:cs typeface="+mn-cs"/>
-              </a:defRPr>
-            </a:lvl1pPr>
-            <a:lvl2pPr marL="685800" indent="-228600" algn="l" defTabSz="914400" rtl="0" eaLnBrk="1" latinLnBrk="0" hangingPunct="1">
-              <a:lnSpc>
-                <a:spcPct val="90000"/>
-              </a:lnSpc>
-              <a:spcBef>
-                <a:spcPts val="500"/>
-              </a:spcBef>
-              <a:buFont typeface="Arial" panose="020B0604020202020204" pitchFamily="34" charset="0"/>
-              <a:buChar char="•"/>
-              <a:defRPr sz="2400" kern="1200">
-                <a:solidFill>
-                  <a:schemeClr val="tx1"/>
-                </a:solidFill>
-                <a:latin typeface="+mn-lt"/>
-                <a:ea typeface="+mn-ea"/>
-                <a:cs typeface="+mn-cs"/>
-              </a:defRPr>
-            </a:lvl2pPr>
-            <a:lvl3pPr marL="1143000" indent="-228600" algn="l" defTabSz="914400" rtl="0" eaLnBrk="1" latinLnBrk="0" hangingPunct="1">
-              <a:lnSpc>
-                <a:spcPct val="90000"/>
-              </a:lnSpc>
-              <a:spcBef>
-                <a:spcPts val="500"/>
-              </a:spcBef>
-              <a:buFont typeface="Arial" panose="020B0604020202020204" pitchFamily="34" charset="0"/>
-              <a:buChar char="•"/>
-              <a:defRPr sz="2000" kern="1200">
-                <a:solidFill>
-                  <a:schemeClr val="tx1"/>
-                </a:solidFill>
-                <a:latin typeface="+mn-lt"/>
-                <a:ea typeface="+mn-ea"/>
-                <a:cs typeface="+mn-cs"/>
-              </a:defRPr>
-            </a:lvl3pPr>
-            <a:lvl4pPr marL="1600200" indent="-228600" algn="l" defTabSz="914400" rtl="0" eaLnBrk="1" latinLnBrk="0" hangingPunct="1">
-              <a:lnSpc>
-                <a:spcPct val="90000"/>
-              </a:lnSpc>
-              <a:spcBef>
-                <a:spcPts val="500"/>
-              </a:spcBef>
-              <a:buFont typeface="Arial" panose="020B0604020202020204" pitchFamily="34" charset="0"/>
-              <a:buChar char="•"/>
-              <a:defRPr sz="1800" kern="1200">
-                <a:solidFill>
-                  <a:schemeClr val="tx1"/>
-                </a:solidFill>
-                <a:latin typeface="+mn-lt"/>
-                <a:ea typeface="+mn-ea"/>
-                <a:cs typeface="+mn-cs"/>
-              </a:defRPr>
-            </a:lvl4pPr>
-            <a:lvl5pPr marL="2057400" indent="-228600" algn="l" defTabSz="914400" rtl="0" eaLnBrk="1" latinLnBrk="0" hangingPunct="1">
-              <a:lnSpc>
-                <a:spcPct val="90000"/>
-              </a:lnSpc>
-              <a:spcBef>
-                <a:spcPts val="500"/>
-              </a:spcBef>
-              <a:buFont typeface="Arial" panose="020B0604020202020204" pitchFamily="34" charset="0"/>
-              <a:buChar char="•"/>
-              <a:defRPr sz="1800" kern="1200">
-                <a:solidFill>
-                  <a:schemeClr val="tx1"/>
-                </a:solidFill>
-                <a:latin typeface="+mn-lt"/>
-                <a:ea typeface="+mn-ea"/>
-                <a:cs typeface="+mn-cs"/>
-              </a:defRPr>
-            </a:lvl5pPr>
-            <a:lvl6pPr marL="2514600" indent="-228600" algn="l" defTabSz="914400" rtl="0" eaLnBrk="1" latinLnBrk="0" hangingPunct="1">
-              <a:lnSpc>
-                <a:spcPct val="90000"/>
-              </a:lnSpc>
-              <a:spcBef>
-                <a:spcPts val="500"/>
-              </a:spcBef>
-              <a:buFont typeface="Arial" panose="020B0604020202020204" pitchFamily="34" charset="0"/>
-              <a:buChar char="•"/>
-              <a:defRPr sz="1800" kern="1200">
-                <a:solidFill>
-                  <a:schemeClr val="tx1"/>
-                </a:solidFill>
-                <a:latin typeface="+mn-lt"/>
-                <a:ea typeface="+mn-ea"/>
-                <a:cs typeface="+mn-cs"/>
-              </a:defRPr>
-            </a:lvl6pPr>
-            <a:lvl7pPr marL="2971800" indent="-228600" algn="l" defTabSz="914400" rtl="0" eaLnBrk="1" latinLnBrk="0" hangingPunct="1">
-              <a:lnSpc>
-                <a:spcPct val="90000"/>
-              </a:lnSpc>
-              <a:spcBef>
-                <a:spcPts val="500"/>
-              </a:spcBef>
-              <a:buFont typeface="Arial" panose="020B0604020202020204" pitchFamily="34" charset="0"/>
-              <a:buChar char="•"/>
-              <a:defRPr sz="1800" kern="1200">
-                <a:solidFill>
-                  <a:schemeClr val="tx1"/>
-                </a:solidFill>
-                <a:latin typeface="+mn-lt"/>
-                <a:ea typeface="+mn-ea"/>
-                <a:cs typeface="+mn-cs"/>
-              </a:defRPr>
-            </a:lvl7pPr>
-            <a:lvl8pPr marL="3429000" indent="-228600" algn="l" defTabSz="914400" rtl="0" eaLnBrk="1" latinLnBrk="0" hangingPunct="1">
-              <a:lnSpc>
-                <a:spcPct val="90000"/>
-              </a:lnSpc>
-              <a:spcBef>
-                <a:spcPts val="500"/>
-              </a:spcBef>
-              <a:buFont typeface="Arial" panose="020B0604020202020204" pitchFamily="34" charset="0"/>
-              <a:buChar char="•"/>
-              <a:defRPr sz="1800" kern="1200">
-                <a:solidFill>
-                  <a:schemeClr val="tx1"/>
-                </a:solidFill>
-                <a:latin typeface="+mn-lt"/>
-                <a:ea typeface="+mn-ea"/>
-                <a:cs typeface="+mn-cs"/>
-              </a:defRPr>
-            </a:lvl8pPr>
-            <a:lvl9pPr marL="3886200" indent="-228600" algn="l" defTabSz="914400" rtl="0" eaLnBrk="1" latinLnBrk="0" hangingPunct="1">
-              <a:lnSpc>
-                <a:spcPct val="90000"/>
-              </a:lnSpc>
-              <a:spcBef>
-                <a:spcPts val="500"/>
-              </a:spcBef>
-              <a:buFont typeface="Arial" panose="020B0604020202020204" pitchFamily="34" charset="0"/>
-              <a:buChar char="•"/>
-              <a:defRPr sz="1800" kern="1200">
-                <a:solidFill>
-                  <a:schemeClr val="tx1"/>
-                </a:solidFill>
-                <a:latin typeface="+mn-lt"/>
-                <a:ea typeface="+mn-ea"/>
-                <a:cs typeface="+mn-cs"/>
-              </a:defRPr>
-            </a:lvl9pPr>
-          </a:lstStyle>
-          <a:p>
-            <a:pPr marL="0" indent="0">
-              <a:buFont typeface="Arial" panose="020B0604020202020204" pitchFamily="34" charset="0"/>
-              <a:buNone/>
-            </a:pPr>
-            <a:r>
-              <a:rPr lang="en-GB" dirty="0"/>
-              <a:t>Other qualities seem entirely new, like </a:t>
-            </a:r>
-            <a:endParaRPr lang="en-SE" dirty="0"/>
-          </a:p>
-        </p:txBody>
-      </p:sp>
       <p:grpSp>
         <p:nvGrpSpPr>
-          <p:cNvPr id="51" name="Group 50">
-            <a:extLst>
-              <a:ext uri="{FF2B5EF4-FFF2-40B4-BE49-F238E27FC236}">
-                <a16:creationId xmlns:a16="http://schemas.microsoft.com/office/drawing/2014/main" id="{AA75010F-8C3C-4F0A-CB5F-EA6FD86FC93F}"/>
+          <p:cNvPr id="16" name="Group 15">
+            <a:extLst>
+              <a:ext uri="{FF2B5EF4-FFF2-40B4-BE49-F238E27FC236}">
+                <a16:creationId xmlns:a16="http://schemas.microsoft.com/office/drawing/2014/main" id="{AC11120F-6342-1749-279E-166428354393}"/>
               </a:ext>
             </a:extLst>
           </p:cNvPr>
@@ -9192,83 +9621,308 @@
         </p:nvGrpSpPr>
         <p:grpSpPr>
           <a:xfrm>
-            <a:off x="6880082" y="5325134"/>
-            <a:ext cx="2159873" cy="468000"/>
-            <a:chOff x="7919400" y="3875056"/>
-            <a:chExt cx="2159873" cy="468000"/>
+            <a:off x="809730" y="5325134"/>
+            <a:ext cx="10515600" cy="636739"/>
+            <a:chOff x="809730" y="5325134"/>
+            <a:chExt cx="10515600" cy="636739"/>
           </a:xfrm>
         </p:grpSpPr>
-        <p:pic>
-          <p:nvPicPr>
-            <p:cNvPr id="52" name="Graphic 51" descr="Battery charging with solid fill">
+        <p:sp>
+          <p:nvSpPr>
+            <p:cNvPr id="50" name="Content Placeholder 2">
               <a:extLst>
                 <a:ext uri="{FF2B5EF4-FFF2-40B4-BE49-F238E27FC236}">
-                  <a16:creationId xmlns:a16="http://schemas.microsoft.com/office/drawing/2014/main" id="{B8F32568-0A44-9ABF-7250-2EBA62D852A1}"/>
+                  <a16:creationId xmlns:a16="http://schemas.microsoft.com/office/drawing/2014/main" id="{9AA3C9F6-5B48-F7BF-1AD9-590C69A278B4}"/>
                 </a:ext>
               </a:extLst>
             </p:cNvPr>
-            <p:cNvPicPr>
-              <a:picLocks noChangeAspect="1"/>
-            </p:cNvPicPr>
+            <p:cNvSpPr txBox="1">
+              <a:spLocks/>
+            </p:cNvSpPr>
             <p:nvPr/>
-          </p:nvPicPr>
-          <p:blipFill>
-            <a:blip r:embed="rId25">
-              <a:extLst>
-                <a:ext uri="{96DAC541-7B7A-43D3-8B79-37D633B846F1}">
-                  <asvg:svgBlip xmlns:asvg="http://schemas.microsoft.com/office/drawing/2016/SVG/main" r:embed="rId26"/>
-                </a:ext>
-              </a:extLst>
-            </a:blip>
-            <a:srcRect/>
-            <a:stretch/>
-          </p:blipFill>
+          </p:nvSpPr>
           <p:spPr>
             <a:xfrm>
-              <a:off x="7919400" y="3875056"/>
-              <a:ext cx="468000" cy="468000"/>
+              <a:off x="809730" y="5330967"/>
+              <a:ext cx="10515600" cy="630906"/>
             </a:xfrm>
             <a:prstGeom prst="rect">
               <a:avLst/>
             </a:prstGeom>
           </p:spPr>
-        </p:pic>
-        <p:sp>
-          <p:nvSpPr>
-            <p:cNvPr id="53" name="TextBox 52">
-              <a:extLst>
-                <a:ext uri="{FF2B5EF4-FFF2-40B4-BE49-F238E27FC236}">
-                  <a16:creationId xmlns:a16="http://schemas.microsoft.com/office/drawing/2014/main" id="{8BCDA3C0-224D-9263-7091-6FEC6AE119D1}"/>
-                </a:ext>
-              </a:extLst>
-            </p:cNvPr>
-            <p:cNvSpPr txBox="1"/>
-            <p:nvPr/>
-          </p:nvSpPr>
-          <p:spPr>
-            <a:xfrm>
-              <a:off x="8457162" y="3924390"/>
-              <a:ext cx="1622111" cy="369332"/>
-            </a:xfrm>
-            <a:prstGeom prst="rect">
-              <a:avLst/>
-            </a:prstGeom>
-            <a:noFill/>
-          </p:spPr>
           <p:txBody>
-            <a:bodyPr wrap="none" rtlCol="0">
-              <a:spAutoFit/>
+            <a:bodyPr vert="horz" lIns="91440" tIns="45720" rIns="91440" bIns="45720" rtlCol="0">
+              <a:normAutofit/>
             </a:bodyPr>
-            <a:lstStyle/>
+            <a:lstStyle>
+              <a:lvl1pPr marL="228600" indent="-228600" algn="l" defTabSz="914400" rtl="0" eaLnBrk="1" latinLnBrk="0" hangingPunct="1">
+                <a:lnSpc>
+                  <a:spcPct val="90000"/>
+                </a:lnSpc>
+                <a:spcBef>
+                  <a:spcPts val="1000"/>
+                </a:spcBef>
+                <a:buFont typeface="Arial" panose="020B0604020202020204" pitchFamily="34" charset="0"/>
+                <a:buChar char="•"/>
+                <a:defRPr sz="2800" kern="1200">
+                  <a:solidFill>
+                    <a:schemeClr val="tx1"/>
+                  </a:solidFill>
+                  <a:latin typeface="+mn-lt"/>
+                  <a:ea typeface="+mn-ea"/>
+                  <a:cs typeface="+mn-cs"/>
+                </a:defRPr>
+              </a:lvl1pPr>
+              <a:lvl2pPr marL="685800" indent="-228600" algn="l" defTabSz="914400" rtl="0" eaLnBrk="1" latinLnBrk="0" hangingPunct="1">
+                <a:lnSpc>
+                  <a:spcPct val="90000"/>
+                </a:lnSpc>
+                <a:spcBef>
+                  <a:spcPts val="500"/>
+                </a:spcBef>
+                <a:buFont typeface="Arial" panose="020B0604020202020204" pitchFamily="34" charset="0"/>
+                <a:buChar char="•"/>
+                <a:defRPr sz="2400" kern="1200">
+                  <a:solidFill>
+                    <a:schemeClr val="tx1"/>
+                  </a:solidFill>
+                  <a:latin typeface="+mn-lt"/>
+                  <a:ea typeface="+mn-ea"/>
+                  <a:cs typeface="+mn-cs"/>
+                </a:defRPr>
+              </a:lvl2pPr>
+              <a:lvl3pPr marL="1143000" indent="-228600" algn="l" defTabSz="914400" rtl="0" eaLnBrk="1" latinLnBrk="0" hangingPunct="1">
+                <a:lnSpc>
+                  <a:spcPct val="90000"/>
+                </a:lnSpc>
+                <a:spcBef>
+                  <a:spcPts val="500"/>
+                </a:spcBef>
+                <a:buFont typeface="Arial" panose="020B0604020202020204" pitchFamily="34" charset="0"/>
+                <a:buChar char="•"/>
+                <a:defRPr sz="2000" kern="1200">
+                  <a:solidFill>
+                    <a:schemeClr val="tx1"/>
+                  </a:solidFill>
+                  <a:latin typeface="+mn-lt"/>
+                  <a:ea typeface="+mn-ea"/>
+                  <a:cs typeface="+mn-cs"/>
+                </a:defRPr>
+              </a:lvl3pPr>
+              <a:lvl4pPr marL="1600200" indent="-228600" algn="l" defTabSz="914400" rtl="0" eaLnBrk="1" latinLnBrk="0" hangingPunct="1">
+                <a:lnSpc>
+                  <a:spcPct val="90000"/>
+                </a:lnSpc>
+                <a:spcBef>
+                  <a:spcPts val="500"/>
+                </a:spcBef>
+                <a:buFont typeface="Arial" panose="020B0604020202020204" pitchFamily="34" charset="0"/>
+                <a:buChar char="•"/>
+                <a:defRPr sz="1800" kern="1200">
+                  <a:solidFill>
+                    <a:schemeClr val="tx1"/>
+                  </a:solidFill>
+                  <a:latin typeface="+mn-lt"/>
+                  <a:ea typeface="+mn-ea"/>
+                  <a:cs typeface="+mn-cs"/>
+                </a:defRPr>
+              </a:lvl4pPr>
+              <a:lvl5pPr marL="2057400" indent="-228600" algn="l" defTabSz="914400" rtl="0" eaLnBrk="1" latinLnBrk="0" hangingPunct="1">
+                <a:lnSpc>
+                  <a:spcPct val="90000"/>
+                </a:lnSpc>
+                <a:spcBef>
+                  <a:spcPts val="500"/>
+                </a:spcBef>
+                <a:buFont typeface="Arial" panose="020B0604020202020204" pitchFamily="34" charset="0"/>
+                <a:buChar char="•"/>
+                <a:defRPr sz="1800" kern="1200">
+                  <a:solidFill>
+                    <a:schemeClr val="tx1"/>
+                  </a:solidFill>
+                  <a:latin typeface="+mn-lt"/>
+                  <a:ea typeface="+mn-ea"/>
+                  <a:cs typeface="+mn-cs"/>
+                </a:defRPr>
+              </a:lvl5pPr>
+              <a:lvl6pPr marL="2514600" indent="-228600" algn="l" defTabSz="914400" rtl="0" eaLnBrk="1" latinLnBrk="0" hangingPunct="1">
+                <a:lnSpc>
+                  <a:spcPct val="90000"/>
+                </a:lnSpc>
+                <a:spcBef>
+                  <a:spcPts val="500"/>
+                </a:spcBef>
+                <a:buFont typeface="Arial" panose="020B0604020202020204" pitchFamily="34" charset="0"/>
+                <a:buChar char="•"/>
+                <a:defRPr sz="1800" kern="1200">
+                  <a:solidFill>
+                    <a:schemeClr val="tx1"/>
+                  </a:solidFill>
+                  <a:latin typeface="+mn-lt"/>
+                  <a:ea typeface="+mn-ea"/>
+                  <a:cs typeface="+mn-cs"/>
+                </a:defRPr>
+              </a:lvl6pPr>
+              <a:lvl7pPr marL="2971800" indent="-228600" algn="l" defTabSz="914400" rtl="0" eaLnBrk="1" latinLnBrk="0" hangingPunct="1">
+                <a:lnSpc>
+                  <a:spcPct val="90000"/>
+                </a:lnSpc>
+                <a:spcBef>
+                  <a:spcPts val="500"/>
+                </a:spcBef>
+                <a:buFont typeface="Arial" panose="020B0604020202020204" pitchFamily="34" charset="0"/>
+                <a:buChar char="•"/>
+                <a:defRPr sz="1800" kern="1200">
+                  <a:solidFill>
+                    <a:schemeClr val="tx1"/>
+                  </a:solidFill>
+                  <a:latin typeface="+mn-lt"/>
+                  <a:ea typeface="+mn-ea"/>
+                  <a:cs typeface="+mn-cs"/>
+                </a:defRPr>
+              </a:lvl7pPr>
+              <a:lvl8pPr marL="3429000" indent="-228600" algn="l" defTabSz="914400" rtl="0" eaLnBrk="1" latinLnBrk="0" hangingPunct="1">
+                <a:lnSpc>
+                  <a:spcPct val="90000"/>
+                </a:lnSpc>
+                <a:spcBef>
+                  <a:spcPts val="500"/>
+                </a:spcBef>
+                <a:buFont typeface="Arial" panose="020B0604020202020204" pitchFamily="34" charset="0"/>
+                <a:buChar char="•"/>
+                <a:defRPr sz="1800" kern="1200">
+                  <a:solidFill>
+                    <a:schemeClr val="tx1"/>
+                  </a:solidFill>
+                  <a:latin typeface="+mn-lt"/>
+                  <a:ea typeface="+mn-ea"/>
+                  <a:cs typeface="+mn-cs"/>
+                </a:defRPr>
+              </a:lvl8pPr>
+              <a:lvl9pPr marL="3886200" indent="-228600" algn="l" defTabSz="914400" rtl="0" eaLnBrk="1" latinLnBrk="0" hangingPunct="1">
+                <a:lnSpc>
+                  <a:spcPct val="90000"/>
+                </a:lnSpc>
+                <a:spcBef>
+                  <a:spcPts val="500"/>
+                </a:spcBef>
+                <a:buFont typeface="Arial" panose="020B0604020202020204" pitchFamily="34" charset="0"/>
+                <a:buChar char="•"/>
+                <a:defRPr sz="1800" kern="1200">
+                  <a:solidFill>
+                    <a:schemeClr val="tx1"/>
+                  </a:solidFill>
+                  <a:latin typeface="+mn-lt"/>
+                  <a:ea typeface="+mn-ea"/>
+                  <a:cs typeface="+mn-cs"/>
+                </a:defRPr>
+              </a:lvl9pPr>
+            </a:lstStyle>
             <a:p>
+              <a:pPr marL="0" indent="0">
+                <a:buFont typeface="Arial" panose="020B0604020202020204" pitchFamily="34" charset="0"/>
+                <a:buNone/>
+              </a:pPr>
               <a:r>
                 <a:rPr lang="en-GB" dirty="0"/>
-                <a:t>Re-trainability </a:t>
+                <a:t>Other qualities seem entirely new, like </a:t>
               </a:r>
               <a:endParaRPr lang="en-SE" dirty="0"/>
             </a:p>
           </p:txBody>
         </p:sp>
+        <p:grpSp>
+          <p:nvGrpSpPr>
+            <p:cNvPr id="51" name="Group 50">
+              <a:extLst>
+                <a:ext uri="{FF2B5EF4-FFF2-40B4-BE49-F238E27FC236}">
+                  <a16:creationId xmlns:a16="http://schemas.microsoft.com/office/drawing/2014/main" id="{AA75010F-8C3C-4F0A-CB5F-EA6FD86FC93F}"/>
+                </a:ext>
+              </a:extLst>
+            </p:cNvPr>
+            <p:cNvGrpSpPr/>
+            <p:nvPr/>
+          </p:nvGrpSpPr>
+          <p:grpSpPr>
+            <a:xfrm>
+              <a:off x="6880082" y="5325134"/>
+              <a:ext cx="2159873" cy="468000"/>
+              <a:chOff x="7919400" y="3875056"/>
+              <a:chExt cx="2159873" cy="468000"/>
+            </a:xfrm>
+          </p:grpSpPr>
+          <p:pic>
+            <p:nvPicPr>
+              <p:cNvPr id="52" name="Graphic 51" descr="Battery charging with solid fill">
+                <a:extLst>
+                  <a:ext uri="{FF2B5EF4-FFF2-40B4-BE49-F238E27FC236}">
+                    <a16:creationId xmlns:a16="http://schemas.microsoft.com/office/drawing/2014/main" id="{B8F32568-0A44-9ABF-7250-2EBA62D852A1}"/>
+                  </a:ext>
+                </a:extLst>
+              </p:cNvPr>
+              <p:cNvPicPr>
+                <a:picLocks noChangeAspect="1"/>
+              </p:cNvPicPr>
+              <p:nvPr/>
+            </p:nvPicPr>
+            <p:blipFill>
+              <a:blip r:embed="rId25">
+                <a:extLst>
+                  <a:ext uri="{96DAC541-7B7A-43D3-8B79-37D633B846F1}">
+                    <asvg:svgBlip xmlns:asvg="http://schemas.microsoft.com/office/drawing/2016/SVG/main" r:embed="rId26"/>
+                  </a:ext>
+                </a:extLst>
+              </a:blip>
+              <a:srcRect/>
+              <a:stretch/>
+            </p:blipFill>
+            <p:spPr>
+              <a:xfrm>
+                <a:off x="7919400" y="3875056"/>
+                <a:ext cx="468000" cy="468000"/>
+              </a:xfrm>
+              <a:prstGeom prst="rect">
+                <a:avLst/>
+              </a:prstGeom>
+            </p:spPr>
+          </p:pic>
+          <p:sp>
+            <p:nvSpPr>
+              <p:cNvPr id="53" name="TextBox 52">
+                <a:extLst>
+                  <a:ext uri="{FF2B5EF4-FFF2-40B4-BE49-F238E27FC236}">
+                    <a16:creationId xmlns:a16="http://schemas.microsoft.com/office/drawing/2014/main" id="{8BCDA3C0-224D-9263-7091-6FEC6AE119D1}"/>
+                  </a:ext>
+                </a:extLst>
+              </p:cNvPr>
+              <p:cNvSpPr txBox="1"/>
+              <p:nvPr/>
+            </p:nvSpPr>
+            <p:spPr>
+              <a:xfrm>
+                <a:off x="8457162" y="3924390"/>
+                <a:ext cx="1622111" cy="369332"/>
+              </a:xfrm>
+              <a:prstGeom prst="rect">
+                <a:avLst/>
+              </a:prstGeom>
+              <a:noFill/>
+            </p:spPr>
+            <p:txBody>
+              <a:bodyPr wrap="none" rtlCol="0">
+                <a:spAutoFit/>
+              </a:bodyPr>
+              <a:lstStyle/>
+              <a:p>
+                <a:r>
+                  <a:rPr lang="en-GB" dirty="0"/>
+                  <a:t>Re-trainability </a:t>
+                </a:r>
+                <a:endParaRPr lang="en-SE" dirty="0"/>
+              </a:p>
+            </p:txBody>
+          </p:sp>
+        </p:grpSp>
       </p:grpSp>
     </p:spTree>
     <p:extLst>
@@ -9280,6 +9934,980 @@
   <p:clrMapOvr>
     <a:masterClrMapping/>
   </p:clrMapOvr>
+  <mc:AlternateContent xmlns:mc="http://schemas.openxmlformats.org/markup-compatibility/2006">
+    <mc:Choice xmlns:p159="http://schemas.microsoft.com/office/powerpoint/2015/09/main" Requires="p159">
+      <p:transition xmlns:p14="http://schemas.microsoft.com/office/powerpoint/2010/main" spd="med" p14:dur="700">
+        <p159:morph option="byObject"/>
+      </p:transition>
+    </mc:Choice>
+    <mc:Fallback>
+      <p:transition spd="med">
+        <p:fade/>
+      </p:transition>
+    </mc:Fallback>
+  </mc:AlternateContent>
+  <p:timing>
+    <p:tnLst>
+      <p:par>
+        <p:cTn id="1" dur="indefinite" restart="never" nodeType="tmRoot">
+          <p:childTnLst>
+            <p:seq concurrent="1" nextAc="seek">
+              <p:cTn id="2" dur="indefinite" nodeType="mainSeq">
+                <p:childTnLst>
+                  <p:par>
+                    <p:cTn id="3" fill="hold">
+                      <p:stCondLst>
+                        <p:cond delay="indefinite"/>
+                      </p:stCondLst>
+                      <p:childTnLst>
+                        <p:par>
+                          <p:cTn id="4" fill="hold">
+                            <p:stCondLst>
+                              <p:cond delay="0"/>
+                            </p:stCondLst>
+                            <p:childTnLst>
+                              <p:par>
+                                <p:cTn id="5" presetID="1" presetClass="entr" presetSubtype="0" fill="hold" grpId="0" nodeType="clickEffect">
+                                  <p:stCondLst>
+                                    <p:cond delay="0"/>
+                                  </p:stCondLst>
+                                  <p:childTnLst>
+                                    <p:set>
+                                      <p:cBhvr>
+                                        <p:cTn id="6" dur="1" fill="hold">
+                                          <p:stCondLst>
+                                            <p:cond delay="0"/>
+                                          </p:stCondLst>
+                                        </p:cTn>
+                                        <p:tgtEl>
+                                          <p:spTgt spid="19"/>
+                                        </p:tgtEl>
+                                        <p:attrNameLst>
+                                          <p:attrName>style.visibility</p:attrName>
+                                        </p:attrNameLst>
+                                      </p:cBhvr>
+                                      <p:to>
+                                        <p:strVal val="visible"/>
+                                      </p:to>
+                                    </p:set>
+                                  </p:childTnLst>
+                                </p:cTn>
+                              </p:par>
+                            </p:childTnLst>
+                          </p:cTn>
+                        </p:par>
+                      </p:childTnLst>
+                    </p:cTn>
+                  </p:par>
+                  <p:par>
+                    <p:cTn id="7" fill="hold">
+                      <p:stCondLst>
+                        <p:cond delay="indefinite"/>
+                      </p:stCondLst>
+                      <p:childTnLst>
+                        <p:par>
+                          <p:cTn id="8" fill="hold">
+                            <p:stCondLst>
+                              <p:cond delay="0"/>
+                            </p:stCondLst>
+                            <p:childTnLst>
+                              <p:par>
+                                <p:cTn id="9" presetID="42" presetClass="entr" presetSubtype="0" fill="hold" nodeType="clickEffect">
+                                  <p:stCondLst>
+                                    <p:cond delay="0"/>
+                                  </p:stCondLst>
+                                  <p:childTnLst>
+                                    <p:set>
+                                      <p:cBhvr>
+                                        <p:cTn id="10" dur="1" fill="hold">
+                                          <p:stCondLst>
+                                            <p:cond delay="0"/>
+                                          </p:stCondLst>
+                                        </p:cTn>
+                                        <p:tgtEl>
+                                          <p:spTgt spid="40"/>
+                                        </p:tgtEl>
+                                        <p:attrNameLst>
+                                          <p:attrName>style.visibility</p:attrName>
+                                        </p:attrNameLst>
+                                      </p:cBhvr>
+                                      <p:to>
+                                        <p:strVal val="visible"/>
+                                      </p:to>
+                                    </p:set>
+                                    <p:animEffect transition="in" filter="fade">
+                                      <p:cBhvr>
+                                        <p:cTn id="11" dur="500"/>
+                                        <p:tgtEl>
+                                          <p:spTgt spid="40"/>
+                                        </p:tgtEl>
+                                      </p:cBhvr>
+                                    </p:animEffect>
+                                    <p:anim calcmode="lin" valueType="num">
+                                      <p:cBhvr>
+                                        <p:cTn id="12" dur="500" fill="hold"/>
+                                        <p:tgtEl>
+                                          <p:spTgt spid="40"/>
+                                        </p:tgtEl>
+                                        <p:attrNameLst>
+                                          <p:attrName>ppt_x</p:attrName>
+                                        </p:attrNameLst>
+                                      </p:cBhvr>
+                                      <p:tavLst>
+                                        <p:tav tm="0">
+                                          <p:val>
+                                            <p:strVal val="#ppt_x"/>
+                                          </p:val>
+                                        </p:tav>
+                                        <p:tav tm="100000">
+                                          <p:val>
+                                            <p:strVal val="#ppt_x"/>
+                                          </p:val>
+                                        </p:tav>
+                                      </p:tavLst>
+                                    </p:anim>
+                                    <p:anim calcmode="lin" valueType="num">
+                                      <p:cBhvr>
+                                        <p:cTn id="13" dur="500" fill="hold"/>
+                                        <p:tgtEl>
+                                          <p:spTgt spid="40"/>
+                                        </p:tgtEl>
+                                        <p:attrNameLst>
+                                          <p:attrName>ppt_y</p:attrName>
+                                        </p:attrNameLst>
+                                      </p:cBhvr>
+                                      <p:tavLst>
+                                        <p:tav tm="0">
+                                          <p:val>
+                                            <p:strVal val="#ppt_y+.1"/>
+                                          </p:val>
+                                        </p:tav>
+                                        <p:tav tm="100000">
+                                          <p:val>
+                                            <p:strVal val="#ppt_y"/>
+                                          </p:val>
+                                        </p:tav>
+                                      </p:tavLst>
+                                    </p:anim>
+                                  </p:childTnLst>
+                                </p:cTn>
+                              </p:par>
+                            </p:childTnLst>
+                          </p:cTn>
+                        </p:par>
+                        <p:par>
+                          <p:cTn id="14" fill="hold">
+                            <p:stCondLst>
+                              <p:cond delay="500"/>
+                            </p:stCondLst>
+                            <p:childTnLst>
+                              <p:par>
+                                <p:cTn id="15" presetID="42" presetClass="entr" presetSubtype="0" fill="hold" nodeType="afterEffect">
+                                  <p:stCondLst>
+                                    <p:cond delay="0"/>
+                                  </p:stCondLst>
+                                  <p:childTnLst>
+                                    <p:set>
+                                      <p:cBhvr>
+                                        <p:cTn id="16" dur="1" fill="hold">
+                                          <p:stCondLst>
+                                            <p:cond delay="0"/>
+                                          </p:stCondLst>
+                                        </p:cTn>
+                                        <p:tgtEl>
+                                          <p:spTgt spid="46"/>
+                                        </p:tgtEl>
+                                        <p:attrNameLst>
+                                          <p:attrName>style.visibility</p:attrName>
+                                        </p:attrNameLst>
+                                      </p:cBhvr>
+                                      <p:to>
+                                        <p:strVal val="visible"/>
+                                      </p:to>
+                                    </p:set>
+                                    <p:animEffect transition="in" filter="fade">
+                                      <p:cBhvr>
+                                        <p:cTn id="17" dur="500"/>
+                                        <p:tgtEl>
+                                          <p:spTgt spid="46"/>
+                                        </p:tgtEl>
+                                      </p:cBhvr>
+                                    </p:animEffect>
+                                    <p:anim calcmode="lin" valueType="num">
+                                      <p:cBhvr>
+                                        <p:cTn id="18" dur="500" fill="hold"/>
+                                        <p:tgtEl>
+                                          <p:spTgt spid="46"/>
+                                        </p:tgtEl>
+                                        <p:attrNameLst>
+                                          <p:attrName>ppt_x</p:attrName>
+                                        </p:attrNameLst>
+                                      </p:cBhvr>
+                                      <p:tavLst>
+                                        <p:tav tm="0">
+                                          <p:val>
+                                            <p:strVal val="#ppt_x"/>
+                                          </p:val>
+                                        </p:tav>
+                                        <p:tav tm="100000">
+                                          <p:val>
+                                            <p:strVal val="#ppt_x"/>
+                                          </p:val>
+                                        </p:tav>
+                                      </p:tavLst>
+                                    </p:anim>
+                                    <p:anim calcmode="lin" valueType="num">
+                                      <p:cBhvr>
+                                        <p:cTn id="19" dur="500" fill="hold"/>
+                                        <p:tgtEl>
+                                          <p:spTgt spid="46"/>
+                                        </p:tgtEl>
+                                        <p:attrNameLst>
+                                          <p:attrName>ppt_y</p:attrName>
+                                        </p:attrNameLst>
+                                      </p:cBhvr>
+                                      <p:tavLst>
+                                        <p:tav tm="0">
+                                          <p:val>
+                                            <p:strVal val="#ppt_y+.1"/>
+                                          </p:val>
+                                        </p:tav>
+                                        <p:tav tm="100000">
+                                          <p:val>
+                                            <p:strVal val="#ppt_y"/>
+                                          </p:val>
+                                        </p:tav>
+                                      </p:tavLst>
+                                    </p:anim>
+                                  </p:childTnLst>
+                                </p:cTn>
+                              </p:par>
+                            </p:childTnLst>
+                          </p:cTn>
+                        </p:par>
+                        <p:par>
+                          <p:cTn id="20" fill="hold">
+                            <p:stCondLst>
+                              <p:cond delay="1000"/>
+                            </p:stCondLst>
+                            <p:childTnLst>
+                              <p:par>
+                                <p:cTn id="21" presetID="42" presetClass="entr" presetSubtype="0" fill="hold" nodeType="afterEffect">
+                                  <p:stCondLst>
+                                    <p:cond delay="0"/>
+                                  </p:stCondLst>
+                                  <p:childTnLst>
+                                    <p:set>
+                                      <p:cBhvr>
+                                        <p:cTn id="22" dur="1" fill="hold">
+                                          <p:stCondLst>
+                                            <p:cond delay="0"/>
+                                          </p:stCondLst>
+                                        </p:cTn>
+                                        <p:tgtEl>
+                                          <p:spTgt spid="43"/>
+                                        </p:tgtEl>
+                                        <p:attrNameLst>
+                                          <p:attrName>style.visibility</p:attrName>
+                                        </p:attrNameLst>
+                                      </p:cBhvr>
+                                      <p:to>
+                                        <p:strVal val="visible"/>
+                                      </p:to>
+                                    </p:set>
+                                    <p:animEffect transition="in" filter="fade">
+                                      <p:cBhvr>
+                                        <p:cTn id="23" dur="500"/>
+                                        <p:tgtEl>
+                                          <p:spTgt spid="43"/>
+                                        </p:tgtEl>
+                                      </p:cBhvr>
+                                    </p:animEffect>
+                                    <p:anim calcmode="lin" valueType="num">
+                                      <p:cBhvr>
+                                        <p:cTn id="24" dur="500" fill="hold"/>
+                                        <p:tgtEl>
+                                          <p:spTgt spid="43"/>
+                                        </p:tgtEl>
+                                        <p:attrNameLst>
+                                          <p:attrName>ppt_x</p:attrName>
+                                        </p:attrNameLst>
+                                      </p:cBhvr>
+                                      <p:tavLst>
+                                        <p:tav tm="0">
+                                          <p:val>
+                                            <p:strVal val="#ppt_x"/>
+                                          </p:val>
+                                        </p:tav>
+                                        <p:tav tm="100000">
+                                          <p:val>
+                                            <p:strVal val="#ppt_x"/>
+                                          </p:val>
+                                        </p:tav>
+                                      </p:tavLst>
+                                    </p:anim>
+                                    <p:anim calcmode="lin" valueType="num">
+                                      <p:cBhvr>
+                                        <p:cTn id="25" dur="500" fill="hold"/>
+                                        <p:tgtEl>
+                                          <p:spTgt spid="43"/>
+                                        </p:tgtEl>
+                                        <p:attrNameLst>
+                                          <p:attrName>ppt_y</p:attrName>
+                                        </p:attrNameLst>
+                                      </p:cBhvr>
+                                      <p:tavLst>
+                                        <p:tav tm="0">
+                                          <p:val>
+                                            <p:strVal val="#ppt_y+.1"/>
+                                          </p:val>
+                                        </p:tav>
+                                        <p:tav tm="100000">
+                                          <p:val>
+                                            <p:strVal val="#ppt_y"/>
+                                          </p:val>
+                                        </p:tav>
+                                      </p:tavLst>
+                                    </p:anim>
+                                  </p:childTnLst>
+                                </p:cTn>
+                              </p:par>
+                            </p:childTnLst>
+                          </p:cTn>
+                        </p:par>
+                      </p:childTnLst>
+                    </p:cTn>
+                  </p:par>
+                  <p:par>
+                    <p:cTn id="26" fill="hold">
+                      <p:stCondLst>
+                        <p:cond delay="indefinite"/>
+                      </p:stCondLst>
+                      <p:childTnLst>
+                        <p:par>
+                          <p:cTn id="27" fill="hold">
+                            <p:stCondLst>
+                              <p:cond delay="0"/>
+                            </p:stCondLst>
+                            <p:childTnLst>
+                              <p:par>
+                                <p:cTn id="28" presetID="1" presetClass="entr" presetSubtype="0" fill="hold" grpId="0" nodeType="clickEffect">
+                                  <p:stCondLst>
+                                    <p:cond delay="0"/>
+                                  </p:stCondLst>
+                                  <p:childTnLst>
+                                    <p:set>
+                                      <p:cBhvr>
+                                        <p:cTn id="29" dur="1" fill="hold">
+                                          <p:stCondLst>
+                                            <p:cond delay="0"/>
+                                          </p:stCondLst>
+                                        </p:cTn>
+                                        <p:tgtEl>
+                                          <p:spTgt spid="18"/>
+                                        </p:tgtEl>
+                                        <p:attrNameLst>
+                                          <p:attrName>style.visibility</p:attrName>
+                                        </p:attrNameLst>
+                                      </p:cBhvr>
+                                      <p:to>
+                                        <p:strVal val="visible"/>
+                                      </p:to>
+                                    </p:set>
+                                  </p:childTnLst>
+                                </p:cTn>
+                              </p:par>
+                            </p:childTnLst>
+                          </p:cTn>
+                        </p:par>
+                      </p:childTnLst>
+                    </p:cTn>
+                  </p:par>
+                  <p:par>
+                    <p:cTn id="30" fill="hold">
+                      <p:stCondLst>
+                        <p:cond delay="indefinite"/>
+                      </p:stCondLst>
+                      <p:childTnLst>
+                        <p:par>
+                          <p:cTn id="31" fill="hold">
+                            <p:stCondLst>
+                              <p:cond delay="0"/>
+                            </p:stCondLst>
+                            <p:childTnLst>
+                              <p:par>
+                                <p:cTn id="32" presetID="42" presetClass="entr" presetSubtype="0" fill="hold" nodeType="clickEffect">
+                                  <p:stCondLst>
+                                    <p:cond delay="0"/>
+                                  </p:stCondLst>
+                                  <p:childTnLst>
+                                    <p:set>
+                                      <p:cBhvr>
+                                        <p:cTn id="33" dur="1" fill="hold">
+                                          <p:stCondLst>
+                                            <p:cond delay="0"/>
+                                          </p:stCondLst>
+                                        </p:cTn>
+                                        <p:tgtEl>
+                                          <p:spTgt spid="31"/>
+                                        </p:tgtEl>
+                                        <p:attrNameLst>
+                                          <p:attrName>style.visibility</p:attrName>
+                                        </p:attrNameLst>
+                                      </p:cBhvr>
+                                      <p:to>
+                                        <p:strVal val="visible"/>
+                                      </p:to>
+                                    </p:set>
+                                    <p:animEffect transition="in" filter="fade">
+                                      <p:cBhvr>
+                                        <p:cTn id="34" dur="500"/>
+                                        <p:tgtEl>
+                                          <p:spTgt spid="31"/>
+                                        </p:tgtEl>
+                                      </p:cBhvr>
+                                    </p:animEffect>
+                                    <p:anim calcmode="lin" valueType="num">
+                                      <p:cBhvr>
+                                        <p:cTn id="35" dur="500" fill="hold"/>
+                                        <p:tgtEl>
+                                          <p:spTgt spid="31"/>
+                                        </p:tgtEl>
+                                        <p:attrNameLst>
+                                          <p:attrName>ppt_x</p:attrName>
+                                        </p:attrNameLst>
+                                      </p:cBhvr>
+                                      <p:tavLst>
+                                        <p:tav tm="0">
+                                          <p:val>
+                                            <p:strVal val="#ppt_x"/>
+                                          </p:val>
+                                        </p:tav>
+                                        <p:tav tm="100000">
+                                          <p:val>
+                                            <p:strVal val="#ppt_x"/>
+                                          </p:val>
+                                        </p:tav>
+                                      </p:tavLst>
+                                    </p:anim>
+                                    <p:anim calcmode="lin" valueType="num">
+                                      <p:cBhvr>
+                                        <p:cTn id="36" dur="500" fill="hold"/>
+                                        <p:tgtEl>
+                                          <p:spTgt spid="31"/>
+                                        </p:tgtEl>
+                                        <p:attrNameLst>
+                                          <p:attrName>ppt_y</p:attrName>
+                                        </p:attrNameLst>
+                                      </p:cBhvr>
+                                      <p:tavLst>
+                                        <p:tav tm="0">
+                                          <p:val>
+                                            <p:strVal val="#ppt_y+.1"/>
+                                          </p:val>
+                                        </p:tav>
+                                        <p:tav tm="100000">
+                                          <p:val>
+                                            <p:strVal val="#ppt_y"/>
+                                          </p:val>
+                                        </p:tav>
+                                      </p:tavLst>
+                                    </p:anim>
+                                  </p:childTnLst>
+                                </p:cTn>
+                              </p:par>
+                            </p:childTnLst>
+                          </p:cTn>
+                        </p:par>
+                        <p:par>
+                          <p:cTn id="37" fill="hold">
+                            <p:stCondLst>
+                              <p:cond delay="500"/>
+                            </p:stCondLst>
+                            <p:childTnLst>
+                              <p:par>
+                                <p:cTn id="38" presetID="42" presetClass="entr" presetSubtype="0" fill="hold" nodeType="afterEffect">
+                                  <p:stCondLst>
+                                    <p:cond delay="0"/>
+                                  </p:stCondLst>
+                                  <p:childTnLst>
+                                    <p:set>
+                                      <p:cBhvr>
+                                        <p:cTn id="39" dur="1" fill="hold">
+                                          <p:stCondLst>
+                                            <p:cond delay="0"/>
+                                          </p:stCondLst>
+                                        </p:cTn>
+                                        <p:tgtEl>
+                                          <p:spTgt spid="34"/>
+                                        </p:tgtEl>
+                                        <p:attrNameLst>
+                                          <p:attrName>style.visibility</p:attrName>
+                                        </p:attrNameLst>
+                                      </p:cBhvr>
+                                      <p:to>
+                                        <p:strVal val="visible"/>
+                                      </p:to>
+                                    </p:set>
+                                    <p:animEffect transition="in" filter="fade">
+                                      <p:cBhvr>
+                                        <p:cTn id="40" dur="500"/>
+                                        <p:tgtEl>
+                                          <p:spTgt spid="34"/>
+                                        </p:tgtEl>
+                                      </p:cBhvr>
+                                    </p:animEffect>
+                                    <p:anim calcmode="lin" valueType="num">
+                                      <p:cBhvr>
+                                        <p:cTn id="41" dur="500" fill="hold"/>
+                                        <p:tgtEl>
+                                          <p:spTgt spid="34"/>
+                                        </p:tgtEl>
+                                        <p:attrNameLst>
+                                          <p:attrName>ppt_x</p:attrName>
+                                        </p:attrNameLst>
+                                      </p:cBhvr>
+                                      <p:tavLst>
+                                        <p:tav tm="0">
+                                          <p:val>
+                                            <p:strVal val="#ppt_x"/>
+                                          </p:val>
+                                        </p:tav>
+                                        <p:tav tm="100000">
+                                          <p:val>
+                                            <p:strVal val="#ppt_x"/>
+                                          </p:val>
+                                        </p:tav>
+                                      </p:tavLst>
+                                    </p:anim>
+                                    <p:anim calcmode="lin" valueType="num">
+                                      <p:cBhvr>
+                                        <p:cTn id="42" dur="500" fill="hold"/>
+                                        <p:tgtEl>
+                                          <p:spTgt spid="34"/>
+                                        </p:tgtEl>
+                                        <p:attrNameLst>
+                                          <p:attrName>ppt_y</p:attrName>
+                                        </p:attrNameLst>
+                                      </p:cBhvr>
+                                      <p:tavLst>
+                                        <p:tav tm="0">
+                                          <p:val>
+                                            <p:strVal val="#ppt_y+.1"/>
+                                          </p:val>
+                                        </p:tav>
+                                        <p:tav tm="100000">
+                                          <p:val>
+                                            <p:strVal val="#ppt_y"/>
+                                          </p:val>
+                                        </p:tav>
+                                      </p:tavLst>
+                                    </p:anim>
+                                  </p:childTnLst>
+                                </p:cTn>
+                              </p:par>
+                            </p:childTnLst>
+                          </p:cTn>
+                        </p:par>
+                      </p:childTnLst>
+                    </p:cTn>
+                  </p:par>
+                  <p:par>
+                    <p:cTn id="43" fill="hold">
+                      <p:stCondLst>
+                        <p:cond delay="indefinite"/>
+                      </p:stCondLst>
+                      <p:childTnLst>
+                        <p:par>
+                          <p:cTn id="44" fill="hold">
+                            <p:stCondLst>
+                              <p:cond delay="0"/>
+                            </p:stCondLst>
+                            <p:childTnLst>
+                              <p:par>
+                                <p:cTn id="45" presetID="1" presetClass="entr" presetSubtype="0" fill="hold" grpId="0" nodeType="clickEffect">
+                                  <p:stCondLst>
+                                    <p:cond delay="0"/>
+                                  </p:stCondLst>
+                                  <p:childTnLst>
+                                    <p:set>
+                                      <p:cBhvr>
+                                        <p:cTn id="46" dur="1" fill="hold">
+                                          <p:stCondLst>
+                                            <p:cond delay="0"/>
+                                          </p:stCondLst>
+                                        </p:cTn>
+                                        <p:tgtEl>
+                                          <p:spTgt spid="20"/>
+                                        </p:tgtEl>
+                                        <p:attrNameLst>
+                                          <p:attrName>style.visibility</p:attrName>
+                                        </p:attrNameLst>
+                                      </p:cBhvr>
+                                      <p:to>
+                                        <p:strVal val="visible"/>
+                                      </p:to>
+                                    </p:set>
+                                  </p:childTnLst>
+                                </p:cTn>
+                              </p:par>
+                            </p:childTnLst>
+                          </p:cTn>
+                        </p:par>
+                      </p:childTnLst>
+                    </p:cTn>
+                  </p:par>
+                  <p:par>
+                    <p:cTn id="47" fill="hold">
+                      <p:stCondLst>
+                        <p:cond delay="indefinite"/>
+                      </p:stCondLst>
+                      <p:childTnLst>
+                        <p:par>
+                          <p:cTn id="48" fill="hold">
+                            <p:stCondLst>
+                              <p:cond delay="0"/>
+                            </p:stCondLst>
+                            <p:childTnLst>
+                              <p:par>
+                                <p:cTn id="49" presetID="42" presetClass="entr" presetSubtype="0" fill="hold" nodeType="clickEffect">
+                                  <p:stCondLst>
+                                    <p:cond delay="0"/>
+                                  </p:stCondLst>
+                                  <p:childTnLst>
+                                    <p:set>
+                                      <p:cBhvr>
+                                        <p:cTn id="50" dur="1" fill="hold">
+                                          <p:stCondLst>
+                                            <p:cond delay="0"/>
+                                          </p:stCondLst>
+                                        </p:cTn>
+                                        <p:tgtEl>
+                                          <p:spTgt spid="24"/>
+                                        </p:tgtEl>
+                                        <p:attrNameLst>
+                                          <p:attrName>style.visibility</p:attrName>
+                                        </p:attrNameLst>
+                                      </p:cBhvr>
+                                      <p:to>
+                                        <p:strVal val="visible"/>
+                                      </p:to>
+                                    </p:set>
+                                    <p:animEffect transition="in" filter="fade">
+                                      <p:cBhvr>
+                                        <p:cTn id="51" dur="500"/>
+                                        <p:tgtEl>
+                                          <p:spTgt spid="24"/>
+                                        </p:tgtEl>
+                                      </p:cBhvr>
+                                    </p:animEffect>
+                                    <p:anim calcmode="lin" valueType="num">
+                                      <p:cBhvr>
+                                        <p:cTn id="52" dur="500" fill="hold"/>
+                                        <p:tgtEl>
+                                          <p:spTgt spid="24"/>
+                                        </p:tgtEl>
+                                        <p:attrNameLst>
+                                          <p:attrName>ppt_x</p:attrName>
+                                        </p:attrNameLst>
+                                      </p:cBhvr>
+                                      <p:tavLst>
+                                        <p:tav tm="0">
+                                          <p:val>
+                                            <p:strVal val="#ppt_x"/>
+                                          </p:val>
+                                        </p:tav>
+                                        <p:tav tm="100000">
+                                          <p:val>
+                                            <p:strVal val="#ppt_x"/>
+                                          </p:val>
+                                        </p:tav>
+                                      </p:tavLst>
+                                    </p:anim>
+                                    <p:anim calcmode="lin" valueType="num">
+                                      <p:cBhvr>
+                                        <p:cTn id="53" dur="500" fill="hold"/>
+                                        <p:tgtEl>
+                                          <p:spTgt spid="24"/>
+                                        </p:tgtEl>
+                                        <p:attrNameLst>
+                                          <p:attrName>ppt_y</p:attrName>
+                                        </p:attrNameLst>
+                                      </p:cBhvr>
+                                      <p:tavLst>
+                                        <p:tav tm="0">
+                                          <p:val>
+                                            <p:strVal val="#ppt_y+.1"/>
+                                          </p:val>
+                                        </p:tav>
+                                        <p:tav tm="100000">
+                                          <p:val>
+                                            <p:strVal val="#ppt_y"/>
+                                          </p:val>
+                                        </p:tav>
+                                      </p:tavLst>
+                                    </p:anim>
+                                  </p:childTnLst>
+                                </p:cTn>
+                              </p:par>
+                            </p:childTnLst>
+                          </p:cTn>
+                        </p:par>
+                        <p:par>
+                          <p:cTn id="54" fill="hold">
+                            <p:stCondLst>
+                              <p:cond delay="500"/>
+                            </p:stCondLst>
+                            <p:childTnLst>
+                              <p:par>
+                                <p:cTn id="55" presetID="42" presetClass="entr" presetSubtype="0" fill="hold" nodeType="afterEffect">
+                                  <p:stCondLst>
+                                    <p:cond delay="0"/>
+                                  </p:stCondLst>
+                                  <p:childTnLst>
+                                    <p:set>
+                                      <p:cBhvr>
+                                        <p:cTn id="56" dur="1" fill="hold">
+                                          <p:stCondLst>
+                                            <p:cond delay="0"/>
+                                          </p:stCondLst>
+                                        </p:cTn>
+                                        <p:tgtEl>
+                                          <p:spTgt spid="25"/>
+                                        </p:tgtEl>
+                                        <p:attrNameLst>
+                                          <p:attrName>style.visibility</p:attrName>
+                                        </p:attrNameLst>
+                                      </p:cBhvr>
+                                      <p:to>
+                                        <p:strVal val="visible"/>
+                                      </p:to>
+                                    </p:set>
+                                    <p:animEffect transition="in" filter="fade">
+                                      <p:cBhvr>
+                                        <p:cTn id="57" dur="500"/>
+                                        <p:tgtEl>
+                                          <p:spTgt spid="25"/>
+                                        </p:tgtEl>
+                                      </p:cBhvr>
+                                    </p:animEffect>
+                                    <p:anim calcmode="lin" valueType="num">
+                                      <p:cBhvr>
+                                        <p:cTn id="58" dur="500" fill="hold"/>
+                                        <p:tgtEl>
+                                          <p:spTgt spid="25"/>
+                                        </p:tgtEl>
+                                        <p:attrNameLst>
+                                          <p:attrName>ppt_x</p:attrName>
+                                        </p:attrNameLst>
+                                      </p:cBhvr>
+                                      <p:tavLst>
+                                        <p:tav tm="0">
+                                          <p:val>
+                                            <p:strVal val="#ppt_x"/>
+                                          </p:val>
+                                        </p:tav>
+                                        <p:tav tm="100000">
+                                          <p:val>
+                                            <p:strVal val="#ppt_x"/>
+                                          </p:val>
+                                        </p:tav>
+                                      </p:tavLst>
+                                    </p:anim>
+                                    <p:anim calcmode="lin" valueType="num">
+                                      <p:cBhvr>
+                                        <p:cTn id="59" dur="500" fill="hold"/>
+                                        <p:tgtEl>
+                                          <p:spTgt spid="25"/>
+                                        </p:tgtEl>
+                                        <p:attrNameLst>
+                                          <p:attrName>ppt_y</p:attrName>
+                                        </p:attrNameLst>
+                                      </p:cBhvr>
+                                      <p:tavLst>
+                                        <p:tav tm="0">
+                                          <p:val>
+                                            <p:strVal val="#ppt_y+.1"/>
+                                          </p:val>
+                                        </p:tav>
+                                        <p:tav tm="100000">
+                                          <p:val>
+                                            <p:strVal val="#ppt_y"/>
+                                          </p:val>
+                                        </p:tav>
+                                      </p:tavLst>
+                                    </p:anim>
+                                  </p:childTnLst>
+                                </p:cTn>
+                              </p:par>
+                            </p:childTnLst>
+                          </p:cTn>
+                        </p:par>
+                        <p:par>
+                          <p:cTn id="60" fill="hold">
+                            <p:stCondLst>
+                              <p:cond delay="1000"/>
+                            </p:stCondLst>
+                            <p:childTnLst>
+                              <p:par>
+                                <p:cTn id="61" presetID="42" presetClass="entr" presetSubtype="0" fill="hold" nodeType="afterEffect">
+                                  <p:stCondLst>
+                                    <p:cond delay="0"/>
+                                  </p:stCondLst>
+                                  <p:childTnLst>
+                                    <p:set>
+                                      <p:cBhvr>
+                                        <p:cTn id="62" dur="1" fill="hold">
+                                          <p:stCondLst>
+                                            <p:cond delay="0"/>
+                                          </p:stCondLst>
+                                        </p:cTn>
+                                        <p:tgtEl>
+                                          <p:spTgt spid="28"/>
+                                        </p:tgtEl>
+                                        <p:attrNameLst>
+                                          <p:attrName>style.visibility</p:attrName>
+                                        </p:attrNameLst>
+                                      </p:cBhvr>
+                                      <p:to>
+                                        <p:strVal val="visible"/>
+                                      </p:to>
+                                    </p:set>
+                                    <p:animEffect transition="in" filter="fade">
+                                      <p:cBhvr>
+                                        <p:cTn id="63" dur="500"/>
+                                        <p:tgtEl>
+                                          <p:spTgt spid="28"/>
+                                        </p:tgtEl>
+                                      </p:cBhvr>
+                                    </p:animEffect>
+                                    <p:anim calcmode="lin" valueType="num">
+                                      <p:cBhvr>
+                                        <p:cTn id="64" dur="500" fill="hold"/>
+                                        <p:tgtEl>
+                                          <p:spTgt spid="28"/>
+                                        </p:tgtEl>
+                                        <p:attrNameLst>
+                                          <p:attrName>ppt_x</p:attrName>
+                                        </p:attrNameLst>
+                                      </p:cBhvr>
+                                      <p:tavLst>
+                                        <p:tav tm="0">
+                                          <p:val>
+                                            <p:strVal val="#ppt_x"/>
+                                          </p:val>
+                                        </p:tav>
+                                        <p:tav tm="100000">
+                                          <p:val>
+                                            <p:strVal val="#ppt_x"/>
+                                          </p:val>
+                                        </p:tav>
+                                      </p:tavLst>
+                                    </p:anim>
+                                    <p:anim calcmode="lin" valueType="num">
+                                      <p:cBhvr>
+                                        <p:cTn id="65" dur="500" fill="hold"/>
+                                        <p:tgtEl>
+                                          <p:spTgt spid="28"/>
+                                        </p:tgtEl>
+                                        <p:attrNameLst>
+                                          <p:attrName>ppt_y</p:attrName>
+                                        </p:attrNameLst>
+                                      </p:cBhvr>
+                                      <p:tavLst>
+                                        <p:tav tm="0">
+                                          <p:val>
+                                            <p:strVal val="#ppt_y+.1"/>
+                                          </p:val>
+                                        </p:tav>
+                                        <p:tav tm="100000">
+                                          <p:val>
+                                            <p:strVal val="#ppt_y"/>
+                                          </p:val>
+                                        </p:tav>
+                                      </p:tavLst>
+                                    </p:anim>
+                                  </p:childTnLst>
+                                </p:cTn>
+                              </p:par>
+                            </p:childTnLst>
+                          </p:cTn>
+                        </p:par>
+                      </p:childTnLst>
+                    </p:cTn>
+                  </p:par>
+                  <p:par>
+                    <p:cTn id="66" fill="hold">
+                      <p:stCondLst>
+                        <p:cond delay="indefinite"/>
+                      </p:stCondLst>
+                      <p:childTnLst>
+                        <p:par>
+                          <p:cTn id="67" fill="hold">
+                            <p:stCondLst>
+                              <p:cond delay="0"/>
+                            </p:stCondLst>
+                            <p:childTnLst>
+                              <p:par>
+                                <p:cTn id="68" presetID="1" presetClass="entr" presetSubtype="0" fill="hold" nodeType="clickEffect">
+                                  <p:stCondLst>
+                                    <p:cond delay="0"/>
+                                  </p:stCondLst>
+                                  <p:childTnLst>
+                                    <p:set>
+                                      <p:cBhvr>
+                                        <p:cTn id="69" dur="1" fill="hold">
+                                          <p:stCondLst>
+                                            <p:cond delay="0"/>
+                                          </p:stCondLst>
+                                        </p:cTn>
+                                        <p:tgtEl>
+                                          <p:spTgt spid="16"/>
+                                        </p:tgtEl>
+                                        <p:attrNameLst>
+                                          <p:attrName>style.visibility</p:attrName>
+                                        </p:attrNameLst>
+                                      </p:cBhvr>
+                                      <p:to>
+                                        <p:strVal val="visible"/>
+                                      </p:to>
+                                    </p:set>
+                                  </p:childTnLst>
+                                </p:cTn>
+                              </p:par>
+                            </p:childTnLst>
+                          </p:cTn>
+                        </p:par>
+                      </p:childTnLst>
+                    </p:cTn>
+                  </p:par>
+                </p:childTnLst>
+              </p:cTn>
+              <p:prevCondLst>
+                <p:cond evt="onPrev" delay="0">
+                  <p:tgtEl>
+                    <p:sldTgt/>
+                  </p:tgtEl>
+                </p:cond>
+              </p:prevCondLst>
+              <p:nextCondLst>
+                <p:cond evt="onNext" delay="0">
+                  <p:tgtEl>
+                    <p:sldTgt/>
+                  </p:tgtEl>
+                </p:cond>
+              </p:nextCondLst>
+            </p:seq>
+          </p:childTnLst>
+        </p:cTn>
+      </p:par>
+    </p:tnLst>
+    <p:bldLst>
+      <p:bldP spid="18" grpId="0"/>
+      <p:bldP spid="19" grpId="0"/>
+      <p:bldP spid="20" grpId="0"/>
+    </p:bldLst>
+  </p:timing>
 </p:sld>
 </file>
 
@@ -9359,7 +10987,7 @@
           <a:p>
             <a:fld id="{60CB520D-D965-46BA-A3CC-319C6DE058D5}" type="datetime1">
               <a:rPr lang="de-DE" smtClean="0"/>
-              <a:t>09.06.2025</a:t>
+              <a:t>10.06.2025</a:t>
             </a:fld>
             <a:endParaRPr lang="en-SE"/>
           </a:p>
@@ -9520,10 +11148,10 @@
             <p:nvPr/>
           </p:nvPicPr>
           <p:blipFill>
-            <a:blip r:embed="rId2">
+            <a:blip r:embed="rId3">
               <a:extLst>
                 <a:ext uri="{96DAC541-7B7A-43D3-8B79-37D633B846F1}">
-                  <asvg:svgBlip xmlns:asvg="http://schemas.microsoft.com/office/drawing/2016/SVG/main" r:embed="rId3"/>
+                  <asvg:svgBlip xmlns:asvg="http://schemas.microsoft.com/office/drawing/2016/SVG/main" r:embed="rId4"/>
                 </a:ext>
               </a:extLst>
             </a:blip>
@@ -9636,10 +11264,10 @@
             <p:nvPr/>
           </p:nvPicPr>
           <p:blipFill>
-            <a:blip r:embed="rId4">
+            <a:blip r:embed="rId5">
               <a:extLst>
                 <a:ext uri="{96DAC541-7B7A-43D3-8B79-37D633B846F1}">
-                  <asvg:svgBlip xmlns:asvg="http://schemas.microsoft.com/office/drawing/2016/SVG/main" r:embed="rId5"/>
+                  <asvg:svgBlip xmlns:asvg="http://schemas.microsoft.com/office/drawing/2016/SVG/main" r:embed="rId6"/>
                 </a:ext>
               </a:extLst>
             </a:blip>
@@ -9755,10 +11383,10 @@
             <p:nvPr/>
           </p:nvPicPr>
           <p:blipFill>
-            <a:blip r:embed="rId6">
+            <a:blip r:embed="rId7">
               <a:extLst>
                 <a:ext uri="{96DAC541-7B7A-43D3-8B79-37D633B846F1}">
-                  <asvg:svgBlip xmlns:asvg="http://schemas.microsoft.com/office/drawing/2016/SVG/main" r:embed="rId7"/>
+                  <asvg:svgBlip xmlns:asvg="http://schemas.microsoft.com/office/drawing/2016/SVG/main" r:embed="rId8"/>
                 </a:ext>
               </a:extLst>
             </a:blip>
@@ -9807,939 +11435,960 @@
             </a:pPr>
             <a:r>
               <a:rPr lang="en-GB" dirty="0"/>
-              <a:t>System qualities apply to different entities of an AI system but capturing them is still difficult.</a:t>
+              <a:t>For AI systems, quality requirements (1) are difficult to validate and (2) may apply to different entities of the system.</a:t>
             </a:r>
             <a:endParaRPr lang="en-SE" dirty="0"/>
           </a:p>
         </p:txBody>
       </p:sp>
-      <p:sp>
-        <p:nvSpPr>
-          <p:cNvPr id="17" name="TextBox 16">
-            <a:extLst>
-              <a:ext uri="{FF2B5EF4-FFF2-40B4-BE49-F238E27FC236}">
-                <a16:creationId xmlns:a16="http://schemas.microsoft.com/office/drawing/2014/main" id="{D27F5BE9-97BE-1C2F-61DB-066923875298}"/>
-              </a:ext>
-            </a:extLst>
-          </p:cNvPr>
-          <p:cNvSpPr txBox="1"/>
+      <p:grpSp>
+        <p:nvGrpSpPr>
+          <p:cNvPr id="24" name="Group 23">
+            <a:extLst>
+              <a:ext uri="{FF2B5EF4-FFF2-40B4-BE49-F238E27FC236}">
+                <a16:creationId xmlns:a16="http://schemas.microsoft.com/office/drawing/2014/main" id="{57D9C258-AA9A-67F7-9E11-928FB649B5A6}"/>
+              </a:ext>
+            </a:extLst>
+          </p:cNvPr>
+          <p:cNvGrpSpPr/>
           <p:nvPr/>
-        </p:nvSpPr>
-        <p:spPr>
+        </p:nvGrpSpPr>
+        <p:grpSpPr>
           <a:xfrm>
-            <a:off x="838200" y="6002923"/>
-            <a:ext cx="6096000" cy="338554"/>
+            <a:off x="838200" y="2860573"/>
+            <a:ext cx="7734300" cy="3480904"/>
+            <a:chOff x="838200" y="2860573"/>
+            <a:chExt cx="7734300" cy="3480904"/>
           </a:xfrm>
-          <a:prstGeom prst="rect">
-            <a:avLst/>
-          </a:prstGeom>
-          <a:noFill/>
-        </p:spPr>
-        <p:txBody>
-          <a:bodyPr wrap="square">
-            <a:spAutoFit/>
-          </a:bodyPr>
-          <a:lstStyle/>
-          <a:p>
-            <a:r>
-              <a:rPr lang="en-US" sz="800" dirty="0"/>
-              <a:t>Siebert, J., Joeckel, L., Heidrich, J., </a:t>
-            </a:r>
-            <a:r>
-              <a:rPr lang="en-US" sz="800" dirty="0" err="1"/>
-              <a:t>Trendowicz</a:t>
-            </a:r>
-            <a:r>
-              <a:rPr lang="en-US" sz="800" dirty="0"/>
-              <a:t>, A., Nakamichi, K., Ohashi, K., ... &amp; Aoyama, M. (2022). Construction of a quality model for machine learning systems. </a:t>
-            </a:r>
-            <a:r>
-              <a:rPr lang="en-US" sz="800" i="1" dirty="0"/>
-              <a:t>Software Quality Journal</a:t>
-            </a:r>
-            <a:r>
-              <a:rPr lang="en-US" sz="800" dirty="0"/>
-              <a:t>, </a:t>
-            </a:r>
-            <a:r>
-              <a:rPr lang="en-US" sz="800" i="1" dirty="0"/>
-              <a:t>30</a:t>
-            </a:r>
-            <a:r>
-              <a:rPr lang="en-US" sz="800" dirty="0"/>
-              <a:t>(2), 307-335.</a:t>
-            </a:r>
-            <a:endParaRPr lang="en-SE" sz="800" dirty="0"/>
-          </a:p>
-        </p:txBody>
-      </p:sp>
-      <p:sp>
-        <p:nvSpPr>
-          <p:cNvPr id="18" name="TextBox 17">
-            <a:extLst>
-              <a:ext uri="{FF2B5EF4-FFF2-40B4-BE49-F238E27FC236}">
-                <a16:creationId xmlns:a16="http://schemas.microsoft.com/office/drawing/2014/main" id="{93B8A0E9-FD24-1883-68A4-598F43375A11}"/>
-              </a:ext>
-            </a:extLst>
-          </p:cNvPr>
-          <p:cNvSpPr txBox="1"/>
-          <p:nvPr/>
-        </p:nvSpPr>
-        <p:spPr>
-          <a:xfrm>
-            <a:off x="4905399" y="2860573"/>
-            <a:ext cx="2293898" cy="646331"/>
-          </a:xfrm>
-          <a:prstGeom prst="rect">
-            <a:avLst/>
-          </a:prstGeom>
-          <a:noFill/>
-        </p:spPr>
-        <p:txBody>
-          <a:bodyPr wrap="none" rtlCol="0">
-            <a:spAutoFit/>
-          </a:bodyPr>
-          <a:lstStyle/>
-          <a:p>
-            <a:pPr algn="ctr"/>
-            <a:r>
-              <a:rPr lang="en-GB" b="1" dirty="0"/>
-              <a:t>Quality Meta-Model </a:t>
-            </a:r>
-            <a:br>
-              <a:rPr lang="en-GB" b="1" dirty="0"/>
-            </a:br>
-            <a:r>
-              <a:rPr lang="en-GB" b="1" dirty="0"/>
-              <a:t>for ML Systems</a:t>
-            </a:r>
-            <a:endParaRPr lang="en-SE" b="1" dirty="0"/>
-          </a:p>
-        </p:txBody>
-      </p:sp>
-      <p:sp>
-        <p:nvSpPr>
-          <p:cNvPr id="19" name="Rectangle 18">
-            <a:extLst>
-              <a:ext uri="{FF2B5EF4-FFF2-40B4-BE49-F238E27FC236}">
-                <a16:creationId xmlns:a16="http://schemas.microsoft.com/office/drawing/2014/main" id="{FE0061F9-81C3-AE80-A67D-89B0A82B092A}"/>
-              </a:ext>
-            </a:extLst>
-          </p:cNvPr>
-          <p:cNvSpPr/>
-          <p:nvPr/>
-        </p:nvSpPr>
-        <p:spPr>
-          <a:xfrm>
-            <a:off x="4359299" y="4427329"/>
-            <a:ext cx="1524000" cy="520700"/>
-          </a:xfrm>
-          <a:prstGeom prst="rect">
-            <a:avLst/>
-          </a:prstGeom>
-          <a:solidFill>
-            <a:schemeClr val="bg1">
-              <a:lumMod val="95000"/>
-            </a:schemeClr>
-          </a:solidFill>
-          <a:ln>
+        </p:grpSpPr>
+        <p:sp>
+          <p:nvSpPr>
+            <p:cNvPr id="17" name="TextBox 16">
+              <a:extLst>
+                <a:ext uri="{FF2B5EF4-FFF2-40B4-BE49-F238E27FC236}">
+                  <a16:creationId xmlns:a16="http://schemas.microsoft.com/office/drawing/2014/main" id="{D27F5BE9-97BE-1C2F-61DB-066923875298}"/>
+                </a:ext>
+              </a:extLst>
+            </p:cNvPr>
+            <p:cNvSpPr txBox="1"/>
+            <p:nvPr/>
+          </p:nvSpPr>
+          <p:spPr>
+            <a:xfrm>
+              <a:off x="838200" y="6002923"/>
+              <a:ext cx="6096000" cy="338554"/>
+            </a:xfrm>
+            <a:prstGeom prst="rect">
+              <a:avLst/>
+            </a:prstGeom>
+            <a:noFill/>
+          </p:spPr>
+          <p:txBody>
+            <a:bodyPr wrap="square">
+              <a:spAutoFit/>
+            </a:bodyPr>
+            <a:lstStyle/>
+            <a:p>
+              <a:r>
+                <a:rPr lang="en-US" sz="800" dirty="0"/>
+                <a:t>Siebert, J., Joeckel, L., Heidrich, J., </a:t>
+              </a:r>
+              <a:r>
+                <a:rPr lang="en-US" sz="800" dirty="0" err="1"/>
+                <a:t>Trendowicz</a:t>
+              </a:r>
+              <a:r>
+                <a:rPr lang="en-US" sz="800" dirty="0"/>
+                <a:t>, A., Nakamichi, K., Ohashi, K., ... &amp; Aoyama, M. (2022). Construction of a quality model for machine learning systems. </a:t>
+              </a:r>
+              <a:r>
+                <a:rPr lang="en-US" sz="800" i="1" dirty="0"/>
+                <a:t>Software Quality Journal</a:t>
+              </a:r>
+              <a:r>
+                <a:rPr lang="en-US" sz="800" dirty="0"/>
+                <a:t>, </a:t>
+              </a:r>
+              <a:r>
+                <a:rPr lang="en-US" sz="800" i="1" dirty="0"/>
+                <a:t>30</a:t>
+              </a:r>
+              <a:r>
+                <a:rPr lang="en-US" sz="800" dirty="0"/>
+                <a:t>(2), 307-335.</a:t>
+              </a:r>
+              <a:endParaRPr lang="en-SE" sz="800" dirty="0"/>
+            </a:p>
+          </p:txBody>
+        </p:sp>
+        <p:sp>
+          <p:nvSpPr>
+            <p:cNvPr id="18" name="TextBox 17">
+              <a:extLst>
+                <a:ext uri="{FF2B5EF4-FFF2-40B4-BE49-F238E27FC236}">
+                  <a16:creationId xmlns:a16="http://schemas.microsoft.com/office/drawing/2014/main" id="{93B8A0E9-FD24-1883-68A4-598F43375A11}"/>
+                </a:ext>
+              </a:extLst>
+            </p:cNvPr>
+            <p:cNvSpPr txBox="1"/>
+            <p:nvPr/>
+          </p:nvSpPr>
+          <p:spPr>
+            <a:xfrm>
+              <a:off x="4905399" y="2860573"/>
+              <a:ext cx="2293898" cy="646331"/>
+            </a:xfrm>
+            <a:prstGeom prst="rect">
+              <a:avLst/>
+            </a:prstGeom>
+            <a:noFill/>
+          </p:spPr>
+          <p:txBody>
+            <a:bodyPr wrap="none" rtlCol="0">
+              <a:spAutoFit/>
+            </a:bodyPr>
+            <a:lstStyle/>
+            <a:p>
+              <a:pPr algn="ctr"/>
+              <a:r>
+                <a:rPr lang="en-GB" b="1" dirty="0"/>
+                <a:t>Quality Meta-Model </a:t>
+              </a:r>
+              <a:br>
+                <a:rPr lang="en-GB" b="1" dirty="0"/>
+              </a:br>
+              <a:r>
+                <a:rPr lang="en-GB" b="1" dirty="0"/>
+                <a:t>for ML Systems</a:t>
+              </a:r>
+              <a:endParaRPr lang="en-SE" b="1" dirty="0"/>
+            </a:p>
+          </p:txBody>
+        </p:sp>
+        <p:sp>
+          <p:nvSpPr>
+            <p:cNvPr id="19" name="Rectangle 18">
+              <a:extLst>
+                <a:ext uri="{FF2B5EF4-FFF2-40B4-BE49-F238E27FC236}">
+                  <a16:creationId xmlns:a16="http://schemas.microsoft.com/office/drawing/2014/main" id="{FE0061F9-81C3-AE80-A67D-89B0A82B092A}"/>
+                </a:ext>
+              </a:extLst>
+            </p:cNvPr>
+            <p:cNvSpPr/>
+            <p:nvPr/>
+          </p:nvSpPr>
+          <p:spPr>
+            <a:xfrm>
+              <a:off x="4359299" y="4427329"/>
+              <a:ext cx="1524000" cy="520700"/>
+            </a:xfrm>
+            <a:prstGeom prst="rect">
+              <a:avLst/>
+            </a:prstGeom>
             <a:solidFill>
-              <a:schemeClr val="tx1">
-                <a:lumMod val="50000"/>
-                <a:lumOff val="50000"/>
+              <a:schemeClr val="bg1">
+                <a:lumMod val="95000"/>
               </a:schemeClr>
             </a:solidFill>
-          </a:ln>
-          <a:effectLst>
-            <a:outerShdw blurRad="50800" dist="38100" dir="2700000" algn="tl" rotWithShape="0">
-              <a:prstClr val="black">
-                <a:alpha val="40000"/>
-              </a:prstClr>
-            </a:outerShdw>
-          </a:effectLst>
-        </p:spPr>
-        <p:style>
-          <a:lnRef idx="2">
-            <a:schemeClr val="accent1">
-              <a:shade val="15000"/>
-            </a:schemeClr>
-          </a:lnRef>
-          <a:fillRef idx="1">
-            <a:schemeClr val="accent1"/>
-          </a:fillRef>
-          <a:effectRef idx="0">
-            <a:schemeClr val="accent1"/>
-          </a:effectRef>
-          <a:fontRef idx="minor">
-            <a:schemeClr val="lt1"/>
-          </a:fontRef>
-        </p:style>
-        <p:txBody>
-          <a:bodyPr rtlCol="0" anchor="ctr"/>
-          <a:lstStyle/>
-          <a:p>
-            <a:pPr algn="ctr"/>
-            <a:r>
-              <a:rPr lang="en-GB" dirty="0">
+            <a:ln>
+              <a:solidFill>
+                <a:schemeClr val="tx1">
+                  <a:lumMod val="50000"/>
+                  <a:lumOff val="50000"/>
+                </a:schemeClr>
+              </a:solidFill>
+            </a:ln>
+            <a:effectLst>
+              <a:outerShdw blurRad="50800" dist="38100" dir="2700000" algn="tl" rotWithShape="0">
+                <a:prstClr val="black">
+                  <a:alpha val="40000"/>
+                </a:prstClr>
+              </a:outerShdw>
+            </a:effectLst>
+          </p:spPr>
+          <p:style>
+            <a:lnRef idx="2">
+              <a:schemeClr val="accent1">
+                <a:shade val="15000"/>
+              </a:schemeClr>
+            </a:lnRef>
+            <a:fillRef idx="1">
+              <a:schemeClr val="accent1"/>
+            </a:fillRef>
+            <a:effectRef idx="0">
+              <a:schemeClr val="accent1"/>
+            </a:effectRef>
+            <a:fontRef idx="minor">
+              <a:schemeClr val="lt1"/>
+            </a:fontRef>
+          </p:style>
+          <p:txBody>
+            <a:bodyPr rtlCol="0" anchor="ctr"/>
+            <a:lstStyle/>
+            <a:p>
+              <a:pPr algn="ctr"/>
+              <a:r>
+                <a:rPr lang="en-GB" dirty="0">
+                  <a:solidFill>
+                    <a:sysClr val="windowText" lastClr="000000"/>
+                  </a:solidFill>
+                </a:rPr>
+                <a:t>Property</a:t>
+              </a:r>
+              <a:endParaRPr lang="en-SE" dirty="0">
                 <a:solidFill>
                   <a:sysClr val="windowText" lastClr="000000"/>
                 </a:solidFill>
-              </a:rPr>
-              <a:t>Property</a:t>
-            </a:r>
-            <a:endParaRPr lang="en-SE" dirty="0">
-              <a:solidFill>
-                <a:sysClr val="windowText" lastClr="000000"/>
-              </a:solidFill>
-            </a:endParaRPr>
-          </a:p>
-        </p:txBody>
-      </p:sp>
-      <p:sp>
-        <p:nvSpPr>
-          <p:cNvPr id="20" name="Rectangle 19">
-            <a:extLst>
-              <a:ext uri="{FF2B5EF4-FFF2-40B4-BE49-F238E27FC236}">
-                <a16:creationId xmlns:a16="http://schemas.microsoft.com/office/drawing/2014/main" id="{83946A66-AB68-D5AC-C0CE-256C0B277CBE}"/>
-              </a:ext>
-            </a:extLst>
-          </p:cNvPr>
-          <p:cNvSpPr/>
-          <p:nvPr/>
-        </p:nvSpPr>
-        <p:spPr>
-          <a:xfrm>
-            <a:off x="3381399" y="5267509"/>
-            <a:ext cx="1524000" cy="520700"/>
-          </a:xfrm>
-          <a:prstGeom prst="rect">
-            <a:avLst/>
-          </a:prstGeom>
-          <a:solidFill>
-            <a:schemeClr val="bg1">
-              <a:lumMod val="95000"/>
-            </a:schemeClr>
-          </a:solidFill>
-          <a:ln>
+              </a:endParaRPr>
+            </a:p>
+          </p:txBody>
+        </p:sp>
+        <p:sp>
+          <p:nvSpPr>
+            <p:cNvPr id="20" name="Rectangle 19">
+              <a:extLst>
+                <a:ext uri="{FF2B5EF4-FFF2-40B4-BE49-F238E27FC236}">
+                  <a16:creationId xmlns:a16="http://schemas.microsoft.com/office/drawing/2014/main" id="{83946A66-AB68-D5AC-C0CE-256C0B277CBE}"/>
+                </a:ext>
+              </a:extLst>
+            </p:cNvPr>
+            <p:cNvSpPr/>
+            <p:nvPr/>
+          </p:nvSpPr>
+          <p:spPr>
+            <a:xfrm>
+              <a:off x="3381399" y="5267509"/>
+              <a:ext cx="1524000" cy="520700"/>
+            </a:xfrm>
+            <a:prstGeom prst="rect">
+              <a:avLst/>
+            </a:prstGeom>
             <a:solidFill>
-              <a:schemeClr val="tx1">
-                <a:lumMod val="50000"/>
-                <a:lumOff val="50000"/>
+              <a:schemeClr val="bg1">
+                <a:lumMod val="95000"/>
               </a:schemeClr>
             </a:solidFill>
-          </a:ln>
-          <a:effectLst>
-            <a:outerShdw blurRad="50800" dist="38100" dir="2700000" algn="tl" rotWithShape="0">
-              <a:prstClr val="black">
-                <a:alpha val="40000"/>
-              </a:prstClr>
-            </a:outerShdw>
-          </a:effectLst>
-        </p:spPr>
-        <p:style>
-          <a:lnRef idx="2">
-            <a:schemeClr val="accent1">
-              <a:shade val="15000"/>
-            </a:schemeClr>
-          </a:lnRef>
-          <a:fillRef idx="1">
-            <a:schemeClr val="accent1"/>
-          </a:fillRef>
-          <a:effectRef idx="0">
-            <a:schemeClr val="accent1"/>
-          </a:effectRef>
-          <a:fontRef idx="minor">
-            <a:schemeClr val="lt1"/>
-          </a:fontRef>
-        </p:style>
-        <p:txBody>
-          <a:bodyPr rtlCol="0" anchor="ctr"/>
-          <a:lstStyle/>
-          <a:p>
-            <a:pPr algn="ctr"/>
-            <a:r>
-              <a:rPr lang="en-GB" dirty="0">
+            <a:ln>
+              <a:solidFill>
+                <a:schemeClr val="tx1">
+                  <a:lumMod val="50000"/>
+                  <a:lumOff val="50000"/>
+                </a:schemeClr>
+              </a:solidFill>
+            </a:ln>
+            <a:effectLst>
+              <a:outerShdw blurRad="50800" dist="38100" dir="2700000" algn="tl" rotWithShape="0">
+                <a:prstClr val="black">
+                  <a:alpha val="40000"/>
+                </a:prstClr>
+              </a:outerShdw>
+            </a:effectLst>
+          </p:spPr>
+          <p:style>
+            <a:lnRef idx="2">
+              <a:schemeClr val="accent1">
+                <a:shade val="15000"/>
+              </a:schemeClr>
+            </a:lnRef>
+            <a:fillRef idx="1">
+              <a:schemeClr val="accent1"/>
+            </a:fillRef>
+            <a:effectRef idx="0">
+              <a:schemeClr val="accent1"/>
+            </a:effectRef>
+            <a:fontRef idx="minor">
+              <a:schemeClr val="lt1"/>
+            </a:fontRef>
+          </p:style>
+          <p:txBody>
+            <a:bodyPr rtlCol="0" anchor="ctr"/>
+            <a:lstStyle/>
+            <a:p>
+              <a:pPr algn="ctr"/>
+              <a:r>
+                <a:rPr lang="en-GB" dirty="0">
+                  <a:solidFill>
+                    <a:sysClr val="windowText" lastClr="000000"/>
+                  </a:solidFill>
+                </a:rPr>
+                <a:t>Entity</a:t>
+              </a:r>
+              <a:endParaRPr lang="en-SE" dirty="0">
                 <a:solidFill>
                   <a:sysClr val="windowText" lastClr="000000"/>
                 </a:solidFill>
-              </a:rPr>
-              <a:t>Entity</a:t>
-            </a:r>
-            <a:endParaRPr lang="en-SE" dirty="0">
-              <a:solidFill>
-                <a:sysClr val="windowText" lastClr="000000"/>
-              </a:solidFill>
-            </a:endParaRPr>
-          </a:p>
-        </p:txBody>
-      </p:sp>
-      <p:sp>
-        <p:nvSpPr>
-          <p:cNvPr id="21" name="Rectangle 20">
-            <a:extLst>
-              <a:ext uri="{FF2B5EF4-FFF2-40B4-BE49-F238E27FC236}">
-                <a16:creationId xmlns:a16="http://schemas.microsoft.com/office/drawing/2014/main" id="{DD27F613-6BE6-CE35-F9D3-435BD93EA3D6}"/>
-              </a:ext>
-            </a:extLst>
-          </p:cNvPr>
-          <p:cNvSpPr/>
-          <p:nvPr/>
-        </p:nvSpPr>
-        <p:spPr>
-          <a:xfrm>
-            <a:off x="3381399" y="3587149"/>
-            <a:ext cx="1524000" cy="520700"/>
-          </a:xfrm>
-          <a:prstGeom prst="rect">
-            <a:avLst/>
-          </a:prstGeom>
-          <a:solidFill>
-            <a:schemeClr val="bg1">
-              <a:lumMod val="95000"/>
-            </a:schemeClr>
-          </a:solidFill>
-          <a:ln>
+              </a:endParaRPr>
+            </a:p>
+          </p:txBody>
+        </p:sp>
+        <p:sp>
+          <p:nvSpPr>
+            <p:cNvPr id="21" name="Rectangle 20">
+              <a:extLst>
+                <a:ext uri="{FF2B5EF4-FFF2-40B4-BE49-F238E27FC236}">
+                  <a16:creationId xmlns:a16="http://schemas.microsoft.com/office/drawing/2014/main" id="{DD27F613-6BE6-CE35-F9D3-435BD93EA3D6}"/>
+                </a:ext>
+              </a:extLst>
+            </p:cNvPr>
+            <p:cNvSpPr/>
+            <p:nvPr/>
+          </p:nvSpPr>
+          <p:spPr>
+            <a:xfrm>
+              <a:off x="3381399" y="3587149"/>
+              <a:ext cx="1524000" cy="520700"/>
+            </a:xfrm>
+            <a:prstGeom prst="rect">
+              <a:avLst/>
+            </a:prstGeom>
             <a:solidFill>
-              <a:schemeClr val="tx1">
-                <a:lumMod val="50000"/>
-                <a:lumOff val="50000"/>
+              <a:schemeClr val="bg1">
+                <a:lumMod val="95000"/>
               </a:schemeClr>
             </a:solidFill>
-          </a:ln>
-          <a:effectLst>
-            <a:outerShdw blurRad="50800" dist="38100" dir="2700000" algn="tl" rotWithShape="0">
-              <a:prstClr val="black">
-                <a:alpha val="40000"/>
-              </a:prstClr>
-            </a:outerShdw>
-          </a:effectLst>
-        </p:spPr>
-        <p:style>
-          <a:lnRef idx="2">
-            <a:schemeClr val="accent1">
-              <a:shade val="15000"/>
-            </a:schemeClr>
-          </a:lnRef>
-          <a:fillRef idx="1">
-            <a:schemeClr val="accent1"/>
-          </a:fillRef>
-          <a:effectRef idx="0">
-            <a:schemeClr val="accent1"/>
-          </a:effectRef>
-          <a:fontRef idx="minor">
-            <a:schemeClr val="lt1"/>
-          </a:fontRef>
-        </p:style>
-        <p:txBody>
-          <a:bodyPr rtlCol="0" anchor="ctr"/>
-          <a:lstStyle/>
-          <a:p>
-            <a:pPr algn="ctr"/>
-            <a:r>
-              <a:rPr lang="en-GB" dirty="0">
+            <a:ln>
+              <a:solidFill>
+                <a:schemeClr val="tx1">
+                  <a:lumMod val="50000"/>
+                  <a:lumOff val="50000"/>
+                </a:schemeClr>
+              </a:solidFill>
+            </a:ln>
+            <a:effectLst>
+              <a:outerShdw blurRad="50800" dist="38100" dir="2700000" algn="tl" rotWithShape="0">
+                <a:prstClr val="black">
+                  <a:alpha val="40000"/>
+                </a:prstClr>
+              </a:outerShdw>
+            </a:effectLst>
+          </p:spPr>
+          <p:style>
+            <a:lnRef idx="2">
+              <a:schemeClr val="accent1">
+                <a:shade val="15000"/>
+              </a:schemeClr>
+            </a:lnRef>
+            <a:fillRef idx="1">
+              <a:schemeClr val="accent1"/>
+            </a:fillRef>
+            <a:effectRef idx="0">
+              <a:schemeClr val="accent1"/>
+            </a:effectRef>
+            <a:fontRef idx="minor">
+              <a:schemeClr val="lt1"/>
+            </a:fontRef>
+          </p:style>
+          <p:txBody>
+            <a:bodyPr rtlCol="0" anchor="ctr"/>
+            <a:lstStyle/>
+            <a:p>
+              <a:pPr algn="ctr"/>
+              <a:r>
+                <a:rPr lang="en-GB" dirty="0">
+                  <a:solidFill>
+                    <a:sysClr val="windowText" lastClr="000000"/>
+                  </a:solidFill>
+                </a:rPr>
+                <a:t>Evaluation</a:t>
+              </a:r>
+              <a:endParaRPr lang="en-SE" dirty="0">
                 <a:solidFill>
                   <a:sysClr val="windowText" lastClr="000000"/>
                 </a:solidFill>
-              </a:rPr>
-              <a:t>Evaluation</a:t>
-            </a:r>
-            <a:endParaRPr lang="en-SE" dirty="0">
-              <a:solidFill>
-                <a:sysClr val="windowText" lastClr="000000"/>
-              </a:solidFill>
-            </a:endParaRPr>
-          </a:p>
-        </p:txBody>
-      </p:sp>
-      <p:sp>
-        <p:nvSpPr>
-          <p:cNvPr id="22" name="Rectangle 21">
-            <a:extLst>
-              <a:ext uri="{FF2B5EF4-FFF2-40B4-BE49-F238E27FC236}">
-                <a16:creationId xmlns:a16="http://schemas.microsoft.com/office/drawing/2014/main" id="{2016FA15-2E88-41C3-BE77-0DEB6BCBB8C3}"/>
-              </a:ext>
-            </a:extLst>
-          </p:cNvPr>
-          <p:cNvSpPr/>
-          <p:nvPr/>
-        </p:nvSpPr>
-        <p:spPr>
-          <a:xfrm>
-            <a:off x="7048500" y="4427329"/>
-            <a:ext cx="1524000" cy="520700"/>
-          </a:xfrm>
-          <a:prstGeom prst="rect">
-            <a:avLst/>
-          </a:prstGeom>
-          <a:solidFill>
-            <a:schemeClr val="bg1">
-              <a:lumMod val="95000"/>
-            </a:schemeClr>
-          </a:solidFill>
-          <a:ln>
+              </a:endParaRPr>
+            </a:p>
+          </p:txBody>
+        </p:sp>
+        <p:sp>
+          <p:nvSpPr>
+            <p:cNvPr id="22" name="Rectangle 21">
+              <a:extLst>
+                <a:ext uri="{FF2B5EF4-FFF2-40B4-BE49-F238E27FC236}">
+                  <a16:creationId xmlns:a16="http://schemas.microsoft.com/office/drawing/2014/main" id="{2016FA15-2E88-41C3-BE77-0DEB6BCBB8C3}"/>
+                </a:ext>
+              </a:extLst>
+            </p:cNvPr>
+            <p:cNvSpPr/>
+            <p:nvPr/>
+          </p:nvSpPr>
+          <p:spPr>
+            <a:xfrm>
+              <a:off x="7048500" y="4427329"/>
+              <a:ext cx="1524000" cy="520700"/>
+            </a:xfrm>
+            <a:prstGeom prst="rect">
+              <a:avLst/>
+            </a:prstGeom>
             <a:solidFill>
-              <a:schemeClr val="tx1">
-                <a:lumMod val="50000"/>
-                <a:lumOff val="50000"/>
+              <a:schemeClr val="bg1">
+                <a:lumMod val="95000"/>
               </a:schemeClr>
             </a:solidFill>
-          </a:ln>
-          <a:effectLst>
-            <a:outerShdw blurRad="50800" dist="38100" dir="2700000" algn="tl" rotWithShape="0">
-              <a:prstClr val="black">
-                <a:alpha val="40000"/>
-              </a:prstClr>
-            </a:outerShdw>
-          </a:effectLst>
-        </p:spPr>
-        <p:style>
-          <a:lnRef idx="2">
-            <a:schemeClr val="accent1">
-              <a:shade val="15000"/>
-            </a:schemeClr>
-          </a:lnRef>
-          <a:fillRef idx="1">
-            <a:schemeClr val="accent1"/>
-          </a:fillRef>
-          <a:effectRef idx="0">
-            <a:schemeClr val="accent1"/>
-          </a:effectRef>
-          <a:fontRef idx="minor">
-            <a:schemeClr val="lt1"/>
-          </a:fontRef>
-        </p:style>
-        <p:txBody>
-          <a:bodyPr rtlCol="0" anchor="ctr"/>
-          <a:lstStyle/>
-          <a:p>
-            <a:pPr algn="ctr"/>
-            <a:r>
-              <a:rPr lang="en-GB" dirty="0">
+            <a:ln>
+              <a:solidFill>
+                <a:schemeClr val="tx1">
+                  <a:lumMod val="50000"/>
+                  <a:lumOff val="50000"/>
+                </a:schemeClr>
+              </a:solidFill>
+            </a:ln>
+            <a:effectLst>
+              <a:outerShdw blurRad="50800" dist="38100" dir="2700000" algn="tl" rotWithShape="0">
+                <a:prstClr val="black">
+                  <a:alpha val="40000"/>
+                </a:prstClr>
+              </a:outerShdw>
+            </a:effectLst>
+          </p:spPr>
+          <p:style>
+            <a:lnRef idx="2">
+              <a:schemeClr val="accent1">
+                <a:shade val="15000"/>
+              </a:schemeClr>
+            </a:lnRef>
+            <a:fillRef idx="1">
+              <a:schemeClr val="accent1"/>
+            </a:fillRef>
+            <a:effectRef idx="0">
+              <a:schemeClr val="accent1"/>
+            </a:effectRef>
+            <a:fontRef idx="minor">
+              <a:schemeClr val="lt1"/>
+            </a:fontRef>
+          </p:style>
+          <p:txBody>
+            <a:bodyPr rtlCol="0" anchor="ctr"/>
+            <a:lstStyle/>
+            <a:p>
+              <a:pPr algn="ctr"/>
+              <a:r>
+                <a:rPr lang="en-GB" dirty="0">
+                  <a:solidFill>
+                    <a:sysClr val="windowText" lastClr="000000"/>
+                  </a:solidFill>
+                </a:rPr>
+                <a:t>Measure</a:t>
+              </a:r>
+              <a:endParaRPr lang="en-SE" dirty="0">
                 <a:solidFill>
                   <a:sysClr val="windowText" lastClr="000000"/>
                 </a:solidFill>
-              </a:rPr>
-              <a:t>Measure</a:t>
-            </a:r>
-            <a:endParaRPr lang="en-SE" dirty="0">
-              <a:solidFill>
-                <a:sysClr val="windowText" lastClr="000000"/>
-              </a:solidFill>
-            </a:endParaRPr>
-          </a:p>
-        </p:txBody>
-      </p:sp>
-      <p:sp>
-        <p:nvSpPr>
-          <p:cNvPr id="23" name="Diamond 22">
-            <a:extLst>
-              <a:ext uri="{FF2B5EF4-FFF2-40B4-BE49-F238E27FC236}">
-                <a16:creationId xmlns:a16="http://schemas.microsoft.com/office/drawing/2014/main" id="{2C947CE1-454D-3926-A8D2-408BDCBF3733}"/>
-              </a:ext>
-            </a:extLst>
-          </p:cNvPr>
-          <p:cNvSpPr/>
-          <p:nvPr/>
-        </p:nvSpPr>
-        <p:spPr>
-          <a:xfrm>
-            <a:off x="3475875" y="5015997"/>
-            <a:ext cx="169843" cy="251447"/>
-          </a:xfrm>
-          <a:prstGeom prst="diamond">
-            <a:avLst/>
-          </a:prstGeom>
-          <a:solidFill>
-            <a:schemeClr val="tx1"/>
-          </a:solidFill>
-          <a:ln>
+              </a:endParaRPr>
+            </a:p>
+          </p:txBody>
+        </p:sp>
+        <p:sp>
+          <p:nvSpPr>
+            <p:cNvPr id="23" name="Diamond 22">
+              <a:extLst>
+                <a:ext uri="{FF2B5EF4-FFF2-40B4-BE49-F238E27FC236}">
+                  <a16:creationId xmlns:a16="http://schemas.microsoft.com/office/drawing/2014/main" id="{2C947CE1-454D-3926-A8D2-408BDCBF3733}"/>
+                </a:ext>
+              </a:extLst>
+            </p:cNvPr>
+            <p:cNvSpPr/>
+            <p:nvPr/>
+          </p:nvSpPr>
+          <p:spPr>
+            <a:xfrm>
+              <a:off x="3475875" y="5015997"/>
+              <a:ext cx="169843" cy="251447"/>
+            </a:xfrm>
+            <a:prstGeom prst="diamond">
+              <a:avLst/>
+            </a:prstGeom>
             <a:solidFill>
               <a:schemeClr val="tx1"/>
             </a:solidFill>
-          </a:ln>
-        </p:spPr>
-        <p:style>
-          <a:lnRef idx="2">
-            <a:schemeClr val="accent1">
-              <a:shade val="15000"/>
-            </a:schemeClr>
-          </a:lnRef>
-          <a:fillRef idx="1">
-            <a:schemeClr val="accent1"/>
-          </a:fillRef>
-          <a:effectRef idx="0">
-            <a:schemeClr val="accent1"/>
-          </a:effectRef>
-          <a:fontRef idx="minor">
-            <a:schemeClr val="lt1"/>
-          </a:fontRef>
-        </p:style>
-        <p:txBody>
-          <a:bodyPr rtlCol="0" anchor="ctr"/>
-          <a:lstStyle/>
-          <a:p>
-            <a:pPr algn="ctr"/>
-            <a:endParaRPr lang="en-SE"/>
-          </a:p>
-        </p:txBody>
-      </p:sp>
-      <p:cxnSp>
-        <p:nvCxnSpPr>
-          <p:cNvPr id="25" name="Straight Connector 24">
-            <a:extLst>
-              <a:ext uri="{FF2B5EF4-FFF2-40B4-BE49-F238E27FC236}">
-                <a16:creationId xmlns:a16="http://schemas.microsoft.com/office/drawing/2014/main" id="{AD6E89B7-14D4-B150-CD76-6C75A0779B47}"/>
-              </a:ext>
-            </a:extLst>
-          </p:cNvPr>
-          <p:cNvCxnSpPr>
-            <a:cxnSpLocks/>
-            <a:stCxn id="20" idx="1"/>
-            <a:endCxn id="23" idx="0"/>
-          </p:cNvCxnSpPr>
-          <p:nvPr/>
-        </p:nvCxnSpPr>
-        <p:spPr>
-          <a:xfrm rot="10800000" flipH="1">
-            <a:off x="3381399" y="5015997"/>
-            <a:ext cx="179398" cy="511862"/>
-          </a:xfrm>
-          <a:prstGeom prst="bentConnector4">
-            <a:avLst>
-              <a:gd name="adj1" fmla="val -184060"/>
-              <a:gd name="adj2" fmla="val 121089"/>
-            </a:avLst>
-          </a:prstGeom>
-        </p:spPr>
-        <p:style>
-          <a:lnRef idx="2">
-            <a:schemeClr val="dk1"/>
-          </a:lnRef>
-          <a:fillRef idx="0">
-            <a:schemeClr val="dk1"/>
-          </a:fillRef>
-          <a:effectRef idx="1">
-            <a:schemeClr val="dk1"/>
-          </a:effectRef>
-          <a:fontRef idx="minor">
-            <a:schemeClr val="tx1"/>
-          </a:fontRef>
-        </p:style>
-      </p:cxnSp>
-      <p:cxnSp>
-        <p:nvCxnSpPr>
-          <p:cNvPr id="32" name="Straight Connector 24">
-            <a:extLst>
-              <a:ext uri="{FF2B5EF4-FFF2-40B4-BE49-F238E27FC236}">
-                <a16:creationId xmlns:a16="http://schemas.microsoft.com/office/drawing/2014/main" id="{0CAB9EF6-B55F-7A67-C852-E6EDF691707D}"/>
-              </a:ext>
-            </a:extLst>
-          </p:cNvPr>
-          <p:cNvCxnSpPr>
-            <a:cxnSpLocks/>
-            <a:stCxn id="19" idx="1"/>
-            <a:endCxn id="35" idx="0"/>
-          </p:cNvCxnSpPr>
-          <p:nvPr/>
-        </p:nvCxnSpPr>
-        <p:spPr>
-          <a:xfrm rot="10800000" flipH="1">
-            <a:off x="4359298" y="4427329"/>
-            <a:ext cx="205601" cy="260350"/>
-          </a:xfrm>
-          <a:prstGeom prst="bentConnector4">
-            <a:avLst>
-              <a:gd name="adj1" fmla="val -111186"/>
-              <a:gd name="adj2" fmla="val 187805"/>
-            </a:avLst>
-          </a:prstGeom>
-        </p:spPr>
-        <p:style>
-          <a:lnRef idx="2">
-            <a:schemeClr val="dk1"/>
-          </a:lnRef>
-          <a:fillRef idx="0">
-            <a:schemeClr val="dk1"/>
-          </a:fillRef>
-          <a:effectRef idx="1">
-            <a:schemeClr val="dk1"/>
-          </a:effectRef>
-          <a:fontRef idx="minor">
-            <a:schemeClr val="tx1"/>
-          </a:fontRef>
-        </p:style>
-      </p:cxnSp>
-      <p:sp>
-        <p:nvSpPr>
-          <p:cNvPr id="35" name="Rectangle 34">
-            <a:extLst>
-              <a:ext uri="{FF2B5EF4-FFF2-40B4-BE49-F238E27FC236}">
-                <a16:creationId xmlns:a16="http://schemas.microsoft.com/office/drawing/2014/main" id="{2C750F57-79B2-7084-E9B6-721CEC67C764}"/>
-              </a:ext>
-            </a:extLst>
-          </p:cNvPr>
-          <p:cNvSpPr/>
-          <p:nvPr/>
-        </p:nvSpPr>
-        <p:spPr>
-          <a:xfrm>
-            <a:off x="4488700" y="4427329"/>
-            <a:ext cx="152400" cy="174449"/>
-          </a:xfrm>
-          <a:prstGeom prst="rect">
-            <a:avLst/>
-          </a:prstGeom>
-          <a:noFill/>
-          <a:ln>
+            <a:ln>
+              <a:solidFill>
+                <a:schemeClr val="tx1"/>
+              </a:solidFill>
+            </a:ln>
+          </p:spPr>
+          <p:style>
+            <a:lnRef idx="2">
+              <a:schemeClr val="accent1">
+                <a:shade val="15000"/>
+              </a:schemeClr>
+            </a:lnRef>
+            <a:fillRef idx="1">
+              <a:schemeClr val="accent1"/>
+            </a:fillRef>
+            <a:effectRef idx="0">
+              <a:schemeClr val="accent1"/>
+            </a:effectRef>
+            <a:fontRef idx="minor">
+              <a:schemeClr val="lt1"/>
+            </a:fontRef>
+          </p:style>
+          <p:txBody>
+            <a:bodyPr rtlCol="0" anchor="ctr"/>
+            <a:lstStyle/>
+            <a:p>
+              <a:pPr algn="ctr"/>
+              <a:endParaRPr lang="en-SE"/>
+            </a:p>
+          </p:txBody>
+        </p:sp>
+        <p:cxnSp>
+          <p:nvCxnSpPr>
+            <p:cNvPr id="25" name="Straight Connector 24">
+              <a:extLst>
+                <a:ext uri="{FF2B5EF4-FFF2-40B4-BE49-F238E27FC236}">
+                  <a16:creationId xmlns:a16="http://schemas.microsoft.com/office/drawing/2014/main" id="{AD6E89B7-14D4-B150-CD76-6C75A0779B47}"/>
+                </a:ext>
+              </a:extLst>
+            </p:cNvPr>
+            <p:cNvCxnSpPr>
+              <a:cxnSpLocks/>
+              <a:stCxn id="20" idx="1"/>
+              <a:endCxn id="23" idx="0"/>
+            </p:cNvCxnSpPr>
+            <p:nvPr/>
+          </p:nvCxnSpPr>
+          <p:spPr>
+            <a:xfrm rot="10800000" flipH="1">
+              <a:off x="3381399" y="5015997"/>
+              <a:ext cx="179398" cy="511862"/>
+            </a:xfrm>
+            <a:prstGeom prst="bentConnector4">
+              <a:avLst>
+                <a:gd name="adj1" fmla="val -184060"/>
+                <a:gd name="adj2" fmla="val 121089"/>
+              </a:avLst>
+            </a:prstGeom>
+          </p:spPr>
+          <p:style>
+            <a:lnRef idx="2">
+              <a:schemeClr val="dk1"/>
+            </a:lnRef>
+            <a:fillRef idx="0">
+              <a:schemeClr val="dk1"/>
+            </a:fillRef>
+            <a:effectRef idx="1">
+              <a:schemeClr val="dk1"/>
+            </a:effectRef>
+            <a:fontRef idx="minor">
+              <a:schemeClr val="tx1"/>
+            </a:fontRef>
+          </p:style>
+        </p:cxnSp>
+        <p:cxnSp>
+          <p:nvCxnSpPr>
+            <p:cNvPr id="32" name="Straight Connector 24">
+              <a:extLst>
+                <a:ext uri="{FF2B5EF4-FFF2-40B4-BE49-F238E27FC236}">
+                  <a16:creationId xmlns:a16="http://schemas.microsoft.com/office/drawing/2014/main" id="{0CAB9EF6-B55F-7A67-C852-E6EDF691707D}"/>
+                </a:ext>
+              </a:extLst>
+            </p:cNvPr>
+            <p:cNvCxnSpPr>
+              <a:cxnSpLocks/>
+              <a:stCxn id="19" idx="1"/>
+              <a:endCxn id="35" idx="0"/>
+            </p:cNvCxnSpPr>
+            <p:nvPr/>
+          </p:nvCxnSpPr>
+          <p:spPr>
+            <a:xfrm rot="10800000" flipH="1">
+              <a:off x="4359298" y="4427329"/>
+              <a:ext cx="205601" cy="260350"/>
+            </a:xfrm>
+            <a:prstGeom prst="bentConnector4">
+              <a:avLst>
+                <a:gd name="adj1" fmla="val -111186"/>
+                <a:gd name="adj2" fmla="val 187805"/>
+              </a:avLst>
+            </a:prstGeom>
+          </p:spPr>
+          <p:style>
+            <a:lnRef idx="2">
+              <a:schemeClr val="dk1"/>
+            </a:lnRef>
+            <a:fillRef idx="0">
+              <a:schemeClr val="dk1"/>
+            </a:fillRef>
+            <a:effectRef idx="1">
+              <a:schemeClr val="dk1"/>
+            </a:effectRef>
+            <a:fontRef idx="minor">
+              <a:schemeClr val="tx1"/>
+            </a:fontRef>
+          </p:style>
+        </p:cxnSp>
+        <p:sp>
+          <p:nvSpPr>
+            <p:cNvPr id="35" name="Rectangle 34">
+              <a:extLst>
+                <a:ext uri="{FF2B5EF4-FFF2-40B4-BE49-F238E27FC236}">
+                  <a16:creationId xmlns:a16="http://schemas.microsoft.com/office/drawing/2014/main" id="{2C750F57-79B2-7084-E9B6-721CEC67C764}"/>
+                </a:ext>
+              </a:extLst>
+            </p:cNvPr>
+            <p:cNvSpPr/>
+            <p:nvPr/>
+          </p:nvSpPr>
+          <p:spPr>
+            <a:xfrm>
+              <a:off x="4488700" y="4427329"/>
+              <a:ext cx="152400" cy="174449"/>
+            </a:xfrm>
+            <a:prstGeom prst="rect">
+              <a:avLst/>
+            </a:prstGeom>
             <a:noFill/>
-          </a:ln>
-        </p:spPr>
-        <p:style>
-          <a:lnRef idx="2">
-            <a:schemeClr val="accent1">
-              <a:shade val="15000"/>
-            </a:schemeClr>
-          </a:lnRef>
-          <a:fillRef idx="1">
-            <a:schemeClr val="accent1"/>
-          </a:fillRef>
-          <a:effectRef idx="0">
-            <a:schemeClr val="accent1"/>
-          </a:effectRef>
-          <a:fontRef idx="minor">
-            <a:schemeClr val="lt1"/>
-          </a:fontRef>
-        </p:style>
-        <p:txBody>
-          <a:bodyPr rtlCol="0" anchor="ctr"/>
-          <a:lstStyle/>
-          <a:p>
-            <a:pPr algn="ctr"/>
-            <a:endParaRPr lang="en-SE"/>
-          </a:p>
-        </p:txBody>
-      </p:sp>
-      <p:cxnSp>
-        <p:nvCxnSpPr>
-          <p:cNvPr id="37" name="Straight Connector 24">
-            <a:extLst>
-              <a:ext uri="{FF2B5EF4-FFF2-40B4-BE49-F238E27FC236}">
-                <a16:creationId xmlns:a16="http://schemas.microsoft.com/office/drawing/2014/main" id="{E63C46D6-7B15-7D06-22F7-683E06462AB5}"/>
-              </a:ext>
-            </a:extLst>
-          </p:cNvPr>
-          <p:cNvCxnSpPr>
-            <a:cxnSpLocks/>
-            <a:stCxn id="20" idx="3"/>
-            <a:endCxn id="19" idx="2"/>
-          </p:cNvCxnSpPr>
-          <p:nvPr/>
-        </p:nvCxnSpPr>
-        <p:spPr>
-          <a:xfrm flipV="1">
-            <a:off x="4905399" y="4948029"/>
-            <a:ext cx="215900" cy="579830"/>
-          </a:xfrm>
-          <a:prstGeom prst="bentConnector2">
-            <a:avLst/>
-          </a:prstGeom>
-        </p:spPr>
-        <p:style>
-          <a:lnRef idx="2">
-            <a:schemeClr val="dk1"/>
-          </a:lnRef>
-          <a:fillRef idx="0">
-            <a:schemeClr val="dk1"/>
-          </a:fillRef>
-          <a:effectRef idx="1">
-            <a:schemeClr val="dk1"/>
-          </a:effectRef>
-          <a:fontRef idx="minor">
-            <a:schemeClr val="tx1"/>
-          </a:fontRef>
-        </p:style>
-      </p:cxnSp>
-      <p:cxnSp>
-        <p:nvCxnSpPr>
-          <p:cNvPr id="40" name="Straight Connector 24">
-            <a:extLst>
-              <a:ext uri="{FF2B5EF4-FFF2-40B4-BE49-F238E27FC236}">
-                <a16:creationId xmlns:a16="http://schemas.microsoft.com/office/drawing/2014/main" id="{CF2B6852-4C7A-C97D-29B9-80ECE9A06083}"/>
-              </a:ext>
-            </a:extLst>
-          </p:cNvPr>
-          <p:cNvCxnSpPr>
-            <a:cxnSpLocks/>
-            <a:stCxn id="21" idx="3"/>
-            <a:endCxn id="19" idx="0"/>
-          </p:cNvCxnSpPr>
-          <p:nvPr/>
-        </p:nvCxnSpPr>
-        <p:spPr>
-          <a:xfrm>
-            <a:off x="4905399" y="3847499"/>
-            <a:ext cx="215900" cy="579830"/>
-          </a:xfrm>
-          <a:prstGeom prst="bentConnector2">
-            <a:avLst/>
-          </a:prstGeom>
-        </p:spPr>
-        <p:style>
-          <a:lnRef idx="2">
-            <a:schemeClr val="dk1"/>
-          </a:lnRef>
-          <a:fillRef idx="0">
-            <a:schemeClr val="dk1"/>
-          </a:fillRef>
-          <a:effectRef idx="1">
-            <a:schemeClr val="dk1"/>
-          </a:effectRef>
-          <a:fontRef idx="minor">
-            <a:schemeClr val="tx1"/>
-          </a:fontRef>
-        </p:style>
-      </p:cxnSp>
-      <p:cxnSp>
-        <p:nvCxnSpPr>
-          <p:cNvPr id="43" name="Straight Connector 24">
-            <a:extLst>
-              <a:ext uri="{FF2B5EF4-FFF2-40B4-BE49-F238E27FC236}">
-                <a16:creationId xmlns:a16="http://schemas.microsoft.com/office/drawing/2014/main" id="{1D74202A-F6F6-B49F-B9BA-93CFC39F02A9}"/>
-              </a:ext>
-            </a:extLst>
-          </p:cNvPr>
-          <p:cNvCxnSpPr>
-            <a:cxnSpLocks/>
-            <a:stCxn id="19" idx="3"/>
-            <a:endCxn id="22" idx="1"/>
-          </p:cNvCxnSpPr>
-          <p:nvPr/>
-        </p:nvCxnSpPr>
-        <p:spPr>
-          <a:xfrm>
-            <a:off x="5883299" y="4687679"/>
-            <a:ext cx="1165201" cy="0"/>
-          </a:xfrm>
-          <a:prstGeom prst="straightConnector1">
-            <a:avLst/>
-          </a:prstGeom>
-        </p:spPr>
-        <p:style>
-          <a:lnRef idx="2">
-            <a:schemeClr val="dk1"/>
-          </a:lnRef>
-          <a:fillRef idx="0">
-            <a:schemeClr val="dk1"/>
-          </a:fillRef>
-          <a:effectRef idx="1">
-            <a:schemeClr val="dk1"/>
-          </a:effectRef>
-          <a:fontRef idx="minor">
-            <a:schemeClr val="tx1"/>
-          </a:fontRef>
-        </p:style>
-      </p:cxnSp>
-      <p:cxnSp>
-        <p:nvCxnSpPr>
-          <p:cNvPr id="46" name="Straight Connector 24">
-            <a:extLst>
-              <a:ext uri="{FF2B5EF4-FFF2-40B4-BE49-F238E27FC236}">
-                <a16:creationId xmlns:a16="http://schemas.microsoft.com/office/drawing/2014/main" id="{A591F684-E1DA-A457-7EA2-ED6B59488AD0}"/>
-              </a:ext>
-            </a:extLst>
-          </p:cNvPr>
-          <p:cNvCxnSpPr>
-            <a:cxnSpLocks/>
-            <a:stCxn id="48" idx="0"/>
-            <a:endCxn id="22" idx="3"/>
-          </p:cNvCxnSpPr>
-          <p:nvPr/>
-        </p:nvCxnSpPr>
-        <p:spPr>
-          <a:xfrm rot="16200000" flipH="1">
-            <a:off x="8329225" y="4444405"/>
-            <a:ext cx="260350" cy="226199"/>
-          </a:xfrm>
-          <a:prstGeom prst="bentConnector4">
-            <a:avLst>
-              <a:gd name="adj1" fmla="val -87805"/>
-              <a:gd name="adj2" fmla="val 201061"/>
-            </a:avLst>
-          </a:prstGeom>
-        </p:spPr>
-        <p:style>
-          <a:lnRef idx="2">
-            <a:schemeClr val="dk1"/>
-          </a:lnRef>
-          <a:fillRef idx="0">
-            <a:schemeClr val="dk1"/>
-          </a:fillRef>
-          <a:effectRef idx="1">
-            <a:schemeClr val="dk1"/>
-          </a:effectRef>
-          <a:fontRef idx="minor">
-            <a:schemeClr val="tx1"/>
-          </a:fontRef>
-        </p:style>
-      </p:cxnSp>
-      <p:sp>
-        <p:nvSpPr>
-          <p:cNvPr id="48" name="Rectangle 47">
-            <a:extLst>
-              <a:ext uri="{FF2B5EF4-FFF2-40B4-BE49-F238E27FC236}">
-                <a16:creationId xmlns:a16="http://schemas.microsoft.com/office/drawing/2014/main" id="{71BE2071-1717-0BDC-6AB5-602D0762E210}"/>
-              </a:ext>
-            </a:extLst>
-          </p:cNvPr>
-          <p:cNvSpPr/>
-          <p:nvPr/>
-        </p:nvSpPr>
-        <p:spPr>
-          <a:xfrm>
-            <a:off x="8270101" y="4427329"/>
-            <a:ext cx="152400" cy="174449"/>
-          </a:xfrm>
-          <a:prstGeom prst="rect">
-            <a:avLst/>
-          </a:prstGeom>
-          <a:noFill/>
-          <a:ln>
+            <a:ln>
+              <a:noFill/>
+            </a:ln>
+          </p:spPr>
+          <p:style>
+            <a:lnRef idx="2">
+              <a:schemeClr val="accent1">
+                <a:shade val="15000"/>
+              </a:schemeClr>
+            </a:lnRef>
+            <a:fillRef idx="1">
+              <a:schemeClr val="accent1"/>
+            </a:fillRef>
+            <a:effectRef idx="0">
+              <a:schemeClr val="accent1"/>
+            </a:effectRef>
+            <a:fontRef idx="minor">
+              <a:schemeClr val="lt1"/>
+            </a:fontRef>
+          </p:style>
+          <p:txBody>
+            <a:bodyPr rtlCol="0" anchor="ctr"/>
+            <a:lstStyle/>
+            <a:p>
+              <a:pPr algn="ctr"/>
+              <a:endParaRPr lang="en-SE"/>
+            </a:p>
+          </p:txBody>
+        </p:sp>
+        <p:cxnSp>
+          <p:nvCxnSpPr>
+            <p:cNvPr id="37" name="Straight Connector 24">
+              <a:extLst>
+                <a:ext uri="{FF2B5EF4-FFF2-40B4-BE49-F238E27FC236}">
+                  <a16:creationId xmlns:a16="http://schemas.microsoft.com/office/drawing/2014/main" id="{E63C46D6-7B15-7D06-22F7-683E06462AB5}"/>
+                </a:ext>
+              </a:extLst>
+            </p:cNvPr>
+            <p:cNvCxnSpPr>
+              <a:cxnSpLocks/>
+              <a:stCxn id="20" idx="3"/>
+              <a:endCxn id="19" idx="2"/>
+            </p:cNvCxnSpPr>
+            <p:nvPr/>
+          </p:nvCxnSpPr>
+          <p:spPr>
+            <a:xfrm flipV="1">
+              <a:off x="4905399" y="4948029"/>
+              <a:ext cx="215900" cy="579830"/>
+            </a:xfrm>
+            <a:prstGeom prst="bentConnector2">
+              <a:avLst/>
+            </a:prstGeom>
+          </p:spPr>
+          <p:style>
+            <a:lnRef idx="2">
+              <a:schemeClr val="dk1"/>
+            </a:lnRef>
+            <a:fillRef idx="0">
+              <a:schemeClr val="dk1"/>
+            </a:fillRef>
+            <a:effectRef idx="1">
+              <a:schemeClr val="dk1"/>
+            </a:effectRef>
+            <a:fontRef idx="minor">
+              <a:schemeClr val="tx1"/>
+            </a:fontRef>
+          </p:style>
+        </p:cxnSp>
+        <p:cxnSp>
+          <p:nvCxnSpPr>
+            <p:cNvPr id="40" name="Straight Connector 24">
+              <a:extLst>
+                <a:ext uri="{FF2B5EF4-FFF2-40B4-BE49-F238E27FC236}">
+                  <a16:creationId xmlns:a16="http://schemas.microsoft.com/office/drawing/2014/main" id="{CF2B6852-4C7A-C97D-29B9-80ECE9A06083}"/>
+                </a:ext>
+              </a:extLst>
+            </p:cNvPr>
+            <p:cNvCxnSpPr>
+              <a:cxnSpLocks/>
+              <a:stCxn id="21" idx="3"/>
+              <a:endCxn id="19" idx="0"/>
+            </p:cNvCxnSpPr>
+            <p:nvPr/>
+          </p:nvCxnSpPr>
+          <p:spPr>
+            <a:xfrm>
+              <a:off x="4905399" y="3847499"/>
+              <a:ext cx="215900" cy="579830"/>
+            </a:xfrm>
+            <a:prstGeom prst="bentConnector2">
+              <a:avLst/>
+            </a:prstGeom>
+          </p:spPr>
+          <p:style>
+            <a:lnRef idx="2">
+              <a:schemeClr val="dk1"/>
+            </a:lnRef>
+            <a:fillRef idx="0">
+              <a:schemeClr val="dk1"/>
+            </a:fillRef>
+            <a:effectRef idx="1">
+              <a:schemeClr val="dk1"/>
+            </a:effectRef>
+            <a:fontRef idx="minor">
+              <a:schemeClr val="tx1"/>
+            </a:fontRef>
+          </p:style>
+        </p:cxnSp>
+        <p:cxnSp>
+          <p:nvCxnSpPr>
+            <p:cNvPr id="43" name="Straight Connector 24">
+              <a:extLst>
+                <a:ext uri="{FF2B5EF4-FFF2-40B4-BE49-F238E27FC236}">
+                  <a16:creationId xmlns:a16="http://schemas.microsoft.com/office/drawing/2014/main" id="{1D74202A-F6F6-B49F-B9BA-93CFC39F02A9}"/>
+                </a:ext>
+              </a:extLst>
+            </p:cNvPr>
+            <p:cNvCxnSpPr>
+              <a:cxnSpLocks/>
+              <a:stCxn id="19" idx="3"/>
+              <a:endCxn id="22" idx="1"/>
+            </p:cNvCxnSpPr>
+            <p:nvPr/>
+          </p:nvCxnSpPr>
+          <p:spPr>
+            <a:xfrm>
+              <a:off x="5883299" y="4687679"/>
+              <a:ext cx="1165201" cy="0"/>
+            </a:xfrm>
+            <a:prstGeom prst="straightConnector1">
+              <a:avLst/>
+            </a:prstGeom>
+          </p:spPr>
+          <p:style>
+            <a:lnRef idx="2">
+              <a:schemeClr val="dk1"/>
+            </a:lnRef>
+            <a:fillRef idx="0">
+              <a:schemeClr val="dk1"/>
+            </a:fillRef>
+            <a:effectRef idx="1">
+              <a:schemeClr val="dk1"/>
+            </a:effectRef>
+            <a:fontRef idx="minor">
+              <a:schemeClr val="tx1"/>
+            </a:fontRef>
+          </p:style>
+        </p:cxnSp>
+        <p:cxnSp>
+          <p:nvCxnSpPr>
+            <p:cNvPr id="46" name="Straight Connector 24">
+              <a:extLst>
+                <a:ext uri="{FF2B5EF4-FFF2-40B4-BE49-F238E27FC236}">
+                  <a16:creationId xmlns:a16="http://schemas.microsoft.com/office/drawing/2014/main" id="{A591F684-E1DA-A457-7EA2-ED6B59488AD0}"/>
+                </a:ext>
+              </a:extLst>
+            </p:cNvPr>
+            <p:cNvCxnSpPr>
+              <a:cxnSpLocks/>
+              <a:stCxn id="48" idx="0"/>
+              <a:endCxn id="22" idx="3"/>
+            </p:cNvCxnSpPr>
+            <p:nvPr/>
+          </p:nvCxnSpPr>
+          <p:spPr>
+            <a:xfrm rot="16200000" flipH="1">
+              <a:off x="8329225" y="4444405"/>
+              <a:ext cx="260350" cy="226199"/>
+            </a:xfrm>
+            <a:prstGeom prst="bentConnector4">
+              <a:avLst>
+                <a:gd name="adj1" fmla="val -87805"/>
+                <a:gd name="adj2" fmla="val 201061"/>
+              </a:avLst>
+            </a:prstGeom>
+          </p:spPr>
+          <p:style>
+            <a:lnRef idx="2">
+              <a:schemeClr val="dk1"/>
+            </a:lnRef>
+            <a:fillRef idx="0">
+              <a:schemeClr val="dk1"/>
+            </a:fillRef>
+            <a:effectRef idx="1">
+              <a:schemeClr val="dk1"/>
+            </a:effectRef>
+            <a:fontRef idx="minor">
+              <a:schemeClr val="tx1"/>
+            </a:fontRef>
+          </p:style>
+        </p:cxnSp>
+        <p:sp>
+          <p:nvSpPr>
+            <p:cNvPr id="48" name="Rectangle 47">
+              <a:extLst>
+                <a:ext uri="{FF2B5EF4-FFF2-40B4-BE49-F238E27FC236}">
+                  <a16:creationId xmlns:a16="http://schemas.microsoft.com/office/drawing/2014/main" id="{71BE2071-1717-0BDC-6AB5-602D0762E210}"/>
+                </a:ext>
+              </a:extLst>
+            </p:cNvPr>
+            <p:cNvSpPr/>
+            <p:nvPr/>
+          </p:nvSpPr>
+          <p:spPr>
+            <a:xfrm>
+              <a:off x="8270101" y="4427329"/>
+              <a:ext cx="152400" cy="174449"/>
+            </a:xfrm>
+            <a:prstGeom prst="rect">
+              <a:avLst/>
+            </a:prstGeom>
             <a:noFill/>
-          </a:ln>
-        </p:spPr>
-        <p:style>
-          <a:lnRef idx="2">
-            <a:schemeClr val="accent1">
-              <a:shade val="15000"/>
-            </a:schemeClr>
-          </a:lnRef>
-          <a:fillRef idx="1">
-            <a:schemeClr val="accent1"/>
-          </a:fillRef>
-          <a:effectRef idx="0">
-            <a:schemeClr val="accent1"/>
-          </a:effectRef>
-          <a:fontRef idx="minor">
-            <a:schemeClr val="lt1"/>
-          </a:fontRef>
-        </p:style>
-        <p:txBody>
-          <a:bodyPr rtlCol="0" anchor="ctr"/>
-          <a:lstStyle/>
-          <a:p>
-            <a:pPr algn="ctr"/>
-            <a:endParaRPr lang="en-SE"/>
-          </a:p>
-        </p:txBody>
-      </p:sp>
-      <p:sp>
-        <p:nvSpPr>
-          <p:cNvPr id="53" name="TextBox 52">
-            <a:extLst>
-              <a:ext uri="{FF2B5EF4-FFF2-40B4-BE49-F238E27FC236}">
-                <a16:creationId xmlns:a16="http://schemas.microsoft.com/office/drawing/2014/main" id="{A4464A30-3CDF-49D8-0A74-18C08D81FD35}"/>
-              </a:ext>
-            </a:extLst>
-          </p:cNvPr>
-          <p:cNvSpPr txBox="1"/>
-          <p:nvPr/>
-        </p:nvSpPr>
-        <p:spPr>
-          <a:xfrm>
-            <a:off x="5983235" y="4738998"/>
-            <a:ext cx="965329" cy="276999"/>
-          </a:xfrm>
-          <a:prstGeom prst="rect">
-            <a:avLst/>
-          </a:prstGeom>
-          <a:noFill/>
-        </p:spPr>
-        <p:txBody>
-          <a:bodyPr wrap="none" rtlCol="0">
-            <a:spAutoFit/>
-          </a:bodyPr>
-          <a:lstStyle/>
-          <a:p>
-            <a:r>
-              <a:rPr lang="en-GB" sz="1200" dirty="0"/>
-              <a:t>&lt; quantifies</a:t>
-            </a:r>
-            <a:endParaRPr lang="en-SE" sz="1200" dirty="0"/>
-          </a:p>
-        </p:txBody>
-      </p:sp>
-      <p:sp>
-        <p:nvSpPr>
-          <p:cNvPr id="54" name="TextBox 53">
-            <a:extLst>
-              <a:ext uri="{FF2B5EF4-FFF2-40B4-BE49-F238E27FC236}">
-                <a16:creationId xmlns:a16="http://schemas.microsoft.com/office/drawing/2014/main" id="{4897F9E1-621F-2E91-1A68-E45F3FBD9DB0}"/>
-              </a:ext>
-            </a:extLst>
-          </p:cNvPr>
-          <p:cNvSpPr txBox="1"/>
-          <p:nvPr/>
-        </p:nvSpPr>
-        <p:spPr>
-          <a:xfrm>
-            <a:off x="7806422" y="3868076"/>
-            <a:ext cx="754822" cy="276999"/>
-          </a:xfrm>
-          <a:prstGeom prst="rect">
-            <a:avLst/>
-          </a:prstGeom>
-          <a:noFill/>
-        </p:spPr>
-        <p:txBody>
-          <a:bodyPr wrap="none" rtlCol="0">
-            <a:spAutoFit/>
-          </a:bodyPr>
-          <a:lstStyle/>
-          <a:p>
-            <a:r>
-              <a:rPr lang="en-GB" sz="1200" dirty="0"/>
-              <a:t>&lt; refines</a:t>
-            </a:r>
-            <a:endParaRPr lang="en-SE" sz="1200" dirty="0"/>
-          </a:p>
-        </p:txBody>
-      </p:sp>
-      <p:sp>
-        <p:nvSpPr>
-          <p:cNvPr id="55" name="TextBox 54">
-            <a:extLst>
-              <a:ext uri="{FF2B5EF4-FFF2-40B4-BE49-F238E27FC236}">
-                <a16:creationId xmlns:a16="http://schemas.microsoft.com/office/drawing/2014/main" id="{FC54172E-8C08-6628-6472-BEAE1DBB6360}"/>
-              </a:ext>
-            </a:extLst>
-          </p:cNvPr>
-          <p:cNvSpPr txBox="1"/>
-          <p:nvPr/>
-        </p:nvSpPr>
-        <p:spPr>
-          <a:xfrm>
-            <a:off x="3489087" y="4330549"/>
-            <a:ext cx="641009" cy="276999"/>
-          </a:xfrm>
-          <a:prstGeom prst="rect">
-            <a:avLst/>
-          </a:prstGeom>
-          <a:noFill/>
-        </p:spPr>
-        <p:txBody>
-          <a:bodyPr wrap="none" rtlCol="0">
-            <a:spAutoFit/>
-          </a:bodyPr>
-          <a:lstStyle/>
-          <a:p>
-            <a:r>
-              <a:rPr lang="en-GB" sz="1200" dirty="0"/>
-              <a:t>refines</a:t>
-            </a:r>
-            <a:endParaRPr lang="en-SE" sz="1200" dirty="0"/>
-          </a:p>
-        </p:txBody>
-      </p:sp>
+            <a:ln>
+              <a:noFill/>
+            </a:ln>
+          </p:spPr>
+          <p:style>
+            <a:lnRef idx="2">
+              <a:schemeClr val="accent1">
+                <a:shade val="15000"/>
+              </a:schemeClr>
+            </a:lnRef>
+            <a:fillRef idx="1">
+              <a:schemeClr val="accent1"/>
+            </a:fillRef>
+            <a:effectRef idx="0">
+              <a:schemeClr val="accent1"/>
+            </a:effectRef>
+            <a:fontRef idx="minor">
+              <a:schemeClr val="lt1"/>
+            </a:fontRef>
+          </p:style>
+          <p:txBody>
+            <a:bodyPr rtlCol="0" anchor="ctr"/>
+            <a:lstStyle/>
+            <a:p>
+              <a:pPr algn="ctr"/>
+              <a:endParaRPr lang="en-SE"/>
+            </a:p>
+          </p:txBody>
+        </p:sp>
+        <p:sp>
+          <p:nvSpPr>
+            <p:cNvPr id="53" name="TextBox 52">
+              <a:extLst>
+                <a:ext uri="{FF2B5EF4-FFF2-40B4-BE49-F238E27FC236}">
+                  <a16:creationId xmlns:a16="http://schemas.microsoft.com/office/drawing/2014/main" id="{A4464A30-3CDF-49D8-0A74-18C08D81FD35}"/>
+                </a:ext>
+              </a:extLst>
+            </p:cNvPr>
+            <p:cNvSpPr txBox="1"/>
+            <p:nvPr/>
+          </p:nvSpPr>
+          <p:spPr>
+            <a:xfrm>
+              <a:off x="5983235" y="4738998"/>
+              <a:ext cx="965329" cy="276999"/>
+            </a:xfrm>
+            <a:prstGeom prst="rect">
+              <a:avLst/>
+            </a:prstGeom>
+            <a:noFill/>
+          </p:spPr>
+          <p:txBody>
+            <a:bodyPr wrap="none" rtlCol="0">
+              <a:spAutoFit/>
+            </a:bodyPr>
+            <a:lstStyle/>
+            <a:p>
+              <a:r>
+                <a:rPr lang="en-GB" sz="1200" dirty="0"/>
+                <a:t>&lt; quantifies</a:t>
+              </a:r>
+              <a:endParaRPr lang="en-SE" sz="1200" dirty="0"/>
+            </a:p>
+          </p:txBody>
+        </p:sp>
+        <p:sp>
+          <p:nvSpPr>
+            <p:cNvPr id="54" name="TextBox 53">
+              <a:extLst>
+                <a:ext uri="{FF2B5EF4-FFF2-40B4-BE49-F238E27FC236}">
+                  <a16:creationId xmlns:a16="http://schemas.microsoft.com/office/drawing/2014/main" id="{4897F9E1-621F-2E91-1A68-E45F3FBD9DB0}"/>
+                </a:ext>
+              </a:extLst>
+            </p:cNvPr>
+            <p:cNvSpPr txBox="1"/>
+            <p:nvPr/>
+          </p:nvSpPr>
+          <p:spPr>
+            <a:xfrm>
+              <a:off x="7806422" y="3868076"/>
+              <a:ext cx="754822" cy="276999"/>
+            </a:xfrm>
+            <a:prstGeom prst="rect">
+              <a:avLst/>
+            </a:prstGeom>
+            <a:noFill/>
+          </p:spPr>
+          <p:txBody>
+            <a:bodyPr wrap="none" rtlCol="0">
+              <a:spAutoFit/>
+            </a:bodyPr>
+            <a:lstStyle/>
+            <a:p>
+              <a:r>
+                <a:rPr lang="en-GB" sz="1200" dirty="0"/>
+                <a:t>&lt; refines</a:t>
+              </a:r>
+              <a:endParaRPr lang="en-SE" sz="1200" dirty="0"/>
+            </a:p>
+          </p:txBody>
+        </p:sp>
+        <p:sp>
+          <p:nvSpPr>
+            <p:cNvPr id="55" name="TextBox 54">
+              <a:extLst>
+                <a:ext uri="{FF2B5EF4-FFF2-40B4-BE49-F238E27FC236}">
+                  <a16:creationId xmlns:a16="http://schemas.microsoft.com/office/drawing/2014/main" id="{FC54172E-8C08-6628-6472-BEAE1DBB6360}"/>
+                </a:ext>
+              </a:extLst>
+            </p:cNvPr>
+            <p:cNvSpPr txBox="1"/>
+            <p:nvPr/>
+          </p:nvSpPr>
+          <p:spPr>
+            <a:xfrm>
+              <a:off x="3489087" y="4330549"/>
+              <a:ext cx="641009" cy="276999"/>
+            </a:xfrm>
+            <a:prstGeom prst="rect">
+              <a:avLst/>
+            </a:prstGeom>
+            <a:noFill/>
+          </p:spPr>
+          <p:txBody>
+            <a:bodyPr wrap="none" rtlCol="0">
+              <a:spAutoFit/>
+            </a:bodyPr>
+            <a:lstStyle/>
+            <a:p>
+              <a:r>
+                <a:rPr lang="en-GB" sz="1200" dirty="0"/>
+                <a:t>refines</a:t>
+              </a:r>
+              <a:endParaRPr lang="en-SE" sz="1200" dirty="0"/>
+            </a:p>
+          </p:txBody>
+        </p:sp>
+      </p:grpSp>
     </p:spTree>
     <p:extLst>
       <p:ext uri="{BB962C8B-B14F-4D97-AF65-F5344CB8AC3E}">
@@ -10750,6 +12399,93 @@
   <p:clrMapOvr>
     <a:masterClrMapping/>
   </p:clrMapOvr>
+  <mc:AlternateContent xmlns:mc="http://schemas.openxmlformats.org/markup-compatibility/2006">
+    <mc:Choice xmlns:p159="http://schemas.microsoft.com/office/powerpoint/2015/09/main" Requires="p159">
+      <p:transition xmlns:p14="http://schemas.microsoft.com/office/powerpoint/2010/main" spd="med" p14:dur="700">
+        <p159:morph option="byObject"/>
+      </p:transition>
+    </mc:Choice>
+    <mc:Fallback>
+      <p:transition spd="med">
+        <p:fade/>
+      </p:transition>
+    </mc:Fallback>
+  </mc:AlternateContent>
+  <p:timing>
+    <p:tnLst>
+      <p:par>
+        <p:cTn id="1" dur="indefinite" restart="never" nodeType="tmRoot">
+          <p:childTnLst>
+            <p:seq concurrent="1" nextAc="seek">
+              <p:cTn id="2" dur="indefinite" nodeType="mainSeq">
+                <p:childTnLst>
+                  <p:par>
+                    <p:cTn id="3" fill="hold">
+                      <p:stCondLst>
+                        <p:cond delay="indefinite"/>
+                      </p:stCondLst>
+                      <p:childTnLst>
+                        <p:par>
+                          <p:cTn id="4" fill="hold">
+                            <p:stCondLst>
+                              <p:cond delay="0"/>
+                            </p:stCondLst>
+                            <p:childTnLst>
+                              <p:par>
+                                <p:cTn id="5" presetID="1" presetClass="entr" presetSubtype="0" fill="hold" nodeType="clickEffect">
+                                  <p:stCondLst>
+                                    <p:cond delay="0"/>
+                                  </p:stCondLst>
+                                  <p:childTnLst>
+                                    <p:set>
+                                      <p:cBhvr>
+                                        <p:cTn id="6" dur="1" fill="hold">
+                                          <p:stCondLst>
+                                            <p:cond delay="0"/>
+                                          </p:stCondLst>
+                                        </p:cTn>
+                                        <p:tgtEl>
+                                          <p:spTgt spid="24"/>
+                                        </p:tgtEl>
+                                        <p:attrNameLst>
+                                          <p:attrName>style.visibility</p:attrName>
+                                        </p:attrNameLst>
+                                      </p:cBhvr>
+                                      <p:to>
+                                        <p:strVal val="visible"/>
+                                      </p:to>
+                                    </p:set>
+                                  </p:childTnLst>
+                                </p:cTn>
+                              </p:par>
+                            </p:childTnLst>
+                          </p:cTn>
+                        </p:par>
+                      </p:childTnLst>
+                    </p:cTn>
+                  </p:par>
+                </p:childTnLst>
+              </p:cTn>
+              <p:prevCondLst>
+                <p:cond evt="onPrev" delay="0">
+                  <p:tgtEl>
+                    <p:sldTgt/>
+                  </p:tgtEl>
+                </p:cond>
+              </p:prevCondLst>
+              <p:nextCondLst>
+                <p:cond evt="onNext" delay="0">
+                  <p:tgtEl>
+                    <p:sldTgt/>
+                  </p:tgtEl>
+                </p:cond>
+              </p:nextCondLst>
+            </p:seq>
+          </p:childTnLst>
+        </p:cTn>
+      </p:par>
+    </p:tnLst>
+  </p:timing>
 </p:sld>
 </file>
 
@@ -10770,6 +12506,220 @@
           <a:chExt cx="0" cy="0"/>
         </a:xfrm>
       </p:grpSpPr>
+      <p:grpSp>
+        <p:nvGrpSpPr>
+          <p:cNvPr id="80" name="Group 79">
+            <a:extLst>
+              <a:ext uri="{FF2B5EF4-FFF2-40B4-BE49-F238E27FC236}">
+                <a16:creationId xmlns:a16="http://schemas.microsoft.com/office/drawing/2014/main" id="{F044506D-C57D-F6BF-19F1-9B2C76941FFD}"/>
+              </a:ext>
+            </a:extLst>
+          </p:cNvPr>
+          <p:cNvGrpSpPr/>
+          <p:nvPr/>
+        </p:nvGrpSpPr>
+        <p:grpSpPr>
+          <a:xfrm>
+            <a:off x="4038600" y="3417386"/>
+            <a:ext cx="4114800" cy="2512309"/>
+            <a:chOff x="4038600" y="3417386"/>
+            <a:chExt cx="4114800" cy="2512309"/>
+          </a:xfrm>
+        </p:grpSpPr>
+        <p:sp>
+          <p:nvSpPr>
+            <p:cNvPr id="3" name="Rectangle: Rounded Corners 2">
+              <a:extLst>
+                <a:ext uri="{FF2B5EF4-FFF2-40B4-BE49-F238E27FC236}">
+                  <a16:creationId xmlns:a16="http://schemas.microsoft.com/office/drawing/2014/main" id="{63CAB9C9-AD70-2D70-A731-1A130A6A8D1A}"/>
+                </a:ext>
+              </a:extLst>
+            </p:cNvPr>
+            <p:cNvSpPr/>
+            <p:nvPr/>
+          </p:nvSpPr>
+          <p:spPr>
+            <a:xfrm>
+              <a:off x="4038600" y="4281856"/>
+              <a:ext cx="4114800" cy="1647839"/>
+            </a:xfrm>
+            <a:prstGeom prst="roundRect">
+              <a:avLst/>
+            </a:prstGeom>
+            <a:solidFill>
+              <a:schemeClr val="tx1"/>
+            </a:solidFill>
+            <a:ln>
+              <a:noFill/>
+            </a:ln>
+            <a:effectLst>
+              <a:outerShdw blurRad="50800" dist="38100" dir="2700000" algn="tl" rotWithShape="0">
+                <a:prstClr val="black">
+                  <a:alpha val="40000"/>
+                </a:prstClr>
+              </a:outerShdw>
+            </a:effectLst>
+          </p:spPr>
+          <p:style>
+            <a:lnRef idx="2">
+              <a:schemeClr val="accent1">
+                <a:shade val="15000"/>
+              </a:schemeClr>
+            </a:lnRef>
+            <a:fillRef idx="1">
+              <a:schemeClr val="accent1"/>
+            </a:fillRef>
+            <a:effectRef idx="0">
+              <a:schemeClr val="accent1"/>
+            </a:effectRef>
+            <a:fontRef idx="minor">
+              <a:schemeClr val="lt1"/>
+            </a:fontRef>
+          </p:style>
+          <p:txBody>
+            <a:bodyPr rtlCol="0" anchor="t"/>
+            <a:lstStyle/>
+            <a:p>
+              <a:pPr algn="ctr"/>
+              <a:r>
+                <a:rPr lang="en-GB" dirty="0"/>
+                <a:t>Recommender System</a:t>
+              </a:r>
+              <a:endParaRPr lang="en-SE" dirty="0"/>
+            </a:p>
+          </p:txBody>
+        </p:sp>
+        <p:sp>
+          <p:nvSpPr>
+            <p:cNvPr id="30" name="Oval 29">
+              <a:extLst>
+                <a:ext uri="{FF2B5EF4-FFF2-40B4-BE49-F238E27FC236}">
+                  <a16:creationId xmlns:a16="http://schemas.microsoft.com/office/drawing/2014/main" id="{001ABDB3-F396-BB2A-DC0F-1157A1432590}"/>
+                </a:ext>
+              </a:extLst>
+            </p:cNvPr>
+            <p:cNvSpPr/>
+            <p:nvPr/>
+          </p:nvSpPr>
+          <p:spPr>
+            <a:xfrm>
+              <a:off x="5880000" y="3417386"/>
+              <a:ext cx="432000" cy="432000"/>
+            </a:xfrm>
+            <a:prstGeom prst="ellipse">
+              <a:avLst/>
+            </a:prstGeom>
+            <a:solidFill>
+              <a:schemeClr val="bg1"/>
+            </a:solidFill>
+            <a:ln w="38100">
+              <a:solidFill>
+                <a:schemeClr val="tx1"/>
+              </a:solidFill>
+            </a:ln>
+          </p:spPr>
+          <p:style>
+            <a:lnRef idx="2">
+              <a:schemeClr val="accent1">
+                <a:shade val="15000"/>
+              </a:schemeClr>
+            </a:lnRef>
+            <a:fillRef idx="1">
+              <a:schemeClr val="accent1"/>
+            </a:fillRef>
+            <a:effectRef idx="0">
+              <a:schemeClr val="accent1"/>
+            </a:effectRef>
+            <a:fontRef idx="minor">
+              <a:schemeClr val="lt1"/>
+            </a:fontRef>
+          </p:style>
+          <p:txBody>
+            <a:bodyPr rtlCol="0" anchor="ctr"/>
+            <a:lstStyle/>
+            <a:p>
+              <a:pPr algn="ctr"/>
+              <a:endParaRPr lang="en-SE"/>
+            </a:p>
+          </p:txBody>
+        </p:sp>
+        <p:cxnSp>
+          <p:nvCxnSpPr>
+            <p:cNvPr id="32" name="Straight Connector 31">
+              <a:extLst>
+                <a:ext uri="{FF2B5EF4-FFF2-40B4-BE49-F238E27FC236}">
+                  <a16:creationId xmlns:a16="http://schemas.microsoft.com/office/drawing/2014/main" id="{89FCCA11-25D3-760E-E031-190080A440FE}"/>
+                </a:ext>
+              </a:extLst>
+            </p:cNvPr>
+            <p:cNvCxnSpPr>
+              <a:stCxn id="30" idx="4"/>
+              <a:endCxn id="3" idx="0"/>
+            </p:cNvCxnSpPr>
+            <p:nvPr/>
+          </p:nvCxnSpPr>
+          <p:spPr>
+            <a:xfrm>
+              <a:off x="6096000" y="3849386"/>
+              <a:ext cx="0" cy="432470"/>
+            </a:xfrm>
+            <a:prstGeom prst="line">
+              <a:avLst/>
+            </a:prstGeom>
+            <a:ln w="38100"/>
+          </p:spPr>
+          <p:style>
+            <a:lnRef idx="2">
+              <a:schemeClr val="dk1"/>
+            </a:lnRef>
+            <a:fillRef idx="0">
+              <a:schemeClr val="dk1"/>
+            </a:fillRef>
+            <a:effectRef idx="1">
+              <a:schemeClr val="dk1"/>
+            </a:effectRef>
+            <a:fontRef idx="minor">
+              <a:schemeClr val="tx1"/>
+            </a:fontRef>
+          </p:style>
+        </p:cxnSp>
+        <p:pic>
+          <p:nvPicPr>
+            <p:cNvPr id="34" name="Graphic 33" descr="Artificial Intelligence with solid fill">
+              <a:extLst>
+                <a:ext uri="{FF2B5EF4-FFF2-40B4-BE49-F238E27FC236}">
+                  <a16:creationId xmlns:a16="http://schemas.microsoft.com/office/drawing/2014/main" id="{17EFB68F-AD31-EB31-76D8-2E3144D2C0CA}"/>
+                </a:ext>
+              </a:extLst>
+            </p:cNvPr>
+            <p:cNvPicPr>
+              <a:picLocks noChangeAspect="1"/>
+            </p:cNvPicPr>
+            <p:nvPr/>
+          </p:nvPicPr>
+          <p:blipFill>
+            <a:blip r:embed="rId3">
+              <a:extLst>
+                <a:ext uri="{96DAC541-7B7A-43D3-8B79-37D633B846F1}">
+                  <asvg:svgBlip xmlns:asvg="http://schemas.microsoft.com/office/drawing/2016/SVG/main" r:embed="rId4"/>
+                </a:ext>
+              </a:extLst>
+            </a:blip>
+            <a:stretch>
+              <a:fillRect/>
+            </a:stretch>
+          </p:blipFill>
+          <p:spPr>
+            <a:xfrm>
+              <a:off x="4180201" y="4392877"/>
+              <a:ext cx="360000" cy="360000"/>
+            </a:xfrm>
+            <a:prstGeom prst="rect">
+              <a:avLst/>
+            </a:prstGeom>
+          </p:spPr>
+        </p:pic>
+      </p:grpSp>
       <p:sp>
         <p:nvSpPr>
           <p:cNvPr id="2" name="Title 1">
@@ -10829,7 +12779,7 @@
           <a:p>
             <a:fld id="{60CB520D-D965-46BA-A3CC-319C6DE058D5}" type="datetime1">
               <a:rPr lang="de-DE" smtClean="0"/>
-              <a:t>09.06.2025</a:t>
+              <a:t>10.06.2025</a:t>
             </a:fld>
             <a:endParaRPr lang="en-SE"/>
           </a:p>
@@ -10990,10 +12940,10 @@
             <p:nvPr/>
           </p:nvPicPr>
           <p:blipFill>
-            <a:blip r:embed="rId2">
+            <a:blip r:embed="rId5">
               <a:extLst>
                 <a:ext uri="{96DAC541-7B7A-43D3-8B79-37D633B846F1}">
-                  <asvg:svgBlip xmlns:asvg="http://schemas.microsoft.com/office/drawing/2016/SVG/main" r:embed="rId3"/>
+                  <asvg:svgBlip xmlns:asvg="http://schemas.microsoft.com/office/drawing/2016/SVG/main" r:embed="rId6"/>
                 </a:ext>
               </a:extLst>
             </a:blip>
@@ -11109,10 +13059,10 @@
             <p:nvPr/>
           </p:nvPicPr>
           <p:blipFill>
-            <a:blip r:embed="rId4">
+            <a:blip r:embed="rId7">
               <a:extLst>
                 <a:ext uri="{96DAC541-7B7A-43D3-8B79-37D633B846F1}">
-                  <asvg:svgBlip xmlns:asvg="http://schemas.microsoft.com/office/drawing/2016/SVG/main" r:embed="rId5"/>
+                  <asvg:svgBlip xmlns:asvg="http://schemas.microsoft.com/office/drawing/2016/SVG/main" r:embed="rId8"/>
                 </a:ext>
               </a:extLst>
             </a:blip>
@@ -11225,10 +13175,10 @@
             <p:nvPr/>
           </p:nvPicPr>
           <p:blipFill>
-            <a:blip r:embed="rId6">
+            <a:blip r:embed="rId9">
               <a:extLst>
                 <a:ext uri="{96DAC541-7B7A-43D3-8B79-37D633B846F1}">
-                  <asvg:svgBlip xmlns:asvg="http://schemas.microsoft.com/office/drawing/2016/SVG/main" r:embed="rId7"/>
+                  <asvg:svgBlip xmlns:asvg="http://schemas.microsoft.com/office/drawing/2016/SVG/main" r:embed="rId10"/>
                 </a:ext>
               </a:extLst>
             </a:blip>
@@ -11264,8 +13214,8 @@
         </p:nvSpPr>
         <p:spPr>
           <a:xfrm>
-            <a:off x="838200" y="1825625"/>
-            <a:ext cx="10515600" cy="3965575"/>
+            <a:off x="838200" y="1825626"/>
+            <a:ext cx="10515600" cy="991602"/>
           </a:xfrm>
         </p:spPr>
         <p:txBody>
@@ -11298,7 +13248,7 @@
         <p:spPr>
           <a:xfrm>
             <a:off x="838200" y="6002923"/>
-            <a:ext cx="6096000" cy="338554"/>
+            <a:ext cx="5676900" cy="461665"/>
           </a:xfrm>
           <a:prstGeom prst="rect">
             <a:avLst/>
@@ -11313,29 +13263,25 @@
           <a:p>
             <a:r>
               <a:rPr lang="en-US" sz="800" dirty="0"/>
-              <a:t>Heyn, H. M., Mao, Y., Weiss, R., &amp; Knauss, E. (2025). Causal Models in Requirement Specifications for Machine Learning: A vision. </a:t>
-            </a:r>
-            <a:r>
-              <a:rPr lang="en-US" sz="800" i="1" dirty="0" err="1"/>
-              <a:t>arXiv</a:t>
+              <a:t>Alves, A. P. S., Kalinowski, M., Giray, G., Mendez, D., Lavesson, N., Azevedo, K., ... &amp; Gorschek, T. (2023, December). Status quo and problems of requirements engineering for machine learning: Results from an international survey. In </a:t>
             </a:r>
             <a:r>
               <a:rPr lang="en-US" sz="800" i="1" dirty="0"/>
-              <a:t> preprint arXiv:2502.11629</a:t>
+              <a:t>International Conference on Product-Focused Software Process Improvement</a:t>
             </a:r>
             <a:r>
               <a:rPr lang="en-US" sz="800" dirty="0"/>
-              <a:t>.</a:t>
+              <a:t> (pp. 159-174). Cham: Springer Nature Switzerland.</a:t>
             </a:r>
           </a:p>
         </p:txBody>
       </p:sp>
       <p:pic>
         <p:nvPicPr>
-          <p:cNvPr id="19" name="Graphic 18" descr="Influencer with solid fill">
-            <a:extLst>
-              <a:ext uri="{FF2B5EF4-FFF2-40B4-BE49-F238E27FC236}">
-                <a16:creationId xmlns:a16="http://schemas.microsoft.com/office/drawing/2014/main" id="{3B2DE996-DB2D-6AC1-6CD8-D5782B569288}"/>
+          <p:cNvPr id="20" name="Graphic 19" descr="Single gear with solid fill">
+            <a:extLst>
+              <a:ext uri="{FF2B5EF4-FFF2-40B4-BE49-F238E27FC236}">
+                <a16:creationId xmlns:a16="http://schemas.microsoft.com/office/drawing/2014/main" id="{B9DD9D41-16E3-9202-E894-DAC245F1B227}"/>
               </a:ext>
             </a:extLst>
           </p:cNvPr>
@@ -11345,10 +13291,10 @@
           <p:nvPr/>
         </p:nvPicPr>
         <p:blipFill>
-          <a:blip r:embed="rId8">
+          <a:blip r:embed="rId11">
             <a:extLst>
               <a:ext uri="{96DAC541-7B7A-43D3-8B79-37D633B846F1}">
-                <asvg:svgBlip xmlns:asvg="http://schemas.microsoft.com/office/drawing/2016/SVG/main" r:embed="rId9"/>
+                <asvg:svgBlip xmlns:asvg="http://schemas.microsoft.com/office/drawing/2016/SVG/main" r:embed="rId12"/>
               </a:ext>
             </a:extLst>
           </a:blip>
@@ -11358,7 +13304,7 @@
         </p:blipFill>
         <p:spPr>
           <a:xfrm>
-            <a:off x="1077100" y="3976470"/>
+            <a:off x="6372497" y="4827765"/>
             <a:ext cx="914400" cy="914400"/>
           </a:xfrm>
           <a:prstGeom prst="rect">
@@ -11368,10 +13314,10 @@
       </p:pic>
       <p:pic>
         <p:nvPicPr>
-          <p:cNvPr id="21" name="Graphic 20" descr="Bar chart with solid fill">
-            <a:extLst>
-              <a:ext uri="{FF2B5EF4-FFF2-40B4-BE49-F238E27FC236}">
-                <a16:creationId xmlns:a16="http://schemas.microsoft.com/office/drawing/2014/main" id="{0E355640-7E01-1D4B-3CD8-8E817B574526}"/>
+          <p:cNvPr id="25" name="Graphic 24" descr="Database with solid fill">
+            <a:extLst>
+              <a:ext uri="{FF2B5EF4-FFF2-40B4-BE49-F238E27FC236}">
+                <a16:creationId xmlns:a16="http://schemas.microsoft.com/office/drawing/2014/main" id="{16DDB179-53C7-8D29-9FA9-FFCB89D6912C}"/>
               </a:ext>
             </a:extLst>
           </p:cNvPr>
@@ -11381,10 +13327,10 @@
           <p:nvPr/>
         </p:nvPicPr>
         <p:blipFill>
-          <a:blip r:embed="rId10">
+          <a:blip r:embed="rId13">
             <a:extLst>
               <a:ext uri="{96DAC541-7B7A-43D3-8B79-37D633B846F1}">
-                <asvg:svgBlip xmlns:asvg="http://schemas.microsoft.com/office/drawing/2016/SVG/main" r:embed="rId11"/>
+                <asvg:svgBlip xmlns:asvg="http://schemas.microsoft.com/office/drawing/2016/SVG/main" r:embed="rId14"/>
               </a:ext>
             </a:extLst>
           </a:blip>
@@ -11394,7 +13340,7 @@
         </p:blipFill>
         <p:spPr>
           <a:xfrm>
-            <a:off x="1077100" y="2850347"/>
+            <a:off x="4905105" y="4827765"/>
             <a:ext cx="914400" cy="914400"/>
           </a:xfrm>
           <a:prstGeom prst="rect">
@@ -11404,10 +13350,10 @@
       </p:pic>
       <p:sp>
         <p:nvSpPr>
-          <p:cNvPr id="22" name="TextBox 21">
-            <a:extLst>
-              <a:ext uri="{FF2B5EF4-FFF2-40B4-BE49-F238E27FC236}">
-                <a16:creationId xmlns:a16="http://schemas.microsoft.com/office/drawing/2014/main" id="{D7AC0759-F5C4-85DD-70D1-363CCC912153}"/>
+          <p:cNvPr id="26" name="TextBox 25">
+            <a:extLst>
+              <a:ext uri="{FF2B5EF4-FFF2-40B4-BE49-F238E27FC236}">
+                <a16:creationId xmlns:a16="http://schemas.microsoft.com/office/drawing/2014/main" id="{924AFD31-7510-BC85-C028-447C9FB39E64}"/>
               </a:ext>
             </a:extLst>
           </p:cNvPr>
@@ -11416,8 +13362,8 @@
         </p:nvSpPr>
         <p:spPr>
           <a:xfrm>
-            <a:off x="1991500" y="3125806"/>
-            <a:ext cx="8547468" cy="369332"/>
+            <a:off x="4038600" y="5023355"/>
+            <a:ext cx="866504" cy="523220"/>
           </a:xfrm>
           <a:prstGeom prst="rect">
             <a:avLst/>
@@ -11425,25 +13371,34 @@
           <a:noFill/>
         </p:spPr>
         <p:txBody>
-          <a:bodyPr wrap="none" rtlCol="0">
+          <a:bodyPr wrap="square" rtlCol="0">
             <a:spAutoFit/>
           </a:bodyPr>
           <a:lstStyle/>
           <a:p>
+            <a:pPr algn="r"/>
             <a:r>
-              <a:rPr lang="en-GB" dirty="0"/>
-              <a:t>How the training data was sampled affects the robustness of models on unseen data.</a:t>
+              <a:rPr lang="en-GB" sz="1400" dirty="0">
+                <a:solidFill>
+                  <a:schemeClr val="bg1"/>
+                </a:solidFill>
+              </a:rPr>
+              <a:t>training data</a:t>
             </a:r>
-            <a:endParaRPr lang="en-SE" dirty="0"/>
+            <a:endParaRPr lang="en-SE" sz="1400" dirty="0">
+              <a:solidFill>
+                <a:schemeClr val="bg1"/>
+              </a:solidFill>
+            </a:endParaRPr>
           </a:p>
         </p:txBody>
       </p:sp>
       <p:sp>
         <p:nvSpPr>
-          <p:cNvPr id="23" name="TextBox 22">
-            <a:extLst>
-              <a:ext uri="{FF2B5EF4-FFF2-40B4-BE49-F238E27FC236}">
-                <a16:creationId xmlns:a16="http://schemas.microsoft.com/office/drawing/2014/main" id="{2BF03097-94E7-EC27-91FC-7669C1C13CB3}"/>
+          <p:cNvPr id="27" name="TextBox 26">
+            <a:extLst>
+              <a:ext uri="{FF2B5EF4-FFF2-40B4-BE49-F238E27FC236}">
+                <a16:creationId xmlns:a16="http://schemas.microsoft.com/office/drawing/2014/main" id="{C9F83081-AFBB-2369-A8FB-B37EB5E4C6C8}"/>
               </a:ext>
             </a:extLst>
           </p:cNvPr>
@@ -11452,8 +13407,8 @@
         </p:nvSpPr>
         <p:spPr>
           <a:xfrm>
-            <a:off x="1991500" y="4249004"/>
-            <a:ext cx="8380436" cy="369332"/>
+            <a:off x="7286896" y="5131076"/>
+            <a:ext cx="866504" cy="307777"/>
           </a:xfrm>
           <a:prstGeom prst="rect">
             <a:avLst/>
@@ -11461,19 +13416,988 @@
           <a:noFill/>
         </p:spPr>
         <p:txBody>
-          <a:bodyPr wrap="none" rtlCol="0">
+          <a:bodyPr wrap="square" rtlCol="0">
             <a:spAutoFit/>
           </a:bodyPr>
           <a:lstStyle/>
           <a:p>
             <a:r>
-              <a:rPr lang="en-GB" dirty="0"/>
-              <a:t>Causal modelling techniques can be used to ensure the representativeness of data.</a:t>
+              <a:rPr lang="en-GB" sz="1400" dirty="0">
+                <a:solidFill>
+                  <a:schemeClr val="bg1"/>
+                </a:solidFill>
+              </a:rPr>
+              <a:t>pipeline</a:t>
             </a:r>
-            <a:endParaRPr lang="en-SE" dirty="0"/>
+            <a:endParaRPr lang="en-SE" sz="1400" dirty="0">
+              <a:solidFill>
+                <a:schemeClr val="bg1"/>
+              </a:solidFill>
+            </a:endParaRPr>
           </a:p>
         </p:txBody>
       </p:sp>
+      <p:cxnSp>
+        <p:nvCxnSpPr>
+          <p:cNvPr id="29" name="Straight Arrow Connector 28">
+            <a:extLst>
+              <a:ext uri="{FF2B5EF4-FFF2-40B4-BE49-F238E27FC236}">
+                <a16:creationId xmlns:a16="http://schemas.microsoft.com/office/drawing/2014/main" id="{92371556-33BC-88B4-1A83-F53C674EA2D5}"/>
+              </a:ext>
+            </a:extLst>
+          </p:cNvPr>
+          <p:cNvCxnSpPr/>
+          <p:nvPr/>
+        </p:nvCxnSpPr>
+        <p:spPr>
+          <a:xfrm>
+            <a:off x="5819505" y="5284965"/>
+            <a:ext cx="552992" cy="0"/>
+          </a:xfrm>
+          <a:prstGeom prst="straightConnector1">
+            <a:avLst/>
+          </a:prstGeom>
+          <a:ln>
+            <a:solidFill>
+              <a:schemeClr val="bg1"/>
+            </a:solidFill>
+            <a:tailEnd type="triangle"/>
+          </a:ln>
+        </p:spPr>
+        <p:style>
+          <a:lnRef idx="2">
+            <a:schemeClr val="accent1"/>
+          </a:lnRef>
+          <a:fillRef idx="0">
+            <a:schemeClr val="accent1"/>
+          </a:fillRef>
+          <a:effectRef idx="1">
+            <a:schemeClr val="accent1"/>
+          </a:effectRef>
+          <a:fontRef idx="minor">
+            <a:schemeClr val="tx1"/>
+          </a:fontRef>
+        </p:style>
+      </p:cxnSp>
+      <p:grpSp>
+        <p:nvGrpSpPr>
+          <p:cNvPr id="42" name="Group 41">
+            <a:extLst>
+              <a:ext uri="{FF2B5EF4-FFF2-40B4-BE49-F238E27FC236}">
+                <a16:creationId xmlns:a16="http://schemas.microsoft.com/office/drawing/2014/main" id="{28404CE6-E950-FBC6-8B2B-2C976BE20892}"/>
+              </a:ext>
+            </a:extLst>
+          </p:cNvPr>
+          <p:cNvGrpSpPr/>
+          <p:nvPr/>
+        </p:nvGrpSpPr>
+        <p:grpSpPr>
+          <a:xfrm>
+            <a:off x="6934200" y="2798298"/>
+            <a:ext cx="2127738" cy="1129677"/>
+            <a:chOff x="6673363" y="2850347"/>
+            <a:chExt cx="2127738" cy="1129677"/>
+          </a:xfrm>
+        </p:grpSpPr>
+        <p:sp>
+          <p:nvSpPr>
+            <p:cNvPr id="41" name="Rectangle: Single Corner Snipped 40">
+              <a:extLst>
+                <a:ext uri="{FF2B5EF4-FFF2-40B4-BE49-F238E27FC236}">
+                  <a16:creationId xmlns:a16="http://schemas.microsoft.com/office/drawing/2014/main" id="{3718C2CF-C06A-E96E-B6CB-55FC9CB46349}"/>
+                </a:ext>
+              </a:extLst>
+            </p:cNvPr>
+            <p:cNvSpPr/>
+            <p:nvPr/>
+          </p:nvSpPr>
+          <p:spPr>
+            <a:xfrm>
+              <a:off x="6673363" y="2850347"/>
+              <a:ext cx="2127738" cy="1129677"/>
+            </a:xfrm>
+            <a:prstGeom prst="snip1Rect">
+              <a:avLst/>
+            </a:prstGeom>
+            <a:solidFill>
+              <a:schemeClr val="bg1"/>
+            </a:solidFill>
+            <a:ln>
+              <a:solidFill>
+                <a:schemeClr val="bg1">
+                  <a:lumMod val="85000"/>
+                </a:schemeClr>
+              </a:solidFill>
+            </a:ln>
+            <a:effectLst>
+              <a:outerShdw blurRad="50800" dist="38100" dir="2700000" algn="tl" rotWithShape="0">
+                <a:prstClr val="black">
+                  <a:alpha val="40000"/>
+                </a:prstClr>
+              </a:outerShdw>
+            </a:effectLst>
+          </p:spPr>
+          <p:style>
+            <a:lnRef idx="2">
+              <a:schemeClr val="accent1">
+                <a:shade val="15000"/>
+              </a:schemeClr>
+            </a:lnRef>
+            <a:fillRef idx="1">
+              <a:schemeClr val="accent1"/>
+            </a:fillRef>
+            <a:effectRef idx="0">
+              <a:schemeClr val="accent1"/>
+            </a:effectRef>
+            <a:fontRef idx="minor">
+              <a:schemeClr val="lt1"/>
+            </a:fontRef>
+          </p:style>
+          <p:txBody>
+            <a:bodyPr rtlCol="0" anchor="t"/>
+            <a:lstStyle/>
+            <a:p>
+              <a:r>
+                <a:rPr lang="en-GB" sz="1400" b="1" dirty="0">
+                  <a:solidFill>
+                    <a:schemeClr val="tx1"/>
+                  </a:solidFill>
+                </a:rPr>
+                <a:t>Quality Requirements</a:t>
+              </a:r>
+              <a:endParaRPr lang="en-SE" sz="1400" b="1" dirty="0">
+                <a:solidFill>
+                  <a:schemeClr val="tx1"/>
+                </a:solidFill>
+              </a:endParaRPr>
+            </a:p>
+          </p:txBody>
+        </p:sp>
+        <p:grpSp>
+          <p:nvGrpSpPr>
+            <p:cNvPr id="35" name="Group 34">
+              <a:extLst>
+                <a:ext uri="{FF2B5EF4-FFF2-40B4-BE49-F238E27FC236}">
+                  <a16:creationId xmlns:a16="http://schemas.microsoft.com/office/drawing/2014/main" id="{5C7EFCAC-B7E5-B57B-EEDE-F7AF3E9D7D06}"/>
+                </a:ext>
+              </a:extLst>
+            </p:cNvPr>
+            <p:cNvGrpSpPr/>
+            <p:nvPr/>
+          </p:nvGrpSpPr>
+          <p:grpSpPr>
+            <a:xfrm>
+              <a:off x="6833677" y="3257265"/>
+              <a:ext cx="1179318" cy="369332"/>
+              <a:chOff x="7919400" y="3834390"/>
+              <a:chExt cx="1179318" cy="369332"/>
+            </a:xfrm>
+          </p:grpSpPr>
+          <p:pic>
+            <p:nvPicPr>
+              <p:cNvPr id="36" name="Graphic 35" descr="Bullseye with solid fill">
+                <a:extLst>
+                  <a:ext uri="{FF2B5EF4-FFF2-40B4-BE49-F238E27FC236}">
+                    <a16:creationId xmlns:a16="http://schemas.microsoft.com/office/drawing/2014/main" id="{5E2B5E84-7533-5F7B-E5EB-EBBC59989FAD}"/>
+                  </a:ext>
+                </a:extLst>
+              </p:cNvPr>
+              <p:cNvPicPr>
+                <a:picLocks noChangeAspect="1"/>
+              </p:cNvPicPr>
+              <p:nvPr/>
+            </p:nvPicPr>
+            <p:blipFill>
+              <a:blip r:embed="rId15">
+                <a:extLst>
+                  <a:ext uri="{96DAC541-7B7A-43D3-8B79-37D633B846F1}">
+                    <asvg:svgBlip xmlns:asvg="http://schemas.microsoft.com/office/drawing/2016/SVG/main" r:embed="rId16"/>
+                  </a:ext>
+                </a:extLst>
+              </a:blip>
+              <a:srcRect/>
+              <a:stretch/>
+            </p:blipFill>
+            <p:spPr>
+              <a:xfrm>
+                <a:off x="7919400" y="3875056"/>
+                <a:ext cx="288000" cy="288000"/>
+              </a:xfrm>
+              <a:prstGeom prst="rect">
+                <a:avLst/>
+              </a:prstGeom>
+            </p:spPr>
+          </p:pic>
+          <p:sp>
+            <p:nvSpPr>
+              <p:cNvPr id="37" name="TextBox 36">
+                <a:extLst>
+                  <a:ext uri="{FF2B5EF4-FFF2-40B4-BE49-F238E27FC236}">
+                    <a16:creationId xmlns:a16="http://schemas.microsoft.com/office/drawing/2014/main" id="{E8390A2F-A9AC-3534-6DE6-B1482E8EDA52}"/>
+                  </a:ext>
+                </a:extLst>
+              </p:cNvPr>
+              <p:cNvSpPr txBox="1"/>
+              <p:nvPr/>
+            </p:nvSpPr>
+            <p:spPr>
+              <a:xfrm>
+                <a:off x="8252140" y="3834390"/>
+                <a:ext cx="846578" cy="369332"/>
+              </a:xfrm>
+              <a:prstGeom prst="rect">
+                <a:avLst/>
+              </a:prstGeom>
+              <a:noFill/>
+            </p:spPr>
+            <p:txBody>
+              <a:bodyPr wrap="none" rtlCol="0">
+                <a:spAutoFit/>
+              </a:bodyPr>
+              <a:lstStyle/>
+              <a:p>
+                <a:r>
+                  <a:rPr lang="en-GB" sz="1200" dirty="0"/>
+                  <a:t>Accuracy</a:t>
+                </a:r>
+                <a:r>
+                  <a:rPr lang="en-GB" dirty="0"/>
+                  <a:t> </a:t>
+                </a:r>
+                <a:endParaRPr lang="en-SE" dirty="0"/>
+              </a:p>
+            </p:txBody>
+          </p:sp>
+        </p:grpSp>
+        <p:grpSp>
+          <p:nvGrpSpPr>
+            <p:cNvPr id="38" name="Group 37">
+              <a:extLst>
+                <a:ext uri="{FF2B5EF4-FFF2-40B4-BE49-F238E27FC236}">
+                  <a16:creationId xmlns:a16="http://schemas.microsoft.com/office/drawing/2014/main" id="{F0A896AB-A001-3079-FE38-EBBB2ED2E1E1}"/>
+                </a:ext>
+              </a:extLst>
+            </p:cNvPr>
+            <p:cNvGrpSpPr/>
+            <p:nvPr/>
+          </p:nvGrpSpPr>
+          <p:grpSpPr>
+            <a:xfrm>
+              <a:off x="6829697" y="3557779"/>
+              <a:ext cx="1130165" cy="369332"/>
+              <a:chOff x="7919400" y="3837283"/>
+              <a:chExt cx="1130165" cy="369332"/>
+            </a:xfrm>
+          </p:grpSpPr>
+          <p:pic>
+            <p:nvPicPr>
+              <p:cNvPr id="39" name="Graphic 38" descr="Scales of justice with solid fill">
+                <a:extLst>
+                  <a:ext uri="{FF2B5EF4-FFF2-40B4-BE49-F238E27FC236}">
+                    <a16:creationId xmlns:a16="http://schemas.microsoft.com/office/drawing/2014/main" id="{55D9684F-F240-52DA-E76D-6E05EA4515A2}"/>
+                  </a:ext>
+                </a:extLst>
+              </p:cNvPr>
+              <p:cNvPicPr>
+                <a:picLocks noChangeAspect="1"/>
+              </p:cNvPicPr>
+              <p:nvPr/>
+            </p:nvPicPr>
+            <p:blipFill>
+              <a:blip r:embed="rId17">
+                <a:extLst>
+                  <a:ext uri="{96DAC541-7B7A-43D3-8B79-37D633B846F1}">
+                    <asvg:svgBlip xmlns:asvg="http://schemas.microsoft.com/office/drawing/2016/SVG/main" r:embed="rId18"/>
+                  </a:ext>
+                </a:extLst>
+              </a:blip>
+              <a:stretch>
+                <a:fillRect/>
+              </a:stretch>
+            </p:blipFill>
+            <p:spPr>
+              <a:xfrm>
+                <a:off x="7919400" y="3875056"/>
+                <a:ext cx="288000" cy="288000"/>
+              </a:xfrm>
+              <a:prstGeom prst="rect">
+                <a:avLst/>
+              </a:prstGeom>
+            </p:spPr>
+          </p:pic>
+          <p:sp>
+            <p:nvSpPr>
+              <p:cNvPr id="40" name="TextBox 39">
+                <a:extLst>
+                  <a:ext uri="{FF2B5EF4-FFF2-40B4-BE49-F238E27FC236}">
+                    <a16:creationId xmlns:a16="http://schemas.microsoft.com/office/drawing/2014/main" id="{73CBF33B-2395-005B-E424-BD534218FF48}"/>
+                  </a:ext>
+                </a:extLst>
+              </p:cNvPr>
+              <p:cNvSpPr txBox="1"/>
+              <p:nvPr/>
+            </p:nvSpPr>
+            <p:spPr>
+              <a:xfrm>
+                <a:off x="8252808" y="3837283"/>
+                <a:ext cx="796757" cy="369332"/>
+              </a:xfrm>
+              <a:prstGeom prst="rect">
+                <a:avLst/>
+              </a:prstGeom>
+              <a:noFill/>
+            </p:spPr>
+            <p:txBody>
+              <a:bodyPr wrap="none" rtlCol="0">
+                <a:spAutoFit/>
+              </a:bodyPr>
+              <a:lstStyle/>
+              <a:p>
+                <a:r>
+                  <a:rPr lang="en-GB" sz="1200" dirty="0"/>
+                  <a:t>Fairness</a:t>
+                </a:r>
+                <a:r>
+                  <a:rPr lang="en-GB" dirty="0"/>
+                  <a:t> </a:t>
+                </a:r>
+                <a:endParaRPr lang="en-SE" dirty="0"/>
+              </a:p>
+            </p:txBody>
+          </p:sp>
+        </p:grpSp>
+      </p:grpSp>
+      <p:cxnSp>
+        <p:nvCxnSpPr>
+          <p:cNvPr id="44" name="Connector: Elbow 43">
+            <a:extLst>
+              <a:ext uri="{FF2B5EF4-FFF2-40B4-BE49-F238E27FC236}">
+                <a16:creationId xmlns:a16="http://schemas.microsoft.com/office/drawing/2014/main" id="{0CAFBC88-7B1F-17D3-C9BB-F1E8EDCFBAE6}"/>
+              </a:ext>
+            </a:extLst>
+          </p:cNvPr>
+          <p:cNvCxnSpPr>
+            <a:cxnSpLocks/>
+            <a:stCxn id="41" idx="2"/>
+            <a:endCxn id="30" idx="6"/>
+          </p:cNvCxnSpPr>
+          <p:nvPr/>
+        </p:nvCxnSpPr>
+        <p:spPr>
+          <a:xfrm rot="10800000" flipV="1">
+            <a:off x="6312000" y="3363136"/>
+            <a:ext cx="622200" cy="270249"/>
+          </a:xfrm>
+          <a:prstGeom prst="bentConnector3">
+            <a:avLst>
+              <a:gd name="adj1" fmla="val 50000"/>
+            </a:avLst>
+          </a:prstGeom>
+          <a:ln>
+            <a:solidFill>
+              <a:schemeClr val="tx1">
+                <a:lumMod val="50000"/>
+                <a:lumOff val="50000"/>
+              </a:schemeClr>
+            </a:solidFill>
+            <a:prstDash val="dash"/>
+          </a:ln>
+        </p:spPr>
+        <p:style>
+          <a:lnRef idx="2">
+            <a:schemeClr val="accent1"/>
+          </a:lnRef>
+          <a:fillRef idx="0">
+            <a:schemeClr val="accent1"/>
+          </a:fillRef>
+          <a:effectRef idx="1">
+            <a:schemeClr val="accent1"/>
+          </a:effectRef>
+          <a:fontRef idx="minor">
+            <a:schemeClr val="tx1"/>
+          </a:fontRef>
+        </p:style>
+      </p:cxnSp>
+      <p:grpSp>
+        <p:nvGrpSpPr>
+          <p:cNvPr id="45" name="Group 44">
+            <a:extLst>
+              <a:ext uri="{FF2B5EF4-FFF2-40B4-BE49-F238E27FC236}">
+                <a16:creationId xmlns:a16="http://schemas.microsoft.com/office/drawing/2014/main" id="{F20A8F5F-64BF-4BC8-3C31-5E18EEC66770}"/>
+              </a:ext>
+            </a:extLst>
+          </p:cNvPr>
+          <p:cNvGrpSpPr/>
+          <p:nvPr/>
+        </p:nvGrpSpPr>
+        <p:grpSpPr>
+          <a:xfrm>
+            <a:off x="1002324" y="4837630"/>
+            <a:ext cx="2127738" cy="901425"/>
+            <a:chOff x="6673363" y="2850347"/>
+            <a:chExt cx="2127738" cy="901425"/>
+          </a:xfrm>
+        </p:grpSpPr>
+        <p:sp>
+          <p:nvSpPr>
+            <p:cNvPr id="46" name="Rectangle: Single Corner Snipped 45">
+              <a:extLst>
+                <a:ext uri="{FF2B5EF4-FFF2-40B4-BE49-F238E27FC236}">
+                  <a16:creationId xmlns:a16="http://schemas.microsoft.com/office/drawing/2014/main" id="{354E54EC-8D01-0EE8-0AE8-86CB13FEC01C}"/>
+                </a:ext>
+              </a:extLst>
+            </p:cNvPr>
+            <p:cNvSpPr/>
+            <p:nvPr/>
+          </p:nvSpPr>
+          <p:spPr>
+            <a:xfrm>
+              <a:off x="6673363" y="2850347"/>
+              <a:ext cx="2127738" cy="901425"/>
+            </a:xfrm>
+            <a:prstGeom prst="snip1Rect">
+              <a:avLst/>
+            </a:prstGeom>
+            <a:solidFill>
+              <a:schemeClr val="bg1"/>
+            </a:solidFill>
+            <a:ln>
+              <a:solidFill>
+                <a:schemeClr val="bg1">
+                  <a:lumMod val="85000"/>
+                </a:schemeClr>
+              </a:solidFill>
+            </a:ln>
+            <a:effectLst>
+              <a:outerShdw blurRad="50800" dist="38100" dir="2700000" algn="tl" rotWithShape="0">
+                <a:prstClr val="black">
+                  <a:alpha val="40000"/>
+                </a:prstClr>
+              </a:outerShdw>
+            </a:effectLst>
+          </p:spPr>
+          <p:style>
+            <a:lnRef idx="2">
+              <a:schemeClr val="accent1">
+                <a:shade val="15000"/>
+              </a:schemeClr>
+            </a:lnRef>
+            <a:fillRef idx="1">
+              <a:schemeClr val="accent1"/>
+            </a:fillRef>
+            <a:effectRef idx="0">
+              <a:schemeClr val="accent1"/>
+            </a:effectRef>
+            <a:fontRef idx="minor">
+              <a:schemeClr val="lt1"/>
+            </a:fontRef>
+          </p:style>
+          <p:txBody>
+            <a:bodyPr rtlCol="0" anchor="t"/>
+            <a:lstStyle/>
+            <a:p>
+              <a:r>
+                <a:rPr lang="en-GB" sz="1400" b="1" dirty="0">
+                  <a:solidFill>
+                    <a:schemeClr val="tx1"/>
+                  </a:solidFill>
+                </a:rPr>
+                <a:t>Quality Requirements</a:t>
+              </a:r>
+              <a:endParaRPr lang="en-SE" sz="1400" b="1" dirty="0">
+                <a:solidFill>
+                  <a:schemeClr val="tx1"/>
+                </a:solidFill>
+              </a:endParaRPr>
+            </a:p>
+          </p:txBody>
+        </p:sp>
+        <p:grpSp>
+          <p:nvGrpSpPr>
+            <p:cNvPr id="48" name="Group 47">
+              <a:extLst>
+                <a:ext uri="{FF2B5EF4-FFF2-40B4-BE49-F238E27FC236}">
+                  <a16:creationId xmlns:a16="http://schemas.microsoft.com/office/drawing/2014/main" id="{0DD0C76C-7BD0-8200-3CC6-AED0FBDFE239}"/>
+                </a:ext>
+              </a:extLst>
+            </p:cNvPr>
+            <p:cNvGrpSpPr/>
+            <p:nvPr/>
+          </p:nvGrpSpPr>
+          <p:grpSpPr>
+            <a:xfrm>
+              <a:off x="6864866" y="3257266"/>
+              <a:ext cx="1130165" cy="369332"/>
+              <a:chOff x="7954569" y="3536770"/>
+              <a:chExt cx="1130165" cy="369332"/>
+            </a:xfrm>
+          </p:grpSpPr>
+          <p:pic>
+            <p:nvPicPr>
+              <p:cNvPr id="49" name="Graphic 48" descr="Scales of justice with solid fill">
+                <a:extLst>
+                  <a:ext uri="{FF2B5EF4-FFF2-40B4-BE49-F238E27FC236}">
+                    <a16:creationId xmlns:a16="http://schemas.microsoft.com/office/drawing/2014/main" id="{E3D342EF-9BD5-3212-A20A-DC7A799CA783}"/>
+                  </a:ext>
+                </a:extLst>
+              </p:cNvPr>
+              <p:cNvPicPr>
+                <a:picLocks noChangeAspect="1"/>
+              </p:cNvPicPr>
+              <p:nvPr/>
+            </p:nvPicPr>
+            <p:blipFill>
+              <a:blip r:embed="rId17">
+                <a:extLst>
+                  <a:ext uri="{96DAC541-7B7A-43D3-8B79-37D633B846F1}">
+                    <asvg:svgBlip xmlns:asvg="http://schemas.microsoft.com/office/drawing/2016/SVG/main" r:embed="rId18"/>
+                  </a:ext>
+                </a:extLst>
+              </a:blip>
+              <a:stretch>
+                <a:fillRect/>
+              </a:stretch>
+            </p:blipFill>
+            <p:spPr>
+              <a:xfrm>
+                <a:off x="7954569" y="3574543"/>
+                <a:ext cx="288000" cy="288000"/>
+              </a:xfrm>
+              <a:prstGeom prst="rect">
+                <a:avLst/>
+              </a:prstGeom>
+            </p:spPr>
+          </p:pic>
+          <p:sp>
+            <p:nvSpPr>
+              <p:cNvPr id="50" name="TextBox 49">
+                <a:extLst>
+                  <a:ext uri="{FF2B5EF4-FFF2-40B4-BE49-F238E27FC236}">
+                    <a16:creationId xmlns:a16="http://schemas.microsoft.com/office/drawing/2014/main" id="{D8C7A36E-B710-FFB6-300A-BF135D469BAE}"/>
+                  </a:ext>
+                </a:extLst>
+              </p:cNvPr>
+              <p:cNvSpPr txBox="1"/>
+              <p:nvPr/>
+            </p:nvSpPr>
+            <p:spPr>
+              <a:xfrm>
+                <a:off x="8287977" y="3536770"/>
+                <a:ext cx="796757" cy="369332"/>
+              </a:xfrm>
+              <a:prstGeom prst="rect">
+                <a:avLst/>
+              </a:prstGeom>
+              <a:noFill/>
+            </p:spPr>
+            <p:txBody>
+              <a:bodyPr wrap="none" rtlCol="0">
+                <a:spAutoFit/>
+              </a:bodyPr>
+              <a:lstStyle/>
+              <a:p>
+                <a:r>
+                  <a:rPr lang="en-GB" sz="1200" dirty="0"/>
+                  <a:t>Fairness</a:t>
+                </a:r>
+                <a:r>
+                  <a:rPr lang="en-GB" dirty="0"/>
+                  <a:t> </a:t>
+                </a:r>
+                <a:endParaRPr lang="en-SE" dirty="0"/>
+              </a:p>
+            </p:txBody>
+          </p:sp>
+        </p:grpSp>
+      </p:grpSp>
+      <p:grpSp>
+        <p:nvGrpSpPr>
+          <p:cNvPr id="53" name="Group 52">
+            <a:extLst>
+              <a:ext uri="{FF2B5EF4-FFF2-40B4-BE49-F238E27FC236}">
+                <a16:creationId xmlns:a16="http://schemas.microsoft.com/office/drawing/2014/main" id="{47094950-5B5F-4FF6-4FA6-CD636937CA87}"/>
+              </a:ext>
+            </a:extLst>
+          </p:cNvPr>
+          <p:cNvGrpSpPr/>
+          <p:nvPr/>
+        </p:nvGrpSpPr>
+        <p:grpSpPr>
+          <a:xfrm>
+            <a:off x="9061938" y="4837632"/>
+            <a:ext cx="2127738" cy="901424"/>
+            <a:chOff x="6673363" y="2850348"/>
+            <a:chExt cx="2127738" cy="901424"/>
+          </a:xfrm>
+        </p:grpSpPr>
+        <p:sp>
+          <p:nvSpPr>
+            <p:cNvPr id="54" name="Rectangle: Single Corner Snipped 53">
+              <a:extLst>
+                <a:ext uri="{FF2B5EF4-FFF2-40B4-BE49-F238E27FC236}">
+                  <a16:creationId xmlns:a16="http://schemas.microsoft.com/office/drawing/2014/main" id="{DCED68CB-8AF9-B4D5-E221-6ED3FC110C38}"/>
+                </a:ext>
+              </a:extLst>
+            </p:cNvPr>
+            <p:cNvSpPr/>
+            <p:nvPr/>
+          </p:nvSpPr>
+          <p:spPr>
+            <a:xfrm>
+              <a:off x="6673363" y="2850348"/>
+              <a:ext cx="2127738" cy="901424"/>
+            </a:xfrm>
+            <a:prstGeom prst="snip1Rect">
+              <a:avLst/>
+            </a:prstGeom>
+            <a:solidFill>
+              <a:schemeClr val="bg1"/>
+            </a:solidFill>
+            <a:ln>
+              <a:solidFill>
+                <a:schemeClr val="bg1">
+                  <a:lumMod val="85000"/>
+                </a:schemeClr>
+              </a:solidFill>
+            </a:ln>
+            <a:effectLst>
+              <a:outerShdw blurRad="50800" dist="38100" dir="2700000" algn="tl" rotWithShape="0">
+                <a:prstClr val="black">
+                  <a:alpha val="40000"/>
+                </a:prstClr>
+              </a:outerShdw>
+            </a:effectLst>
+          </p:spPr>
+          <p:style>
+            <a:lnRef idx="2">
+              <a:schemeClr val="accent1">
+                <a:shade val="15000"/>
+              </a:schemeClr>
+            </a:lnRef>
+            <a:fillRef idx="1">
+              <a:schemeClr val="accent1"/>
+            </a:fillRef>
+            <a:effectRef idx="0">
+              <a:schemeClr val="accent1"/>
+            </a:effectRef>
+            <a:fontRef idx="minor">
+              <a:schemeClr val="lt1"/>
+            </a:fontRef>
+          </p:style>
+          <p:txBody>
+            <a:bodyPr rtlCol="0" anchor="t"/>
+            <a:lstStyle/>
+            <a:p>
+              <a:r>
+                <a:rPr lang="en-GB" sz="1400" b="1" dirty="0">
+                  <a:solidFill>
+                    <a:schemeClr val="tx1"/>
+                  </a:solidFill>
+                </a:rPr>
+                <a:t>Quality Requirements</a:t>
+              </a:r>
+              <a:endParaRPr lang="en-SE" sz="1400" b="1" dirty="0">
+                <a:solidFill>
+                  <a:schemeClr val="tx1"/>
+                </a:solidFill>
+              </a:endParaRPr>
+            </a:p>
+          </p:txBody>
+        </p:sp>
+        <p:grpSp>
+          <p:nvGrpSpPr>
+            <p:cNvPr id="55" name="Group 54">
+              <a:extLst>
+                <a:ext uri="{FF2B5EF4-FFF2-40B4-BE49-F238E27FC236}">
+                  <a16:creationId xmlns:a16="http://schemas.microsoft.com/office/drawing/2014/main" id="{96429672-7B28-4300-C04E-D6C435D1C319}"/>
+                </a:ext>
+              </a:extLst>
+            </p:cNvPr>
+            <p:cNvGrpSpPr/>
+            <p:nvPr/>
+          </p:nvGrpSpPr>
+          <p:grpSpPr>
+            <a:xfrm>
+              <a:off x="6833677" y="3257265"/>
+              <a:ext cx="1179318" cy="369332"/>
+              <a:chOff x="7919400" y="3834390"/>
+              <a:chExt cx="1179318" cy="369332"/>
+            </a:xfrm>
+          </p:grpSpPr>
+          <p:pic>
+            <p:nvPicPr>
+              <p:cNvPr id="59" name="Graphic 58" descr="Bullseye with solid fill">
+                <a:extLst>
+                  <a:ext uri="{FF2B5EF4-FFF2-40B4-BE49-F238E27FC236}">
+                    <a16:creationId xmlns:a16="http://schemas.microsoft.com/office/drawing/2014/main" id="{25A53234-0BCB-778E-C67C-A287788D5A15}"/>
+                  </a:ext>
+                </a:extLst>
+              </p:cNvPr>
+              <p:cNvPicPr>
+                <a:picLocks noChangeAspect="1"/>
+              </p:cNvPicPr>
+              <p:nvPr/>
+            </p:nvPicPr>
+            <p:blipFill>
+              <a:blip r:embed="rId15">
+                <a:extLst>
+                  <a:ext uri="{96DAC541-7B7A-43D3-8B79-37D633B846F1}">
+                    <asvg:svgBlip xmlns:asvg="http://schemas.microsoft.com/office/drawing/2016/SVG/main" r:embed="rId16"/>
+                  </a:ext>
+                </a:extLst>
+              </a:blip>
+              <a:srcRect/>
+              <a:stretch/>
+            </p:blipFill>
+            <p:spPr>
+              <a:xfrm>
+                <a:off x="7919400" y="3875056"/>
+                <a:ext cx="288000" cy="288000"/>
+              </a:xfrm>
+              <a:prstGeom prst="rect">
+                <a:avLst/>
+              </a:prstGeom>
+            </p:spPr>
+          </p:pic>
+          <p:sp>
+            <p:nvSpPr>
+              <p:cNvPr id="60" name="TextBox 59">
+                <a:extLst>
+                  <a:ext uri="{FF2B5EF4-FFF2-40B4-BE49-F238E27FC236}">
+                    <a16:creationId xmlns:a16="http://schemas.microsoft.com/office/drawing/2014/main" id="{265422E9-14D3-D46E-6F85-8FE8F2388FD9}"/>
+                  </a:ext>
+                </a:extLst>
+              </p:cNvPr>
+              <p:cNvSpPr txBox="1"/>
+              <p:nvPr/>
+            </p:nvSpPr>
+            <p:spPr>
+              <a:xfrm>
+                <a:off x="8252140" y="3834390"/>
+                <a:ext cx="846578" cy="369332"/>
+              </a:xfrm>
+              <a:prstGeom prst="rect">
+                <a:avLst/>
+              </a:prstGeom>
+              <a:noFill/>
+            </p:spPr>
+            <p:txBody>
+              <a:bodyPr wrap="none" rtlCol="0">
+                <a:spAutoFit/>
+              </a:bodyPr>
+              <a:lstStyle/>
+              <a:p>
+                <a:r>
+                  <a:rPr lang="en-GB" sz="1200" dirty="0"/>
+                  <a:t>Accuracy</a:t>
+                </a:r>
+                <a:r>
+                  <a:rPr lang="en-GB" dirty="0"/>
+                  <a:t> </a:t>
+                </a:r>
+                <a:endParaRPr lang="en-SE" dirty="0"/>
+              </a:p>
+            </p:txBody>
+          </p:sp>
+        </p:grpSp>
+      </p:grpSp>
+      <p:cxnSp>
+        <p:nvCxnSpPr>
+          <p:cNvPr id="63" name="Connector: Elbow 62">
+            <a:extLst>
+              <a:ext uri="{FF2B5EF4-FFF2-40B4-BE49-F238E27FC236}">
+                <a16:creationId xmlns:a16="http://schemas.microsoft.com/office/drawing/2014/main" id="{A0136AA1-FCDC-871D-7B8D-7C9F72B41668}"/>
+              </a:ext>
+            </a:extLst>
+          </p:cNvPr>
+          <p:cNvCxnSpPr>
+            <a:cxnSpLocks/>
+            <a:stCxn id="26" idx="1"/>
+            <a:endCxn id="46" idx="0"/>
+          </p:cNvCxnSpPr>
+          <p:nvPr/>
+        </p:nvCxnSpPr>
+        <p:spPr>
+          <a:xfrm flipH="1">
+            <a:off x="3130062" y="5284965"/>
+            <a:ext cx="908538" cy="3378"/>
+          </a:xfrm>
+          <a:prstGeom prst="straightConnector1">
+            <a:avLst/>
+          </a:prstGeom>
+          <a:ln>
+            <a:solidFill>
+              <a:schemeClr val="tx1">
+                <a:lumMod val="50000"/>
+                <a:lumOff val="50000"/>
+              </a:schemeClr>
+            </a:solidFill>
+            <a:prstDash val="dash"/>
+          </a:ln>
+        </p:spPr>
+        <p:style>
+          <a:lnRef idx="2">
+            <a:schemeClr val="accent1"/>
+          </a:lnRef>
+          <a:fillRef idx="0">
+            <a:schemeClr val="accent1"/>
+          </a:fillRef>
+          <a:effectRef idx="1">
+            <a:schemeClr val="accent1"/>
+          </a:effectRef>
+          <a:fontRef idx="minor">
+            <a:schemeClr val="tx1"/>
+          </a:fontRef>
+        </p:style>
+      </p:cxnSp>
+      <p:cxnSp>
+        <p:nvCxnSpPr>
+          <p:cNvPr id="66" name="Connector: Elbow 62">
+            <a:extLst>
+              <a:ext uri="{FF2B5EF4-FFF2-40B4-BE49-F238E27FC236}">
+                <a16:creationId xmlns:a16="http://schemas.microsoft.com/office/drawing/2014/main" id="{2D328B87-6C17-B634-78EC-372D89E35C0E}"/>
+              </a:ext>
+            </a:extLst>
+          </p:cNvPr>
+          <p:cNvCxnSpPr>
+            <a:cxnSpLocks/>
+            <a:stCxn id="54" idx="2"/>
+            <a:endCxn id="27" idx="3"/>
+          </p:cNvCxnSpPr>
+          <p:nvPr/>
+        </p:nvCxnSpPr>
+        <p:spPr>
+          <a:xfrm flipH="1" flipV="1">
+            <a:off x="8153400" y="5284965"/>
+            <a:ext cx="908538" cy="3379"/>
+          </a:xfrm>
+          <a:prstGeom prst="straightConnector1">
+            <a:avLst/>
+          </a:prstGeom>
+          <a:ln>
+            <a:solidFill>
+              <a:schemeClr val="tx1">
+                <a:lumMod val="50000"/>
+                <a:lumOff val="50000"/>
+              </a:schemeClr>
+            </a:solidFill>
+            <a:prstDash val="dash"/>
+          </a:ln>
+        </p:spPr>
+        <p:style>
+          <a:lnRef idx="2">
+            <a:schemeClr val="accent1"/>
+          </a:lnRef>
+          <a:fillRef idx="0">
+            <a:schemeClr val="accent1"/>
+          </a:fillRef>
+          <a:effectRef idx="1">
+            <a:schemeClr val="accent1"/>
+          </a:effectRef>
+          <a:fontRef idx="minor">
+            <a:schemeClr val="tx1"/>
+          </a:fontRef>
+        </p:style>
+      </p:cxnSp>
+      <p:cxnSp>
+        <p:nvCxnSpPr>
+          <p:cNvPr id="71" name="Straight Arrow Connector 70">
+            <a:extLst>
+              <a:ext uri="{FF2B5EF4-FFF2-40B4-BE49-F238E27FC236}">
+                <a16:creationId xmlns:a16="http://schemas.microsoft.com/office/drawing/2014/main" id="{353F5B73-5B65-3107-C6D1-FD38DB841F15}"/>
+              </a:ext>
+            </a:extLst>
+          </p:cNvPr>
+          <p:cNvCxnSpPr>
+            <a:stCxn id="46" idx="3"/>
+            <a:endCxn id="41" idx="1"/>
+          </p:cNvCxnSpPr>
+          <p:nvPr/>
+        </p:nvCxnSpPr>
+        <p:spPr>
+          <a:xfrm rot="5400000" flipH="1" flipV="1">
+            <a:off x="4577304" y="1416865"/>
+            <a:ext cx="909655" cy="5931876"/>
+          </a:xfrm>
+          <a:prstGeom prst="bentConnector3">
+            <a:avLst>
+              <a:gd name="adj1" fmla="val 79963"/>
+            </a:avLst>
+          </a:prstGeom>
+          <a:ln>
+            <a:solidFill>
+              <a:schemeClr val="bg1">
+                <a:lumMod val="65000"/>
+              </a:schemeClr>
+            </a:solidFill>
+            <a:tailEnd type="triangle"/>
+          </a:ln>
+        </p:spPr>
+        <p:style>
+          <a:lnRef idx="2">
+            <a:schemeClr val="accent1"/>
+          </a:lnRef>
+          <a:fillRef idx="0">
+            <a:schemeClr val="accent1"/>
+          </a:fillRef>
+          <a:effectRef idx="1">
+            <a:schemeClr val="accent1"/>
+          </a:effectRef>
+          <a:fontRef idx="minor">
+            <a:schemeClr val="tx1"/>
+          </a:fontRef>
+        </p:style>
+      </p:cxnSp>
+      <p:cxnSp>
+        <p:nvCxnSpPr>
+          <p:cNvPr id="73" name="Straight Arrow Connector 70">
+            <a:extLst>
+              <a:ext uri="{FF2B5EF4-FFF2-40B4-BE49-F238E27FC236}">
+                <a16:creationId xmlns:a16="http://schemas.microsoft.com/office/drawing/2014/main" id="{B1BBCEA7-928D-C43C-68F0-87AE0AF67E38}"/>
+              </a:ext>
+            </a:extLst>
+          </p:cNvPr>
+          <p:cNvCxnSpPr>
+            <a:cxnSpLocks/>
+            <a:stCxn id="54" idx="3"/>
+            <a:endCxn id="41" idx="1"/>
+          </p:cNvCxnSpPr>
+          <p:nvPr/>
+        </p:nvCxnSpPr>
+        <p:spPr>
+          <a:xfrm rot="16200000" flipV="1">
+            <a:off x="8607110" y="3318935"/>
+            <a:ext cx="909657" cy="2127738"/>
+          </a:xfrm>
+          <a:prstGeom prst="bentConnector3">
+            <a:avLst>
+              <a:gd name="adj1" fmla="val 79964"/>
+            </a:avLst>
+          </a:prstGeom>
+          <a:ln>
+            <a:solidFill>
+              <a:schemeClr val="bg1">
+                <a:lumMod val="65000"/>
+              </a:schemeClr>
+            </a:solidFill>
+            <a:tailEnd type="triangle"/>
+          </a:ln>
+        </p:spPr>
+        <p:style>
+          <a:lnRef idx="2">
+            <a:schemeClr val="accent1"/>
+          </a:lnRef>
+          <a:fillRef idx="0">
+            <a:schemeClr val="accent1"/>
+          </a:fillRef>
+          <a:effectRef idx="1">
+            <a:schemeClr val="accent1"/>
+          </a:effectRef>
+          <a:fontRef idx="minor">
+            <a:schemeClr val="tx1"/>
+          </a:fontRef>
+        </p:style>
+      </p:cxnSp>
     </p:spTree>
     <p:extLst>
       <p:ext uri="{BB962C8B-B14F-4D97-AF65-F5344CB8AC3E}">
@@ -11484,6 +14408,556 @@
   <p:clrMapOvr>
     <a:masterClrMapping/>
   </p:clrMapOvr>
+  <mc:AlternateContent xmlns:mc="http://schemas.openxmlformats.org/markup-compatibility/2006">
+    <mc:Choice xmlns:p159="http://schemas.microsoft.com/office/powerpoint/2015/09/main" Requires="p159">
+      <p:transition xmlns:p14="http://schemas.microsoft.com/office/powerpoint/2010/main" spd="med" p14:dur="700">
+        <p159:morph option="byObject"/>
+      </p:transition>
+    </mc:Choice>
+    <mc:Fallback>
+      <p:transition spd="med">
+        <p:fade/>
+      </p:transition>
+    </mc:Fallback>
+  </mc:AlternateContent>
+  <p:timing>
+    <p:tnLst>
+      <p:par>
+        <p:cTn id="1" dur="indefinite" restart="never" nodeType="tmRoot">
+          <p:childTnLst>
+            <p:seq concurrent="1" nextAc="seek">
+              <p:cTn id="2" dur="indefinite" nodeType="mainSeq">
+                <p:childTnLst>
+                  <p:par>
+                    <p:cTn id="3" fill="hold">
+                      <p:stCondLst>
+                        <p:cond delay="indefinite"/>
+                      </p:stCondLst>
+                      <p:childTnLst>
+                        <p:par>
+                          <p:cTn id="4" fill="hold">
+                            <p:stCondLst>
+                              <p:cond delay="0"/>
+                            </p:stCondLst>
+                            <p:childTnLst>
+                              <p:par>
+                                <p:cTn id="5" presetID="1" presetClass="entr" presetSubtype="0" fill="hold" nodeType="clickEffect">
+                                  <p:stCondLst>
+                                    <p:cond delay="0"/>
+                                  </p:stCondLst>
+                                  <p:childTnLst>
+                                    <p:set>
+                                      <p:cBhvr>
+                                        <p:cTn id="6" dur="1" fill="hold">
+                                          <p:stCondLst>
+                                            <p:cond delay="0"/>
+                                          </p:stCondLst>
+                                        </p:cTn>
+                                        <p:tgtEl>
+                                          <p:spTgt spid="80"/>
+                                        </p:tgtEl>
+                                        <p:attrNameLst>
+                                          <p:attrName>style.visibility</p:attrName>
+                                        </p:attrNameLst>
+                                      </p:cBhvr>
+                                      <p:to>
+                                        <p:strVal val="visible"/>
+                                      </p:to>
+                                    </p:set>
+                                  </p:childTnLst>
+                                </p:cTn>
+                              </p:par>
+                            </p:childTnLst>
+                          </p:cTn>
+                        </p:par>
+                      </p:childTnLst>
+                    </p:cTn>
+                  </p:par>
+                  <p:par>
+                    <p:cTn id="7" fill="hold">
+                      <p:stCondLst>
+                        <p:cond delay="indefinite"/>
+                      </p:stCondLst>
+                      <p:childTnLst>
+                        <p:par>
+                          <p:cTn id="8" fill="hold">
+                            <p:stCondLst>
+                              <p:cond delay="0"/>
+                            </p:stCondLst>
+                            <p:childTnLst>
+                              <p:par>
+                                <p:cTn id="9" presetID="1" presetClass="entr" presetSubtype="0" fill="hold" nodeType="clickEffect">
+                                  <p:stCondLst>
+                                    <p:cond delay="0"/>
+                                  </p:stCondLst>
+                                  <p:childTnLst>
+                                    <p:set>
+                                      <p:cBhvr>
+                                        <p:cTn id="10" dur="1" fill="hold">
+                                          <p:stCondLst>
+                                            <p:cond delay="0"/>
+                                          </p:stCondLst>
+                                        </p:cTn>
+                                        <p:tgtEl>
+                                          <p:spTgt spid="42"/>
+                                        </p:tgtEl>
+                                        <p:attrNameLst>
+                                          <p:attrName>style.visibility</p:attrName>
+                                        </p:attrNameLst>
+                                      </p:cBhvr>
+                                      <p:to>
+                                        <p:strVal val="visible"/>
+                                      </p:to>
+                                    </p:set>
+                                  </p:childTnLst>
+                                </p:cTn>
+                              </p:par>
+                              <p:par>
+                                <p:cTn id="11" presetID="1" presetClass="entr" presetSubtype="0" fill="hold" nodeType="withEffect">
+                                  <p:stCondLst>
+                                    <p:cond delay="0"/>
+                                  </p:stCondLst>
+                                  <p:childTnLst>
+                                    <p:set>
+                                      <p:cBhvr>
+                                        <p:cTn id="12" dur="1" fill="hold">
+                                          <p:stCondLst>
+                                            <p:cond delay="0"/>
+                                          </p:stCondLst>
+                                        </p:cTn>
+                                        <p:tgtEl>
+                                          <p:spTgt spid="44"/>
+                                        </p:tgtEl>
+                                        <p:attrNameLst>
+                                          <p:attrName>style.visibility</p:attrName>
+                                        </p:attrNameLst>
+                                      </p:cBhvr>
+                                      <p:to>
+                                        <p:strVal val="visible"/>
+                                      </p:to>
+                                    </p:set>
+                                  </p:childTnLst>
+                                </p:cTn>
+                              </p:par>
+                            </p:childTnLst>
+                          </p:cTn>
+                        </p:par>
+                      </p:childTnLst>
+                    </p:cTn>
+                  </p:par>
+                  <p:par>
+                    <p:cTn id="13" fill="hold">
+                      <p:stCondLst>
+                        <p:cond delay="indefinite"/>
+                      </p:stCondLst>
+                      <p:childTnLst>
+                        <p:par>
+                          <p:cTn id="14" fill="hold">
+                            <p:stCondLst>
+                              <p:cond delay="0"/>
+                            </p:stCondLst>
+                            <p:childTnLst>
+                              <p:par>
+                                <p:cTn id="15" presetID="1" presetClass="entr" presetSubtype="0" fill="hold" grpId="0" nodeType="clickEffect">
+                                  <p:stCondLst>
+                                    <p:cond delay="0"/>
+                                  </p:stCondLst>
+                                  <p:childTnLst>
+                                    <p:set>
+                                      <p:cBhvr>
+                                        <p:cTn id="16" dur="1" fill="hold">
+                                          <p:stCondLst>
+                                            <p:cond delay="0"/>
+                                          </p:stCondLst>
+                                        </p:cTn>
+                                        <p:tgtEl>
+                                          <p:spTgt spid="26"/>
+                                        </p:tgtEl>
+                                        <p:attrNameLst>
+                                          <p:attrName>style.visibility</p:attrName>
+                                        </p:attrNameLst>
+                                      </p:cBhvr>
+                                      <p:to>
+                                        <p:strVal val="visible"/>
+                                      </p:to>
+                                    </p:set>
+                                  </p:childTnLst>
+                                </p:cTn>
+                              </p:par>
+                              <p:par>
+                                <p:cTn id="17" presetID="1" presetClass="entr" presetSubtype="0" fill="hold" nodeType="withEffect">
+                                  <p:stCondLst>
+                                    <p:cond delay="0"/>
+                                  </p:stCondLst>
+                                  <p:childTnLst>
+                                    <p:set>
+                                      <p:cBhvr>
+                                        <p:cTn id="18" dur="1" fill="hold">
+                                          <p:stCondLst>
+                                            <p:cond delay="0"/>
+                                          </p:stCondLst>
+                                        </p:cTn>
+                                        <p:tgtEl>
+                                          <p:spTgt spid="25"/>
+                                        </p:tgtEl>
+                                        <p:attrNameLst>
+                                          <p:attrName>style.visibility</p:attrName>
+                                        </p:attrNameLst>
+                                      </p:cBhvr>
+                                      <p:to>
+                                        <p:strVal val="visible"/>
+                                      </p:to>
+                                    </p:set>
+                                  </p:childTnLst>
+                                </p:cTn>
+                              </p:par>
+                            </p:childTnLst>
+                          </p:cTn>
+                        </p:par>
+                      </p:childTnLst>
+                    </p:cTn>
+                  </p:par>
+                  <p:par>
+                    <p:cTn id="19" fill="hold">
+                      <p:stCondLst>
+                        <p:cond delay="indefinite"/>
+                      </p:stCondLst>
+                      <p:childTnLst>
+                        <p:par>
+                          <p:cTn id="20" fill="hold">
+                            <p:stCondLst>
+                              <p:cond delay="0"/>
+                            </p:stCondLst>
+                            <p:childTnLst>
+                              <p:par>
+                                <p:cTn id="21" presetID="1" presetClass="entr" presetSubtype="0" fill="hold" nodeType="clickEffect">
+                                  <p:stCondLst>
+                                    <p:cond delay="0"/>
+                                  </p:stCondLst>
+                                  <p:childTnLst>
+                                    <p:set>
+                                      <p:cBhvr>
+                                        <p:cTn id="22" dur="1" fill="hold">
+                                          <p:stCondLst>
+                                            <p:cond delay="0"/>
+                                          </p:stCondLst>
+                                        </p:cTn>
+                                        <p:tgtEl>
+                                          <p:spTgt spid="29"/>
+                                        </p:tgtEl>
+                                        <p:attrNameLst>
+                                          <p:attrName>style.visibility</p:attrName>
+                                        </p:attrNameLst>
+                                      </p:cBhvr>
+                                      <p:to>
+                                        <p:strVal val="visible"/>
+                                      </p:to>
+                                    </p:set>
+                                  </p:childTnLst>
+                                </p:cTn>
+                              </p:par>
+                              <p:par>
+                                <p:cTn id="23" presetID="1" presetClass="entr" presetSubtype="0" fill="hold" nodeType="withEffect">
+                                  <p:stCondLst>
+                                    <p:cond delay="0"/>
+                                  </p:stCondLst>
+                                  <p:childTnLst>
+                                    <p:set>
+                                      <p:cBhvr>
+                                        <p:cTn id="24" dur="1" fill="hold">
+                                          <p:stCondLst>
+                                            <p:cond delay="0"/>
+                                          </p:stCondLst>
+                                        </p:cTn>
+                                        <p:tgtEl>
+                                          <p:spTgt spid="20"/>
+                                        </p:tgtEl>
+                                        <p:attrNameLst>
+                                          <p:attrName>style.visibility</p:attrName>
+                                        </p:attrNameLst>
+                                      </p:cBhvr>
+                                      <p:to>
+                                        <p:strVal val="visible"/>
+                                      </p:to>
+                                    </p:set>
+                                  </p:childTnLst>
+                                </p:cTn>
+                              </p:par>
+                              <p:par>
+                                <p:cTn id="25" presetID="1" presetClass="entr" presetSubtype="0" fill="hold" grpId="0" nodeType="withEffect">
+                                  <p:stCondLst>
+                                    <p:cond delay="0"/>
+                                  </p:stCondLst>
+                                  <p:childTnLst>
+                                    <p:set>
+                                      <p:cBhvr>
+                                        <p:cTn id="26" dur="1" fill="hold">
+                                          <p:stCondLst>
+                                            <p:cond delay="0"/>
+                                          </p:stCondLst>
+                                        </p:cTn>
+                                        <p:tgtEl>
+                                          <p:spTgt spid="27"/>
+                                        </p:tgtEl>
+                                        <p:attrNameLst>
+                                          <p:attrName>style.visibility</p:attrName>
+                                        </p:attrNameLst>
+                                      </p:cBhvr>
+                                      <p:to>
+                                        <p:strVal val="visible"/>
+                                      </p:to>
+                                    </p:set>
+                                  </p:childTnLst>
+                                </p:cTn>
+                              </p:par>
+                            </p:childTnLst>
+                          </p:cTn>
+                        </p:par>
+                      </p:childTnLst>
+                    </p:cTn>
+                  </p:par>
+                  <p:par>
+                    <p:cTn id="27" fill="hold">
+                      <p:stCondLst>
+                        <p:cond delay="indefinite"/>
+                      </p:stCondLst>
+                      <p:childTnLst>
+                        <p:par>
+                          <p:cTn id="28" fill="hold">
+                            <p:stCondLst>
+                              <p:cond delay="0"/>
+                            </p:stCondLst>
+                            <p:childTnLst>
+                              <p:par>
+                                <p:cTn id="29" presetID="1" presetClass="entr" presetSubtype="0" fill="hold" nodeType="clickEffect">
+                                  <p:stCondLst>
+                                    <p:cond delay="0"/>
+                                  </p:stCondLst>
+                                  <p:childTnLst>
+                                    <p:set>
+                                      <p:cBhvr>
+                                        <p:cTn id="30" dur="1" fill="hold">
+                                          <p:stCondLst>
+                                            <p:cond delay="0"/>
+                                          </p:stCondLst>
+                                        </p:cTn>
+                                        <p:tgtEl>
+                                          <p:spTgt spid="63"/>
+                                        </p:tgtEl>
+                                        <p:attrNameLst>
+                                          <p:attrName>style.visibility</p:attrName>
+                                        </p:attrNameLst>
+                                      </p:cBhvr>
+                                      <p:to>
+                                        <p:strVal val="visible"/>
+                                      </p:to>
+                                    </p:set>
+                                  </p:childTnLst>
+                                </p:cTn>
+                              </p:par>
+                              <p:par>
+                                <p:cTn id="31" presetID="1" presetClass="entr" presetSubtype="0" fill="hold" nodeType="withEffect">
+                                  <p:stCondLst>
+                                    <p:cond delay="0"/>
+                                  </p:stCondLst>
+                                  <p:childTnLst>
+                                    <p:set>
+                                      <p:cBhvr>
+                                        <p:cTn id="32" dur="1" fill="hold">
+                                          <p:stCondLst>
+                                            <p:cond delay="0"/>
+                                          </p:stCondLst>
+                                        </p:cTn>
+                                        <p:tgtEl>
+                                          <p:spTgt spid="45"/>
+                                        </p:tgtEl>
+                                        <p:attrNameLst>
+                                          <p:attrName>style.visibility</p:attrName>
+                                        </p:attrNameLst>
+                                      </p:cBhvr>
+                                      <p:to>
+                                        <p:strVal val="visible"/>
+                                      </p:to>
+                                    </p:set>
+                                  </p:childTnLst>
+                                </p:cTn>
+                              </p:par>
+                            </p:childTnLst>
+                          </p:cTn>
+                        </p:par>
+                      </p:childTnLst>
+                    </p:cTn>
+                  </p:par>
+                  <p:par>
+                    <p:cTn id="33" fill="hold">
+                      <p:stCondLst>
+                        <p:cond delay="indefinite"/>
+                      </p:stCondLst>
+                      <p:childTnLst>
+                        <p:par>
+                          <p:cTn id="34" fill="hold">
+                            <p:stCondLst>
+                              <p:cond delay="0"/>
+                            </p:stCondLst>
+                            <p:childTnLst>
+                              <p:par>
+                                <p:cTn id="35" presetID="1" presetClass="entr" presetSubtype="0" fill="hold" nodeType="clickEffect">
+                                  <p:stCondLst>
+                                    <p:cond delay="0"/>
+                                  </p:stCondLst>
+                                  <p:childTnLst>
+                                    <p:set>
+                                      <p:cBhvr>
+                                        <p:cTn id="36" dur="1" fill="hold">
+                                          <p:stCondLst>
+                                            <p:cond delay="0"/>
+                                          </p:stCondLst>
+                                        </p:cTn>
+                                        <p:tgtEl>
+                                          <p:spTgt spid="66"/>
+                                        </p:tgtEl>
+                                        <p:attrNameLst>
+                                          <p:attrName>style.visibility</p:attrName>
+                                        </p:attrNameLst>
+                                      </p:cBhvr>
+                                      <p:to>
+                                        <p:strVal val="visible"/>
+                                      </p:to>
+                                    </p:set>
+                                  </p:childTnLst>
+                                </p:cTn>
+                              </p:par>
+                              <p:par>
+                                <p:cTn id="37" presetID="1" presetClass="entr" presetSubtype="0" fill="hold" nodeType="withEffect">
+                                  <p:stCondLst>
+                                    <p:cond delay="0"/>
+                                  </p:stCondLst>
+                                  <p:childTnLst>
+                                    <p:set>
+                                      <p:cBhvr>
+                                        <p:cTn id="38" dur="1" fill="hold">
+                                          <p:stCondLst>
+                                            <p:cond delay="0"/>
+                                          </p:stCondLst>
+                                        </p:cTn>
+                                        <p:tgtEl>
+                                          <p:spTgt spid="53"/>
+                                        </p:tgtEl>
+                                        <p:attrNameLst>
+                                          <p:attrName>style.visibility</p:attrName>
+                                        </p:attrNameLst>
+                                      </p:cBhvr>
+                                      <p:to>
+                                        <p:strVal val="visible"/>
+                                      </p:to>
+                                    </p:set>
+                                  </p:childTnLst>
+                                </p:cTn>
+                              </p:par>
+                            </p:childTnLst>
+                          </p:cTn>
+                        </p:par>
+                      </p:childTnLst>
+                    </p:cTn>
+                  </p:par>
+                  <p:par>
+                    <p:cTn id="39" fill="hold">
+                      <p:stCondLst>
+                        <p:cond delay="indefinite"/>
+                      </p:stCondLst>
+                      <p:childTnLst>
+                        <p:par>
+                          <p:cTn id="40" fill="hold">
+                            <p:stCondLst>
+                              <p:cond delay="0"/>
+                            </p:stCondLst>
+                            <p:childTnLst>
+                              <p:par>
+                                <p:cTn id="41" presetID="1" presetClass="entr" presetSubtype="0" fill="hold" nodeType="clickEffect">
+                                  <p:stCondLst>
+                                    <p:cond delay="0"/>
+                                  </p:stCondLst>
+                                  <p:childTnLst>
+                                    <p:set>
+                                      <p:cBhvr>
+                                        <p:cTn id="42" dur="1" fill="hold">
+                                          <p:stCondLst>
+                                            <p:cond delay="0"/>
+                                          </p:stCondLst>
+                                        </p:cTn>
+                                        <p:tgtEl>
+                                          <p:spTgt spid="71"/>
+                                        </p:tgtEl>
+                                        <p:attrNameLst>
+                                          <p:attrName>style.visibility</p:attrName>
+                                        </p:attrNameLst>
+                                      </p:cBhvr>
+                                      <p:to>
+                                        <p:strVal val="visible"/>
+                                      </p:to>
+                                    </p:set>
+                                  </p:childTnLst>
+                                </p:cTn>
+                              </p:par>
+                              <p:par>
+                                <p:cTn id="43" presetID="1" presetClass="entr" presetSubtype="0" fill="hold" nodeType="withEffect">
+                                  <p:stCondLst>
+                                    <p:cond delay="0"/>
+                                  </p:stCondLst>
+                                  <p:childTnLst>
+                                    <p:set>
+                                      <p:cBhvr>
+                                        <p:cTn id="44" dur="1" fill="hold">
+                                          <p:stCondLst>
+                                            <p:cond delay="0"/>
+                                          </p:stCondLst>
+                                        </p:cTn>
+                                        <p:tgtEl>
+                                          <p:spTgt spid="73"/>
+                                        </p:tgtEl>
+                                        <p:attrNameLst>
+                                          <p:attrName>style.visibility</p:attrName>
+                                        </p:attrNameLst>
+                                      </p:cBhvr>
+                                      <p:to>
+                                        <p:strVal val="visible"/>
+                                      </p:to>
+                                    </p:set>
+                                  </p:childTnLst>
+                                </p:cTn>
+                              </p:par>
+                            </p:childTnLst>
+                          </p:cTn>
+                        </p:par>
+                      </p:childTnLst>
+                    </p:cTn>
+                  </p:par>
+                </p:childTnLst>
+              </p:cTn>
+              <p:prevCondLst>
+                <p:cond evt="onPrev" delay="0">
+                  <p:tgtEl>
+                    <p:sldTgt/>
+                  </p:tgtEl>
+                </p:cond>
+              </p:prevCondLst>
+              <p:nextCondLst>
+                <p:cond evt="onNext" delay="0">
+                  <p:tgtEl>
+                    <p:sldTgt/>
+                  </p:tgtEl>
+                </p:cond>
+              </p:nextCondLst>
+            </p:seq>
+          </p:childTnLst>
+        </p:cTn>
+      </p:par>
+    </p:tnLst>
+    <p:bldLst>
+      <p:bldP spid="26" grpId="0"/>
+      <p:bldP spid="27" grpId="0"/>
+    </p:bldLst>
+  </p:timing>
 </p:sld>
 </file>
 
@@ -11609,7 +15083,7 @@
           <a:p>
             <a:fld id="{2509DF91-04BD-4F03-AD3C-3B3EE79DBBA8}" type="datetime1">
               <a:rPr lang="de-DE" smtClean="0"/>
-              <a:t>09.06.2025</a:t>
+              <a:t>10.06.2025</a:t>
             </a:fld>
             <a:endParaRPr lang="en-SE"/>
           </a:p>
@@ -12139,6 +15613,487 @@
   <p:clrMapOvr>
     <a:masterClrMapping/>
   </p:clrMapOvr>
+  <mc:AlternateContent xmlns:mc="http://schemas.openxmlformats.org/markup-compatibility/2006">
+    <mc:Choice xmlns:p159="http://schemas.microsoft.com/office/powerpoint/2015/09/main" Requires="p159">
+      <p:transition xmlns:p14="http://schemas.microsoft.com/office/powerpoint/2010/main" spd="med" p14:dur="700">
+        <p159:morph option="byObject"/>
+      </p:transition>
+    </mc:Choice>
+    <mc:Fallback>
+      <p:transition spd="med">
+        <p:fade/>
+      </p:transition>
+    </mc:Fallback>
+  </mc:AlternateContent>
+  <p:timing>
+    <p:tnLst>
+      <p:par>
+        <p:cTn id="1" dur="indefinite" restart="never" nodeType="tmRoot">
+          <p:childTnLst>
+            <p:seq concurrent="1" nextAc="seek">
+              <p:cTn id="2" dur="indefinite" nodeType="mainSeq">
+                <p:childTnLst>
+                  <p:par>
+                    <p:cTn id="3" fill="hold">
+                      <p:stCondLst>
+                        <p:cond delay="indefinite"/>
+                      </p:stCondLst>
+                      <p:childTnLst>
+                        <p:par>
+                          <p:cTn id="4" fill="hold">
+                            <p:stCondLst>
+                              <p:cond delay="0"/>
+                            </p:stCondLst>
+                            <p:childTnLst>
+                              <p:par>
+                                <p:cTn id="5" presetID="1" presetClass="entr" presetSubtype="0" fill="hold" grpId="0" nodeType="clickEffect">
+                                  <p:stCondLst>
+                                    <p:cond delay="0"/>
+                                  </p:stCondLst>
+                                  <p:childTnLst>
+                                    <p:set>
+                                      <p:cBhvr>
+                                        <p:cTn id="6" dur="1" fill="hold">
+                                          <p:stCondLst>
+                                            <p:cond delay="0"/>
+                                          </p:stCondLst>
+                                        </p:cTn>
+                                        <p:tgtEl>
+                                          <p:spTgt spid="9"/>
+                                        </p:tgtEl>
+                                        <p:attrNameLst>
+                                          <p:attrName>style.visibility</p:attrName>
+                                        </p:attrNameLst>
+                                      </p:cBhvr>
+                                      <p:to>
+                                        <p:strVal val="visible"/>
+                                      </p:to>
+                                    </p:set>
+                                  </p:childTnLst>
+                                </p:cTn>
+                              </p:par>
+                              <p:par>
+                                <p:cTn id="7" presetID="1" presetClass="entr" presetSubtype="0" fill="hold" nodeType="withEffect">
+                                  <p:stCondLst>
+                                    <p:cond delay="0"/>
+                                  </p:stCondLst>
+                                  <p:childTnLst>
+                                    <p:set>
+                                      <p:cBhvr>
+                                        <p:cTn id="8" dur="1" fill="hold">
+                                          <p:stCondLst>
+                                            <p:cond delay="0"/>
+                                          </p:stCondLst>
+                                        </p:cTn>
+                                        <p:tgtEl>
+                                          <p:spTgt spid="8"/>
+                                        </p:tgtEl>
+                                        <p:attrNameLst>
+                                          <p:attrName>style.visibility</p:attrName>
+                                        </p:attrNameLst>
+                                      </p:cBhvr>
+                                      <p:to>
+                                        <p:strVal val="visible"/>
+                                      </p:to>
+                                    </p:set>
+                                  </p:childTnLst>
+                                </p:cTn>
+                              </p:par>
+                            </p:childTnLst>
+                          </p:cTn>
+                        </p:par>
+                      </p:childTnLst>
+                    </p:cTn>
+                  </p:par>
+                  <p:par>
+                    <p:cTn id="9" fill="hold">
+                      <p:stCondLst>
+                        <p:cond delay="indefinite"/>
+                      </p:stCondLst>
+                      <p:childTnLst>
+                        <p:par>
+                          <p:cTn id="10" fill="hold">
+                            <p:stCondLst>
+                              <p:cond delay="0"/>
+                            </p:stCondLst>
+                            <p:childTnLst>
+                              <p:par>
+                                <p:cTn id="11" presetID="1" presetClass="entr" presetSubtype="0" fill="hold" grpId="0" nodeType="clickEffect">
+                                  <p:stCondLst>
+                                    <p:cond delay="0"/>
+                                  </p:stCondLst>
+                                  <p:childTnLst>
+                                    <p:set>
+                                      <p:cBhvr>
+                                        <p:cTn id="12" dur="1" fill="hold">
+                                          <p:stCondLst>
+                                            <p:cond delay="0"/>
+                                          </p:stCondLst>
+                                        </p:cTn>
+                                        <p:tgtEl>
+                                          <p:spTgt spid="10"/>
+                                        </p:tgtEl>
+                                        <p:attrNameLst>
+                                          <p:attrName>style.visibility</p:attrName>
+                                        </p:attrNameLst>
+                                      </p:cBhvr>
+                                      <p:to>
+                                        <p:strVal val="visible"/>
+                                      </p:to>
+                                    </p:set>
+                                  </p:childTnLst>
+                                </p:cTn>
+                              </p:par>
+                            </p:childTnLst>
+                          </p:cTn>
+                        </p:par>
+                      </p:childTnLst>
+                    </p:cTn>
+                  </p:par>
+                  <p:par>
+                    <p:cTn id="13" fill="hold">
+                      <p:stCondLst>
+                        <p:cond delay="indefinite"/>
+                      </p:stCondLst>
+                      <p:childTnLst>
+                        <p:par>
+                          <p:cTn id="14" fill="hold">
+                            <p:stCondLst>
+                              <p:cond delay="0"/>
+                            </p:stCondLst>
+                            <p:childTnLst>
+                              <p:par>
+                                <p:cTn id="15" presetID="1" presetClass="entr" presetSubtype="0" fill="hold" grpId="0" nodeType="clickEffect">
+                                  <p:stCondLst>
+                                    <p:cond delay="0"/>
+                                  </p:stCondLst>
+                                  <p:childTnLst>
+                                    <p:set>
+                                      <p:cBhvr>
+                                        <p:cTn id="16" dur="1" fill="hold">
+                                          <p:stCondLst>
+                                            <p:cond delay="0"/>
+                                          </p:stCondLst>
+                                        </p:cTn>
+                                        <p:tgtEl>
+                                          <p:spTgt spid="26"/>
+                                        </p:tgtEl>
+                                        <p:attrNameLst>
+                                          <p:attrName>style.visibility</p:attrName>
+                                        </p:attrNameLst>
+                                      </p:cBhvr>
+                                      <p:to>
+                                        <p:strVal val="visible"/>
+                                      </p:to>
+                                    </p:set>
+                                  </p:childTnLst>
+                                </p:cTn>
+                              </p:par>
+                              <p:par>
+                                <p:cTn id="17" presetID="1" presetClass="entr" presetSubtype="0" fill="hold" nodeType="withEffect">
+                                  <p:stCondLst>
+                                    <p:cond delay="0"/>
+                                  </p:stCondLst>
+                                  <p:childTnLst>
+                                    <p:set>
+                                      <p:cBhvr>
+                                        <p:cTn id="18" dur="1" fill="hold">
+                                          <p:stCondLst>
+                                            <p:cond delay="0"/>
+                                          </p:stCondLst>
+                                        </p:cTn>
+                                        <p:tgtEl>
+                                          <p:spTgt spid="16"/>
+                                        </p:tgtEl>
+                                        <p:attrNameLst>
+                                          <p:attrName>style.visibility</p:attrName>
+                                        </p:attrNameLst>
+                                      </p:cBhvr>
+                                      <p:to>
+                                        <p:strVal val="visible"/>
+                                      </p:to>
+                                    </p:set>
+                                  </p:childTnLst>
+                                </p:cTn>
+                              </p:par>
+                            </p:childTnLst>
+                          </p:cTn>
+                        </p:par>
+                      </p:childTnLst>
+                    </p:cTn>
+                  </p:par>
+                  <p:par>
+                    <p:cTn id="19" fill="hold">
+                      <p:stCondLst>
+                        <p:cond delay="indefinite"/>
+                      </p:stCondLst>
+                      <p:childTnLst>
+                        <p:par>
+                          <p:cTn id="20" fill="hold">
+                            <p:stCondLst>
+                              <p:cond delay="0"/>
+                            </p:stCondLst>
+                            <p:childTnLst>
+                              <p:par>
+                                <p:cTn id="21" presetID="1" presetClass="entr" presetSubtype="0" fill="hold" nodeType="clickEffect">
+                                  <p:stCondLst>
+                                    <p:cond delay="0"/>
+                                  </p:stCondLst>
+                                  <p:childTnLst>
+                                    <p:set>
+                                      <p:cBhvr>
+                                        <p:cTn id="22" dur="1" fill="hold">
+                                          <p:stCondLst>
+                                            <p:cond delay="0"/>
+                                          </p:stCondLst>
+                                        </p:cTn>
+                                        <p:tgtEl>
+                                          <p:spTgt spid="18"/>
+                                        </p:tgtEl>
+                                        <p:attrNameLst>
+                                          <p:attrName>style.visibility</p:attrName>
+                                        </p:attrNameLst>
+                                      </p:cBhvr>
+                                      <p:to>
+                                        <p:strVal val="visible"/>
+                                      </p:to>
+                                    </p:set>
+                                  </p:childTnLst>
+                                </p:cTn>
+                              </p:par>
+                              <p:par>
+                                <p:cTn id="23" presetID="1" presetClass="entr" presetSubtype="0" fill="hold" nodeType="withEffect">
+                                  <p:stCondLst>
+                                    <p:cond delay="0"/>
+                                  </p:stCondLst>
+                                  <p:childTnLst>
+                                    <p:set>
+                                      <p:cBhvr>
+                                        <p:cTn id="24" dur="1" fill="hold">
+                                          <p:stCondLst>
+                                            <p:cond delay="0"/>
+                                          </p:stCondLst>
+                                        </p:cTn>
+                                        <p:tgtEl>
+                                          <p:spTgt spid="14"/>
+                                        </p:tgtEl>
+                                        <p:attrNameLst>
+                                          <p:attrName>style.visibility</p:attrName>
+                                        </p:attrNameLst>
+                                      </p:cBhvr>
+                                      <p:to>
+                                        <p:strVal val="visible"/>
+                                      </p:to>
+                                    </p:set>
+                                  </p:childTnLst>
+                                </p:cTn>
+                              </p:par>
+                              <p:par>
+                                <p:cTn id="25" presetID="1" presetClass="entr" presetSubtype="0" fill="hold" grpId="0" nodeType="withEffect">
+                                  <p:stCondLst>
+                                    <p:cond delay="0"/>
+                                  </p:stCondLst>
+                                  <p:childTnLst>
+                                    <p:set>
+                                      <p:cBhvr>
+                                        <p:cTn id="26" dur="1" fill="hold">
+                                          <p:stCondLst>
+                                            <p:cond delay="0"/>
+                                          </p:stCondLst>
+                                        </p:cTn>
+                                        <p:tgtEl>
+                                          <p:spTgt spid="27"/>
+                                        </p:tgtEl>
+                                        <p:attrNameLst>
+                                          <p:attrName>style.visibility</p:attrName>
+                                        </p:attrNameLst>
+                                      </p:cBhvr>
+                                      <p:to>
+                                        <p:strVal val="visible"/>
+                                      </p:to>
+                                    </p:set>
+                                  </p:childTnLst>
+                                </p:cTn>
+                              </p:par>
+                            </p:childTnLst>
+                          </p:cTn>
+                        </p:par>
+                      </p:childTnLst>
+                    </p:cTn>
+                  </p:par>
+                  <p:par>
+                    <p:cTn id="27" fill="hold">
+                      <p:stCondLst>
+                        <p:cond delay="indefinite"/>
+                      </p:stCondLst>
+                      <p:childTnLst>
+                        <p:par>
+                          <p:cTn id="28" fill="hold">
+                            <p:stCondLst>
+                              <p:cond delay="0"/>
+                            </p:stCondLst>
+                            <p:childTnLst>
+                              <p:par>
+                                <p:cTn id="29" presetID="1" presetClass="entr" presetSubtype="0" fill="hold" nodeType="clickEffect">
+                                  <p:stCondLst>
+                                    <p:cond delay="0"/>
+                                  </p:stCondLst>
+                                  <p:childTnLst>
+                                    <p:set>
+                                      <p:cBhvr>
+                                        <p:cTn id="30" dur="1" fill="hold">
+                                          <p:stCondLst>
+                                            <p:cond delay="0"/>
+                                          </p:stCondLst>
+                                        </p:cTn>
+                                        <p:tgtEl>
+                                          <p:spTgt spid="20"/>
+                                        </p:tgtEl>
+                                        <p:attrNameLst>
+                                          <p:attrName>style.visibility</p:attrName>
+                                        </p:attrNameLst>
+                                      </p:cBhvr>
+                                      <p:to>
+                                        <p:strVal val="visible"/>
+                                      </p:to>
+                                    </p:set>
+                                  </p:childTnLst>
+                                </p:cTn>
+                              </p:par>
+                              <p:par>
+                                <p:cTn id="31" presetID="1" presetClass="entr" presetSubtype="0" fill="hold" nodeType="withEffect">
+                                  <p:stCondLst>
+                                    <p:cond delay="0"/>
+                                  </p:stCondLst>
+                                  <p:childTnLst>
+                                    <p:set>
+                                      <p:cBhvr>
+                                        <p:cTn id="32" dur="1" fill="hold">
+                                          <p:stCondLst>
+                                            <p:cond delay="0"/>
+                                          </p:stCondLst>
+                                        </p:cTn>
+                                        <p:tgtEl>
+                                          <p:spTgt spid="12"/>
+                                        </p:tgtEl>
+                                        <p:attrNameLst>
+                                          <p:attrName>style.visibility</p:attrName>
+                                        </p:attrNameLst>
+                                      </p:cBhvr>
+                                      <p:to>
+                                        <p:strVal val="visible"/>
+                                      </p:to>
+                                    </p:set>
+                                  </p:childTnLst>
+                                </p:cTn>
+                              </p:par>
+                              <p:par>
+                                <p:cTn id="33" presetID="1" presetClass="entr" presetSubtype="0" fill="hold" grpId="0" nodeType="withEffect">
+                                  <p:stCondLst>
+                                    <p:cond delay="0"/>
+                                  </p:stCondLst>
+                                  <p:childTnLst>
+                                    <p:set>
+                                      <p:cBhvr>
+                                        <p:cTn id="34" dur="1" fill="hold">
+                                          <p:stCondLst>
+                                            <p:cond delay="0"/>
+                                          </p:stCondLst>
+                                        </p:cTn>
+                                        <p:tgtEl>
+                                          <p:spTgt spid="28"/>
+                                        </p:tgtEl>
+                                        <p:attrNameLst>
+                                          <p:attrName>style.visibility</p:attrName>
+                                        </p:attrNameLst>
+                                      </p:cBhvr>
+                                      <p:to>
+                                        <p:strVal val="visible"/>
+                                      </p:to>
+                                    </p:set>
+                                  </p:childTnLst>
+                                </p:cTn>
+                              </p:par>
+                            </p:childTnLst>
+                          </p:cTn>
+                        </p:par>
+                      </p:childTnLst>
+                    </p:cTn>
+                  </p:par>
+                  <p:par>
+                    <p:cTn id="35" fill="hold">
+                      <p:stCondLst>
+                        <p:cond delay="indefinite"/>
+                      </p:stCondLst>
+                      <p:childTnLst>
+                        <p:par>
+                          <p:cTn id="36" fill="hold">
+                            <p:stCondLst>
+                              <p:cond delay="0"/>
+                            </p:stCondLst>
+                            <p:childTnLst>
+                              <p:par>
+                                <p:cTn id="37" presetID="1" presetClass="entr" presetSubtype="0" fill="hold" nodeType="clickEffect">
+                                  <p:stCondLst>
+                                    <p:cond delay="0"/>
+                                  </p:stCondLst>
+                                  <p:childTnLst>
+                                    <p:set>
+                                      <p:cBhvr>
+                                        <p:cTn id="38" dur="1" fill="hold">
+                                          <p:stCondLst>
+                                            <p:cond delay="0"/>
+                                          </p:stCondLst>
+                                        </p:cTn>
+                                        <p:tgtEl>
+                                          <p:spTgt spid="23"/>
+                                        </p:tgtEl>
+                                        <p:attrNameLst>
+                                          <p:attrName>style.visibility</p:attrName>
+                                        </p:attrNameLst>
+                                      </p:cBhvr>
+                                      <p:to>
+                                        <p:strVal val="visible"/>
+                                      </p:to>
+                                    </p:set>
+                                  </p:childTnLst>
+                                </p:cTn>
+                              </p:par>
+                            </p:childTnLst>
+                          </p:cTn>
+                        </p:par>
+                      </p:childTnLst>
+                    </p:cTn>
+                  </p:par>
+                </p:childTnLst>
+              </p:cTn>
+              <p:prevCondLst>
+                <p:cond evt="onPrev" delay="0">
+                  <p:tgtEl>
+                    <p:sldTgt/>
+                  </p:tgtEl>
+                </p:cond>
+              </p:prevCondLst>
+              <p:nextCondLst>
+                <p:cond evt="onNext" delay="0">
+                  <p:tgtEl>
+                    <p:sldTgt/>
+                  </p:tgtEl>
+                </p:cond>
+              </p:nextCondLst>
+            </p:seq>
+          </p:childTnLst>
+        </p:cTn>
+      </p:par>
+    </p:tnLst>
+    <p:bldLst>
+      <p:bldP spid="9" grpId="0"/>
+      <p:bldP spid="10" grpId="0"/>
+      <p:bldP spid="26" grpId="0"/>
+      <p:bldP spid="27" grpId="0"/>
+      <p:bldP spid="28" grpId="0"/>
+    </p:bldLst>
+  </p:timing>
 </p:sld>
 </file>
 
@@ -12161,117 +16116,10 @@
       </p:grpSpPr>
       <p:sp>
         <p:nvSpPr>
-          <p:cNvPr id="21" name="Rectangle 20">
-            <a:extLst>
-              <a:ext uri="{FF2B5EF4-FFF2-40B4-BE49-F238E27FC236}">
-                <a16:creationId xmlns:a16="http://schemas.microsoft.com/office/drawing/2014/main" id="{7977B306-E264-C1F3-FF92-C08784490858}"/>
-              </a:ext>
-            </a:extLst>
-          </p:cNvPr>
-          <p:cNvSpPr/>
-          <p:nvPr/>
-        </p:nvSpPr>
-        <p:spPr>
-          <a:xfrm>
-            <a:off x="838200" y="2873375"/>
-            <a:ext cx="7239000" cy="3117850"/>
-          </a:xfrm>
-          <a:prstGeom prst="rect">
-            <a:avLst/>
-          </a:prstGeom>
-          <a:solidFill>
-            <a:schemeClr val="tx1"/>
-          </a:solidFill>
-          <a:ln>
-            <a:noFill/>
-          </a:ln>
-        </p:spPr>
-        <p:style>
-          <a:lnRef idx="2">
-            <a:schemeClr val="accent1">
-              <a:shade val="15000"/>
-            </a:schemeClr>
-          </a:lnRef>
-          <a:fillRef idx="1">
-            <a:schemeClr val="accent1"/>
-          </a:fillRef>
-          <a:effectRef idx="0">
-            <a:schemeClr val="accent1"/>
-          </a:effectRef>
-          <a:fontRef idx="minor">
-            <a:schemeClr val="lt1"/>
-          </a:fontRef>
-        </p:style>
-        <p:txBody>
-          <a:bodyPr rtlCol="0" anchor="ctr"/>
-          <a:lstStyle/>
-          <a:p>
-            <a:pPr algn="ctr"/>
-            <a:endParaRPr lang="en-SE"/>
-          </a:p>
-        </p:txBody>
-      </p:sp>
-      <p:sp>
-        <p:nvSpPr>
-          <p:cNvPr id="22" name="Rectangle 21">
-            <a:extLst>
-              <a:ext uri="{FF2B5EF4-FFF2-40B4-BE49-F238E27FC236}">
-                <a16:creationId xmlns:a16="http://schemas.microsoft.com/office/drawing/2014/main" id="{B73B80D3-64AF-E5F9-339D-99E180B174CC}"/>
-              </a:ext>
-            </a:extLst>
-          </p:cNvPr>
-          <p:cNvSpPr/>
-          <p:nvPr/>
-        </p:nvSpPr>
-        <p:spPr>
-          <a:xfrm>
-            <a:off x="1104900" y="4032049"/>
-            <a:ext cx="3289300" cy="1809951"/>
-          </a:xfrm>
-          <a:prstGeom prst="rect">
-            <a:avLst/>
-          </a:prstGeom>
-          <a:solidFill>
-            <a:schemeClr val="tx1">
-              <a:lumMod val="75000"/>
-              <a:lumOff val="25000"/>
-            </a:schemeClr>
-          </a:solidFill>
-          <a:ln>
-            <a:noFill/>
-          </a:ln>
-        </p:spPr>
-        <p:style>
-          <a:lnRef idx="2">
-            <a:schemeClr val="accent1">
-              <a:shade val="15000"/>
-            </a:schemeClr>
-          </a:lnRef>
-          <a:fillRef idx="1">
-            <a:schemeClr val="accent1"/>
-          </a:fillRef>
-          <a:effectRef idx="0">
-            <a:schemeClr val="accent1"/>
-          </a:effectRef>
-          <a:fontRef idx="minor">
-            <a:schemeClr val="lt1"/>
-          </a:fontRef>
-        </p:style>
-        <p:txBody>
-          <a:bodyPr rtlCol="0" anchor="ctr"/>
-          <a:lstStyle/>
-          <a:p>
-            <a:pPr algn="ctr"/>
-            <a:endParaRPr lang="en-SE"/>
-          </a:p>
-        </p:txBody>
-      </p:sp>
-      <p:sp>
-        <p:nvSpPr>
           <p:cNvPr id="2" name="Title 1">
             <a:extLst>
               <a:ext uri="{FF2B5EF4-FFF2-40B4-BE49-F238E27FC236}">
-                <a16:creationId xmlns:a16="http://schemas.microsoft.com/office/drawing/2014/main" id="{319C6220-C245-FEBF-25E7-E66CBD72A746}"/>
+                <a16:creationId xmlns:a16="http://schemas.microsoft.com/office/drawing/2014/main" id="{F5EAE4EA-71A9-79D6-E7EE-D87640B1F0C0}"/>
               </a:ext>
             </a:extLst>
           </p:cNvPr>
@@ -12289,7 +16137,7 @@
           <a:p>
             <a:r>
               <a:rPr lang="en-GB" dirty="0"/>
-              <a:t>RE4AI on Levels of Abstraction</a:t>
+              <a:t>Lesson Learned</a:t>
             </a:r>
             <a:endParaRPr lang="en-SE" dirty="0"/>
           </a:p>
@@ -12300,7 +16148,7 @@
           <p:cNvPr id="4" name="Date Placeholder 3">
             <a:extLst>
               <a:ext uri="{FF2B5EF4-FFF2-40B4-BE49-F238E27FC236}">
-                <a16:creationId xmlns:a16="http://schemas.microsoft.com/office/drawing/2014/main" id="{9D114C04-9D97-95B9-3E33-7CD0F5F95C23}"/>
+                <a16:creationId xmlns:a16="http://schemas.microsoft.com/office/drawing/2014/main" id="{B5D462A6-CE4B-DF4C-93F1-27CA9A90F564}"/>
               </a:ext>
             </a:extLst>
           </p:cNvPr>
@@ -12316,9 +16164,9 @@
           <a:bodyPr/>
           <a:lstStyle/>
           <a:p>
-            <a:fld id="{A70F496E-DC8F-4613-B008-E5025CBA4F78}" type="datetime1">
+            <a:fld id="{7D4C7CFC-0D51-4D10-BD17-755824AADAEC}" type="datetime1">
               <a:rPr lang="de-DE" smtClean="0"/>
-              <a:t>09.06.2025</a:t>
+              <a:t>10.06.2025</a:t>
             </a:fld>
             <a:endParaRPr lang="en-SE"/>
           </a:p>
@@ -12329,7 +16177,7 @@
           <p:cNvPr id="5" name="Footer Placeholder 4">
             <a:extLst>
               <a:ext uri="{FF2B5EF4-FFF2-40B4-BE49-F238E27FC236}">
-                <a16:creationId xmlns:a16="http://schemas.microsoft.com/office/drawing/2014/main" id="{C7002FED-0841-59E4-9B24-1560329049CF}"/>
+                <a16:creationId xmlns:a16="http://schemas.microsoft.com/office/drawing/2014/main" id="{77A5FC52-026D-BD41-5310-FE0B8F55E2C7}"/>
               </a:ext>
             </a:extLst>
           </p:cNvPr>
@@ -12358,7 +16206,7 @@
           <p:cNvPr id="6" name="Slide Number Placeholder 5">
             <a:extLst>
               <a:ext uri="{FF2B5EF4-FFF2-40B4-BE49-F238E27FC236}">
-                <a16:creationId xmlns:a16="http://schemas.microsoft.com/office/drawing/2014/main" id="{BD981237-EFFF-9F50-BFF1-60DDA414B7F2}"/>
+                <a16:creationId xmlns:a16="http://schemas.microsoft.com/office/drawing/2014/main" id="{74E2D998-F249-020D-471F-633B2E21B7A0}"/>
               </a:ext>
             </a:extLst>
           </p:cNvPr>
@@ -12384,10 +16232,10 @@
       </p:sp>
       <p:grpSp>
         <p:nvGrpSpPr>
-          <p:cNvPr id="18" name="Group 17">
-            <a:extLst>
-              <a:ext uri="{FF2B5EF4-FFF2-40B4-BE49-F238E27FC236}">
-                <a16:creationId xmlns:a16="http://schemas.microsoft.com/office/drawing/2014/main" id="{FC105465-CFB4-1947-AD90-A25B0F90C557}"/>
+          <p:cNvPr id="3" name="Group 2">
+            <a:extLst>
+              <a:ext uri="{FF2B5EF4-FFF2-40B4-BE49-F238E27FC236}">
+                <a16:creationId xmlns:a16="http://schemas.microsoft.com/office/drawing/2014/main" id="{A1F066D0-F446-F793-020E-6FDBE0E71FC7}"/>
               </a:ext>
             </a:extLst>
           </p:cNvPr>
@@ -12396,96 +16244,18 @@
         </p:nvGrpSpPr>
         <p:grpSpPr>
           <a:xfrm>
-            <a:off x="1238250" y="4969600"/>
-            <a:ext cx="2984500" cy="647700"/>
-            <a:chOff x="1346200" y="2247900"/>
-            <a:chExt cx="2984500" cy="647700"/>
+            <a:off x="838200" y="1816100"/>
+            <a:ext cx="9958995" cy="914400"/>
+            <a:chOff x="838200" y="1816100"/>
+            <a:chExt cx="9958995" cy="914400"/>
           </a:xfrm>
         </p:grpSpPr>
-        <p:sp>
-          <p:nvSpPr>
-            <p:cNvPr id="19" name="Rectangle: Rounded Corners 18">
+        <p:pic>
+          <p:nvPicPr>
+            <p:cNvPr id="7" name="Graphic 6" descr="Artificial Intelligence with solid fill">
               <a:extLst>
                 <a:ext uri="{FF2B5EF4-FFF2-40B4-BE49-F238E27FC236}">
-                  <a16:creationId xmlns:a16="http://schemas.microsoft.com/office/drawing/2014/main" id="{B755E5D6-B229-902D-A193-CA8014B4B3FC}"/>
-                </a:ext>
-              </a:extLst>
-            </p:cNvPr>
-            <p:cNvSpPr/>
-            <p:nvPr/>
-          </p:nvSpPr>
-          <p:spPr>
-            <a:xfrm>
-              <a:off x="1346200" y="2247900"/>
-              <a:ext cx="2984500" cy="647700"/>
-            </a:xfrm>
-            <a:prstGeom prst="roundRect">
-              <a:avLst/>
-            </a:prstGeom>
-            <a:solidFill>
-              <a:schemeClr val="bg1">
-                <a:lumMod val="85000"/>
-              </a:schemeClr>
-            </a:solidFill>
-            <a:ln>
-              <a:solidFill>
-                <a:schemeClr val="tx1">
-                  <a:lumMod val="50000"/>
-                  <a:lumOff val="50000"/>
-                </a:schemeClr>
-              </a:solidFill>
-            </a:ln>
-            <a:effectLst>
-              <a:outerShdw blurRad="50800" dist="38100" dir="2700000" algn="tl" rotWithShape="0">
-                <a:prstClr val="black">
-                  <a:alpha val="40000"/>
-                </a:prstClr>
-              </a:outerShdw>
-            </a:effectLst>
-          </p:spPr>
-          <p:style>
-            <a:lnRef idx="2">
-              <a:schemeClr val="accent1">
-                <a:shade val="15000"/>
-              </a:schemeClr>
-            </a:lnRef>
-            <a:fillRef idx="1">
-              <a:schemeClr val="accent1"/>
-            </a:fillRef>
-            <a:effectRef idx="0">
-              <a:schemeClr val="accent1"/>
-            </a:effectRef>
-            <a:fontRef idx="minor">
-              <a:schemeClr val="lt1"/>
-            </a:fontRef>
-          </p:style>
-          <p:txBody>
-            <a:bodyPr lIns="540000" rtlCol="0" anchor="ctr" anchorCtr="0"/>
-            <a:lstStyle/>
-            <a:p>
-              <a:pPr algn="ctr"/>
-              <a:r>
-                <a:rPr lang="en-GB" dirty="0">
-                  <a:solidFill>
-                    <a:sysClr val="windowText" lastClr="000000"/>
-                  </a:solidFill>
-                </a:rPr>
-                <a:t>User Database</a:t>
-              </a:r>
-              <a:endParaRPr lang="en-SE" dirty="0">
-                <a:solidFill>
-                  <a:sysClr val="windowText" lastClr="000000"/>
-                </a:solidFill>
-              </a:endParaRPr>
-            </a:p>
-          </p:txBody>
-        </p:sp>
-        <p:pic>
-          <p:nvPicPr>
-            <p:cNvPr id="20" name="Graphic 19" descr="Vlog with solid fill">
-              <a:extLst>
-                <a:ext uri="{FF2B5EF4-FFF2-40B4-BE49-F238E27FC236}">
-                  <a16:creationId xmlns:a16="http://schemas.microsoft.com/office/drawing/2014/main" id="{6F9B0170-AED8-C54E-3C78-5C663E933B27}"/>
+                  <a16:creationId xmlns:a16="http://schemas.microsoft.com/office/drawing/2014/main" id="{C70315AC-B06C-1B3A-A380-00CF9D33F7F2}"/>
                 </a:ext>
               </a:extLst>
             </p:cNvPr>
@@ -12495,10 +16265,10 @@
             <p:nvPr/>
           </p:nvPicPr>
           <p:blipFill>
-            <a:blip r:embed="rId3">
+            <a:blip r:embed="rId2">
               <a:extLst>
                 <a:ext uri="{96DAC541-7B7A-43D3-8B79-37D633B846F1}">
-                  <asvg:svgBlip xmlns:asvg="http://schemas.microsoft.com/office/drawing/2016/SVG/main" r:embed="rId4"/>
+                  <asvg:svgBlip xmlns:asvg="http://schemas.microsoft.com/office/drawing/2016/SVG/main" r:embed="rId3"/>
                 </a:ext>
               </a:extLst>
             </a:blip>
@@ -12508,268 +16278,65 @@
           </p:blipFill>
           <p:spPr>
             <a:xfrm>
-              <a:off x="1346200" y="2283750"/>
-              <a:ext cx="576000" cy="576000"/>
+              <a:off x="838200" y="1816100"/>
+              <a:ext cx="914400" cy="914400"/>
             </a:xfrm>
             <a:prstGeom prst="rect">
               <a:avLst/>
             </a:prstGeom>
           </p:spPr>
         </p:pic>
+        <p:sp>
+          <p:nvSpPr>
+            <p:cNvPr id="8" name="TextBox 7">
+              <a:extLst>
+                <a:ext uri="{FF2B5EF4-FFF2-40B4-BE49-F238E27FC236}">
+                  <a16:creationId xmlns:a16="http://schemas.microsoft.com/office/drawing/2014/main" id="{E0456560-7EC4-23A0-1D3E-C042EBA19F8C}"/>
+                </a:ext>
+              </a:extLst>
+            </p:cNvPr>
+            <p:cNvSpPr txBox="1"/>
+            <p:nvPr/>
+          </p:nvSpPr>
+          <p:spPr>
+            <a:xfrm>
+              <a:off x="1752600" y="1950134"/>
+              <a:ext cx="9044595" cy="646331"/>
+            </a:xfrm>
+            <a:prstGeom prst="rect">
+              <a:avLst/>
+            </a:prstGeom>
+            <a:noFill/>
+          </p:spPr>
+          <p:txBody>
+            <a:bodyPr wrap="square" rtlCol="0">
+              <a:spAutoFit/>
+            </a:bodyPr>
+            <a:lstStyle/>
+            <a:p>
+              <a:r>
+                <a:rPr lang="en-GB" dirty="0"/>
+                <a:t>Systems including artificial intelligence (AI) </a:t>
+              </a:r>
+              <a:r>
+                <a:rPr lang="en-GB" b="1" dirty="0"/>
+                <a:t>are not traditional software </a:t>
+              </a:r>
+              <a:r>
+                <a:rPr lang="en-GB" dirty="0"/>
+                <a:t>and traditional requirements engineering techniques may not apply to them.</a:t>
+              </a:r>
+              <a:endParaRPr lang="en-SE" dirty="0"/>
+            </a:p>
+          </p:txBody>
+        </p:sp>
       </p:grpSp>
-      <p:cxnSp>
-        <p:nvCxnSpPr>
-          <p:cNvPr id="25" name="Connector: Elbow 24">
-            <a:extLst>
-              <a:ext uri="{FF2B5EF4-FFF2-40B4-BE49-F238E27FC236}">
-                <a16:creationId xmlns:a16="http://schemas.microsoft.com/office/drawing/2014/main" id="{D4F002A5-2CC0-92F4-21FD-233F4DBF09A7}"/>
-              </a:ext>
-            </a:extLst>
-          </p:cNvPr>
-          <p:cNvCxnSpPr>
-            <a:stCxn id="7" idx="2"/>
-            <a:endCxn id="13" idx="0"/>
-          </p:cNvCxnSpPr>
-          <p:nvPr/>
-        </p:nvCxnSpPr>
-        <p:spPr>
-          <a:xfrm rot="5400000">
-            <a:off x="3399069" y="2557031"/>
-            <a:ext cx="491663" cy="1828800"/>
-          </a:xfrm>
-          <a:prstGeom prst="bentConnector3">
-            <a:avLst/>
-          </a:prstGeom>
-          <a:ln>
-            <a:solidFill>
-              <a:schemeClr val="bg1"/>
-            </a:solidFill>
-            <a:tailEnd type="triangle"/>
-          </a:ln>
-        </p:spPr>
-        <p:style>
-          <a:lnRef idx="2">
-            <a:schemeClr val="accent1"/>
-          </a:lnRef>
-          <a:fillRef idx="0">
-            <a:schemeClr val="accent1"/>
-          </a:fillRef>
-          <a:effectRef idx="1">
-            <a:schemeClr val="accent1"/>
-          </a:effectRef>
-          <a:fontRef idx="minor">
-            <a:schemeClr val="tx1"/>
-          </a:fontRef>
-        </p:style>
-      </p:cxnSp>
-      <p:cxnSp>
-        <p:nvCxnSpPr>
-          <p:cNvPr id="26" name="Connector: Elbow 25">
-            <a:extLst>
-              <a:ext uri="{FF2B5EF4-FFF2-40B4-BE49-F238E27FC236}">
-                <a16:creationId xmlns:a16="http://schemas.microsoft.com/office/drawing/2014/main" id="{47D027E7-3E47-251F-CEA4-0C1C3C0A4CDD}"/>
-              </a:ext>
-            </a:extLst>
-          </p:cNvPr>
-          <p:cNvCxnSpPr>
-            <a:cxnSpLocks/>
-            <a:stCxn id="7" idx="2"/>
-            <a:endCxn id="16" idx="0"/>
-          </p:cNvCxnSpPr>
-          <p:nvPr/>
-        </p:nvCxnSpPr>
-        <p:spPr>
-          <a:xfrm rot="16200000" flipH="1">
-            <a:off x="5060388" y="2724512"/>
-            <a:ext cx="490075" cy="1492250"/>
-          </a:xfrm>
-          <a:prstGeom prst="bentConnector3">
-            <a:avLst>
-              <a:gd name="adj1" fmla="val 50000"/>
-            </a:avLst>
-          </a:prstGeom>
-          <a:ln>
-            <a:solidFill>
-              <a:schemeClr val="bg1"/>
-            </a:solidFill>
-            <a:tailEnd type="triangle"/>
-          </a:ln>
-        </p:spPr>
-        <p:style>
-          <a:lnRef idx="2">
-            <a:schemeClr val="accent1"/>
-          </a:lnRef>
-          <a:fillRef idx="0">
-            <a:schemeClr val="accent1"/>
-          </a:fillRef>
-          <a:effectRef idx="1">
-            <a:schemeClr val="accent1"/>
-          </a:effectRef>
-          <a:fontRef idx="minor">
-            <a:schemeClr val="tx1"/>
-          </a:fontRef>
-        </p:style>
-      </p:cxnSp>
-      <p:cxnSp>
-        <p:nvCxnSpPr>
-          <p:cNvPr id="29" name="Connector: Elbow 28">
-            <a:extLst>
-              <a:ext uri="{FF2B5EF4-FFF2-40B4-BE49-F238E27FC236}">
-                <a16:creationId xmlns:a16="http://schemas.microsoft.com/office/drawing/2014/main" id="{EBA57120-B168-8448-D054-808D1E80C000}"/>
-              </a:ext>
-            </a:extLst>
-          </p:cNvPr>
-          <p:cNvCxnSpPr>
-            <a:cxnSpLocks/>
-            <a:stCxn id="13" idx="2"/>
-            <a:endCxn id="19" idx="0"/>
-          </p:cNvCxnSpPr>
-          <p:nvPr/>
-        </p:nvCxnSpPr>
-        <p:spPr>
-          <a:xfrm>
-            <a:off x="2730500" y="4364963"/>
-            <a:ext cx="0" cy="604637"/>
-          </a:xfrm>
-          <a:prstGeom prst="straightConnector1">
-            <a:avLst/>
-          </a:prstGeom>
-          <a:ln>
-            <a:solidFill>
-              <a:schemeClr val="bg1"/>
-            </a:solidFill>
-            <a:tailEnd type="triangle"/>
-          </a:ln>
-        </p:spPr>
-        <p:style>
-          <a:lnRef idx="2">
-            <a:schemeClr val="accent1"/>
-          </a:lnRef>
-          <a:fillRef idx="0">
-            <a:schemeClr val="accent1"/>
-          </a:fillRef>
-          <a:effectRef idx="1">
-            <a:schemeClr val="accent1"/>
-          </a:effectRef>
-          <a:fontRef idx="minor">
-            <a:schemeClr val="tx1"/>
-          </a:fontRef>
-        </p:style>
-      </p:cxnSp>
-      <p:pic>
-        <p:nvPicPr>
-          <p:cNvPr id="33" name="Graphic 32" descr="Male profile with solid fill">
-            <a:extLst>
-              <a:ext uri="{FF2B5EF4-FFF2-40B4-BE49-F238E27FC236}">
-                <a16:creationId xmlns:a16="http://schemas.microsoft.com/office/drawing/2014/main" id="{25725956-52C6-09E7-2C32-97640C77BFF9}"/>
-              </a:ext>
-            </a:extLst>
-          </p:cNvPr>
-          <p:cNvPicPr>
-            <a:picLocks noChangeAspect="1"/>
-          </p:cNvPicPr>
-          <p:nvPr/>
-        </p:nvPicPr>
-        <p:blipFill>
-          <a:blip r:embed="rId5">
-            <a:extLst>
-              <a:ext uri="{96DAC541-7B7A-43D3-8B79-37D633B846F1}">
-                <asvg:svgBlip xmlns:asvg="http://schemas.microsoft.com/office/drawing/2016/SVG/main" r:embed="rId6"/>
-              </a:ext>
-            </a:extLst>
-          </a:blip>
-          <a:stretch>
-            <a:fillRect/>
-          </a:stretch>
-        </p:blipFill>
-        <p:spPr>
-          <a:xfrm>
-            <a:off x="8505050" y="1699350"/>
-            <a:ext cx="914400" cy="914400"/>
-          </a:xfrm>
-          <a:prstGeom prst="rect">
-            <a:avLst/>
-          </a:prstGeom>
-        </p:spPr>
-      </p:pic>
-      <p:pic>
-        <p:nvPicPr>
-          <p:cNvPr id="35" name="Graphic 34" descr="Office worker female with solid fill">
-            <a:extLst>
-              <a:ext uri="{FF2B5EF4-FFF2-40B4-BE49-F238E27FC236}">
-                <a16:creationId xmlns:a16="http://schemas.microsoft.com/office/drawing/2014/main" id="{49AC9ADF-D91B-D62A-683F-8ED38E512237}"/>
-              </a:ext>
-            </a:extLst>
-          </p:cNvPr>
-          <p:cNvPicPr>
-            <a:picLocks noChangeAspect="1"/>
-          </p:cNvPicPr>
-          <p:nvPr/>
-        </p:nvPicPr>
-        <p:blipFill>
-          <a:blip r:embed="rId7">
-            <a:extLst>
-              <a:ext uri="{96DAC541-7B7A-43D3-8B79-37D633B846F1}">
-                <asvg:svgBlip xmlns:asvg="http://schemas.microsoft.com/office/drawing/2016/SVG/main" r:embed="rId8"/>
-              </a:ext>
-            </a:extLst>
-          </a:blip>
-          <a:stretch>
-            <a:fillRect/>
-          </a:stretch>
-        </p:blipFill>
-        <p:spPr>
-          <a:xfrm>
-            <a:off x="8505050" y="3057889"/>
-            <a:ext cx="914400" cy="914400"/>
-          </a:xfrm>
-          <a:prstGeom prst="rect">
-            <a:avLst/>
-          </a:prstGeom>
-        </p:spPr>
-      </p:pic>
-      <p:pic>
-        <p:nvPicPr>
-          <p:cNvPr id="37" name="Graphic 36" descr="Call center with solid fill">
-            <a:extLst>
-              <a:ext uri="{FF2B5EF4-FFF2-40B4-BE49-F238E27FC236}">
-                <a16:creationId xmlns:a16="http://schemas.microsoft.com/office/drawing/2014/main" id="{080D941C-BC5F-DD7D-1D21-A8E72137CEA7}"/>
-              </a:ext>
-            </a:extLst>
-          </p:cNvPr>
-          <p:cNvPicPr>
-            <a:picLocks noChangeAspect="1"/>
-          </p:cNvPicPr>
-          <p:nvPr/>
-        </p:nvPicPr>
-        <p:blipFill>
-          <a:blip r:embed="rId9">
-            <a:extLst>
-              <a:ext uri="{96DAC541-7B7A-43D3-8B79-37D633B846F1}">
-                <asvg:svgBlip xmlns:asvg="http://schemas.microsoft.com/office/drawing/2016/SVG/main" r:embed="rId10"/>
-              </a:ext>
-            </a:extLst>
-          </a:blip>
-          <a:stretch>
-            <a:fillRect/>
-          </a:stretch>
-        </p:blipFill>
-        <p:spPr>
-          <a:xfrm>
-            <a:off x="8505050" y="4210081"/>
-            <a:ext cx="914400" cy="914400"/>
-          </a:xfrm>
-          <a:prstGeom prst="rect">
-            <a:avLst/>
-          </a:prstGeom>
-        </p:spPr>
-      </p:pic>
       <p:grpSp>
         <p:nvGrpSpPr>
-          <p:cNvPr id="40" name="Group 39">
-            <a:extLst>
-              <a:ext uri="{FF2B5EF4-FFF2-40B4-BE49-F238E27FC236}">
-                <a16:creationId xmlns:a16="http://schemas.microsoft.com/office/drawing/2014/main" id="{5E0A80CC-525F-6AAC-DA64-339CC9EAC239}"/>
+          <p:cNvPr id="13" name="Group 12">
+            <a:extLst>
+              <a:ext uri="{FF2B5EF4-FFF2-40B4-BE49-F238E27FC236}">
+                <a16:creationId xmlns:a16="http://schemas.microsoft.com/office/drawing/2014/main" id="{0BF79E2D-A75F-9B7A-6AD3-AA74858C32A6}"/>
               </a:ext>
             </a:extLst>
           </p:cNvPr>
@@ -12778,18 +16345,18 @@
         </p:nvGrpSpPr>
         <p:grpSpPr>
           <a:xfrm>
-            <a:off x="9657772" y="1331044"/>
-            <a:ext cx="1696028" cy="468000"/>
-            <a:chOff x="7919400" y="3875056"/>
-            <a:chExt cx="1696028" cy="468000"/>
+            <a:off x="838200" y="3945279"/>
+            <a:ext cx="10198100" cy="914400"/>
+            <a:chOff x="838200" y="2864534"/>
+            <a:chExt cx="10198100" cy="914400"/>
           </a:xfrm>
         </p:grpSpPr>
         <p:pic>
           <p:nvPicPr>
-            <p:cNvPr id="41" name="Graphic 40" descr="Bullseye with solid fill">
+            <p:cNvPr id="9" name="Graphic 8" descr="Pyramid with levels with solid fill">
               <a:extLst>
                 <a:ext uri="{FF2B5EF4-FFF2-40B4-BE49-F238E27FC236}">
-                  <a16:creationId xmlns:a16="http://schemas.microsoft.com/office/drawing/2014/main" id="{1D80CED5-EBF2-7CB1-709A-BD100B92BA7C}"/>
+                  <a16:creationId xmlns:a16="http://schemas.microsoft.com/office/drawing/2014/main" id="{82FB686A-234B-E72E-CD99-5E82AD93DD90}"/>
                 </a:ext>
               </a:extLst>
             </p:cNvPr>
@@ -12799,10 +16366,10 @@
             <p:nvPr/>
           </p:nvPicPr>
           <p:blipFill>
-            <a:blip r:embed="rId11">
+            <a:blip r:embed="rId4">
               <a:extLst>
                 <a:ext uri="{96DAC541-7B7A-43D3-8B79-37D633B846F1}">
-                  <asvg:svgBlip xmlns:asvg="http://schemas.microsoft.com/office/drawing/2016/SVG/main" r:embed="rId12"/>
+                  <asvg:svgBlip xmlns:asvg="http://schemas.microsoft.com/office/drawing/2016/SVG/main" r:embed="rId5"/>
                 </a:ext>
               </a:extLst>
             </a:blip>
@@ -12811,8 +16378,8 @@
           </p:blipFill>
           <p:spPr>
             <a:xfrm>
-              <a:off x="7919400" y="3875056"/>
-              <a:ext cx="468000" cy="468000"/>
+              <a:off x="838200" y="2864534"/>
+              <a:ext cx="914400" cy="914400"/>
             </a:xfrm>
             <a:prstGeom prst="rect">
               <a:avLst/>
@@ -12821,10 +16388,10 @@
         </p:pic>
         <p:sp>
           <p:nvSpPr>
-            <p:cNvPr id="42" name="TextBox 41">
+            <p:cNvPr id="10" name="TextBox 9">
               <a:extLst>
                 <a:ext uri="{FF2B5EF4-FFF2-40B4-BE49-F238E27FC236}">
-                  <a16:creationId xmlns:a16="http://schemas.microsoft.com/office/drawing/2014/main" id="{80D0A0C5-9BC9-113B-5C5B-46EAD96087B8}"/>
+                  <a16:creationId xmlns:a16="http://schemas.microsoft.com/office/drawing/2014/main" id="{5EE740D0-52B1-691A-0066-AE0380B1F6A5}"/>
                 </a:ext>
               </a:extLst>
             </p:cNvPr>
@@ -12833,8 +16400,8 @@
           </p:nvSpPr>
           <p:spPr>
             <a:xfrm>
-              <a:off x="8457162" y="3924390"/>
-              <a:ext cx="1158266" cy="369332"/>
+              <a:off x="1752600" y="2998568"/>
+              <a:ext cx="9283700" cy="646331"/>
             </a:xfrm>
             <a:prstGeom prst="rect">
               <a:avLst/>
@@ -12842,14 +16409,30 @@
             <a:noFill/>
           </p:spPr>
           <p:txBody>
-            <a:bodyPr wrap="none" rtlCol="0">
+            <a:bodyPr wrap="square" rtlCol="0">
               <a:spAutoFit/>
             </a:bodyPr>
             <a:lstStyle/>
             <a:p>
               <a:r>
                 <a:rPr lang="en-GB" dirty="0"/>
-                <a:t>Accuracy </a:t>
+                <a:t>AI is a solution, so </a:t>
+              </a:r>
+              <a:r>
+                <a:rPr lang="en-GB" b="1" dirty="0"/>
+                <a:t>it does not affect RE directly</a:t>
+              </a:r>
+              <a:r>
+                <a:rPr lang="en-GB" dirty="0"/>
+                <a:t>. However, when integrating AI into a system, this component will imply specific </a:t>
+              </a:r>
+              <a:r>
+                <a:rPr lang="en-GB" b="1" dirty="0"/>
+                <a:t>requirements on its respective level of abstraction</a:t>
+              </a:r>
+              <a:r>
+                <a:rPr lang="en-GB" dirty="0"/>
+                <a:t>.</a:t>
               </a:r>
               <a:endParaRPr lang="en-SE" dirty="0"/>
             </a:p>
@@ -12858,10 +16441,10 @@
       </p:grpSp>
       <p:grpSp>
         <p:nvGrpSpPr>
-          <p:cNvPr id="43" name="Group 42">
-            <a:extLst>
-              <a:ext uri="{FF2B5EF4-FFF2-40B4-BE49-F238E27FC236}">
-                <a16:creationId xmlns:a16="http://schemas.microsoft.com/office/drawing/2014/main" id="{FCF3DE33-31F4-121B-77B3-F006DAB2BB53}"/>
+          <p:cNvPr id="14" name="Group 13">
+            <a:extLst>
+              <a:ext uri="{FF2B5EF4-FFF2-40B4-BE49-F238E27FC236}">
+                <a16:creationId xmlns:a16="http://schemas.microsoft.com/office/drawing/2014/main" id="{AD707BFE-0290-B235-0DF4-C55822538DAD}"/>
               </a:ext>
             </a:extLst>
           </p:cNvPr>
@@ -12870,18 +16453,18 @@
         </p:nvGrpSpPr>
         <p:grpSpPr>
           <a:xfrm>
-            <a:off x="9657772" y="1823925"/>
-            <a:ext cx="1483470" cy="468000"/>
-            <a:chOff x="7919400" y="3875056"/>
-            <a:chExt cx="1483470" cy="468000"/>
+            <a:off x="838200" y="2905467"/>
+            <a:ext cx="10198100" cy="914400"/>
+            <a:chOff x="838200" y="4047002"/>
+            <a:chExt cx="10198100" cy="914400"/>
           </a:xfrm>
         </p:grpSpPr>
         <p:pic>
           <p:nvPicPr>
-            <p:cNvPr id="44" name="Graphic 43" descr="Treasure chest with solid fill">
+            <p:cNvPr id="11" name="Graphic 10" descr="Clipboard Mixed with solid fill">
               <a:extLst>
                 <a:ext uri="{FF2B5EF4-FFF2-40B4-BE49-F238E27FC236}">
-                  <a16:creationId xmlns:a16="http://schemas.microsoft.com/office/drawing/2014/main" id="{E7130766-3418-D974-4885-63F4A49AA9A9}"/>
+                  <a16:creationId xmlns:a16="http://schemas.microsoft.com/office/drawing/2014/main" id="{75615B70-FD10-74A1-A5E9-56548EF621FB}"/>
                 </a:ext>
               </a:extLst>
             </p:cNvPr>
@@ -12891,10 +16474,10 @@
             <p:nvPr/>
           </p:nvPicPr>
           <p:blipFill>
-            <a:blip r:embed="rId13">
+            <a:blip r:embed="rId6">
               <a:extLst>
                 <a:ext uri="{96DAC541-7B7A-43D3-8B79-37D633B846F1}">
-                  <asvg:svgBlip xmlns:asvg="http://schemas.microsoft.com/office/drawing/2016/SVG/main" r:embed="rId14"/>
+                  <asvg:svgBlip xmlns:asvg="http://schemas.microsoft.com/office/drawing/2016/SVG/main" r:embed="rId7"/>
                 </a:ext>
               </a:extLst>
             </a:blip>
@@ -12903,8 +16486,8 @@
           </p:blipFill>
           <p:spPr>
             <a:xfrm>
-              <a:off x="7919400" y="3875056"/>
-              <a:ext cx="468000" cy="468000"/>
+              <a:off x="838200" y="4047002"/>
+              <a:ext cx="914400" cy="914400"/>
             </a:xfrm>
             <a:prstGeom prst="rect">
               <a:avLst/>
@@ -12913,10 +16496,10 @@
         </p:pic>
         <p:sp>
           <p:nvSpPr>
-            <p:cNvPr id="45" name="TextBox 44">
+            <p:cNvPr id="12" name="TextBox 11">
               <a:extLst>
                 <a:ext uri="{FF2B5EF4-FFF2-40B4-BE49-F238E27FC236}">
-                  <a16:creationId xmlns:a16="http://schemas.microsoft.com/office/drawing/2014/main" id="{70583822-D7F0-169B-EB1F-F93ED647BAC8}"/>
+                  <a16:creationId xmlns:a16="http://schemas.microsoft.com/office/drawing/2014/main" id="{E5145B4A-C5E3-7F3E-79E9-6757C4F21BBE}"/>
                 </a:ext>
               </a:extLst>
             </p:cNvPr>
@@ -12925,8 +16508,8 @@
           </p:nvSpPr>
           <p:spPr>
             <a:xfrm>
-              <a:off x="8457162" y="3924390"/>
-              <a:ext cx="945708" cy="369332"/>
+              <a:off x="1752600" y="4181037"/>
+              <a:ext cx="9283700" cy="646331"/>
             </a:xfrm>
             <a:prstGeom prst="rect">
               <a:avLst/>
@@ -12934,614 +16517,215 @@
             <a:noFill/>
           </p:spPr>
           <p:txBody>
-            <a:bodyPr wrap="none" rtlCol="0">
+            <a:bodyPr wrap="square" rtlCol="0">
               <a:spAutoFit/>
             </a:bodyPr>
             <a:lstStyle/>
             <a:p>
               <a:r>
                 <a:rPr lang="en-GB" dirty="0"/>
-                <a:t>Privacy </a:t>
+                <a:t>Quality requirements can be </a:t>
+              </a:r>
+              <a:r>
+                <a:rPr lang="en-GB" b="1" dirty="0"/>
+                <a:t>defined, prioritized, and evaluated differently </a:t>
+              </a:r>
+              <a:r>
+                <a:rPr lang="en-GB" dirty="0"/>
+                <a:t>in AI systems compared to traditional systems.</a:t>
               </a:r>
               <a:endParaRPr lang="en-SE" dirty="0"/>
             </a:p>
           </p:txBody>
         </p:sp>
       </p:grpSp>
-      <p:grpSp>
-        <p:nvGrpSpPr>
-          <p:cNvPr id="46" name="Group 45">
-            <a:extLst>
-              <a:ext uri="{FF2B5EF4-FFF2-40B4-BE49-F238E27FC236}">
-                <a16:creationId xmlns:a16="http://schemas.microsoft.com/office/drawing/2014/main" id="{532E6ED4-BA93-F821-926E-D7723427A67B}"/>
-              </a:ext>
-            </a:extLst>
-          </p:cNvPr>
-          <p:cNvGrpSpPr/>
-          <p:nvPr/>
-        </p:nvGrpSpPr>
-        <p:grpSpPr>
-          <a:xfrm>
-            <a:off x="9657772" y="2316806"/>
-            <a:ext cx="966084" cy="468000"/>
-            <a:chOff x="7919400" y="3875056"/>
-            <a:chExt cx="966084" cy="468000"/>
-          </a:xfrm>
-        </p:grpSpPr>
-        <p:pic>
-          <p:nvPicPr>
-            <p:cNvPr id="47" name="Graphic 46" descr="Star with solid fill">
-              <a:extLst>
-                <a:ext uri="{FF2B5EF4-FFF2-40B4-BE49-F238E27FC236}">
-                  <a16:creationId xmlns:a16="http://schemas.microsoft.com/office/drawing/2014/main" id="{041BE599-6FCA-1484-93B0-331292F6B96C}"/>
-                </a:ext>
-              </a:extLst>
-            </p:cNvPr>
-            <p:cNvPicPr>
-              <a:picLocks noChangeAspect="1"/>
-            </p:cNvPicPr>
-            <p:nvPr/>
-          </p:nvPicPr>
-          <p:blipFill>
-            <a:blip r:embed="rId15">
-              <a:extLst>
-                <a:ext uri="{96DAC541-7B7A-43D3-8B79-37D633B846F1}">
-                  <asvg:svgBlip xmlns:asvg="http://schemas.microsoft.com/office/drawing/2016/SVG/main" r:embed="rId16"/>
-                </a:ext>
-              </a:extLst>
-            </a:blip>
-            <a:srcRect/>
-            <a:stretch/>
-          </p:blipFill>
-          <p:spPr>
-            <a:xfrm>
-              <a:off x="7919400" y="3875056"/>
-              <a:ext cx="468000" cy="468000"/>
-            </a:xfrm>
-            <a:prstGeom prst="rect">
-              <a:avLst/>
-            </a:prstGeom>
-          </p:spPr>
-        </p:pic>
-        <p:sp>
-          <p:nvSpPr>
-            <p:cNvPr id="48" name="TextBox 47">
-              <a:extLst>
-                <a:ext uri="{FF2B5EF4-FFF2-40B4-BE49-F238E27FC236}">
-                  <a16:creationId xmlns:a16="http://schemas.microsoft.com/office/drawing/2014/main" id="{2630247A-D207-C8FF-AAB0-03308D4CE257}"/>
-                </a:ext>
-              </a:extLst>
-            </p:cNvPr>
-            <p:cNvSpPr txBox="1"/>
-            <p:nvPr/>
-          </p:nvSpPr>
-          <p:spPr>
-            <a:xfrm>
-              <a:off x="8457162" y="3924390"/>
-              <a:ext cx="428322" cy="369332"/>
-            </a:xfrm>
-            <a:prstGeom prst="rect">
-              <a:avLst/>
-            </a:prstGeom>
-            <a:noFill/>
-          </p:spPr>
-          <p:txBody>
-            <a:bodyPr wrap="none" rtlCol="0">
-              <a:spAutoFit/>
-            </a:bodyPr>
-            <a:lstStyle/>
-            <a:p>
-              <a:r>
-                <a:rPr lang="en-GB" dirty="0"/>
-                <a:t>… </a:t>
-              </a:r>
-              <a:endParaRPr lang="en-SE" dirty="0"/>
-            </a:p>
-          </p:txBody>
-        </p:sp>
-      </p:grpSp>
-      <p:cxnSp>
-        <p:nvCxnSpPr>
-          <p:cNvPr id="50" name="Straight Connector 49">
-            <a:extLst>
-              <a:ext uri="{FF2B5EF4-FFF2-40B4-BE49-F238E27FC236}">
-                <a16:creationId xmlns:a16="http://schemas.microsoft.com/office/drawing/2014/main" id="{D009A361-29C7-A8D1-8B12-EEEEE4353959}"/>
-              </a:ext>
-            </a:extLst>
-          </p:cNvPr>
-          <p:cNvCxnSpPr/>
-          <p:nvPr/>
-        </p:nvCxnSpPr>
-        <p:spPr>
-          <a:xfrm>
-            <a:off x="622300" y="2873375"/>
-            <a:ext cx="11226800" cy="28375"/>
-          </a:xfrm>
-          <a:prstGeom prst="line">
-            <a:avLst/>
-          </a:prstGeom>
-          <a:ln>
-            <a:solidFill>
-              <a:schemeClr val="accent1">
-                <a:lumMod val="40000"/>
-                <a:lumOff val="60000"/>
-              </a:schemeClr>
-            </a:solidFill>
-          </a:ln>
-        </p:spPr>
-        <p:style>
-          <a:lnRef idx="2">
-            <a:schemeClr val="accent1"/>
-          </a:lnRef>
-          <a:fillRef idx="0">
-            <a:schemeClr val="accent1"/>
-          </a:fillRef>
-          <a:effectRef idx="1">
-            <a:schemeClr val="accent1"/>
-          </a:effectRef>
-          <a:fontRef idx="minor">
-            <a:schemeClr val="tx1"/>
-          </a:fontRef>
-        </p:style>
-      </p:cxnSp>
-      <p:cxnSp>
-        <p:nvCxnSpPr>
-          <p:cNvPr id="51" name="Straight Connector 50">
-            <a:extLst>
-              <a:ext uri="{FF2B5EF4-FFF2-40B4-BE49-F238E27FC236}">
-                <a16:creationId xmlns:a16="http://schemas.microsoft.com/office/drawing/2014/main" id="{B9B0C995-0693-FB3D-09F3-C131E5B4FF50}"/>
-              </a:ext>
-            </a:extLst>
-          </p:cNvPr>
-          <p:cNvCxnSpPr/>
-          <p:nvPr/>
-        </p:nvCxnSpPr>
-        <p:spPr>
-          <a:xfrm>
-            <a:off x="656450" y="4003675"/>
-            <a:ext cx="11226800" cy="28375"/>
-          </a:xfrm>
-          <a:prstGeom prst="line">
-            <a:avLst/>
-          </a:prstGeom>
-          <a:ln>
-            <a:solidFill>
-              <a:schemeClr val="accent1">
-                <a:lumMod val="40000"/>
-                <a:lumOff val="60000"/>
-              </a:schemeClr>
-            </a:solidFill>
-          </a:ln>
-        </p:spPr>
-        <p:style>
-          <a:lnRef idx="2">
-            <a:schemeClr val="accent1"/>
-          </a:lnRef>
-          <a:fillRef idx="0">
-            <a:schemeClr val="accent1"/>
-          </a:fillRef>
-          <a:effectRef idx="1">
-            <a:schemeClr val="accent1"/>
-          </a:effectRef>
-          <a:fontRef idx="minor">
-            <a:schemeClr val="tx1"/>
-          </a:fontRef>
-        </p:style>
-      </p:cxnSp>
-      <p:grpSp>
-        <p:nvGrpSpPr>
-          <p:cNvPr id="11" name="Group 10">
-            <a:extLst>
-              <a:ext uri="{FF2B5EF4-FFF2-40B4-BE49-F238E27FC236}">
-                <a16:creationId xmlns:a16="http://schemas.microsoft.com/office/drawing/2014/main" id="{F1C6C3D4-949C-C80E-6A34-E5BDB35097CC}"/>
-              </a:ext>
-            </a:extLst>
-          </p:cNvPr>
-          <p:cNvGrpSpPr/>
-          <p:nvPr/>
-        </p:nvGrpSpPr>
-        <p:grpSpPr>
-          <a:xfrm>
-            <a:off x="3067050" y="2577900"/>
-            <a:ext cx="2984500" cy="647700"/>
-            <a:chOff x="1346200" y="2247900"/>
-            <a:chExt cx="2984500" cy="647700"/>
-          </a:xfrm>
-        </p:grpSpPr>
-        <p:sp>
-          <p:nvSpPr>
-            <p:cNvPr id="7" name="Rectangle: Rounded Corners 6">
-              <a:extLst>
-                <a:ext uri="{FF2B5EF4-FFF2-40B4-BE49-F238E27FC236}">
-                  <a16:creationId xmlns:a16="http://schemas.microsoft.com/office/drawing/2014/main" id="{DFB82574-A294-B995-92D7-8206514D46A4}"/>
-                </a:ext>
-              </a:extLst>
-            </p:cNvPr>
-            <p:cNvSpPr/>
-            <p:nvPr/>
-          </p:nvSpPr>
-          <p:spPr>
-            <a:xfrm>
-              <a:off x="1346200" y="2247900"/>
-              <a:ext cx="2984500" cy="647700"/>
-            </a:xfrm>
-            <a:prstGeom prst="roundRect">
-              <a:avLst/>
-            </a:prstGeom>
-            <a:solidFill>
-              <a:schemeClr val="bg1">
-                <a:lumMod val="85000"/>
-              </a:schemeClr>
-            </a:solidFill>
-            <a:ln>
-              <a:solidFill>
-                <a:schemeClr val="tx1">
-                  <a:lumMod val="50000"/>
-                  <a:lumOff val="50000"/>
-                </a:schemeClr>
-              </a:solidFill>
-            </a:ln>
-            <a:effectLst>
-              <a:outerShdw blurRad="50800" dist="38100" dir="2700000" algn="tl" rotWithShape="0">
-                <a:prstClr val="black">
-                  <a:alpha val="40000"/>
-                </a:prstClr>
-              </a:outerShdw>
-            </a:effectLst>
-          </p:spPr>
-          <p:style>
-            <a:lnRef idx="2">
-              <a:schemeClr val="accent1">
-                <a:shade val="15000"/>
-              </a:schemeClr>
-            </a:lnRef>
-            <a:fillRef idx="1">
-              <a:schemeClr val="accent1"/>
-            </a:fillRef>
-            <a:effectRef idx="0">
-              <a:schemeClr val="accent1"/>
-            </a:effectRef>
-            <a:fontRef idx="minor">
-              <a:schemeClr val="lt1"/>
-            </a:fontRef>
-          </p:style>
-          <p:txBody>
-            <a:bodyPr lIns="540000" rtlCol="0" anchor="ctr" anchorCtr="0"/>
-            <a:lstStyle/>
-            <a:p>
-              <a:pPr algn="ctr"/>
-              <a:r>
-                <a:rPr lang="en-GB" dirty="0">
-                  <a:solidFill>
-                    <a:sysClr val="windowText" lastClr="000000"/>
-                  </a:solidFill>
-                </a:rPr>
-                <a:t>User Interface</a:t>
-              </a:r>
-              <a:endParaRPr lang="en-SE" dirty="0">
-                <a:solidFill>
-                  <a:sysClr val="windowText" lastClr="000000"/>
-                </a:solidFill>
-              </a:endParaRPr>
-            </a:p>
-          </p:txBody>
-        </p:sp>
-        <p:pic>
-          <p:nvPicPr>
-            <p:cNvPr id="9" name="Graphic 8" descr="Vlog with solid fill">
-              <a:extLst>
-                <a:ext uri="{FF2B5EF4-FFF2-40B4-BE49-F238E27FC236}">
-                  <a16:creationId xmlns:a16="http://schemas.microsoft.com/office/drawing/2014/main" id="{19D77332-73D2-8603-FA4D-FE9A478306BC}"/>
-                </a:ext>
-              </a:extLst>
-            </p:cNvPr>
-            <p:cNvPicPr>
-              <a:picLocks noChangeAspect="1"/>
-            </p:cNvPicPr>
-            <p:nvPr/>
-          </p:nvPicPr>
-          <p:blipFill>
-            <a:blip r:embed="rId3">
-              <a:extLst>
-                <a:ext uri="{96DAC541-7B7A-43D3-8B79-37D633B846F1}">
-                  <asvg:svgBlip xmlns:asvg="http://schemas.microsoft.com/office/drawing/2016/SVG/main" r:embed="rId4"/>
-                </a:ext>
-              </a:extLst>
-            </a:blip>
-            <a:stretch>
-              <a:fillRect/>
-            </a:stretch>
-          </p:blipFill>
-          <p:spPr>
-            <a:xfrm>
-              <a:off x="1346200" y="2283750"/>
-              <a:ext cx="576000" cy="576000"/>
-            </a:xfrm>
-            <a:prstGeom prst="rect">
-              <a:avLst/>
-            </a:prstGeom>
-          </p:spPr>
-        </p:pic>
-      </p:grpSp>
-      <p:grpSp>
-        <p:nvGrpSpPr>
-          <p:cNvPr id="12" name="Group 11">
-            <a:extLst>
-              <a:ext uri="{FF2B5EF4-FFF2-40B4-BE49-F238E27FC236}">
-                <a16:creationId xmlns:a16="http://schemas.microsoft.com/office/drawing/2014/main" id="{14D0D625-C2B0-6808-EA0A-E53923FF8E95}"/>
-              </a:ext>
-            </a:extLst>
-          </p:cNvPr>
-          <p:cNvGrpSpPr/>
-          <p:nvPr/>
-        </p:nvGrpSpPr>
-        <p:grpSpPr>
-          <a:xfrm>
-            <a:off x="1238250" y="3717263"/>
-            <a:ext cx="2984500" cy="647700"/>
-            <a:chOff x="1346200" y="2247900"/>
-            <a:chExt cx="2984500" cy="647700"/>
-          </a:xfrm>
-        </p:grpSpPr>
-        <p:sp>
-          <p:nvSpPr>
-            <p:cNvPr id="13" name="Rectangle: Rounded Corners 12">
-              <a:extLst>
-                <a:ext uri="{FF2B5EF4-FFF2-40B4-BE49-F238E27FC236}">
-                  <a16:creationId xmlns:a16="http://schemas.microsoft.com/office/drawing/2014/main" id="{CE7E2514-1F8B-7ACD-C02C-46579108E454}"/>
-                </a:ext>
-              </a:extLst>
-            </p:cNvPr>
-            <p:cNvSpPr/>
-            <p:nvPr/>
-          </p:nvSpPr>
-          <p:spPr>
-            <a:xfrm>
-              <a:off x="1346200" y="2247900"/>
-              <a:ext cx="2984500" cy="647700"/>
-            </a:xfrm>
-            <a:prstGeom prst="roundRect">
-              <a:avLst/>
-            </a:prstGeom>
-            <a:solidFill>
-              <a:schemeClr val="bg1">
-                <a:lumMod val="85000"/>
-              </a:schemeClr>
-            </a:solidFill>
-            <a:ln>
-              <a:solidFill>
-                <a:schemeClr val="tx1">
-                  <a:lumMod val="50000"/>
-                  <a:lumOff val="50000"/>
-                </a:schemeClr>
-              </a:solidFill>
-            </a:ln>
-            <a:effectLst>
-              <a:outerShdw blurRad="50800" dist="38100" dir="2700000" algn="tl" rotWithShape="0">
-                <a:prstClr val="black">
-                  <a:alpha val="40000"/>
-                </a:prstClr>
-              </a:outerShdw>
-            </a:effectLst>
-          </p:spPr>
-          <p:style>
-            <a:lnRef idx="2">
-              <a:schemeClr val="accent1">
-                <a:shade val="15000"/>
-              </a:schemeClr>
-            </a:lnRef>
-            <a:fillRef idx="1">
-              <a:schemeClr val="accent1"/>
-            </a:fillRef>
-            <a:effectRef idx="0">
-              <a:schemeClr val="accent1"/>
-            </a:effectRef>
-            <a:fontRef idx="minor">
-              <a:schemeClr val="lt1"/>
-            </a:fontRef>
-          </p:style>
-          <p:txBody>
-            <a:bodyPr lIns="540000" rtlCol="0" anchor="ctr" anchorCtr="0"/>
-            <a:lstStyle/>
-            <a:p>
-              <a:pPr algn="ctr"/>
-              <a:r>
-                <a:rPr lang="en-GB" dirty="0">
-                  <a:solidFill>
-                    <a:sysClr val="windowText" lastClr="000000"/>
-                  </a:solidFill>
-                </a:rPr>
-                <a:t>Authentication</a:t>
-              </a:r>
-              <a:endParaRPr lang="en-SE" dirty="0">
-                <a:solidFill>
-                  <a:sysClr val="windowText" lastClr="000000"/>
-                </a:solidFill>
-              </a:endParaRPr>
-            </a:p>
-          </p:txBody>
-        </p:sp>
-        <p:pic>
-          <p:nvPicPr>
-            <p:cNvPr id="14" name="Graphic 13" descr="Vlog with solid fill">
-              <a:extLst>
-                <a:ext uri="{FF2B5EF4-FFF2-40B4-BE49-F238E27FC236}">
-                  <a16:creationId xmlns:a16="http://schemas.microsoft.com/office/drawing/2014/main" id="{431AEF5A-C47F-FD5E-A981-DB9E6246DDCE}"/>
-                </a:ext>
-              </a:extLst>
-            </p:cNvPr>
-            <p:cNvPicPr>
-              <a:picLocks noChangeAspect="1"/>
-            </p:cNvPicPr>
-            <p:nvPr/>
-          </p:nvPicPr>
-          <p:blipFill>
-            <a:blip r:embed="rId3">
-              <a:extLst>
-                <a:ext uri="{96DAC541-7B7A-43D3-8B79-37D633B846F1}">
-                  <asvg:svgBlip xmlns:asvg="http://schemas.microsoft.com/office/drawing/2016/SVG/main" r:embed="rId4"/>
-                </a:ext>
-              </a:extLst>
-            </a:blip>
-            <a:stretch>
-              <a:fillRect/>
-            </a:stretch>
-          </p:blipFill>
-          <p:spPr>
-            <a:xfrm>
-              <a:off x="1346200" y="2283750"/>
-              <a:ext cx="576000" cy="576000"/>
-            </a:xfrm>
-            <a:prstGeom prst="rect">
-              <a:avLst/>
-            </a:prstGeom>
-          </p:spPr>
-        </p:pic>
-      </p:grpSp>
-      <p:grpSp>
-        <p:nvGrpSpPr>
-          <p:cNvPr id="15" name="Group 14">
-            <a:extLst>
-              <a:ext uri="{FF2B5EF4-FFF2-40B4-BE49-F238E27FC236}">
-                <a16:creationId xmlns:a16="http://schemas.microsoft.com/office/drawing/2014/main" id="{15F0B1DB-8780-EEC3-CCE4-FDCDD23B1090}"/>
-              </a:ext>
-            </a:extLst>
-          </p:cNvPr>
-          <p:cNvGrpSpPr/>
-          <p:nvPr/>
-        </p:nvGrpSpPr>
-        <p:grpSpPr>
-          <a:xfrm>
-            <a:off x="4559300" y="3715675"/>
-            <a:ext cx="2984500" cy="647700"/>
-            <a:chOff x="1346200" y="2247900"/>
-            <a:chExt cx="2984500" cy="647700"/>
-          </a:xfrm>
-        </p:grpSpPr>
-        <p:sp>
-          <p:nvSpPr>
-            <p:cNvPr id="16" name="Rectangle: Rounded Corners 15">
-              <a:extLst>
-                <a:ext uri="{FF2B5EF4-FFF2-40B4-BE49-F238E27FC236}">
-                  <a16:creationId xmlns:a16="http://schemas.microsoft.com/office/drawing/2014/main" id="{1A2B072D-8DE6-4420-FECC-B1B432873D68}"/>
-                </a:ext>
-              </a:extLst>
-            </p:cNvPr>
-            <p:cNvSpPr/>
-            <p:nvPr/>
-          </p:nvSpPr>
-          <p:spPr>
-            <a:xfrm>
-              <a:off x="1346200" y="2247900"/>
-              <a:ext cx="2984500" cy="647700"/>
-            </a:xfrm>
-            <a:prstGeom prst="roundRect">
-              <a:avLst/>
-            </a:prstGeom>
-            <a:solidFill>
-              <a:schemeClr val="bg1">
-                <a:lumMod val="85000"/>
-              </a:schemeClr>
-            </a:solidFill>
-            <a:ln>
-              <a:solidFill>
-                <a:schemeClr val="tx1">
-                  <a:lumMod val="50000"/>
-                  <a:lumOff val="50000"/>
-                </a:schemeClr>
-              </a:solidFill>
-            </a:ln>
-            <a:effectLst>
-              <a:outerShdw blurRad="50800" dist="38100" dir="2700000" algn="tl" rotWithShape="0">
-                <a:prstClr val="black">
-                  <a:alpha val="40000"/>
-                </a:prstClr>
-              </a:outerShdw>
-            </a:effectLst>
-          </p:spPr>
-          <p:style>
-            <a:lnRef idx="2">
-              <a:schemeClr val="accent1">
-                <a:shade val="15000"/>
-              </a:schemeClr>
-            </a:lnRef>
-            <a:fillRef idx="1">
-              <a:schemeClr val="accent1"/>
-            </a:fillRef>
-            <a:effectRef idx="0">
-              <a:schemeClr val="accent1"/>
-            </a:effectRef>
-            <a:fontRef idx="minor">
-              <a:schemeClr val="lt1"/>
-            </a:fontRef>
-          </p:style>
-          <p:txBody>
-            <a:bodyPr lIns="540000" rtlCol="0" anchor="ctr" anchorCtr="0"/>
-            <a:lstStyle/>
-            <a:p>
-              <a:pPr algn="ctr"/>
-              <a:r>
-                <a:rPr lang="en-GB" dirty="0">
-                  <a:solidFill>
-                    <a:sysClr val="windowText" lastClr="000000"/>
-                  </a:solidFill>
-                </a:rPr>
-                <a:t>Content recommendation</a:t>
-              </a:r>
-              <a:endParaRPr lang="en-SE" dirty="0">
-                <a:solidFill>
-                  <a:sysClr val="windowText" lastClr="000000"/>
-                </a:solidFill>
-              </a:endParaRPr>
-            </a:p>
-          </p:txBody>
-        </p:sp>
-        <p:pic>
-          <p:nvPicPr>
-            <p:cNvPr id="17" name="Graphic 16" descr="Artificial Intelligence with solid fill">
-              <a:extLst>
-                <a:ext uri="{FF2B5EF4-FFF2-40B4-BE49-F238E27FC236}">
-                  <a16:creationId xmlns:a16="http://schemas.microsoft.com/office/drawing/2014/main" id="{64E8505C-266D-CC2F-5EE9-E6EC698665EC}"/>
-                </a:ext>
-              </a:extLst>
-            </p:cNvPr>
-            <p:cNvPicPr>
-              <a:picLocks noChangeAspect="1"/>
-            </p:cNvPicPr>
-            <p:nvPr/>
-          </p:nvPicPr>
-          <p:blipFill>
-            <a:blip r:embed="rId17">
-              <a:extLst>
-                <a:ext uri="{96DAC541-7B7A-43D3-8B79-37D633B846F1}">
-                  <asvg:svgBlip xmlns:asvg="http://schemas.microsoft.com/office/drawing/2016/SVG/main" r:embed="rId18"/>
-                </a:ext>
-              </a:extLst>
-            </a:blip>
-            <a:srcRect/>
-            <a:stretch/>
-          </p:blipFill>
-          <p:spPr>
-            <a:xfrm>
-              <a:off x="1346200" y="2283750"/>
-              <a:ext cx="576000" cy="576000"/>
-            </a:xfrm>
-            <a:prstGeom prst="rect">
-              <a:avLst/>
-            </a:prstGeom>
-          </p:spPr>
-        </p:pic>
-      </p:grpSp>
     </p:spTree>
     <p:extLst>
       <p:ext uri="{BB962C8B-B14F-4D97-AF65-F5344CB8AC3E}">
-        <p14:creationId xmlns:p14="http://schemas.microsoft.com/office/powerpoint/2010/main" val="487711798"/>
+        <p14:creationId xmlns:p14="http://schemas.microsoft.com/office/powerpoint/2010/main" val="751018153"/>
       </p:ext>
     </p:extLst>
   </p:cSld>
   <p:clrMapOvr>
     <a:masterClrMapping/>
   </p:clrMapOvr>
+  <mc:AlternateContent xmlns:mc="http://schemas.openxmlformats.org/markup-compatibility/2006">
+    <mc:Choice xmlns:p159="http://schemas.microsoft.com/office/powerpoint/2015/09/main" Requires="p159">
+      <p:transition xmlns:p14="http://schemas.microsoft.com/office/powerpoint/2010/main" spd="med" p14:dur="700">
+        <p159:morph option="byObject"/>
+      </p:transition>
+    </mc:Choice>
+    <mc:Fallback>
+      <p:transition spd="med">
+        <p:fade/>
+      </p:transition>
+    </mc:Fallback>
+  </mc:AlternateContent>
+  <p:timing>
+    <p:tnLst>
+      <p:par>
+        <p:cTn id="1" dur="indefinite" restart="never" nodeType="tmRoot">
+          <p:childTnLst>
+            <p:seq concurrent="1" nextAc="seek">
+              <p:cTn id="2" dur="indefinite" nodeType="mainSeq">
+                <p:childTnLst>
+                  <p:par>
+                    <p:cTn id="3" fill="hold">
+                      <p:stCondLst>
+                        <p:cond delay="indefinite"/>
+                      </p:stCondLst>
+                      <p:childTnLst>
+                        <p:par>
+                          <p:cTn id="4" fill="hold">
+                            <p:stCondLst>
+                              <p:cond delay="0"/>
+                            </p:stCondLst>
+                            <p:childTnLst>
+                              <p:par>
+                                <p:cTn id="5" presetID="1" presetClass="entr" presetSubtype="0" fill="hold" nodeType="clickEffect">
+                                  <p:stCondLst>
+                                    <p:cond delay="0"/>
+                                  </p:stCondLst>
+                                  <p:childTnLst>
+                                    <p:set>
+                                      <p:cBhvr>
+                                        <p:cTn id="6" dur="1" fill="hold">
+                                          <p:stCondLst>
+                                            <p:cond delay="0"/>
+                                          </p:stCondLst>
+                                        </p:cTn>
+                                        <p:tgtEl>
+                                          <p:spTgt spid="3"/>
+                                        </p:tgtEl>
+                                        <p:attrNameLst>
+                                          <p:attrName>style.visibility</p:attrName>
+                                        </p:attrNameLst>
+                                      </p:cBhvr>
+                                      <p:to>
+                                        <p:strVal val="visible"/>
+                                      </p:to>
+                                    </p:set>
+                                  </p:childTnLst>
+                                </p:cTn>
+                              </p:par>
+                            </p:childTnLst>
+                          </p:cTn>
+                        </p:par>
+                      </p:childTnLst>
+                    </p:cTn>
+                  </p:par>
+                  <p:par>
+                    <p:cTn id="7" fill="hold">
+                      <p:stCondLst>
+                        <p:cond delay="indefinite"/>
+                      </p:stCondLst>
+                      <p:childTnLst>
+                        <p:par>
+                          <p:cTn id="8" fill="hold">
+                            <p:stCondLst>
+                              <p:cond delay="0"/>
+                            </p:stCondLst>
+                            <p:childTnLst>
+                              <p:par>
+                                <p:cTn id="9" presetID="1" presetClass="entr" presetSubtype="0" fill="hold" nodeType="clickEffect">
+                                  <p:stCondLst>
+                                    <p:cond delay="0"/>
+                                  </p:stCondLst>
+                                  <p:childTnLst>
+                                    <p:set>
+                                      <p:cBhvr>
+                                        <p:cTn id="10" dur="1" fill="hold">
+                                          <p:stCondLst>
+                                            <p:cond delay="0"/>
+                                          </p:stCondLst>
+                                        </p:cTn>
+                                        <p:tgtEl>
+                                          <p:spTgt spid="14"/>
+                                        </p:tgtEl>
+                                        <p:attrNameLst>
+                                          <p:attrName>style.visibility</p:attrName>
+                                        </p:attrNameLst>
+                                      </p:cBhvr>
+                                      <p:to>
+                                        <p:strVal val="visible"/>
+                                      </p:to>
+                                    </p:set>
+                                  </p:childTnLst>
+                                </p:cTn>
+                              </p:par>
+                            </p:childTnLst>
+                          </p:cTn>
+                        </p:par>
+                      </p:childTnLst>
+                    </p:cTn>
+                  </p:par>
+                  <p:par>
+                    <p:cTn id="11" fill="hold">
+                      <p:stCondLst>
+                        <p:cond delay="indefinite"/>
+                      </p:stCondLst>
+                      <p:childTnLst>
+                        <p:par>
+                          <p:cTn id="12" fill="hold">
+                            <p:stCondLst>
+                              <p:cond delay="0"/>
+                            </p:stCondLst>
+                            <p:childTnLst>
+                              <p:par>
+                                <p:cTn id="13" presetID="1" presetClass="entr" presetSubtype="0" fill="hold" nodeType="clickEffect">
+                                  <p:stCondLst>
+                                    <p:cond delay="0"/>
+                                  </p:stCondLst>
+                                  <p:childTnLst>
+                                    <p:set>
+                                      <p:cBhvr>
+                                        <p:cTn id="14" dur="1" fill="hold">
+                                          <p:stCondLst>
+                                            <p:cond delay="0"/>
+                                          </p:stCondLst>
+                                        </p:cTn>
+                                        <p:tgtEl>
+                                          <p:spTgt spid="13"/>
+                                        </p:tgtEl>
+                                        <p:attrNameLst>
+                                          <p:attrName>style.visibility</p:attrName>
+                                        </p:attrNameLst>
+                                      </p:cBhvr>
+                                      <p:to>
+                                        <p:strVal val="visible"/>
+                                      </p:to>
+                                    </p:set>
+                                  </p:childTnLst>
+                                </p:cTn>
+                              </p:par>
+                            </p:childTnLst>
+                          </p:cTn>
+                        </p:par>
+                      </p:childTnLst>
+                    </p:cTn>
+                  </p:par>
+                </p:childTnLst>
+              </p:cTn>
+              <p:prevCondLst>
+                <p:cond evt="onPrev" delay="0">
+                  <p:tgtEl>
+                    <p:sldTgt/>
+                  </p:tgtEl>
+                </p:cond>
+              </p:prevCondLst>
+              <p:nextCondLst>
+                <p:cond evt="onNext" delay="0">
+                  <p:tgtEl>
+                    <p:sldTgt/>
+                  </p:tgtEl>
+                </p:cond>
+              </p:nextCondLst>
+            </p:seq>
+          </p:childTnLst>
+        </p:cTn>
+      </p:par>
+    </p:tnLst>
+  </p:timing>
 </p:sld>
 </file>
 

--- a/slides/re4ai/seminar-refun-re4ai.pptx
+++ b/slides/re4ai/seminar-refun-re4ai.pptx
@@ -205,7 +205,7 @@
           <a:p>
             <a:fld id="{DDEAE774-A069-4C80-913C-6311167CE991}" type="datetimeFigureOut">
               <a:rPr lang="en-SE" smtClean="0"/>
-              <a:t>2025-06-10</a:t>
+              <a:t>2025-06-11</a:t>
             </a:fld>
             <a:endParaRPr lang="en-SE"/>
           </a:p>
@@ -1437,7 +1437,7 @@
           <a:p>
             <a:fld id="{B8A2E2F5-1ACA-471C-8F75-D4BCA16AD5E4}" type="datetime1">
               <a:rPr lang="de-DE" smtClean="0"/>
-              <a:t>10.06.2025</a:t>
+              <a:t>11.06.2025</a:t>
             </a:fld>
             <a:endParaRPr lang="en-SE"/>
           </a:p>
@@ -1641,7 +1641,7 @@
           <a:p>
             <a:fld id="{9CE85F0D-3621-49AF-AC39-8AC23685A06D}" type="datetime1">
               <a:rPr lang="de-DE" smtClean="0"/>
-              <a:t>10.06.2025</a:t>
+              <a:t>11.06.2025</a:t>
             </a:fld>
             <a:endParaRPr lang="en-SE"/>
           </a:p>
@@ -1855,7 +1855,7 @@
           <a:p>
             <a:fld id="{160A867D-26C0-4BE6-AD28-8E577999D0AD}" type="datetime1">
               <a:rPr lang="de-DE" smtClean="0"/>
-              <a:t>10.06.2025</a:t>
+              <a:t>11.06.2025</a:t>
             </a:fld>
             <a:endParaRPr lang="en-SE"/>
           </a:p>
@@ -2059,7 +2059,7 @@
           <a:p>
             <a:fld id="{60CB520D-D965-46BA-A3CC-319C6DE058D5}" type="datetime1">
               <a:rPr lang="de-DE" smtClean="0"/>
-              <a:t>10.06.2025</a:t>
+              <a:t>11.06.2025</a:t>
             </a:fld>
             <a:endParaRPr lang="en-SE"/>
           </a:p>
@@ -2375,7 +2375,7 @@
           <a:p>
             <a:fld id="{31641F1E-B483-4EB3-9802-4CF7B641DA50}" type="datetime1">
               <a:rPr lang="de-DE" smtClean="0"/>
-              <a:t>10.06.2025</a:t>
+              <a:t>11.06.2025</a:t>
             </a:fld>
             <a:endParaRPr lang="en-SE"/>
           </a:p>
@@ -2647,7 +2647,7 @@
           <a:p>
             <a:fld id="{A2D09C0C-D3BA-4ECB-A545-CDA3562F5566}" type="datetime1">
               <a:rPr lang="de-DE" smtClean="0"/>
-              <a:t>10.06.2025</a:t>
+              <a:t>11.06.2025</a:t>
             </a:fld>
             <a:endParaRPr lang="en-SE"/>
           </a:p>
@@ -3066,7 +3066,7 @@
           <a:p>
             <a:fld id="{444B75DF-1FF5-4129-9D05-47C75362EC53}" type="datetime1">
               <a:rPr lang="de-DE" smtClean="0"/>
-              <a:t>10.06.2025</a:t>
+              <a:t>11.06.2025</a:t>
             </a:fld>
             <a:endParaRPr lang="en-SE"/>
           </a:p>
@@ -3212,7 +3212,7 @@
           <a:p>
             <a:fld id="{0F6BB554-CBE8-420E-8DB3-328AA6ED9152}" type="datetime1">
               <a:rPr lang="de-DE" smtClean="0"/>
-              <a:t>10.06.2025</a:t>
+              <a:t>11.06.2025</a:t>
             </a:fld>
             <a:endParaRPr lang="en-SE"/>
           </a:p>
@@ -3329,7 +3329,7 @@
           <a:p>
             <a:fld id="{4E741018-AF8E-4242-8324-D95ED1F238A9}" type="datetime1">
               <a:rPr lang="de-DE" smtClean="0"/>
-              <a:t>10.06.2025</a:t>
+              <a:t>11.06.2025</a:t>
             </a:fld>
             <a:endParaRPr lang="en-SE"/>
           </a:p>
@@ -3646,7 +3646,7 @@
           <a:p>
             <a:fld id="{AA1D58F1-E3F8-4B02-943D-561FC8CA65DA}" type="datetime1">
               <a:rPr lang="de-DE" smtClean="0"/>
-              <a:t>10.06.2025</a:t>
+              <a:t>11.06.2025</a:t>
             </a:fld>
             <a:endParaRPr lang="en-SE"/>
           </a:p>
@@ -3939,7 +3939,7 @@
           <a:p>
             <a:fld id="{30B31B0D-1915-42B5-9F14-EA9B347BDDFB}" type="datetime1">
               <a:rPr lang="de-DE" smtClean="0"/>
-              <a:t>10.06.2025</a:t>
+              <a:t>11.06.2025</a:t>
             </a:fld>
             <a:endParaRPr lang="en-SE"/>
           </a:p>
@@ -4186,7 +4186,7 @@
           <a:p>
             <a:fld id="{C201C510-583C-41D6-8FD1-574D99E0A72F}" type="datetime1">
               <a:rPr lang="de-DE" smtClean="0"/>
-              <a:t>10.06.2025</a:t>
+              <a:t>11.06.2025</a:t>
             </a:fld>
             <a:endParaRPr lang="en-SE"/>
           </a:p>
@@ -4688,8 +4688,8 @@
         </p:nvSpPr>
         <p:spPr>
           <a:xfrm>
-            <a:off x="7326064" y="5859885"/>
-            <a:ext cx="4175374" cy="523220"/>
+            <a:off x="8077038" y="5859885"/>
+            <a:ext cx="3424400" cy="523220"/>
           </a:xfrm>
           <a:prstGeom prst="rect">
             <a:avLst/>
@@ -4712,18 +4712,15 @@
             <a:pPr algn="r"/>
             <a:r>
               <a:rPr lang="en-US" sz="1400" dirty="0"/>
-              <a:t>This work is licensed under the </a:t>
+              <a:t>This work is licensed under </a:t>
             </a:r>
             <a:r>
               <a:rPr lang="en-US" sz="1400" dirty="0">
                 <a:hlinkClick r:id="rId2"/>
               </a:rPr>
-              <a:t>Apache-2.0</a:t>
+              <a:t>CC BY-NC 4.0</a:t>
             </a:r>
-            <a:r>
-              <a:rPr lang="en-US" sz="1400" dirty="0"/>
-              <a:t> License.</a:t>
-            </a:r>
+            <a:endParaRPr lang="en-US" sz="1400" dirty="0"/>
           </a:p>
         </p:txBody>
       </p:sp>
@@ -5153,13 +5150,13 @@
   <p:clrMapOvr>
     <a:masterClrMapping/>
   </p:clrMapOvr>
-  <mc:AlternateContent xmlns:mc="http://schemas.openxmlformats.org/markup-compatibility/2006">
-    <mc:Choice xmlns:p159="http://schemas.microsoft.com/office/powerpoint/2015/09/main" Requires="p159">
+  <mc:AlternateContent xmlns:mc="http://schemas.openxmlformats.org/markup-compatibility/2006" xmlns:p159="http://schemas.microsoft.com/office/powerpoint/2015/09/main">
+    <mc:Choice Requires="p159">
       <p:transition xmlns:p14="http://schemas.microsoft.com/office/powerpoint/2010/main" spd="med" p14:dur="700">
         <p159:morph option="byObject"/>
       </p:transition>
     </mc:Choice>
-    <mc:Fallback>
+    <mc:Fallback xmlns="">
       <p:transition spd="med">
         <p:fade/>
       </p:transition>
@@ -5274,7 +5271,7 @@
           <a:p>
             <a:fld id="{D38D8326-7627-4205-9A5F-95F3F1040FEF}" type="datetime1">
               <a:rPr lang="de-DE" smtClean="0"/>
-              <a:t>10.06.2025</a:t>
+              <a:t>11.06.2025</a:t>
             </a:fld>
             <a:endParaRPr lang="en-SE"/>
           </a:p>
@@ -5550,13 +5547,13 @@
   <p:clrMapOvr>
     <a:masterClrMapping/>
   </p:clrMapOvr>
-  <mc:AlternateContent xmlns:mc="http://schemas.openxmlformats.org/markup-compatibility/2006">
-    <mc:Choice xmlns:p159="http://schemas.microsoft.com/office/powerpoint/2015/09/main" Requires="p159">
+  <mc:AlternateContent xmlns:mc="http://schemas.openxmlformats.org/markup-compatibility/2006" xmlns:p159="http://schemas.microsoft.com/office/powerpoint/2015/09/main">
+    <mc:Choice Requires="p159">
       <p:transition xmlns:p14="http://schemas.microsoft.com/office/powerpoint/2010/main" spd="med" p14:dur="700">
         <p159:morph option="byObject"/>
       </p:transition>
     </mc:Choice>
-    <mc:Fallback>
+    <mc:Fallback xmlns="">
       <p:transition spd="med">
         <p:fade/>
       </p:transition>
@@ -5853,7 +5850,7 @@
           <a:p>
             <a:fld id="{321B4E5B-B554-4A4E-9AFC-494CA4AB5039}" type="datetime1">
               <a:rPr lang="de-DE" smtClean="0"/>
-              <a:t>10.06.2025</a:t>
+              <a:t>11.06.2025</a:t>
             </a:fld>
             <a:endParaRPr lang="en-SE"/>
           </a:p>
@@ -6860,13 +6857,13 @@
   <p:clrMapOvr>
     <a:masterClrMapping/>
   </p:clrMapOvr>
-  <mc:AlternateContent xmlns:mc="http://schemas.openxmlformats.org/markup-compatibility/2006">
-    <mc:Choice xmlns:p159="http://schemas.microsoft.com/office/powerpoint/2015/09/main" Requires="p159">
+  <mc:AlternateContent xmlns:mc="http://schemas.openxmlformats.org/markup-compatibility/2006" xmlns:p159="http://schemas.microsoft.com/office/powerpoint/2015/09/main">
+    <mc:Choice Requires="p159">
       <p:transition xmlns:p14="http://schemas.microsoft.com/office/powerpoint/2010/main" spd="med" p14:dur="700">
         <p159:morph option="byObject"/>
       </p:transition>
     </mc:Choice>
-    <mc:Fallback>
+    <mc:Fallback xmlns="">
       <p:transition spd="med">
         <p:fade/>
       </p:transition>
@@ -7352,7 +7349,7 @@
           <a:p>
             <a:fld id="{98B9F68E-FC76-42D5-B844-A85C731BB18C}" type="datetime1">
               <a:rPr lang="de-DE" smtClean="0"/>
-              <a:t>10.06.2025</a:t>
+              <a:t>11.06.2025</a:t>
             </a:fld>
             <a:endParaRPr lang="en-SE"/>
           </a:p>
@@ -7911,13 +7908,13 @@
   <p:clrMapOvr>
     <a:masterClrMapping/>
   </p:clrMapOvr>
-  <mc:AlternateContent xmlns:mc="http://schemas.openxmlformats.org/markup-compatibility/2006">
-    <mc:Choice xmlns:p159="http://schemas.microsoft.com/office/powerpoint/2015/09/main" Requires="p159">
+  <mc:AlternateContent xmlns:mc="http://schemas.openxmlformats.org/markup-compatibility/2006" xmlns:p159="http://schemas.microsoft.com/office/powerpoint/2015/09/main">
+    <mc:Choice Requires="p159">
       <p:transition xmlns:p14="http://schemas.microsoft.com/office/powerpoint/2010/main" spd="med" p14:dur="700">
         <p159:morph option="byObject"/>
       </p:transition>
     </mc:Choice>
-    <mc:Fallback>
+    <mc:Fallback xmlns="">
       <p:transition spd="med">
         <p:fade/>
       </p:transition>
@@ -8290,7 +8287,7 @@
           <a:p>
             <a:fld id="{60CB520D-D965-46BA-A3CC-319C6DE058D5}" type="datetime1">
               <a:rPr lang="de-DE" smtClean="0"/>
-              <a:t>10.06.2025</a:t>
+              <a:t>11.06.2025</a:t>
             </a:fld>
             <a:endParaRPr lang="en-SE"/>
           </a:p>
@@ -9934,13 +9931,13 @@
   <p:clrMapOvr>
     <a:masterClrMapping/>
   </p:clrMapOvr>
-  <mc:AlternateContent xmlns:mc="http://schemas.openxmlformats.org/markup-compatibility/2006">
-    <mc:Choice xmlns:p159="http://schemas.microsoft.com/office/powerpoint/2015/09/main" Requires="p159">
+  <mc:AlternateContent xmlns:mc="http://schemas.openxmlformats.org/markup-compatibility/2006" xmlns:p159="http://schemas.microsoft.com/office/powerpoint/2015/09/main">
+    <mc:Choice Requires="p159">
       <p:transition xmlns:p14="http://schemas.microsoft.com/office/powerpoint/2010/main" spd="med" p14:dur="700">
         <p159:morph option="byObject"/>
       </p:transition>
     </mc:Choice>
-    <mc:Fallback>
+    <mc:Fallback xmlns="">
       <p:transition spd="med">
         <p:fade/>
       </p:transition>
@@ -10092,24 +10089,96 @@
                                   </p:childTnLst>
                                 </p:cTn>
                               </p:par>
-                            </p:childTnLst>
-                          </p:cTn>
-                        </p:par>
-                        <p:par>
-                          <p:cTn id="14" fill="hold">
-                            <p:stCondLst>
-                              <p:cond delay="500"/>
-                            </p:stCondLst>
-                            <p:childTnLst>
                               <p:par>
-                                <p:cTn id="15" presetID="42" presetClass="entr" presetSubtype="0" fill="hold" nodeType="afterEffect">
+                                <p:cTn id="14" presetID="42" presetClass="entr" presetSubtype="0" fill="hold" nodeType="withEffect">
                                   <p:stCondLst>
-                                    <p:cond delay="0"/>
+                                    <p:cond delay="200"/>
                                   </p:stCondLst>
                                   <p:childTnLst>
                                     <p:set>
                                       <p:cBhvr>
-                                        <p:cTn id="16" dur="1" fill="hold">
+                                        <p:cTn id="15" dur="1" fill="hold">
+                                          <p:stCondLst>
+                                            <p:cond delay="0"/>
+                                          </p:stCondLst>
+                                        </p:cTn>
+                                        <p:tgtEl>
+                                          <p:spTgt spid="43"/>
+                                        </p:tgtEl>
+                                        <p:attrNameLst>
+                                          <p:attrName>style.visibility</p:attrName>
+                                        </p:attrNameLst>
+                                      </p:cBhvr>
+                                      <p:to>
+                                        <p:strVal val="visible"/>
+                                      </p:to>
+                                    </p:set>
+                                    <p:animEffect transition="in" filter="fade">
+                                      <p:cBhvr>
+                                        <p:cTn id="16" dur="500"/>
+                                        <p:tgtEl>
+                                          <p:spTgt spid="43"/>
+                                        </p:tgtEl>
+                                      </p:cBhvr>
+                                    </p:animEffect>
+                                    <p:anim calcmode="lin" valueType="num">
+                                      <p:cBhvr>
+                                        <p:cTn id="17" dur="500" fill="hold"/>
+                                        <p:tgtEl>
+                                          <p:spTgt spid="43"/>
+                                        </p:tgtEl>
+                                        <p:attrNameLst>
+                                          <p:attrName>ppt_x</p:attrName>
+                                        </p:attrNameLst>
+                                      </p:cBhvr>
+                                      <p:tavLst>
+                                        <p:tav tm="0">
+                                          <p:val>
+                                            <p:strVal val="#ppt_x"/>
+                                          </p:val>
+                                        </p:tav>
+                                        <p:tav tm="100000">
+                                          <p:val>
+                                            <p:strVal val="#ppt_x"/>
+                                          </p:val>
+                                        </p:tav>
+                                      </p:tavLst>
+                                    </p:anim>
+                                    <p:anim calcmode="lin" valueType="num">
+                                      <p:cBhvr>
+                                        <p:cTn id="18" dur="500" fill="hold"/>
+                                        <p:tgtEl>
+                                          <p:spTgt spid="43"/>
+                                        </p:tgtEl>
+                                        <p:attrNameLst>
+                                          <p:attrName>ppt_y</p:attrName>
+                                        </p:attrNameLst>
+                                      </p:cBhvr>
+                                      <p:tavLst>
+                                        <p:tav tm="0">
+                                          <p:val>
+                                            <p:strVal val="#ppt_y+.1"/>
+                                          </p:val>
+                                        </p:tav>
+                                        <p:tav tm="100000">
+                                          <p:val>
+                                            <p:strVal val="#ppt_y"/>
+                                          </p:val>
+                                        </p:tav>
+                                      </p:tavLst>
+                                    </p:anim>
+                                  </p:childTnLst>
+                                </p:cTn>
+                              </p:par>
+                              <p:par>
+                                <p:cTn id="19" presetID="42" presetClass="entr" presetSubtype="0" fill="hold" nodeType="withEffect">
+                                  <p:stCondLst>
+                                    <p:cond delay="400"/>
+                                  </p:stCondLst>
+                                  <p:childTnLst>
+                                    <p:set>
+                                      <p:cBhvr>
+                                        <p:cTn id="20" dur="1" fill="hold">
                                           <p:stCondLst>
                                             <p:cond delay="0"/>
                                           </p:stCondLst>
@@ -10127,7 +10196,7 @@
                                     </p:set>
                                     <p:animEffect transition="in" filter="fade">
                                       <p:cBhvr>
-                                        <p:cTn id="17" dur="500"/>
+                                        <p:cTn id="21" dur="500"/>
                                         <p:tgtEl>
                                           <p:spTgt spid="46"/>
                                         </p:tgtEl>
@@ -10135,7 +10204,7 @@
                                     </p:animEffect>
                                     <p:anim calcmode="lin" valueType="num">
                                       <p:cBhvr>
-                                        <p:cTn id="18" dur="500" fill="hold"/>
+                                        <p:cTn id="22" dur="500" fill="hold"/>
                                         <p:tgtEl>
                                           <p:spTgt spid="46"/>
                                         </p:tgtEl>
@@ -10158,99 +10227,9 @@
                                     </p:anim>
                                     <p:anim calcmode="lin" valueType="num">
                                       <p:cBhvr>
-                                        <p:cTn id="19" dur="500" fill="hold"/>
+                                        <p:cTn id="23" dur="500" fill="hold"/>
                                         <p:tgtEl>
                                           <p:spTgt spid="46"/>
-                                        </p:tgtEl>
-                                        <p:attrNameLst>
-                                          <p:attrName>ppt_y</p:attrName>
-                                        </p:attrNameLst>
-                                      </p:cBhvr>
-                                      <p:tavLst>
-                                        <p:tav tm="0">
-                                          <p:val>
-                                            <p:strVal val="#ppt_y+.1"/>
-                                          </p:val>
-                                        </p:tav>
-                                        <p:tav tm="100000">
-                                          <p:val>
-                                            <p:strVal val="#ppt_y"/>
-                                          </p:val>
-                                        </p:tav>
-                                      </p:tavLst>
-                                    </p:anim>
-                                  </p:childTnLst>
-                                </p:cTn>
-                              </p:par>
-                            </p:childTnLst>
-                          </p:cTn>
-                        </p:par>
-                        <p:par>
-                          <p:cTn id="20" fill="hold">
-                            <p:stCondLst>
-                              <p:cond delay="1000"/>
-                            </p:stCondLst>
-                            <p:childTnLst>
-                              <p:par>
-                                <p:cTn id="21" presetID="42" presetClass="entr" presetSubtype="0" fill="hold" nodeType="afterEffect">
-                                  <p:stCondLst>
-                                    <p:cond delay="0"/>
-                                  </p:stCondLst>
-                                  <p:childTnLst>
-                                    <p:set>
-                                      <p:cBhvr>
-                                        <p:cTn id="22" dur="1" fill="hold">
-                                          <p:stCondLst>
-                                            <p:cond delay="0"/>
-                                          </p:stCondLst>
-                                        </p:cTn>
-                                        <p:tgtEl>
-                                          <p:spTgt spid="43"/>
-                                        </p:tgtEl>
-                                        <p:attrNameLst>
-                                          <p:attrName>style.visibility</p:attrName>
-                                        </p:attrNameLst>
-                                      </p:cBhvr>
-                                      <p:to>
-                                        <p:strVal val="visible"/>
-                                      </p:to>
-                                    </p:set>
-                                    <p:animEffect transition="in" filter="fade">
-                                      <p:cBhvr>
-                                        <p:cTn id="23" dur="500"/>
-                                        <p:tgtEl>
-                                          <p:spTgt spid="43"/>
-                                        </p:tgtEl>
-                                      </p:cBhvr>
-                                    </p:animEffect>
-                                    <p:anim calcmode="lin" valueType="num">
-                                      <p:cBhvr>
-                                        <p:cTn id="24" dur="500" fill="hold"/>
-                                        <p:tgtEl>
-                                          <p:spTgt spid="43"/>
-                                        </p:tgtEl>
-                                        <p:attrNameLst>
-                                          <p:attrName>ppt_x</p:attrName>
-                                        </p:attrNameLst>
-                                      </p:cBhvr>
-                                      <p:tavLst>
-                                        <p:tav tm="0">
-                                          <p:val>
-                                            <p:strVal val="#ppt_x"/>
-                                          </p:val>
-                                        </p:tav>
-                                        <p:tav tm="100000">
-                                          <p:val>
-                                            <p:strVal val="#ppt_x"/>
-                                          </p:val>
-                                        </p:tav>
-                                      </p:tavLst>
-                                    </p:anim>
-                                    <p:anim calcmode="lin" valueType="num">
-                                      <p:cBhvr>
-                                        <p:cTn id="25" dur="500" fill="hold"/>
-                                        <p:tgtEl>
-                                          <p:spTgt spid="43"/>
                                         </p:tgtEl>
                                         <p:attrNameLst>
                                           <p:attrName>ppt_y</p:attrName>
@@ -10279,26 +10258,26 @@
                     </p:cTn>
                   </p:par>
                   <p:par>
-                    <p:cTn id="26" fill="hold">
+                    <p:cTn id="24" fill="hold">
                       <p:stCondLst>
                         <p:cond delay="indefinite"/>
                       </p:stCondLst>
                       <p:childTnLst>
                         <p:par>
-                          <p:cTn id="27" fill="hold">
+                          <p:cTn id="25" fill="hold">
                             <p:stCondLst>
                               <p:cond delay="0"/>
                             </p:stCondLst>
                             <p:childTnLst>
                               <p:par>
-                                <p:cTn id="28" presetID="1" presetClass="entr" presetSubtype="0" fill="hold" grpId="0" nodeType="clickEffect">
+                                <p:cTn id="26" presetID="1" presetClass="entr" presetSubtype="0" fill="hold" grpId="0" nodeType="clickEffect">
                                   <p:stCondLst>
                                     <p:cond delay="0"/>
                                   </p:stCondLst>
                                   <p:childTnLst>
                                     <p:set>
                                       <p:cBhvr>
-                                        <p:cTn id="29" dur="1" fill="hold">
+                                        <p:cTn id="27" dur="1" fill="hold">
                                           <p:stCondLst>
                                             <p:cond delay="0"/>
                                           </p:stCondLst>
@@ -10324,26 +10303,26 @@
                     </p:cTn>
                   </p:par>
                   <p:par>
-                    <p:cTn id="30" fill="hold">
+                    <p:cTn id="28" fill="hold">
                       <p:stCondLst>
                         <p:cond delay="indefinite"/>
                       </p:stCondLst>
                       <p:childTnLst>
                         <p:par>
-                          <p:cTn id="31" fill="hold">
+                          <p:cTn id="29" fill="hold">
                             <p:stCondLst>
                               <p:cond delay="0"/>
                             </p:stCondLst>
                             <p:childTnLst>
                               <p:par>
-                                <p:cTn id="32" presetID="42" presetClass="entr" presetSubtype="0" fill="hold" nodeType="clickEffect">
+                                <p:cTn id="30" presetID="42" presetClass="entr" presetSubtype="0" fill="hold" nodeType="clickEffect">
                                   <p:stCondLst>
                                     <p:cond delay="0"/>
                                   </p:stCondLst>
                                   <p:childTnLst>
                                     <p:set>
                                       <p:cBhvr>
-                                        <p:cTn id="33" dur="1" fill="hold">
+                                        <p:cTn id="31" dur="1" fill="hold">
                                           <p:stCondLst>
                                             <p:cond delay="0"/>
                                           </p:stCondLst>
@@ -10361,7 +10340,7 @@
                                     </p:set>
                                     <p:animEffect transition="in" filter="fade">
                                       <p:cBhvr>
-                                        <p:cTn id="34" dur="500"/>
+                                        <p:cTn id="32" dur="500"/>
                                         <p:tgtEl>
                                           <p:spTgt spid="31"/>
                                         </p:tgtEl>
@@ -10369,7 +10348,7 @@
                                     </p:animEffect>
                                     <p:anim calcmode="lin" valueType="num">
                                       <p:cBhvr>
-                                        <p:cTn id="35" dur="500" fill="hold"/>
+                                        <p:cTn id="33" dur="500" fill="hold"/>
                                         <p:tgtEl>
                                           <p:spTgt spid="31"/>
                                         </p:tgtEl>
@@ -10392,7 +10371,7 @@
                                     </p:anim>
                                     <p:anim calcmode="lin" valueType="num">
                                       <p:cBhvr>
-                                        <p:cTn id="36" dur="500" fill="hold"/>
+                                        <p:cTn id="34" dur="500" fill="hold"/>
                                         <p:tgtEl>
                                           <p:spTgt spid="31"/>
                                         </p:tgtEl>
@@ -10416,24 +10395,15 @@
                                   </p:childTnLst>
                                 </p:cTn>
                               </p:par>
-                            </p:childTnLst>
-                          </p:cTn>
-                        </p:par>
-                        <p:par>
-                          <p:cTn id="37" fill="hold">
-                            <p:stCondLst>
-                              <p:cond delay="500"/>
-                            </p:stCondLst>
-                            <p:childTnLst>
                               <p:par>
-                                <p:cTn id="38" presetID="42" presetClass="entr" presetSubtype="0" fill="hold" nodeType="afterEffect">
+                                <p:cTn id="35" presetID="42" presetClass="entr" presetSubtype="0" fill="hold" nodeType="withEffect">
                                   <p:stCondLst>
-                                    <p:cond delay="0"/>
+                                    <p:cond delay="200"/>
                                   </p:stCondLst>
                                   <p:childTnLst>
                                     <p:set>
                                       <p:cBhvr>
-                                        <p:cTn id="39" dur="1" fill="hold">
+                                        <p:cTn id="36" dur="1" fill="hold">
                                           <p:stCondLst>
                                             <p:cond delay="0"/>
                                           </p:stCondLst>
@@ -10451,7 +10421,7 @@
                                     </p:set>
                                     <p:animEffect transition="in" filter="fade">
                                       <p:cBhvr>
-                                        <p:cTn id="40" dur="500"/>
+                                        <p:cTn id="37" dur="500"/>
                                         <p:tgtEl>
                                           <p:spTgt spid="34"/>
                                         </p:tgtEl>
@@ -10459,7 +10429,7 @@
                                     </p:animEffect>
                                     <p:anim calcmode="lin" valueType="num">
                                       <p:cBhvr>
-                                        <p:cTn id="41" dur="500" fill="hold"/>
+                                        <p:cTn id="38" dur="500" fill="hold"/>
                                         <p:tgtEl>
                                           <p:spTgt spid="34"/>
                                         </p:tgtEl>
@@ -10482,7 +10452,7 @@
                                     </p:anim>
                                     <p:anim calcmode="lin" valueType="num">
                                       <p:cBhvr>
-                                        <p:cTn id="42" dur="500" fill="hold"/>
+                                        <p:cTn id="39" dur="500" fill="hold"/>
                                         <p:tgtEl>
                                           <p:spTgt spid="34"/>
                                         </p:tgtEl>
@@ -10513,26 +10483,26 @@
                     </p:cTn>
                   </p:par>
                   <p:par>
-                    <p:cTn id="43" fill="hold">
+                    <p:cTn id="40" fill="hold">
                       <p:stCondLst>
                         <p:cond delay="indefinite"/>
                       </p:stCondLst>
                       <p:childTnLst>
                         <p:par>
-                          <p:cTn id="44" fill="hold">
+                          <p:cTn id="41" fill="hold">
                             <p:stCondLst>
                               <p:cond delay="0"/>
                             </p:stCondLst>
                             <p:childTnLst>
                               <p:par>
-                                <p:cTn id="45" presetID="1" presetClass="entr" presetSubtype="0" fill="hold" grpId="0" nodeType="clickEffect">
+                                <p:cTn id="42" presetID="1" presetClass="entr" presetSubtype="0" fill="hold" grpId="0" nodeType="clickEffect">
                                   <p:stCondLst>
                                     <p:cond delay="0"/>
                                   </p:stCondLst>
                                   <p:childTnLst>
                                     <p:set>
                                       <p:cBhvr>
-                                        <p:cTn id="46" dur="1" fill="hold">
+                                        <p:cTn id="43" dur="1" fill="hold">
                                           <p:stCondLst>
                                             <p:cond delay="0"/>
                                           </p:stCondLst>
@@ -10558,26 +10528,26 @@
                     </p:cTn>
                   </p:par>
                   <p:par>
-                    <p:cTn id="47" fill="hold">
+                    <p:cTn id="44" fill="hold">
                       <p:stCondLst>
                         <p:cond delay="indefinite"/>
                       </p:stCondLst>
                       <p:childTnLst>
                         <p:par>
-                          <p:cTn id="48" fill="hold">
+                          <p:cTn id="45" fill="hold">
                             <p:stCondLst>
                               <p:cond delay="0"/>
                             </p:stCondLst>
                             <p:childTnLst>
                               <p:par>
-                                <p:cTn id="49" presetID="42" presetClass="entr" presetSubtype="0" fill="hold" nodeType="clickEffect">
+                                <p:cTn id="46" presetID="42" presetClass="entr" presetSubtype="0" fill="hold" nodeType="clickEffect">
                                   <p:stCondLst>
                                     <p:cond delay="0"/>
                                   </p:stCondLst>
                                   <p:childTnLst>
                                     <p:set>
                                       <p:cBhvr>
-                                        <p:cTn id="50" dur="1" fill="hold">
+                                        <p:cTn id="47" dur="1" fill="hold">
                                           <p:stCondLst>
                                             <p:cond delay="0"/>
                                           </p:stCondLst>
@@ -10595,7 +10565,7 @@
                                     </p:set>
                                     <p:animEffect transition="in" filter="fade">
                                       <p:cBhvr>
-                                        <p:cTn id="51" dur="500"/>
+                                        <p:cTn id="48" dur="500"/>
                                         <p:tgtEl>
                                           <p:spTgt spid="24"/>
                                         </p:tgtEl>
@@ -10603,7 +10573,7 @@
                                     </p:animEffect>
                                     <p:anim calcmode="lin" valueType="num">
                                       <p:cBhvr>
-                                        <p:cTn id="52" dur="500" fill="hold"/>
+                                        <p:cTn id="49" dur="500" fill="hold"/>
                                         <p:tgtEl>
                                           <p:spTgt spid="24"/>
                                         </p:tgtEl>
@@ -10626,7 +10596,7 @@
                                     </p:anim>
                                     <p:anim calcmode="lin" valueType="num">
                                       <p:cBhvr>
-                                        <p:cTn id="53" dur="500" fill="hold"/>
+                                        <p:cTn id="50" dur="500" fill="hold"/>
                                         <p:tgtEl>
                                           <p:spTgt spid="24"/>
                                         </p:tgtEl>
@@ -10650,24 +10620,15 @@
                                   </p:childTnLst>
                                 </p:cTn>
                               </p:par>
-                            </p:childTnLst>
-                          </p:cTn>
-                        </p:par>
-                        <p:par>
-                          <p:cTn id="54" fill="hold">
-                            <p:stCondLst>
-                              <p:cond delay="500"/>
-                            </p:stCondLst>
-                            <p:childTnLst>
                               <p:par>
-                                <p:cTn id="55" presetID="42" presetClass="entr" presetSubtype="0" fill="hold" nodeType="afterEffect">
+                                <p:cTn id="51" presetID="42" presetClass="entr" presetSubtype="0" fill="hold" nodeType="withEffect">
                                   <p:stCondLst>
-                                    <p:cond delay="0"/>
+                                    <p:cond delay="200"/>
                                   </p:stCondLst>
                                   <p:childTnLst>
                                     <p:set>
                                       <p:cBhvr>
-                                        <p:cTn id="56" dur="1" fill="hold">
+                                        <p:cTn id="52" dur="1" fill="hold">
                                           <p:stCondLst>
                                             <p:cond delay="0"/>
                                           </p:stCondLst>
@@ -10685,7 +10646,7 @@
                                     </p:set>
                                     <p:animEffect transition="in" filter="fade">
                                       <p:cBhvr>
-                                        <p:cTn id="57" dur="500"/>
+                                        <p:cTn id="53" dur="500"/>
                                         <p:tgtEl>
                                           <p:spTgt spid="25"/>
                                         </p:tgtEl>
@@ -10693,7 +10654,7 @@
                                     </p:animEffect>
                                     <p:anim calcmode="lin" valueType="num">
                                       <p:cBhvr>
-                                        <p:cTn id="58" dur="500" fill="hold"/>
+                                        <p:cTn id="54" dur="500" fill="hold"/>
                                         <p:tgtEl>
                                           <p:spTgt spid="25"/>
                                         </p:tgtEl>
@@ -10716,7 +10677,7 @@
                                     </p:anim>
                                     <p:anim calcmode="lin" valueType="num">
                                       <p:cBhvr>
-                                        <p:cTn id="59" dur="500" fill="hold"/>
+                                        <p:cTn id="55" dur="500" fill="hold"/>
                                         <p:tgtEl>
                                           <p:spTgt spid="25"/>
                                         </p:tgtEl>
@@ -10740,24 +10701,15 @@
                                   </p:childTnLst>
                                 </p:cTn>
                               </p:par>
-                            </p:childTnLst>
-                          </p:cTn>
-                        </p:par>
-                        <p:par>
-                          <p:cTn id="60" fill="hold">
-                            <p:stCondLst>
-                              <p:cond delay="1000"/>
-                            </p:stCondLst>
-                            <p:childTnLst>
                               <p:par>
-                                <p:cTn id="61" presetID="42" presetClass="entr" presetSubtype="0" fill="hold" nodeType="afterEffect">
+                                <p:cTn id="56" presetID="42" presetClass="entr" presetSubtype="0" fill="hold" nodeType="withEffect">
                                   <p:stCondLst>
-                                    <p:cond delay="0"/>
+                                    <p:cond delay="400"/>
                                   </p:stCondLst>
                                   <p:childTnLst>
                                     <p:set>
                                       <p:cBhvr>
-                                        <p:cTn id="62" dur="1" fill="hold">
+                                        <p:cTn id="57" dur="1" fill="hold">
                                           <p:stCondLst>
                                             <p:cond delay="0"/>
                                           </p:stCondLst>
@@ -10775,7 +10727,7 @@
                                     </p:set>
                                     <p:animEffect transition="in" filter="fade">
                                       <p:cBhvr>
-                                        <p:cTn id="63" dur="500"/>
+                                        <p:cTn id="58" dur="500"/>
                                         <p:tgtEl>
                                           <p:spTgt spid="28"/>
                                         </p:tgtEl>
@@ -10783,7 +10735,7 @@
                                     </p:animEffect>
                                     <p:anim calcmode="lin" valueType="num">
                                       <p:cBhvr>
-                                        <p:cTn id="64" dur="500" fill="hold"/>
+                                        <p:cTn id="59" dur="500" fill="hold"/>
                                         <p:tgtEl>
                                           <p:spTgt spid="28"/>
                                         </p:tgtEl>
@@ -10806,7 +10758,7 @@
                                     </p:anim>
                                     <p:anim calcmode="lin" valueType="num">
                                       <p:cBhvr>
-                                        <p:cTn id="65" dur="500" fill="hold"/>
+                                        <p:cTn id="60" dur="500" fill="hold"/>
                                         <p:tgtEl>
                                           <p:spTgt spid="28"/>
                                         </p:tgtEl>
@@ -10837,26 +10789,26 @@
                     </p:cTn>
                   </p:par>
                   <p:par>
-                    <p:cTn id="66" fill="hold">
+                    <p:cTn id="61" fill="hold">
                       <p:stCondLst>
                         <p:cond delay="indefinite"/>
                       </p:stCondLst>
                       <p:childTnLst>
                         <p:par>
-                          <p:cTn id="67" fill="hold">
+                          <p:cTn id="62" fill="hold">
                             <p:stCondLst>
                               <p:cond delay="0"/>
                             </p:stCondLst>
                             <p:childTnLst>
                               <p:par>
-                                <p:cTn id="68" presetID="1" presetClass="entr" presetSubtype="0" fill="hold" nodeType="clickEffect">
+                                <p:cTn id="63" presetID="1" presetClass="entr" presetSubtype="0" fill="hold" nodeType="clickEffect">
                                   <p:stCondLst>
                                     <p:cond delay="0"/>
                                   </p:stCondLst>
                                   <p:childTnLst>
                                     <p:set>
                                       <p:cBhvr>
-                                        <p:cTn id="69" dur="1" fill="hold">
+                                        <p:cTn id="64" dur="1" fill="hold">
                                           <p:stCondLst>
                                             <p:cond delay="0"/>
                                           </p:stCondLst>
@@ -10987,7 +10939,7 @@
           <a:p>
             <a:fld id="{60CB520D-D965-46BA-A3CC-319C6DE058D5}" type="datetime1">
               <a:rPr lang="de-DE" smtClean="0"/>
-              <a:t>10.06.2025</a:t>
+              <a:t>11.06.2025</a:t>
             </a:fld>
             <a:endParaRPr lang="en-SE"/>
           </a:p>
@@ -12399,13 +12351,13 @@
   <p:clrMapOvr>
     <a:masterClrMapping/>
   </p:clrMapOvr>
-  <mc:AlternateContent xmlns:mc="http://schemas.openxmlformats.org/markup-compatibility/2006">
-    <mc:Choice xmlns:p159="http://schemas.microsoft.com/office/powerpoint/2015/09/main" Requires="p159">
+  <mc:AlternateContent xmlns:mc="http://schemas.openxmlformats.org/markup-compatibility/2006" xmlns:p159="http://schemas.microsoft.com/office/powerpoint/2015/09/main">
+    <mc:Choice Requires="p159">
       <p:transition xmlns:p14="http://schemas.microsoft.com/office/powerpoint/2010/main" spd="med" p14:dur="700">
         <p159:morph option="byObject"/>
       </p:transition>
     </mc:Choice>
-    <mc:Fallback>
+    <mc:Fallback xmlns="">
       <p:transition spd="med">
         <p:fade/>
       </p:transition>
@@ -12779,7 +12731,7 @@
           <a:p>
             <a:fld id="{60CB520D-D965-46BA-A3CC-319C6DE058D5}" type="datetime1">
               <a:rPr lang="de-DE" smtClean="0"/>
-              <a:t>10.06.2025</a:t>
+              <a:t>11.06.2025</a:t>
             </a:fld>
             <a:endParaRPr lang="en-SE"/>
           </a:p>
@@ -14408,13 +14360,13 @@
   <p:clrMapOvr>
     <a:masterClrMapping/>
   </p:clrMapOvr>
-  <mc:AlternateContent xmlns:mc="http://schemas.openxmlformats.org/markup-compatibility/2006">
-    <mc:Choice xmlns:p159="http://schemas.microsoft.com/office/powerpoint/2015/09/main" Requires="p159">
+  <mc:AlternateContent xmlns:mc="http://schemas.openxmlformats.org/markup-compatibility/2006" xmlns:p159="http://schemas.microsoft.com/office/powerpoint/2015/09/main">
+    <mc:Choice Requires="p159">
       <p:transition xmlns:p14="http://schemas.microsoft.com/office/powerpoint/2010/main" spd="med" p14:dur="700">
         <p159:morph option="byObject"/>
       </p:transition>
     </mc:Choice>
-    <mc:Fallback>
+    <mc:Fallback xmlns="">
       <p:transition spd="med">
         <p:fade/>
       </p:transition>
@@ -15083,7 +15035,7 @@
           <a:p>
             <a:fld id="{2509DF91-04BD-4F03-AD3C-3B3EE79DBBA8}" type="datetime1">
               <a:rPr lang="de-DE" smtClean="0"/>
-              <a:t>10.06.2025</a:t>
+              <a:t>11.06.2025</a:t>
             </a:fld>
             <a:endParaRPr lang="en-SE"/>
           </a:p>
@@ -15613,13 +15565,13 @@
   <p:clrMapOvr>
     <a:masterClrMapping/>
   </p:clrMapOvr>
-  <mc:AlternateContent xmlns:mc="http://schemas.openxmlformats.org/markup-compatibility/2006">
-    <mc:Choice xmlns:p159="http://schemas.microsoft.com/office/powerpoint/2015/09/main" Requires="p159">
+  <mc:AlternateContent xmlns:mc="http://schemas.openxmlformats.org/markup-compatibility/2006" xmlns:p159="http://schemas.microsoft.com/office/powerpoint/2015/09/main">
+    <mc:Choice Requires="p159">
       <p:transition xmlns:p14="http://schemas.microsoft.com/office/powerpoint/2010/main" spd="med" p14:dur="700">
         <p159:morph option="byObject"/>
       </p:transition>
     </mc:Choice>
-    <mc:Fallback>
+    <mc:Fallback xmlns="">
       <p:transition spd="med">
         <p:fade/>
       </p:transition>
@@ -16166,7 +16118,7 @@
           <a:p>
             <a:fld id="{7D4C7CFC-0D51-4D10-BD17-755824AADAEC}" type="datetime1">
               <a:rPr lang="de-DE" smtClean="0"/>
-              <a:t>10.06.2025</a:t>
+              <a:t>11.06.2025</a:t>
             </a:fld>
             <a:endParaRPr lang="en-SE"/>
           </a:p>
@@ -16549,13 +16501,13 @@
   <p:clrMapOvr>
     <a:masterClrMapping/>
   </p:clrMapOvr>
-  <mc:AlternateContent xmlns:mc="http://schemas.openxmlformats.org/markup-compatibility/2006">
-    <mc:Choice xmlns:p159="http://schemas.microsoft.com/office/powerpoint/2015/09/main" Requires="p159">
+  <mc:AlternateContent xmlns:mc="http://schemas.openxmlformats.org/markup-compatibility/2006" xmlns:p159="http://schemas.microsoft.com/office/powerpoint/2015/09/main">
+    <mc:Choice Requires="p159">
       <p:transition xmlns:p14="http://schemas.microsoft.com/office/powerpoint/2010/main" spd="med" p14:dur="700">
         <p159:morph option="byObject"/>
       </p:transition>
     </mc:Choice>
-    <mc:Fallback>
+    <mc:Fallback xmlns="">
       <p:transition spd="med">
         <p:fade/>
       </p:transition>
